--- a/SourcesTierces/Planification projet/Diagrammes projet.pptx
+++ b/SourcesTierces/Planification projet/Diagrammes projet.pptx
@@ -4084,6 +4084,150 @@
         </a:p>
       </dgm:t>
     </dgm:pt>
+    <dgm:pt modelId="{2AF73DC3-CBBF-468B-A348-6E57C8541CF4}">
+      <dgm:prSet phldrT="[Texte]"/>
+      <dgm:spPr/>
+      <dgm:t>
+        <a:bodyPr/>
+        <a:lstStyle/>
+        <a:p>
+          <a:r>
+            <a:rPr lang="fr-FR" dirty="0"/>
+            <a:t>Déplacements</a:t>
+          </a:r>
+        </a:p>
+      </dgm:t>
+    </dgm:pt>
+    <dgm:pt modelId="{DFCABC8C-BA57-49AD-846D-2DBB05D652F8}" type="parTrans" cxnId="{0285D1F9-2F64-4D77-ACE1-C061B6DFFF2F}">
+      <dgm:prSet/>
+      <dgm:spPr/>
+      <dgm:t>
+        <a:bodyPr/>
+        <a:lstStyle/>
+        <a:p>
+          <a:endParaRPr lang="fr-FR"/>
+        </a:p>
+      </dgm:t>
+    </dgm:pt>
+    <dgm:pt modelId="{0DE11B2D-83B9-4300-BCF0-DE2BE7330510}" type="sibTrans" cxnId="{0285D1F9-2F64-4D77-ACE1-C061B6DFFF2F}">
+      <dgm:prSet/>
+      <dgm:spPr/>
+      <dgm:t>
+        <a:bodyPr/>
+        <a:lstStyle/>
+        <a:p>
+          <a:endParaRPr lang="fr-FR"/>
+        </a:p>
+      </dgm:t>
+    </dgm:pt>
+    <dgm:pt modelId="{30CE6BB3-27F0-4552-8A3A-F9253865FBED}">
+      <dgm:prSet phldrT="[Texte]"/>
+      <dgm:spPr/>
+      <dgm:t>
+        <a:bodyPr/>
+        <a:lstStyle/>
+        <a:p>
+          <a:r>
+            <a:rPr lang="fr-FR" dirty="0"/>
+            <a:t>Inventaire</a:t>
+          </a:r>
+        </a:p>
+      </dgm:t>
+    </dgm:pt>
+    <dgm:pt modelId="{1DA41876-E3A5-4752-88CC-B5D9328F6187}" type="parTrans" cxnId="{9F3B019E-C8A1-44E8-A62B-E247088A73ED}">
+      <dgm:prSet/>
+      <dgm:spPr/>
+      <dgm:t>
+        <a:bodyPr/>
+        <a:lstStyle/>
+        <a:p>
+          <a:endParaRPr lang="fr-FR"/>
+        </a:p>
+      </dgm:t>
+    </dgm:pt>
+    <dgm:pt modelId="{97B80884-57F5-4E25-A83B-71AF23EE3906}" type="sibTrans" cxnId="{9F3B019E-C8A1-44E8-A62B-E247088A73ED}">
+      <dgm:prSet/>
+      <dgm:spPr/>
+      <dgm:t>
+        <a:bodyPr/>
+        <a:lstStyle/>
+        <a:p>
+          <a:endParaRPr lang="fr-FR"/>
+        </a:p>
+      </dgm:t>
+    </dgm:pt>
+    <dgm:pt modelId="{54F1F333-9DE9-4983-B2A1-1B38F1B52727}">
+      <dgm:prSet phldrT="[Texte]"/>
+      <dgm:spPr/>
+      <dgm:t>
+        <a:bodyPr/>
+        <a:lstStyle/>
+        <a:p>
+          <a:r>
+            <a:rPr lang="fr-FR" dirty="0"/>
+            <a:t>Interactions</a:t>
+          </a:r>
+        </a:p>
+      </dgm:t>
+    </dgm:pt>
+    <dgm:pt modelId="{A400EF8E-2088-456D-AABE-251E6ABEAE16}" type="parTrans" cxnId="{EAB8C05A-C425-4562-8171-8AE673C764AE}">
+      <dgm:prSet/>
+      <dgm:spPr/>
+      <dgm:t>
+        <a:bodyPr/>
+        <a:lstStyle/>
+        <a:p>
+          <a:endParaRPr lang="fr-FR"/>
+        </a:p>
+      </dgm:t>
+    </dgm:pt>
+    <dgm:pt modelId="{6A2FAF7C-ECF7-4346-B855-0DA3E828E1A3}" type="sibTrans" cxnId="{EAB8C05A-C425-4562-8171-8AE673C764AE}">
+      <dgm:prSet/>
+      <dgm:spPr/>
+      <dgm:t>
+        <a:bodyPr/>
+        <a:lstStyle/>
+        <a:p>
+          <a:endParaRPr lang="fr-FR"/>
+        </a:p>
+      </dgm:t>
+    </dgm:pt>
+    <dgm:pt modelId="{ABDCF4AA-9519-4901-B2B7-749B7F42022A}">
+      <dgm:prSet phldrT="[Texte]"/>
+      <dgm:spPr/>
+      <dgm:t>
+        <a:bodyPr/>
+        <a:lstStyle/>
+        <a:p>
+          <a:r>
+            <a:rPr lang="fr-FR" dirty="0"/>
+            <a:t>Stats</a:t>
+          </a:r>
+        </a:p>
+      </dgm:t>
+    </dgm:pt>
+    <dgm:pt modelId="{07A2CA89-1CCA-406D-B24C-B42D15843EDF}" type="parTrans" cxnId="{1D8FDF64-615D-49B0-A650-30716C60B476}">
+      <dgm:prSet/>
+      <dgm:spPr/>
+      <dgm:t>
+        <a:bodyPr/>
+        <a:lstStyle/>
+        <a:p>
+          <a:endParaRPr lang="fr-FR"/>
+        </a:p>
+      </dgm:t>
+    </dgm:pt>
+    <dgm:pt modelId="{0F11343C-5F0F-41DD-BD12-88EA744A24DD}" type="sibTrans" cxnId="{1D8FDF64-615D-49B0-A650-30716C60B476}">
+      <dgm:prSet/>
+      <dgm:spPr/>
+      <dgm:t>
+        <a:bodyPr/>
+        <a:lstStyle/>
+        <a:p>
+          <a:endParaRPr lang="fr-FR"/>
+        </a:p>
+      </dgm:t>
+    </dgm:pt>
     <dgm:pt modelId="{04BF857B-5DDE-4C69-BFE6-0F048373EFB2}" type="pres">
       <dgm:prSet presAssocID="{A459C26D-9077-4450-B640-3F8F4CD5B444}" presName="hierChild1" presStyleCnt="0">
         <dgm:presLayoutVars>
@@ -4190,7 +4334,7 @@
       <dgm:spPr/>
     </dgm:pt>
     <dgm:pt modelId="{973E7B61-219A-4455-8D53-B32295C0C39D}" type="pres">
-      <dgm:prSet presAssocID="{879107DD-865C-4BC8-AD05-D9CC4D58EC6F}" presName="Name37" presStyleLbl="parChTrans1D4" presStyleIdx="0" presStyleCnt="20"/>
+      <dgm:prSet presAssocID="{879107DD-865C-4BC8-AD05-D9CC4D58EC6F}" presName="Name37" presStyleLbl="parChTrans1D4" presStyleIdx="0" presStyleCnt="24"/>
       <dgm:spPr/>
     </dgm:pt>
     <dgm:pt modelId="{567566B9-485B-4FA5-B91F-7B98A1A863A1}" type="pres">
@@ -4206,7 +4350,7 @@
       <dgm:spPr/>
     </dgm:pt>
     <dgm:pt modelId="{D311F373-5493-4C5F-87FA-794DB6DF9A6B}" type="pres">
-      <dgm:prSet presAssocID="{6AB7A73A-2EF2-46EE-B81C-C0B25F0767E2}" presName="rootText" presStyleLbl="node4" presStyleIdx="0" presStyleCnt="20">
+      <dgm:prSet presAssocID="{6AB7A73A-2EF2-46EE-B81C-C0B25F0767E2}" presName="rootText" presStyleLbl="node4" presStyleIdx="0" presStyleCnt="24">
         <dgm:presLayoutVars>
           <dgm:chPref val="3"/>
         </dgm:presLayoutVars>
@@ -4214,7 +4358,7 @@
       <dgm:spPr/>
     </dgm:pt>
     <dgm:pt modelId="{D4525169-5D6D-4151-AB88-D1F4FED80180}" type="pres">
-      <dgm:prSet presAssocID="{6AB7A73A-2EF2-46EE-B81C-C0B25F0767E2}" presName="rootConnector" presStyleLbl="node4" presStyleIdx="0" presStyleCnt="20"/>
+      <dgm:prSet presAssocID="{6AB7A73A-2EF2-46EE-B81C-C0B25F0767E2}" presName="rootConnector" presStyleLbl="node4" presStyleIdx="0" presStyleCnt="24"/>
       <dgm:spPr/>
     </dgm:pt>
     <dgm:pt modelId="{30D2286C-09C7-481A-8857-DDE97CCA6E55}" type="pres">
@@ -4226,7 +4370,7 @@
       <dgm:spPr/>
     </dgm:pt>
     <dgm:pt modelId="{187041E5-6F89-420A-9B2E-2FA8CD8124B5}" type="pres">
-      <dgm:prSet presAssocID="{2E54B73C-B796-4297-832A-3D8DDB67BA02}" presName="Name37" presStyleLbl="parChTrans1D4" presStyleIdx="1" presStyleCnt="20"/>
+      <dgm:prSet presAssocID="{2E54B73C-B796-4297-832A-3D8DDB67BA02}" presName="Name37" presStyleLbl="parChTrans1D4" presStyleIdx="1" presStyleCnt="24"/>
       <dgm:spPr/>
     </dgm:pt>
     <dgm:pt modelId="{4A0D83D9-93B4-496D-B130-0E266CDE133E}" type="pres">
@@ -4242,7 +4386,7 @@
       <dgm:spPr/>
     </dgm:pt>
     <dgm:pt modelId="{16612FBC-5253-4DBF-8A0E-DE80AC81042F}" type="pres">
-      <dgm:prSet presAssocID="{E69D8413-5949-4F45-89B3-15099A9F1C37}" presName="rootText" presStyleLbl="node4" presStyleIdx="1" presStyleCnt="20">
+      <dgm:prSet presAssocID="{E69D8413-5949-4F45-89B3-15099A9F1C37}" presName="rootText" presStyleLbl="node4" presStyleIdx="1" presStyleCnt="24">
         <dgm:presLayoutVars>
           <dgm:chPref val="3"/>
         </dgm:presLayoutVars>
@@ -4250,7 +4394,7 @@
       <dgm:spPr/>
     </dgm:pt>
     <dgm:pt modelId="{AC452B8E-5959-469F-85C8-E620954797FD}" type="pres">
-      <dgm:prSet presAssocID="{E69D8413-5949-4F45-89B3-15099A9F1C37}" presName="rootConnector" presStyleLbl="node4" presStyleIdx="1" presStyleCnt="20"/>
+      <dgm:prSet presAssocID="{E69D8413-5949-4F45-89B3-15099A9F1C37}" presName="rootConnector" presStyleLbl="node4" presStyleIdx="1" presStyleCnt="24"/>
       <dgm:spPr/>
     </dgm:pt>
     <dgm:pt modelId="{08D84352-30A8-4057-A317-937AD1008C7D}" type="pres">
@@ -4262,7 +4406,7 @@
       <dgm:spPr/>
     </dgm:pt>
     <dgm:pt modelId="{AE0923D8-6F34-4E08-9D1D-80B9892C8B39}" type="pres">
-      <dgm:prSet presAssocID="{069A1717-42C5-4678-90D6-67DB92549027}" presName="Name37" presStyleLbl="parChTrans1D4" presStyleIdx="2" presStyleCnt="20"/>
+      <dgm:prSet presAssocID="{069A1717-42C5-4678-90D6-67DB92549027}" presName="Name37" presStyleLbl="parChTrans1D4" presStyleIdx="2" presStyleCnt="24"/>
       <dgm:spPr/>
     </dgm:pt>
     <dgm:pt modelId="{EC1D4117-9418-440F-9EC0-A7551E52EBE5}" type="pres">
@@ -4278,7 +4422,7 @@
       <dgm:spPr/>
     </dgm:pt>
     <dgm:pt modelId="{C11F4A87-40A1-4DB9-90DD-61CE9B0EBD73}" type="pres">
-      <dgm:prSet presAssocID="{B606F3BA-5BE8-4AA2-BA27-0A593D54FA6E}" presName="rootText" presStyleLbl="node4" presStyleIdx="2" presStyleCnt="20">
+      <dgm:prSet presAssocID="{B606F3BA-5BE8-4AA2-BA27-0A593D54FA6E}" presName="rootText" presStyleLbl="node4" presStyleIdx="2" presStyleCnt="24">
         <dgm:presLayoutVars>
           <dgm:chPref val="3"/>
         </dgm:presLayoutVars>
@@ -4286,7 +4430,7 @@
       <dgm:spPr/>
     </dgm:pt>
     <dgm:pt modelId="{DB1D1BC8-F406-4559-BF99-6BFE84D48646}" type="pres">
-      <dgm:prSet presAssocID="{B606F3BA-5BE8-4AA2-BA27-0A593D54FA6E}" presName="rootConnector" presStyleLbl="node4" presStyleIdx="2" presStyleCnt="20"/>
+      <dgm:prSet presAssocID="{B606F3BA-5BE8-4AA2-BA27-0A593D54FA6E}" presName="rootConnector" presStyleLbl="node4" presStyleIdx="2" presStyleCnt="24"/>
       <dgm:spPr/>
     </dgm:pt>
     <dgm:pt modelId="{7C65D4C0-628F-4349-8E78-3D5D20361ADE}" type="pres">
@@ -4298,7 +4442,7 @@
       <dgm:spPr/>
     </dgm:pt>
     <dgm:pt modelId="{27116311-C860-4E73-A00C-3F5386D25908}" type="pres">
-      <dgm:prSet presAssocID="{40D716D5-A6BB-4352-9598-0B21D3DEE778}" presName="Name37" presStyleLbl="parChTrans1D4" presStyleIdx="3" presStyleCnt="20"/>
+      <dgm:prSet presAssocID="{40D716D5-A6BB-4352-9598-0B21D3DEE778}" presName="Name37" presStyleLbl="parChTrans1D4" presStyleIdx="3" presStyleCnt="24"/>
       <dgm:spPr/>
     </dgm:pt>
     <dgm:pt modelId="{A7960495-0DDF-4367-AFA2-CE76D3784477}" type="pres">
@@ -4314,7 +4458,7 @@
       <dgm:spPr/>
     </dgm:pt>
     <dgm:pt modelId="{D0A0E7D0-E750-4D24-BC27-F61D21AD908F}" type="pres">
-      <dgm:prSet presAssocID="{65E89657-B73B-472A-87F5-5A0E4DC92C83}" presName="rootText" presStyleLbl="node4" presStyleIdx="3" presStyleCnt="20">
+      <dgm:prSet presAssocID="{65E89657-B73B-472A-87F5-5A0E4DC92C83}" presName="rootText" presStyleLbl="node4" presStyleIdx="3" presStyleCnt="24">
         <dgm:presLayoutVars>
           <dgm:chPref val="3"/>
         </dgm:presLayoutVars>
@@ -4322,7 +4466,7 @@
       <dgm:spPr/>
     </dgm:pt>
     <dgm:pt modelId="{96B693BC-F59D-40A7-85BC-1F4860B1D21C}" type="pres">
-      <dgm:prSet presAssocID="{65E89657-B73B-472A-87F5-5A0E4DC92C83}" presName="rootConnector" presStyleLbl="node4" presStyleIdx="3" presStyleCnt="20"/>
+      <dgm:prSet presAssocID="{65E89657-B73B-472A-87F5-5A0E4DC92C83}" presName="rootConnector" presStyleLbl="node4" presStyleIdx="3" presStyleCnt="24"/>
       <dgm:spPr/>
     </dgm:pt>
     <dgm:pt modelId="{9E63DEAB-B1D2-4E38-BDEF-6CD1D3B730D2}" type="pres">
@@ -4370,7 +4514,7 @@
       <dgm:spPr/>
     </dgm:pt>
     <dgm:pt modelId="{CE1D0AEE-78F0-4D6D-9679-D01A42FA5E26}" type="pres">
-      <dgm:prSet presAssocID="{93431D08-AC0D-4AEC-B283-1846B0F987DF}" presName="Name37" presStyleLbl="parChTrans1D4" presStyleIdx="4" presStyleCnt="20"/>
+      <dgm:prSet presAssocID="{93431D08-AC0D-4AEC-B283-1846B0F987DF}" presName="Name37" presStyleLbl="parChTrans1D4" presStyleIdx="4" presStyleCnt="24"/>
       <dgm:spPr/>
     </dgm:pt>
     <dgm:pt modelId="{437281EC-5CD6-4A30-922A-EAB0AD1B2A2D}" type="pres">
@@ -4386,7 +4530,7 @@
       <dgm:spPr/>
     </dgm:pt>
     <dgm:pt modelId="{D9FBE6DD-5BE5-4ED0-A9F3-0753AF8FCE2D}" type="pres">
-      <dgm:prSet presAssocID="{47FD801B-2DC5-44AF-87E0-1CDA21146964}" presName="rootText" presStyleLbl="node4" presStyleIdx="4" presStyleCnt="20">
+      <dgm:prSet presAssocID="{47FD801B-2DC5-44AF-87E0-1CDA21146964}" presName="rootText" presStyleLbl="node4" presStyleIdx="4" presStyleCnt="24">
         <dgm:presLayoutVars>
           <dgm:chPref val="3"/>
         </dgm:presLayoutVars>
@@ -4394,7 +4538,7 @@
       <dgm:spPr/>
     </dgm:pt>
     <dgm:pt modelId="{42348DA4-F525-4085-98DC-9DAF8499EDFE}" type="pres">
-      <dgm:prSet presAssocID="{47FD801B-2DC5-44AF-87E0-1CDA21146964}" presName="rootConnector" presStyleLbl="node4" presStyleIdx="4" presStyleCnt="20"/>
+      <dgm:prSet presAssocID="{47FD801B-2DC5-44AF-87E0-1CDA21146964}" presName="rootConnector" presStyleLbl="node4" presStyleIdx="4" presStyleCnt="24"/>
       <dgm:spPr/>
     </dgm:pt>
     <dgm:pt modelId="{CD0DE7C7-726A-4BEE-8014-2B6EF4C3493A}" type="pres">
@@ -4406,7 +4550,7 @@
       <dgm:spPr/>
     </dgm:pt>
     <dgm:pt modelId="{89A7BAAF-BD1D-4FEE-97D1-0A0D6FFF9B2E}" type="pres">
-      <dgm:prSet presAssocID="{3EAD63C0-5758-4BC0-BC95-66EA389393CB}" presName="Name37" presStyleLbl="parChTrans1D4" presStyleIdx="5" presStyleCnt="20"/>
+      <dgm:prSet presAssocID="{3EAD63C0-5758-4BC0-BC95-66EA389393CB}" presName="Name37" presStyleLbl="parChTrans1D4" presStyleIdx="5" presStyleCnt="24"/>
       <dgm:spPr/>
     </dgm:pt>
     <dgm:pt modelId="{EDB99E27-B786-4D5E-9AD8-8FBEA5AC2E11}" type="pres">
@@ -4422,7 +4566,7 @@
       <dgm:spPr/>
     </dgm:pt>
     <dgm:pt modelId="{D5B6F2B2-6C82-4F61-A876-009A2D7FCFD0}" type="pres">
-      <dgm:prSet presAssocID="{3F8AE2C5-F756-4DA5-9752-CA70DC2593AF}" presName="rootText" presStyleLbl="node4" presStyleIdx="5" presStyleCnt="20">
+      <dgm:prSet presAssocID="{3F8AE2C5-F756-4DA5-9752-CA70DC2593AF}" presName="rootText" presStyleLbl="node4" presStyleIdx="5" presStyleCnt="24">
         <dgm:presLayoutVars>
           <dgm:chPref val="3"/>
         </dgm:presLayoutVars>
@@ -4430,7 +4574,7 @@
       <dgm:spPr/>
     </dgm:pt>
     <dgm:pt modelId="{D01186C8-193E-445B-8969-0DB9F72B6BB2}" type="pres">
-      <dgm:prSet presAssocID="{3F8AE2C5-F756-4DA5-9752-CA70DC2593AF}" presName="rootConnector" presStyleLbl="node4" presStyleIdx="5" presStyleCnt="20"/>
+      <dgm:prSet presAssocID="{3F8AE2C5-F756-4DA5-9752-CA70DC2593AF}" presName="rootConnector" presStyleLbl="node4" presStyleIdx="5" presStyleCnt="24"/>
       <dgm:spPr/>
     </dgm:pt>
     <dgm:pt modelId="{505AA63E-79E2-4DDB-9CF7-726A08641E56}" type="pres">
@@ -4442,7 +4586,7 @@
       <dgm:spPr/>
     </dgm:pt>
     <dgm:pt modelId="{06A262FE-717F-4FD3-8C12-CF3AFB710B83}" type="pres">
-      <dgm:prSet presAssocID="{9C23874E-82E6-4A2D-8A8A-3B08931926E5}" presName="Name37" presStyleLbl="parChTrans1D4" presStyleIdx="6" presStyleCnt="20"/>
+      <dgm:prSet presAssocID="{9C23874E-82E6-4A2D-8A8A-3B08931926E5}" presName="Name37" presStyleLbl="parChTrans1D4" presStyleIdx="6" presStyleCnt="24"/>
       <dgm:spPr/>
     </dgm:pt>
     <dgm:pt modelId="{14CC4896-1D90-4CF6-B056-A1CE32EC91DB}" type="pres">
@@ -4458,7 +4602,7 @@
       <dgm:spPr/>
     </dgm:pt>
     <dgm:pt modelId="{C346AC1F-2F36-429F-A3EA-0E9489CE387F}" type="pres">
-      <dgm:prSet presAssocID="{EDEE53D5-71A3-46B9-97A9-467EDB3775DC}" presName="rootText" presStyleLbl="node4" presStyleIdx="6" presStyleCnt="20">
+      <dgm:prSet presAssocID="{EDEE53D5-71A3-46B9-97A9-467EDB3775DC}" presName="rootText" presStyleLbl="node4" presStyleIdx="6" presStyleCnt="24">
         <dgm:presLayoutVars>
           <dgm:chPref val="3"/>
         </dgm:presLayoutVars>
@@ -4466,7 +4610,7 @@
       <dgm:spPr/>
     </dgm:pt>
     <dgm:pt modelId="{17A46959-5224-4FF4-878D-EAB4BCA4AAD1}" type="pres">
-      <dgm:prSet presAssocID="{EDEE53D5-71A3-46B9-97A9-467EDB3775DC}" presName="rootConnector" presStyleLbl="node4" presStyleIdx="6" presStyleCnt="20"/>
+      <dgm:prSet presAssocID="{EDEE53D5-71A3-46B9-97A9-467EDB3775DC}" presName="rootConnector" presStyleLbl="node4" presStyleIdx="6" presStyleCnt="24"/>
       <dgm:spPr/>
     </dgm:pt>
     <dgm:pt modelId="{B37A3002-7F4F-4897-8389-1C018584874D}" type="pres">
@@ -4478,7 +4622,7 @@
       <dgm:spPr/>
     </dgm:pt>
     <dgm:pt modelId="{BC98BBD8-00A5-4025-AC4A-CA10359D0D19}" type="pres">
-      <dgm:prSet presAssocID="{8F8B88B2-6C2A-4379-8F39-1565D7971673}" presName="Name37" presStyleLbl="parChTrans1D4" presStyleIdx="7" presStyleCnt="20"/>
+      <dgm:prSet presAssocID="{8F8B88B2-6C2A-4379-8F39-1565D7971673}" presName="Name37" presStyleLbl="parChTrans1D4" presStyleIdx="7" presStyleCnt="24"/>
       <dgm:spPr/>
     </dgm:pt>
     <dgm:pt modelId="{96B03567-730F-4B50-B335-224B9898BA2C}" type="pres">
@@ -4494,7 +4638,7 @@
       <dgm:spPr/>
     </dgm:pt>
     <dgm:pt modelId="{0619DC5D-65CD-4F1E-9F1C-14EF10477802}" type="pres">
-      <dgm:prSet presAssocID="{DA50BE67-ABBB-4822-A5DB-19BFD6081053}" presName="rootText" presStyleLbl="node4" presStyleIdx="7" presStyleCnt="20">
+      <dgm:prSet presAssocID="{DA50BE67-ABBB-4822-A5DB-19BFD6081053}" presName="rootText" presStyleLbl="node4" presStyleIdx="7" presStyleCnt="24">
         <dgm:presLayoutVars>
           <dgm:chPref val="3"/>
         </dgm:presLayoutVars>
@@ -4502,7 +4646,7 @@
       <dgm:spPr/>
     </dgm:pt>
     <dgm:pt modelId="{8CEEA0CD-BE9A-40AA-B451-5841F0851F5A}" type="pres">
-      <dgm:prSet presAssocID="{DA50BE67-ABBB-4822-A5DB-19BFD6081053}" presName="rootConnector" presStyleLbl="node4" presStyleIdx="7" presStyleCnt="20"/>
+      <dgm:prSet presAssocID="{DA50BE67-ABBB-4822-A5DB-19BFD6081053}" presName="rootConnector" presStyleLbl="node4" presStyleIdx="7" presStyleCnt="24"/>
       <dgm:spPr/>
     </dgm:pt>
     <dgm:pt modelId="{09F0EC6E-FD41-4020-B060-9FDCDCBE2BED}" type="pres">
@@ -4550,7 +4694,7 @@
       <dgm:spPr/>
     </dgm:pt>
     <dgm:pt modelId="{342C5AC9-B0D0-43E9-959C-6C5D339C434C}" type="pres">
-      <dgm:prSet presAssocID="{291F3EB2-9966-4D31-BBFF-BC9181FEE77C}" presName="Name37" presStyleLbl="parChTrans1D4" presStyleIdx="8" presStyleCnt="20"/>
+      <dgm:prSet presAssocID="{291F3EB2-9966-4D31-BBFF-BC9181FEE77C}" presName="Name37" presStyleLbl="parChTrans1D4" presStyleIdx="8" presStyleCnt="24"/>
       <dgm:spPr/>
     </dgm:pt>
     <dgm:pt modelId="{BBD8D6E3-7CC0-4A24-A6E6-52FE46E9EE46}" type="pres">
@@ -4566,7 +4710,7 @@
       <dgm:spPr/>
     </dgm:pt>
     <dgm:pt modelId="{F6DF1720-9993-4A7A-A177-D5CD412ECDDD}" type="pres">
-      <dgm:prSet presAssocID="{A2F23379-0708-4329-B33C-03854D12E5CA}" presName="rootText" presStyleLbl="node4" presStyleIdx="8" presStyleCnt="20">
+      <dgm:prSet presAssocID="{A2F23379-0708-4329-B33C-03854D12E5CA}" presName="rootText" presStyleLbl="node4" presStyleIdx="8" presStyleCnt="24">
         <dgm:presLayoutVars>
           <dgm:chPref val="3"/>
         </dgm:presLayoutVars>
@@ -4574,7 +4718,7 @@
       <dgm:spPr/>
     </dgm:pt>
     <dgm:pt modelId="{CC7CD8A9-0585-450F-984A-772B47825683}" type="pres">
-      <dgm:prSet presAssocID="{A2F23379-0708-4329-B33C-03854D12E5CA}" presName="rootConnector" presStyleLbl="node4" presStyleIdx="8" presStyleCnt="20"/>
+      <dgm:prSet presAssocID="{A2F23379-0708-4329-B33C-03854D12E5CA}" presName="rootConnector" presStyleLbl="node4" presStyleIdx="8" presStyleCnt="24"/>
       <dgm:spPr/>
     </dgm:pt>
     <dgm:pt modelId="{3E865627-F98C-4063-90C9-412940A7A0C9}" type="pres">
@@ -4586,7 +4730,7 @@
       <dgm:spPr/>
     </dgm:pt>
     <dgm:pt modelId="{698EA435-E017-450D-B741-D77246EEB22F}" type="pres">
-      <dgm:prSet presAssocID="{9998B31B-59C7-4EEC-BDBD-3877963A52B2}" presName="Name37" presStyleLbl="parChTrans1D4" presStyleIdx="9" presStyleCnt="20"/>
+      <dgm:prSet presAssocID="{9998B31B-59C7-4EEC-BDBD-3877963A52B2}" presName="Name37" presStyleLbl="parChTrans1D4" presStyleIdx="9" presStyleCnt="24"/>
       <dgm:spPr/>
     </dgm:pt>
     <dgm:pt modelId="{8E5E20A3-BD48-4AB1-89F3-CD984DD320A7}" type="pres">
@@ -4602,7 +4746,7 @@
       <dgm:spPr/>
     </dgm:pt>
     <dgm:pt modelId="{50AF31A6-F05A-4090-BB4D-3B5FCF588226}" type="pres">
-      <dgm:prSet presAssocID="{D592EB25-BA73-4D56-B882-1C9C683A999F}" presName="rootText" presStyleLbl="node4" presStyleIdx="9" presStyleCnt="20">
+      <dgm:prSet presAssocID="{D592EB25-BA73-4D56-B882-1C9C683A999F}" presName="rootText" presStyleLbl="node4" presStyleIdx="9" presStyleCnt="24">
         <dgm:presLayoutVars>
           <dgm:chPref val="3"/>
         </dgm:presLayoutVars>
@@ -4610,7 +4754,7 @@
       <dgm:spPr/>
     </dgm:pt>
     <dgm:pt modelId="{B6D98368-74AC-4517-ACCA-9DBBF234668F}" type="pres">
-      <dgm:prSet presAssocID="{D592EB25-BA73-4D56-B882-1C9C683A999F}" presName="rootConnector" presStyleLbl="node4" presStyleIdx="9" presStyleCnt="20"/>
+      <dgm:prSet presAssocID="{D592EB25-BA73-4D56-B882-1C9C683A999F}" presName="rootConnector" presStyleLbl="node4" presStyleIdx="9" presStyleCnt="24"/>
       <dgm:spPr/>
     </dgm:pt>
     <dgm:pt modelId="{A1C6D193-7C55-4509-8F7F-2842AB6CBB4A}" type="pres">
@@ -4622,7 +4766,7 @@
       <dgm:spPr/>
     </dgm:pt>
     <dgm:pt modelId="{4141D623-AB2E-4220-817C-EF4B5E4D997E}" type="pres">
-      <dgm:prSet presAssocID="{C2187B59-1855-4BF6-9F66-ED69EEA27D61}" presName="Name37" presStyleLbl="parChTrans1D4" presStyleIdx="10" presStyleCnt="20"/>
+      <dgm:prSet presAssocID="{C2187B59-1855-4BF6-9F66-ED69EEA27D61}" presName="Name37" presStyleLbl="parChTrans1D4" presStyleIdx="10" presStyleCnt="24"/>
       <dgm:spPr/>
     </dgm:pt>
     <dgm:pt modelId="{6A4757D3-A16D-4DD4-851B-B742F7174ADA}" type="pres">
@@ -4638,7 +4782,7 @@
       <dgm:spPr/>
     </dgm:pt>
     <dgm:pt modelId="{56CC7145-4BB2-4554-BE8D-8DDA77005712}" type="pres">
-      <dgm:prSet presAssocID="{1F98A315-026C-4431-83C2-5E5C870EEE53}" presName="rootText" presStyleLbl="node4" presStyleIdx="10" presStyleCnt="20">
+      <dgm:prSet presAssocID="{1F98A315-026C-4431-83C2-5E5C870EEE53}" presName="rootText" presStyleLbl="node4" presStyleIdx="10" presStyleCnt="24">
         <dgm:presLayoutVars>
           <dgm:chPref val="3"/>
         </dgm:presLayoutVars>
@@ -4646,7 +4790,7 @@
       <dgm:spPr/>
     </dgm:pt>
     <dgm:pt modelId="{2E39B386-59E3-43F3-8C99-C8B061157807}" type="pres">
-      <dgm:prSet presAssocID="{1F98A315-026C-4431-83C2-5E5C870EEE53}" presName="rootConnector" presStyleLbl="node4" presStyleIdx="10" presStyleCnt="20"/>
+      <dgm:prSet presAssocID="{1F98A315-026C-4431-83C2-5E5C870EEE53}" presName="rootConnector" presStyleLbl="node4" presStyleIdx="10" presStyleCnt="24"/>
       <dgm:spPr/>
     </dgm:pt>
     <dgm:pt modelId="{16BB9100-B723-4529-AAA0-C7EBE4E846FA}" type="pres">
@@ -4873,8 +5017,44 @@
       <dgm:prSet presAssocID="{5D6162DD-1A9A-4F72-B84F-A987AEA471FC}" presName="hierChild4" presStyleCnt="0"/>
       <dgm:spPr/>
     </dgm:pt>
+    <dgm:pt modelId="{78E20D79-0B2C-4C80-9327-D6F73306F7CC}" type="pres">
+      <dgm:prSet presAssocID="{07A2CA89-1CCA-406D-B24C-B42D15843EDF}" presName="Name37" presStyleLbl="parChTrans1D4" presStyleIdx="11" presStyleCnt="24"/>
+      <dgm:spPr/>
+    </dgm:pt>
+    <dgm:pt modelId="{4D21B684-DB9C-415D-B771-4A8AAB0F89A9}" type="pres">
+      <dgm:prSet presAssocID="{ABDCF4AA-9519-4901-B2B7-749B7F42022A}" presName="hierRoot2" presStyleCnt="0">
+        <dgm:presLayoutVars>
+          <dgm:hierBranch val="init"/>
+        </dgm:presLayoutVars>
+      </dgm:prSet>
+      <dgm:spPr/>
+    </dgm:pt>
+    <dgm:pt modelId="{BF77F145-B73D-4583-97A0-62D64E1425EB}" type="pres">
+      <dgm:prSet presAssocID="{ABDCF4AA-9519-4901-B2B7-749B7F42022A}" presName="rootComposite" presStyleCnt="0"/>
+      <dgm:spPr/>
+    </dgm:pt>
+    <dgm:pt modelId="{044231FB-B582-4716-B1A1-2790B533F448}" type="pres">
+      <dgm:prSet presAssocID="{ABDCF4AA-9519-4901-B2B7-749B7F42022A}" presName="rootText" presStyleLbl="node4" presStyleIdx="11" presStyleCnt="24">
+        <dgm:presLayoutVars>
+          <dgm:chPref val="3"/>
+        </dgm:presLayoutVars>
+      </dgm:prSet>
+      <dgm:spPr/>
+    </dgm:pt>
+    <dgm:pt modelId="{DDB21FC0-63EF-4354-A1C7-4B0458183CC7}" type="pres">
+      <dgm:prSet presAssocID="{ABDCF4AA-9519-4901-B2B7-749B7F42022A}" presName="rootConnector" presStyleLbl="node4" presStyleIdx="11" presStyleCnt="24"/>
+      <dgm:spPr/>
+    </dgm:pt>
+    <dgm:pt modelId="{128E1E65-35B8-4124-B1CD-4B7A4E618A4D}" type="pres">
+      <dgm:prSet presAssocID="{ABDCF4AA-9519-4901-B2B7-749B7F42022A}" presName="hierChild4" presStyleCnt="0"/>
+      <dgm:spPr/>
+    </dgm:pt>
+    <dgm:pt modelId="{9EBAA7DF-BEBE-478E-8282-C76DB271EDA8}" type="pres">
+      <dgm:prSet presAssocID="{ABDCF4AA-9519-4901-B2B7-749B7F42022A}" presName="hierChild5" presStyleCnt="0"/>
+      <dgm:spPr/>
+    </dgm:pt>
     <dgm:pt modelId="{E2A5D7BE-D226-4294-8994-0E665FE415A2}" type="pres">
-      <dgm:prSet presAssocID="{2B488B0A-878B-4B56-947A-3B957223CF9E}" presName="Name37" presStyleLbl="parChTrans1D4" presStyleIdx="11" presStyleCnt="20"/>
+      <dgm:prSet presAssocID="{2B488B0A-878B-4B56-947A-3B957223CF9E}" presName="Name37" presStyleLbl="parChTrans1D4" presStyleIdx="12" presStyleCnt="24"/>
       <dgm:spPr/>
     </dgm:pt>
     <dgm:pt modelId="{FB447BD1-E935-4F7E-91FD-BE68B3F0D9B7}" type="pres">
@@ -4890,7 +5070,7 @@
       <dgm:spPr/>
     </dgm:pt>
     <dgm:pt modelId="{E5D1B315-193D-4BF4-BD95-041200664081}" type="pres">
-      <dgm:prSet presAssocID="{CB754465-25F8-473C-92C2-0E0A12108FB0}" presName="rootText" presStyleLbl="node4" presStyleIdx="11" presStyleCnt="20">
+      <dgm:prSet presAssocID="{CB754465-25F8-473C-92C2-0E0A12108FB0}" presName="rootText" presStyleLbl="node4" presStyleIdx="12" presStyleCnt="24">
         <dgm:presLayoutVars>
           <dgm:chPref val="3"/>
         </dgm:presLayoutVars>
@@ -4898,7 +5078,7 @@
       <dgm:spPr/>
     </dgm:pt>
     <dgm:pt modelId="{28317ED0-1ABB-49E7-9092-66B1E61E9304}" type="pres">
-      <dgm:prSet presAssocID="{CB754465-25F8-473C-92C2-0E0A12108FB0}" presName="rootConnector" presStyleLbl="node4" presStyleIdx="11" presStyleCnt="20"/>
+      <dgm:prSet presAssocID="{CB754465-25F8-473C-92C2-0E0A12108FB0}" presName="rootConnector" presStyleLbl="node4" presStyleIdx="12" presStyleCnt="24"/>
       <dgm:spPr/>
     </dgm:pt>
     <dgm:pt modelId="{CD4682B0-6CDA-45AE-8D61-C844230F098A}" type="pres">
@@ -4910,7 +5090,7 @@
       <dgm:spPr/>
     </dgm:pt>
     <dgm:pt modelId="{4DEE6FCD-2DBE-4D2D-8C94-00AAE214066C}" type="pres">
-      <dgm:prSet presAssocID="{6DA34DD5-021A-449D-89DD-BFBF337E5B62}" presName="Name37" presStyleLbl="parChTrans1D4" presStyleIdx="12" presStyleCnt="20"/>
+      <dgm:prSet presAssocID="{6DA34DD5-021A-449D-89DD-BFBF337E5B62}" presName="Name37" presStyleLbl="parChTrans1D4" presStyleIdx="13" presStyleCnt="24"/>
       <dgm:spPr/>
     </dgm:pt>
     <dgm:pt modelId="{823FB3BB-5556-4DA5-B9CE-CA37DD17AE0B}" type="pres">
@@ -4926,7 +5106,7 @@
       <dgm:spPr/>
     </dgm:pt>
     <dgm:pt modelId="{BA4E6E08-36E3-4F01-BF4C-DDFB79F9EC1D}" type="pres">
-      <dgm:prSet presAssocID="{1818BD13-0ECC-4A7C-A57D-59CB2A26AC64}" presName="rootText" presStyleLbl="node4" presStyleIdx="12" presStyleCnt="20">
+      <dgm:prSet presAssocID="{1818BD13-0ECC-4A7C-A57D-59CB2A26AC64}" presName="rootText" presStyleLbl="node4" presStyleIdx="13" presStyleCnt="24">
         <dgm:presLayoutVars>
           <dgm:chPref val="3"/>
         </dgm:presLayoutVars>
@@ -4934,7 +5114,7 @@
       <dgm:spPr/>
     </dgm:pt>
     <dgm:pt modelId="{7A75E0DD-8DC7-4BEC-8EAB-51BD1D7BB31B}" type="pres">
-      <dgm:prSet presAssocID="{1818BD13-0ECC-4A7C-A57D-59CB2A26AC64}" presName="rootConnector" presStyleLbl="node4" presStyleIdx="12" presStyleCnt="20"/>
+      <dgm:prSet presAssocID="{1818BD13-0ECC-4A7C-A57D-59CB2A26AC64}" presName="rootConnector" presStyleLbl="node4" presStyleIdx="13" presStyleCnt="24"/>
       <dgm:spPr/>
     </dgm:pt>
     <dgm:pt modelId="{83B73937-4B1D-413E-B9A5-5B42665CE0DC}" type="pres">
@@ -4946,7 +5126,7 @@
       <dgm:spPr/>
     </dgm:pt>
     <dgm:pt modelId="{16F80DCD-5AF6-4465-B80A-E34762ABEE8D}" type="pres">
-      <dgm:prSet presAssocID="{76CB18D2-5FFB-4381-BBE2-F8646E6F03BA}" presName="Name37" presStyleLbl="parChTrans1D4" presStyleIdx="13" presStyleCnt="20"/>
+      <dgm:prSet presAssocID="{76CB18D2-5FFB-4381-BBE2-F8646E6F03BA}" presName="Name37" presStyleLbl="parChTrans1D4" presStyleIdx="14" presStyleCnt="24"/>
       <dgm:spPr/>
     </dgm:pt>
     <dgm:pt modelId="{370817C3-1E0A-4CD5-87B7-BCE2308894E9}" type="pres">
@@ -4962,7 +5142,7 @@
       <dgm:spPr/>
     </dgm:pt>
     <dgm:pt modelId="{B4F0CD5F-077D-48AC-A55A-4FAA5D5F96D3}" type="pres">
-      <dgm:prSet presAssocID="{C9F50604-6FEB-4149-8397-A5E6C2930BBA}" presName="rootText" presStyleLbl="node4" presStyleIdx="13" presStyleCnt="20">
+      <dgm:prSet presAssocID="{C9F50604-6FEB-4149-8397-A5E6C2930BBA}" presName="rootText" presStyleLbl="node4" presStyleIdx="14" presStyleCnt="24">
         <dgm:presLayoutVars>
           <dgm:chPref val="3"/>
         </dgm:presLayoutVars>
@@ -4970,7 +5150,7 @@
       <dgm:spPr/>
     </dgm:pt>
     <dgm:pt modelId="{97591091-422D-4C99-85D8-36C471335993}" type="pres">
-      <dgm:prSet presAssocID="{C9F50604-6FEB-4149-8397-A5E6C2930BBA}" presName="rootConnector" presStyleLbl="node4" presStyleIdx="13" presStyleCnt="20"/>
+      <dgm:prSet presAssocID="{C9F50604-6FEB-4149-8397-A5E6C2930BBA}" presName="rootConnector" presStyleLbl="node4" presStyleIdx="14" presStyleCnt="24"/>
       <dgm:spPr/>
     </dgm:pt>
     <dgm:pt modelId="{3E5AC188-1B8E-4BF0-8751-DF9ACA73C8B7}" type="pres">
@@ -5017,6 +5197,114 @@
       <dgm:prSet presAssocID="{C504C141-AD11-4252-83E8-33F1FA6D48AD}" presName="hierChild4" presStyleCnt="0"/>
       <dgm:spPr/>
     </dgm:pt>
+    <dgm:pt modelId="{0DF66D45-5157-427E-A865-220A572C5329}" type="pres">
+      <dgm:prSet presAssocID="{DFCABC8C-BA57-49AD-846D-2DBB05D652F8}" presName="Name37" presStyleLbl="parChTrans1D4" presStyleIdx="15" presStyleCnt="24"/>
+      <dgm:spPr/>
+    </dgm:pt>
+    <dgm:pt modelId="{8A9AF0D8-64CC-434A-932A-172BBE15D1A8}" type="pres">
+      <dgm:prSet presAssocID="{2AF73DC3-CBBF-468B-A348-6E57C8541CF4}" presName="hierRoot2" presStyleCnt="0">
+        <dgm:presLayoutVars>
+          <dgm:hierBranch val="init"/>
+        </dgm:presLayoutVars>
+      </dgm:prSet>
+      <dgm:spPr/>
+    </dgm:pt>
+    <dgm:pt modelId="{11C727CE-259B-46D6-A6CA-F33D308DC44E}" type="pres">
+      <dgm:prSet presAssocID="{2AF73DC3-CBBF-468B-A348-6E57C8541CF4}" presName="rootComposite" presStyleCnt="0"/>
+      <dgm:spPr/>
+    </dgm:pt>
+    <dgm:pt modelId="{A10CC9FE-CAE1-40FA-8BF6-88BEFDD15946}" type="pres">
+      <dgm:prSet presAssocID="{2AF73DC3-CBBF-468B-A348-6E57C8541CF4}" presName="rootText" presStyleLbl="node4" presStyleIdx="15" presStyleCnt="24">
+        <dgm:presLayoutVars>
+          <dgm:chPref val="3"/>
+        </dgm:presLayoutVars>
+      </dgm:prSet>
+      <dgm:spPr/>
+    </dgm:pt>
+    <dgm:pt modelId="{6ABE901B-5B15-499E-8172-A7D4C4B2AE96}" type="pres">
+      <dgm:prSet presAssocID="{2AF73DC3-CBBF-468B-A348-6E57C8541CF4}" presName="rootConnector" presStyleLbl="node4" presStyleIdx="15" presStyleCnt="24"/>
+      <dgm:spPr/>
+    </dgm:pt>
+    <dgm:pt modelId="{2118E08A-1FF8-47C3-9EA6-5B25509646CC}" type="pres">
+      <dgm:prSet presAssocID="{2AF73DC3-CBBF-468B-A348-6E57C8541CF4}" presName="hierChild4" presStyleCnt="0"/>
+      <dgm:spPr/>
+    </dgm:pt>
+    <dgm:pt modelId="{804CD0D1-C140-4C9F-929A-A78FB0B8C351}" type="pres">
+      <dgm:prSet presAssocID="{2AF73DC3-CBBF-468B-A348-6E57C8541CF4}" presName="hierChild5" presStyleCnt="0"/>
+      <dgm:spPr/>
+    </dgm:pt>
+    <dgm:pt modelId="{258216D1-74CB-4649-9B3B-327668A78D3D}" type="pres">
+      <dgm:prSet presAssocID="{1DA41876-E3A5-4752-88CC-B5D9328F6187}" presName="Name37" presStyleLbl="parChTrans1D4" presStyleIdx="16" presStyleCnt="24"/>
+      <dgm:spPr/>
+    </dgm:pt>
+    <dgm:pt modelId="{C53AEDC5-4EE0-4821-8515-4083962A49AF}" type="pres">
+      <dgm:prSet presAssocID="{30CE6BB3-27F0-4552-8A3A-F9253865FBED}" presName="hierRoot2" presStyleCnt="0">
+        <dgm:presLayoutVars>
+          <dgm:hierBranch val="init"/>
+        </dgm:presLayoutVars>
+      </dgm:prSet>
+      <dgm:spPr/>
+    </dgm:pt>
+    <dgm:pt modelId="{92E81799-A66B-45EE-BC1D-966E581CD511}" type="pres">
+      <dgm:prSet presAssocID="{30CE6BB3-27F0-4552-8A3A-F9253865FBED}" presName="rootComposite" presStyleCnt="0"/>
+      <dgm:spPr/>
+    </dgm:pt>
+    <dgm:pt modelId="{3CF2ED99-4F77-46A6-961B-83A2D88F58C3}" type="pres">
+      <dgm:prSet presAssocID="{30CE6BB3-27F0-4552-8A3A-F9253865FBED}" presName="rootText" presStyleLbl="node4" presStyleIdx="16" presStyleCnt="24">
+        <dgm:presLayoutVars>
+          <dgm:chPref val="3"/>
+        </dgm:presLayoutVars>
+      </dgm:prSet>
+      <dgm:spPr/>
+    </dgm:pt>
+    <dgm:pt modelId="{EA8C2075-D39D-4247-AF4E-C643713A6A0C}" type="pres">
+      <dgm:prSet presAssocID="{30CE6BB3-27F0-4552-8A3A-F9253865FBED}" presName="rootConnector" presStyleLbl="node4" presStyleIdx="16" presStyleCnt="24"/>
+      <dgm:spPr/>
+    </dgm:pt>
+    <dgm:pt modelId="{BD71E2EB-1F17-46FA-A52E-BDDF55FF0223}" type="pres">
+      <dgm:prSet presAssocID="{30CE6BB3-27F0-4552-8A3A-F9253865FBED}" presName="hierChild4" presStyleCnt="0"/>
+      <dgm:spPr/>
+    </dgm:pt>
+    <dgm:pt modelId="{7E7503CF-06CA-48F8-8949-A5E4F52D7F0F}" type="pres">
+      <dgm:prSet presAssocID="{30CE6BB3-27F0-4552-8A3A-F9253865FBED}" presName="hierChild5" presStyleCnt="0"/>
+      <dgm:spPr/>
+    </dgm:pt>
+    <dgm:pt modelId="{AAB6DAA8-C1DD-40A3-80AB-0607C1334A20}" type="pres">
+      <dgm:prSet presAssocID="{A400EF8E-2088-456D-AABE-251E6ABEAE16}" presName="Name37" presStyleLbl="parChTrans1D4" presStyleIdx="17" presStyleCnt="24"/>
+      <dgm:spPr/>
+    </dgm:pt>
+    <dgm:pt modelId="{E9B91256-B017-4858-8659-F9EF9E7AD764}" type="pres">
+      <dgm:prSet presAssocID="{54F1F333-9DE9-4983-B2A1-1B38F1B52727}" presName="hierRoot2" presStyleCnt="0">
+        <dgm:presLayoutVars>
+          <dgm:hierBranch val="init"/>
+        </dgm:presLayoutVars>
+      </dgm:prSet>
+      <dgm:spPr/>
+    </dgm:pt>
+    <dgm:pt modelId="{890451CC-02B0-4A31-AA88-EA6DCF766794}" type="pres">
+      <dgm:prSet presAssocID="{54F1F333-9DE9-4983-B2A1-1B38F1B52727}" presName="rootComposite" presStyleCnt="0"/>
+      <dgm:spPr/>
+    </dgm:pt>
+    <dgm:pt modelId="{D3657630-CED7-41FF-B169-07F062BC0CE9}" type="pres">
+      <dgm:prSet presAssocID="{54F1F333-9DE9-4983-B2A1-1B38F1B52727}" presName="rootText" presStyleLbl="node4" presStyleIdx="17" presStyleCnt="24">
+        <dgm:presLayoutVars>
+          <dgm:chPref val="3"/>
+        </dgm:presLayoutVars>
+      </dgm:prSet>
+      <dgm:spPr/>
+    </dgm:pt>
+    <dgm:pt modelId="{5B166E42-C0BC-40BE-9B98-720BF34119F4}" type="pres">
+      <dgm:prSet presAssocID="{54F1F333-9DE9-4983-B2A1-1B38F1B52727}" presName="rootConnector" presStyleLbl="node4" presStyleIdx="17" presStyleCnt="24"/>
+      <dgm:spPr/>
+    </dgm:pt>
+    <dgm:pt modelId="{FE702CBA-641B-473E-BFC9-5AE5E063D8FF}" type="pres">
+      <dgm:prSet presAssocID="{54F1F333-9DE9-4983-B2A1-1B38F1B52727}" presName="hierChild4" presStyleCnt="0"/>
+      <dgm:spPr/>
+    </dgm:pt>
+    <dgm:pt modelId="{FD6AA0E2-D4EF-47D8-95B3-484F96E7F6C5}" type="pres">
+      <dgm:prSet presAssocID="{54F1F333-9DE9-4983-B2A1-1B38F1B52727}" presName="hierChild5" presStyleCnt="0"/>
+      <dgm:spPr/>
+    </dgm:pt>
     <dgm:pt modelId="{BFE5DEA0-2BA2-4EA1-B8CA-85E8CE980A4B}" type="pres">
       <dgm:prSet presAssocID="{C504C141-AD11-4252-83E8-33F1FA6D48AD}" presName="hierChild5" presStyleCnt="0"/>
       <dgm:spPr/>
@@ -5054,7 +5342,7 @@
       <dgm:spPr/>
     </dgm:pt>
     <dgm:pt modelId="{48FF8BEE-A1CD-4FAA-AA4F-AA5B75F976E3}" type="pres">
-      <dgm:prSet presAssocID="{3749B360-7C76-422D-BC52-23929CDE06E0}" presName="Name37" presStyleLbl="parChTrans1D4" presStyleIdx="14" presStyleCnt="20"/>
+      <dgm:prSet presAssocID="{3749B360-7C76-422D-BC52-23929CDE06E0}" presName="Name37" presStyleLbl="parChTrans1D4" presStyleIdx="18" presStyleCnt="24"/>
       <dgm:spPr/>
     </dgm:pt>
     <dgm:pt modelId="{1972C2FF-19EE-4438-B1F7-69DCA07DC664}" type="pres">
@@ -5070,7 +5358,7 @@
       <dgm:spPr/>
     </dgm:pt>
     <dgm:pt modelId="{0F0F1623-DED9-4B8F-BA6C-AA4DC40BEEBA}" type="pres">
-      <dgm:prSet presAssocID="{AC6D93D6-5269-4835-A791-9204AB36BFFD}" presName="rootText" presStyleLbl="node4" presStyleIdx="14" presStyleCnt="20">
+      <dgm:prSet presAssocID="{AC6D93D6-5269-4835-A791-9204AB36BFFD}" presName="rootText" presStyleLbl="node4" presStyleIdx="18" presStyleCnt="24">
         <dgm:presLayoutVars>
           <dgm:chPref val="3"/>
         </dgm:presLayoutVars>
@@ -5078,7 +5366,7 @@
       <dgm:spPr/>
     </dgm:pt>
     <dgm:pt modelId="{6B49A22F-3CE1-4749-875F-BF8A7FD79C17}" type="pres">
-      <dgm:prSet presAssocID="{AC6D93D6-5269-4835-A791-9204AB36BFFD}" presName="rootConnector" presStyleLbl="node4" presStyleIdx="14" presStyleCnt="20"/>
+      <dgm:prSet presAssocID="{AC6D93D6-5269-4835-A791-9204AB36BFFD}" presName="rootConnector" presStyleLbl="node4" presStyleIdx="18" presStyleCnt="24"/>
       <dgm:spPr/>
     </dgm:pt>
     <dgm:pt modelId="{E0496FFC-800F-4BB6-AA45-21459EDC3C5E}" type="pres">
@@ -5090,7 +5378,7 @@
       <dgm:spPr/>
     </dgm:pt>
     <dgm:pt modelId="{4106A96C-7D4A-42F1-A507-D433AD9D75EF}" type="pres">
-      <dgm:prSet presAssocID="{8A8F0D0A-DE6E-487E-87A3-0EC6C26992C8}" presName="Name37" presStyleLbl="parChTrans1D4" presStyleIdx="15" presStyleCnt="20"/>
+      <dgm:prSet presAssocID="{8A8F0D0A-DE6E-487E-87A3-0EC6C26992C8}" presName="Name37" presStyleLbl="parChTrans1D4" presStyleIdx="19" presStyleCnt="24"/>
       <dgm:spPr/>
     </dgm:pt>
     <dgm:pt modelId="{CB9ED215-BDE4-4391-A42B-79C76F8486AF}" type="pres">
@@ -5106,7 +5394,7 @@
       <dgm:spPr/>
     </dgm:pt>
     <dgm:pt modelId="{FE6A171B-0F50-488A-B6EF-F88A4AE188A3}" type="pres">
-      <dgm:prSet presAssocID="{8AD71A13-2253-4269-AD26-F97101E194DA}" presName="rootText" presStyleLbl="node4" presStyleIdx="15" presStyleCnt="20">
+      <dgm:prSet presAssocID="{8AD71A13-2253-4269-AD26-F97101E194DA}" presName="rootText" presStyleLbl="node4" presStyleIdx="19" presStyleCnt="24">
         <dgm:presLayoutVars>
           <dgm:chPref val="3"/>
         </dgm:presLayoutVars>
@@ -5114,7 +5402,7 @@
       <dgm:spPr/>
     </dgm:pt>
     <dgm:pt modelId="{F73A9360-3A2D-49EC-8754-926D63535304}" type="pres">
-      <dgm:prSet presAssocID="{8AD71A13-2253-4269-AD26-F97101E194DA}" presName="rootConnector" presStyleLbl="node4" presStyleIdx="15" presStyleCnt="20"/>
+      <dgm:prSet presAssocID="{8AD71A13-2253-4269-AD26-F97101E194DA}" presName="rootConnector" presStyleLbl="node4" presStyleIdx="19" presStyleCnt="24"/>
       <dgm:spPr/>
     </dgm:pt>
     <dgm:pt modelId="{317B11E5-24EA-4D4F-BE0C-FC30AF11C9D7}" type="pres">
@@ -5126,7 +5414,7 @@
       <dgm:spPr/>
     </dgm:pt>
     <dgm:pt modelId="{66620462-DFEF-46A1-B916-157ED85B6B35}" type="pres">
-      <dgm:prSet presAssocID="{6781A919-E20D-4891-9B72-CD240574BD32}" presName="Name37" presStyleLbl="parChTrans1D4" presStyleIdx="16" presStyleCnt="20"/>
+      <dgm:prSet presAssocID="{6781A919-E20D-4891-9B72-CD240574BD32}" presName="Name37" presStyleLbl="parChTrans1D4" presStyleIdx="20" presStyleCnt="24"/>
       <dgm:spPr/>
     </dgm:pt>
     <dgm:pt modelId="{BA71F768-9E6C-487F-A960-56345F34DE54}" type="pres">
@@ -5142,7 +5430,7 @@
       <dgm:spPr/>
     </dgm:pt>
     <dgm:pt modelId="{7A722623-18CC-4792-A2FB-96B0593AFBA8}" type="pres">
-      <dgm:prSet presAssocID="{2B1759CA-81D3-4203-AEE1-2E30EBD2D540}" presName="rootText" presStyleLbl="node4" presStyleIdx="16" presStyleCnt="20">
+      <dgm:prSet presAssocID="{2B1759CA-81D3-4203-AEE1-2E30EBD2D540}" presName="rootText" presStyleLbl="node4" presStyleIdx="20" presStyleCnt="24">
         <dgm:presLayoutVars>
           <dgm:chPref val="3"/>
         </dgm:presLayoutVars>
@@ -5150,7 +5438,7 @@
       <dgm:spPr/>
     </dgm:pt>
     <dgm:pt modelId="{350C2B0F-0554-4C90-9909-D4F113DC5E36}" type="pres">
-      <dgm:prSet presAssocID="{2B1759CA-81D3-4203-AEE1-2E30EBD2D540}" presName="rootConnector" presStyleLbl="node4" presStyleIdx="16" presStyleCnt="20"/>
+      <dgm:prSet presAssocID="{2B1759CA-81D3-4203-AEE1-2E30EBD2D540}" presName="rootConnector" presStyleLbl="node4" presStyleIdx="20" presStyleCnt="24"/>
       <dgm:spPr/>
     </dgm:pt>
     <dgm:pt modelId="{6AD86321-EB3D-4AE0-87D9-A36E8AD8F90F}" type="pres">
@@ -5198,7 +5486,7 @@
       <dgm:spPr/>
     </dgm:pt>
     <dgm:pt modelId="{7D0DB779-28BC-49A5-A502-A30A575F045C}" type="pres">
-      <dgm:prSet presAssocID="{6B9212BE-553D-4943-A8AB-230725EEA971}" presName="Name37" presStyleLbl="parChTrans1D4" presStyleIdx="17" presStyleCnt="20"/>
+      <dgm:prSet presAssocID="{6B9212BE-553D-4943-A8AB-230725EEA971}" presName="Name37" presStyleLbl="parChTrans1D4" presStyleIdx="21" presStyleCnt="24"/>
       <dgm:spPr/>
     </dgm:pt>
     <dgm:pt modelId="{509A8FE3-00D9-4E75-926E-AD6A7FA737EB}" type="pres">
@@ -5214,7 +5502,7 @@
       <dgm:spPr/>
     </dgm:pt>
     <dgm:pt modelId="{5464EFC4-0F70-447D-8774-9EF15B272B3C}" type="pres">
-      <dgm:prSet presAssocID="{5ACDBF96-23EB-4E60-9CA9-A1EC58BD9647}" presName="rootText" presStyleLbl="node4" presStyleIdx="17" presStyleCnt="20">
+      <dgm:prSet presAssocID="{5ACDBF96-23EB-4E60-9CA9-A1EC58BD9647}" presName="rootText" presStyleLbl="node4" presStyleIdx="21" presStyleCnt="24">
         <dgm:presLayoutVars>
           <dgm:chPref val="3"/>
         </dgm:presLayoutVars>
@@ -5222,7 +5510,7 @@
       <dgm:spPr/>
     </dgm:pt>
     <dgm:pt modelId="{21527323-2AB3-4FA9-AF47-9F26EFA46972}" type="pres">
-      <dgm:prSet presAssocID="{5ACDBF96-23EB-4E60-9CA9-A1EC58BD9647}" presName="rootConnector" presStyleLbl="node4" presStyleIdx="17" presStyleCnt="20"/>
+      <dgm:prSet presAssocID="{5ACDBF96-23EB-4E60-9CA9-A1EC58BD9647}" presName="rootConnector" presStyleLbl="node4" presStyleIdx="21" presStyleCnt="24"/>
       <dgm:spPr/>
     </dgm:pt>
     <dgm:pt modelId="{AA130F18-6887-4C01-89AD-3468B123EF77}" type="pres">
@@ -5234,7 +5522,7 @@
       <dgm:spPr/>
     </dgm:pt>
     <dgm:pt modelId="{72F6B98E-ABE9-406E-A212-1BA35FB18D25}" type="pres">
-      <dgm:prSet presAssocID="{DFBCD708-F42B-4763-BFA9-DE443AB3BC87}" presName="Name37" presStyleLbl="parChTrans1D4" presStyleIdx="18" presStyleCnt="20"/>
+      <dgm:prSet presAssocID="{DFBCD708-F42B-4763-BFA9-DE443AB3BC87}" presName="Name37" presStyleLbl="parChTrans1D4" presStyleIdx="22" presStyleCnt="24"/>
       <dgm:spPr/>
     </dgm:pt>
     <dgm:pt modelId="{FF4FD766-8DC5-45D6-A489-76658B563351}" type="pres">
@@ -5250,7 +5538,7 @@
       <dgm:spPr/>
     </dgm:pt>
     <dgm:pt modelId="{D27CFE97-B4CD-49BA-BC86-F466550B9ACA}" type="pres">
-      <dgm:prSet presAssocID="{F994FB41-4095-4863-A25E-E6BFB9BBC3A7}" presName="rootText" presStyleLbl="node4" presStyleIdx="18" presStyleCnt="20">
+      <dgm:prSet presAssocID="{F994FB41-4095-4863-A25E-E6BFB9BBC3A7}" presName="rootText" presStyleLbl="node4" presStyleIdx="22" presStyleCnt="24">
         <dgm:presLayoutVars>
           <dgm:chPref val="3"/>
         </dgm:presLayoutVars>
@@ -5258,7 +5546,7 @@
       <dgm:spPr/>
     </dgm:pt>
     <dgm:pt modelId="{046AA71F-9284-4B89-8014-E8114F0CF004}" type="pres">
-      <dgm:prSet presAssocID="{F994FB41-4095-4863-A25E-E6BFB9BBC3A7}" presName="rootConnector" presStyleLbl="node4" presStyleIdx="18" presStyleCnt="20"/>
+      <dgm:prSet presAssocID="{F994FB41-4095-4863-A25E-E6BFB9BBC3A7}" presName="rootConnector" presStyleLbl="node4" presStyleIdx="22" presStyleCnt="24"/>
       <dgm:spPr/>
     </dgm:pt>
     <dgm:pt modelId="{90E0C0EC-B68C-4481-AF7D-9F74A538BF43}" type="pres">
@@ -5306,7 +5594,7 @@
       <dgm:spPr/>
     </dgm:pt>
     <dgm:pt modelId="{74CFC0A4-014D-4885-8124-EA174873D26B}" type="pres">
-      <dgm:prSet presAssocID="{CD0D7D0A-474F-489B-98BF-924AF3BE4D82}" presName="Name37" presStyleLbl="parChTrans1D4" presStyleIdx="19" presStyleCnt="20"/>
+      <dgm:prSet presAssocID="{CD0D7D0A-474F-489B-98BF-924AF3BE4D82}" presName="Name37" presStyleLbl="parChTrans1D4" presStyleIdx="23" presStyleCnt="24"/>
       <dgm:spPr/>
     </dgm:pt>
     <dgm:pt modelId="{62CE19E0-CC66-411B-A205-72695F9C8C30}" type="pres">
@@ -5322,7 +5610,7 @@
       <dgm:spPr/>
     </dgm:pt>
     <dgm:pt modelId="{2FA62901-D3A4-43CF-9A80-9109F3DE40FC}" type="pres">
-      <dgm:prSet presAssocID="{6F606AEB-B757-4B84-93CF-ECFE81D2D946}" presName="rootText" presStyleLbl="node4" presStyleIdx="19" presStyleCnt="20">
+      <dgm:prSet presAssocID="{6F606AEB-B757-4B84-93CF-ECFE81D2D946}" presName="rootText" presStyleLbl="node4" presStyleIdx="23" presStyleCnt="24">
         <dgm:presLayoutVars>
           <dgm:chPref val="3"/>
         </dgm:presLayoutVars>
@@ -5330,7 +5618,7 @@
       <dgm:spPr/>
     </dgm:pt>
     <dgm:pt modelId="{F93BAEE4-1DB3-4AF4-8281-13F220986631}" type="pres">
-      <dgm:prSet presAssocID="{6F606AEB-B757-4B84-93CF-ECFE81D2D946}" presName="rootConnector" presStyleLbl="node4" presStyleIdx="19" presStyleCnt="20"/>
+      <dgm:prSet presAssocID="{6F606AEB-B757-4B84-93CF-ECFE81D2D946}" presName="rootConnector" presStyleLbl="node4" presStyleIdx="23" presStyleCnt="24"/>
       <dgm:spPr/>
     </dgm:pt>
     <dgm:pt modelId="{5C7FFE32-6228-435D-82F4-E6732D621EBD}" type="pres">
@@ -5503,20 +5791,22 @@
     <dgm:cxn modelId="{B1525A04-618D-41AD-BB65-9E2A631B585D}" type="presOf" srcId="{8AD71A13-2253-4269-AD26-F97101E194DA}" destId="{F73A9360-3A2D-49EC-8754-926D63535304}" srcOrd="1" destOrd="0" presId="urn:microsoft.com/office/officeart/2005/8/layout/orgChart1"/>
     <dgm:cxn modelId="{7F592205-A752-40D9-9160-5F0BDEBCAA63}" type="presOf" srcId="{3F8AE2C5-F756-4DA5-9752-CA70DC2593AF}" destId="{D5B6F2B2-6C82-4F61-A876-009A2D7FCFD0}" srcOrd="0" destOrd="0" presId="urn:microsoft.com/office/officeart/2005/8/layout/orgChart1"/>
     <dgm:cxn modelId="{072F3209-1EAF-4644-B29D-2521B5BC70B9}" srcId="{1B7AD776-4325-4AE1-91A9-6BAFA501D78C}" destId="{089282B8-ED3C-46A1-88C2-052D7052E2DF}" srcOrd="3" destOrd="0" parTransId="{9F2E1C51-D7A5-4132-81FB-D8AB2FD3467B}" sibTransId="{7F3ABFCD-5899-41B6-B25A-08F2078C7BBD}"/>
+    <dgm:cxn modelId="{9CBB980A-C9CA-4946-B5B3-46D5ECD448D1}" type="presOf" srcId="{DFCABC8C-BA57-49AD-846D-2DBB05D652F8}" destId="{0DF66D45-5157-427E-A865-220A572C5329}" srcOrd="0" destOrd="0" presId="urn:microsoft.com/office/officeart/2005/8/layout/orgChart1"/>
     <dgm:cxn modelId="{32DEE60C-02E2-4C02-B6B0-0AE9BAA1B7A3}" srcId="{2460BFB7-722C-438B-B415-042331A40AF2}" destId="{3F8AE2C5-F756-4DA5-9752-CA70DC2593AF}" srcOrd="1" destOrd="0" parTransId="{3EAD63C0-5758-4BC0-BC95-66EA389393CB}" sibTransId="{4F8719E4-1112-4A45-AFD5-35A8B212B590}"/>
     <dgm:cxn modelId="{70A5710D-7C62-419F-A93B-0FB2AD5A665E}" type="presOf" srcId="{AD4837E6-2F38-46CF-B5D7-D94358DBFBC2}" destId="{9342EC87-78AA-4202-B4B6-40FD5EB35608}" srcOrd="0" destOrd="0" presId="urn:microsoft.com/office/officeart/2005/8/layout/orgChart1"/>
     <dgm:cxn modelId="{ABBF700F-F0CE-4CFE-BB29-E2D77B7808B3}" type="presOf" srcId="{2E54B73C-B796-4297-832A-3D8DDB67BA02}" destId="{187041E5-6F89-420A-9B2E-2FA8CD8124B5}" srcOrd="0" destOrd="0" presId="urn:microsoft.com/office/officeart/2005/8/layout/orgChart1"/>
-    <dgm:cxn modelId="{42AD4610-3BA6-43D4-9015-6DE9770AE9E9}" type="presOf" srcId="{2B488B0A-878B-4B56-947A-3B957223CF9E}" destId="{E2A5D7BE-D226-4294-8994-0E665FE415A2}" srcOrd="0" destOrd="0" presId="urn:microsoft.com/office/officeart/2005/8/layout/orgChart1"/>
+    <dgm:cxn modelId="{AD93B811-5392-4427-AE35-CBEDF6F4FE2E}" type="presOf" srcId="{1818BD13-0ECC-4A7C-A57D-59CB2A26AC64}" destId="{7A75E0DD-8DC7-4BEC-8EAB-51BD1D7BB31B}" srcOrd="1" destOrd="0" presId="urn:microsoft.com/office/officeart/2005/8/layout/orgChart1"/>
     <dgm:cxn modelId="{9751F811-116E-4206-A397-00BCA5EF47B8}" type="presOf" srcId="{9BF60406-B368-41A9-B480-7FD07F16E0A2}" destId="{76F119C8-2678-4FEA-8974-834DFF16A05B}" srcOrd="0" destOrd="0" presId="urn:microsoft.com/office/officeart/2005/8/layout/orgChart1"/>
+    <dgm:cxn modelId="{CF553612-86A4-45FF-8CE3-EBD55DACFDFC}" type="presOf" srcId="{6DA34DD5-021A-449D-89DD-BFBF337E5B62}" destId="{4DEE6FCD-2DBE-4D2D-8C94-00AAE214066C}" srcOrd="0" destOrd="0" presId="urn:microsoft.com/office/officeart/2005/8/layout/orgChart1"/>
     <dgm:cxn modelId="{75709713-93E0-4225-A4E5-E05B458F6ECD}" type="presOf" srcId="{879107DD-865C-4BC8-AD05-D9CC4D58EC6F}" destId="{973E7B61-219A-4455-8D53-B32295C0C39D}" srcOrd="0" destOrd="0" presId="urn:microsoft.com/office/officeart/2005/8/layout/orgChart1"/>
     <dgm:cxn modelId="{6E271B15-01BE-4692-B0DE-58017869DBB0}" type="presOf" srcId="{30D793C0-A526-45FE-AFE6-F6F04972FFD0}" destId="{8151B395-6D44-4E53-A55E-F2C26012FF12}" srcOrd="0" destOrd="0" presId="urn:microsoft.com/office/officeart/2005/8/layout/orgChart1"/>
     <dgm:cxn modelId="{23BB1316-ABC0-4C09-86BE-8F4362328D79}" srcId="{2A520DCA-BCD1-43BF-9937-3FB0F0B269D3}" destId="{6AB7A73A-2EF2-46EE-B81C-C0B25F0767E2}" srcOrd="0" destOrd="0" parTransId="{879107DD-865C-4BC8-AD05-D9CC4D58EC6F}" sibTransId="{79CE4633-8F42-4331-AA3B-DFC40577AA75}"/>
     <dgm:cxn modelId="{B7645716-6717-4D4C-8479-66BA343D65FA}" srcId="{92E940C0-F67E-4C41-9C90-2DF5F5919B55}" destId="{6F606AEB-B757-4B84-93CF-ECFE81D2D946}" srcOrd="0" destOrd="0" parTransId="{CD0D7D0A-474F-489B-98BF-924AF3BE4D82}" sibTransId="{C95752A7-247D-4981-B18D-2269DC526C2D}"/>
     <dgm:cxn modelId="{3CCEF116-5B81-4372-8C7D-FB346BFE1E7A}" type="presOf" srcId="{E24BB2E4-3D38-4C41-BE63-A23328913C12}" destId="{090BA481-0ADF-4353-BFCD-959BCD9F1BE0}" srcOrd="1" destOrd="0" presId="urn:microsoft.com/office/officeart/2005/8/layout/orgChart1"/>
+    <dgm:cxn modelId="{48E46019-08E8-4105-8DDD-45E381352783}" type="presOf" srcId="{A400EF8E-2088-456D-AABE-251E6ABEAE16}" destId="{AAB6DAA8-C1DD-40A3-80AB-0607C1334A20}" srcOrd="0" destOrd="0" presId="urn:microsoft.com/office/officeart/2005/8/layout/orgChart1"/>
     <dgm:cxn modelId="{D6018D1A-6976-4EF8-9770-B3822010032D}" type="presOf" srcId="{B606F3BA-5BE8-4AA2-BA27-0A593D54FA6E}" destId="{C11F4A87-40A1-4DB9-90DD-61CE9B0EBD73}" srcOrd="0" destOrd="0" presId="urn:microsoft.com/office/officeart/2005/8/layout/orgChart1"/>
     <dgm:cxn modelId="{4363991B-811B-47B3-A83A-C171FD747439}" type="presOf" srcId="{8F8B88B2-6C2A-4379-8F39-1565D7971673}" destId="{BC98BBD8-00A5-4025-AC4A-CA10359D0D19}" srcOrd="0" destOrd="0" presId="urn:microsoft.com/office/officeart/2005/8/layout/orgChart1"/>
     <dgm:cxn modelId="{B563D61D-F2B9-4F0E-9C2C-758F83151BCA}" type="presOf" srcId="{746A2C7B-36BC-4346-84A5-207C73C06547}" destId="{4C076AC7-84AA-4B86-AD90-3AE6063D83C5}" srcOrd="0" destOrd="0" presId="urn:microsoft.com/office/officeart/2005/8/layout/orgChart1"/>
-    <dgm:cxn modelId="{C6F0211E-FB05-46BB-AD58-C4B1C014151B}" type="presOf" srcId="{1818BD13-0ECC-4A7C-A57D-59CB2A26AC64}" destId="{BA4E6E08-36E3-4F01-BF4C-DDFB79F9EC1D}" srcOrd="0" destOrd="0" presId="urn:microsoft.com/office/officeart/2005/8/layout/orgChart1"/>
     <dgm:cxn modelId="{17062620-926C-48F0-B641-C5E932BA6291}" type="presOf" srcId="{4AB22498-9B45-4A26-8217-617BDAF7834F}" destId="{F3BB2462-4E85-4CF1-B232-6B590EEDB0D8}" srcOrd="1" destOrd="0" presId="urn:microsoft.com/office/officeart/2005/8/layout/orgChart1"/>
     <dgm:cxn modelId="{4B8E9F20-93D2-427A-B0FD-9D877476E2E9}" srcId="{2A520DCA-BCD1-43BF-9937-3FB0F0B269D3}" destId="{B606F3BA-5BE8-4AA2-BA27-0A593D54FA6E}" srcOrd="2" destOrd="0" parTransId="{069A1717-42C5-4678-90D6-67DB92549027}" sibTransId="{EBBB2D5A-0D4D-413B-A878-00E052A8E98C}"/>
     <dgm:cxn modelId="{EAA31921-803E-4262-B534-385DBA278DD5}" type="presOf" srcId="{B001F118-062A-48C9-8689-1721F1D967ED}" destId="{77AC34E0-BB07-48B0-B9A6-679A1512271B}" srcOrd="0" destOrd="0" presId="urn:microsoft.com/office/officeart/2005/8/layout/orgChart1"/>
@@ -5528,7 +5818,6 @@
     <dgm:cxn modelId="{C41C082F-4B0E-4A72-8530-A90E2CE19449}" type="presOf" srcId="{AC6D93D6-5269-4835-A791-9204AB36BFFD}" destId="{0F0F1623-DED9-4B8F-BA6C-AA4DC40BEEBA}" srcOrd="0" destOrd="0" presId="urn:microsoft.com/office/officeart/2005/8/layout/orgChart1"/>
     <dgm:cxn modelId="{32DF112F-C8AE-48A6-903A-E3FA7D4591E8}" type="presOf" srcId="{6AB7A73A-2EF2-46EE-B81C-C0B25F0767E2}" destId="{D4525169-5D6D-4151-AB88-D1F4FED80180}" srcOrd="1" destOrd="0" presId="urn:microsoft.com/office/officeart/2005/8/layout/orgChart1"/>
     <dgm:cxn modelId="{3C9B1330-8921-45A7-9B01-0BC079E7AADF}" type="presOf" srcId="{47FD801B-2DC5-44AF-87E0-1CDA21146964}" destId="{42348DA4-F525-4085-98DC-9DAF8499EDFE}" srcOrd="1" destOrd="0" presId="urn:microsoft.com/office/officeart/2005/8/layout/orgChart1"/>
-    <dgm:cxn modelId="{C7881231-76C7-4657-9E36-F0711F1D71EF}" type="presOf" srcId="{C9F50604-6FEB-4149-8397-A5E6C2930BBA}" destId="{97591091-422D-4C99-85D8-36C471335993}" srcOrd="1" destOrd="0" presId="urn:microsoft.com/office/officeart/2005/8/layout/orgChart1"/>
     <dgm:cxn modelId="{1A708332-418A-470B-9633-ACF59975234E}" type="presOf" srcId="{07D6B8B6-E221-4FD8-B032-C43DACD7A3E9}" destId="{F950601A-D4A7-4B46-8E62-70B4AFE5FB13}" srcOrd="0" destOrd="0" presId="urn:microsoft.com/office/officeart/2005/8/layout/orgChart1"/>
     <dgm:cxn modelId="{E60BEB35-DDE2-4A84-AD20-BDFB0BD88DB2}" type="presOf" srcId="{1B7AD776-4325-4AE1-91A9-6BAFA501D78C}" destId="{A7AD3A89-A75D-4C9D-98DF-3F0F34F077E5}" srcOrd="0" destOrd="0" presId="urn:microsoft.com/office/officeart/2005/8/layout/orgChart1"/>
     <dgm:cxn modelId="{C31B9B36-A564-4F89-AF02-35402C2E583F}" type="presOf" srcId="{2460BFB7-722C-438B-B415-042331A40AF2}" destId="{5DD70391-003B-43A2-AFC1-039E216962D7}" srcOrd="1" destOrd="0" presId="urn:microsoft.com/office/officeart/2005/8/layout/orgChart1"/>
@@ -5536,23 +5825,24 @@
     <dgm:cxn modelId="{E0D38D3A-A9A8-47A4-8437-8B08474F1E12}" type="presOf" srcId="{A459C26D-9077-4450-B640-3F8F4CD5B444}" destId="{04BF857B-5DDE-4C69-BFE6-0F048373EFB2}" srcOrd="0" destOrd="0" presId="urn:microsoft.com/office/officeart/2005/8/layout/orgChart1"/>
     <dgm:cxn modelId="{DF0C0C3C-447F-49DE-9D5F-336DD65EC542}" srcId="{D1935371-0E29-4829-A632-FAEB2F44BE64}" destId="{AC6D93D6-5269-4835-A791-9204AB36BFFD}" srcOrd="0" destOrd="0" parTransId="{3749B360-7C76-422D-BC52-23929CDE06E0}" sibTransId="{C38D20A1-628A-49A5-A220-83005C51CDE4}"/>
     <dgm:cxn modelId="{FBBF0C3C-58FC-41CE-9232-B1D2084A1D2F}" type="presOf" srcId="{C504C141-AD11-4252-83E8-33F1FA6D48AD}" destId="{A4600D36-5D99-4A64-927C-C6B761150CFB}" srcOrd="1" destOrd="0" presId="urn:microsoft.com/office/officeart/2005/8/layout/orgChart1"/>
-    <dgm:cxn modelId="{0B02983C-AC2A-404A-AE0B-6BD3723EE3BE}" type="presOf" srcId="{76CB18D2-5FFB-4381-BBE2-F8646E6F03BA}" destId="{16F80DCD-5AF6-4465-B80A-E34762ABEE8D}" srcOrd="0" destOrd="0" presId="urn:microsoft.com/office/officeart/2005/8/layout/orgChart1"/>
     <dgm:cxn modelId="{7FB7F73C-F761-4C58-8DAD-D365F51D7E6F}" srcId="{FADC2930-EABF-4AFC-8B05-CF590CCD383D}" destId="{A2F23379-0708-4329-B33C-03854D12E5CA}" srcOrd="0" destOrd="0" parTransId="{291F3EB2-9966-4D31-BBFF-BC9181FEE77C}" sibTransId="{55E61337-C14A-41FE-8B76-20A8B5A929C0}"/>
     <dgm:cxn modelId="{DF0BBC3D-3A8A-4EFB-ACB9-59A3216C4CA6}" type="presOf" srcId="{291F3EB2-9966-4D31-BBFF-BC9181FEE77C}" destId="{342C5AC9-B0D0-43E9-959C-6C5D339C434C}" srcOrd="0" destOrd="0" presId="urn:microsoft.com/office/officeart/2005/8/layout/orgChart1"/>
     <dgm:cxn modelId="{30F8BD5D-8AB5-45A9-98C3-128803755EB8}" type="presOf" srcId="{4AB22498-9B45-4A26-8217-617BDAF7834F}" destId="{4E2859AC-28A7-4C2E-8E3F-6DEB4E2F41F6}" srcOrd="0" destOrd="0" presId="urn:microsoft.com/office/officeart/2005/8/layout/orgChart1"/>
     <dgm:cxn modelId="{0DD3D25E-363D-460C-BDB1-F68B52FCE022}" srcId="{E22F0503-C4A0-453C-82CB-8779888F4EA0}" destId="{5ACDBF96-23EB-4E60-9CA9-A1EC58BD9647}" srcOrd="0" destOrd="0" parTransId="{6B9212BE-553D-4943-A8AB-230725EEA971}" sibTransId="{19B7916A-B4F9-4565-9997-DB0BF70EACF5}"/>
     <dgm:cxn modelId="{939F0060-F240-4813-A4FB-AEB3346BC26C}" type="presOf" srcId="{CD0D7D0A-474F-489B-98BF-924AF3BE4D82}" destId="{74CFC0A4-014D-4885-8124-EA174873D26B}" srcOrd="0" destOrd="0" presId="urn:microsoft.com/office/officeart/2005/8/layout/orgChart1"/>
     <dgm:cxn modelId="{D8CD0361-1126-454E-A73D-29DC4337C357}" srcId="{089282B8-ED3C-46A1-88C2-052D7052E2DF}" destId="{4C395CE2-48FB-48C5-BBEF-7F7E66585F00}" srcOrd="2" destOrd="0" parTransId="{070C51AE-2F61-4399-9723-0030007291F2}" sibTransId="{E20BF135-7A6D-495A-B7F6-64D1BB756B14}"/>
+    <dgm:cxn modelId="{D86C6E61-C268-488D-ABAE-3857BA3BE25E}" type="presOf" srcId="{1DA41876-E3A5-4752-88CC-B5D9328F6187}" destId="{258216D1-74CB-4649-9B3B-327668A78D3D}" srcOrd="0" destOrd="0" presId="urn:microsoft.com/office/officeart/2005/8/layout/orgChart1"/>
     <dgm:cxn modelId="{DE3E9062-AA17-4B06-BBD1-9EE7E8671B7F}" type="presOf" srcId="{DA50BE67-ABBB-4822-A5DB-19BFD6081053}" destId="{0619DC5D-65CD-4F1E-9F1C-14EF10477802}" srcOrd="0" destOrd="0" presId="urn:microsoft.com/office/officeart/2005/8/layout/orgChart1"/>
+    <dgm:cxn modelId="{015DBB42-58B9-43E3-A509-08E661888F5D}" type="presOf" srcId="{30CE6BB3-27F0-4552-8A3A-F9253865FBED}" destId="{3CF2ED99-4F77-46A6-961B-83A2D88F58C3}" srcOrd="0" destOrd="0" presId="urn:microsoft.com/office/officeart/2005/8/layout/orgChart1"/>
     <dgm:cxn modelId="{337CC062-ED13-4C62-81E6-60899499858B}" srcId="{348CBD95-B7FD-409E-A0AA-7431C7B5D4E2}" destId="{D389177D-368F-445F-8348-DADD51F25355}" srcOrd="1" destOrd="0" parTransId="{30D793C0-A526-45FE-AFE6-F6F04972FFD0}" sibTransId="{5316FF43-90A9-4070-BCC6-58B827A4466B}"/>
     <dgm:cxn modelId="{1E785C43-D353-48DA-A134-0045919488D4}" type="presOf" srcId="{E22F0503-C4A0-453C-82CB-8779888F4EA0}" destId="{56BF6EDF-7273-48D2-83AB-663338B5465E}" srcOrd="0" destOrd="0" presId="urn:microsoft.com/office/officeart/2005/8/layout/orgChart1"/>
     <dgm:cxn modelId="{05798844-7033-40C7-9F17-F8E69CAB792B}" srcId="{2460BFB7-722C-438B-B415-042331A40AF2}" destId="{47FD801B-2DC5-44AF-87E0-1CDA21146964}" srcOrd="0" destOrd="0" parTransId="{93431D08-AC0D-4AEC-B283-1846B0F987DF}" sibTransId="{BEF04CCB-9B0A-4428-9E90-E52657A5AA9B}"/>
+    <dgm:cxn modelId="{1D8FDF64-615D-49B0-A650-30716C60B476}" srcId="{5D6162DD-1A9A-4F72-B84F-A987AEA471FC}" destId="{ABDCF4AA-9519-4901-B2B7-749B7F42022A}" srcOrd="0" destOrd="0" parTransId="{07A2CA89-1CCA-406D-B24C-B42D15843EDF}" sibTransId="{0F11343C-5F0F-41DD-BD12-88EA744A24DD}"/>
     <dgm:cxn modelId="{C2AB5865-71C1-4FC4-ABF2-D6632CCB7244}" type="presOf" srcId="{D592EB25-BA73-4D56-B882-1C9C683A999F}" destId="{50AF31A6-F05A-4090-BB4D-3B5FCF588226}" srcOrd="0" destOrd="0" presId="urn:microsoft.com/office/officeart/2005/8/layout/orgChart1"/>
     <dgm:cxn modelId="{B6A70D46-5C45-4084-9B56-229249A89625}" type="presOf" srcId="{6B9212BE-553D-4943-A8AB-230725EEA971}" destId="{7D0DB779-28BC-49A5-A502-A30A575F045C}" srcOrd="0" destOrd="0" presId="urn:microsoft.com/office/officeart/2005/8/layout/orgChart1"/>
     <dgm:cxn modelId="{4ED32547-BD8E-49C0-AD37-AA9CD9DEA5CE}" srcId="{B001F118-062A-48C9-8689-1721F1D967ED}" destId="{2460BFB7-722C-438B-B415-042331A40AF2}" srcOrd="1" destOrd="0" parTransId="{18AE4581-F75C-43B3-BDC0-6E0D116ACC4F}" sibTransId="{34C62291-ACBA-4DCC-9C86-F4A5ED81BCF7}"/>
     <dgm:cxn modelId="{A6FA4768-D93E-4D49-BA8A-0954F9A42DBF}" srcId="{FADC2930-EABF-4AFC-8B05-CF590CCD383D}" destId="{D592EB25-BA73-4D56-B882-1C9C683A999F}" srcOrd="1" destOrd="0" parTransId="{9998B31B-59C7-4EEC-BDBD-3877963A52B2}" sibTransId="{081CA735-BE8B-4636-9E42-39E628F17F40}"/>
     <dgm:cxn modelId="{DCD67E48-3E0C-468F-AAA1-107613C3E7EF}" type="presOf" srcId="{47FD801B-2DC5-44AF-87E0-1CDA21146964}" destId="{D9FBE6DD-5BE5-4ED0-A9F3-0753AF8FCE2D}" srcOrd="0" destOrd="0" presId="urn:microsoft.com/office/officeart/2005/8/layout/orgChart1"/>
-    <dgm:cxn modelId="{56110269-A58E-4D16-B92B-83AC5BF86A17}" type="presOf" srcId="{CB754465-25F8-473C-92C2-0E0A12108FB0}" destId="{E5D1B315-193D-4BF4-BD95-041200664081}" srcOrd="0" destOrd="0" presId="urn:microsoft.com/office/officeart/2005/8/layout/orgChart1"/>
     <dgm:cxn modelId="{0F128649-4F4A-4D65-A636-D6945C3F6ADF}" type="presOf" srcId="{D389177D-368F-445F-8348-DADD51F25355}" destId="{FDA0D5FB-1121-4EAF-8EA3-3AAB26DEA91E}" srcOrd="0" destOrd="0" presId="urn:microsoft.com/office/officeart/2005/8/layout/orgChart1"/>
     <dgm:cxn modelId="{40678969-DFDC-4238-8EC0-0D0BAB11D928}" type="presOf" srcId="{2B1759CA-81D3-4203-AEE1-2E30EBD2D540}" destId="{350C2B0F-0554-4C90-9909-D4F113DC5E36}" srcOrd="1" destOrd="0" presId="urn:microsoft.com/office/officeart/2005/8/layout/orgChart1"/>
     <dgm:cxn modelId="{EFCBAD6A-490D-43DA-9D67-032FA1443CFD}" srcId="{B001F118-062A-48C9-8689-1721F1D967ED}" destId="{FADC2930-EABF-4AFC-8B05-CF590CCD383D}" srcOrd="2" destOrd="0" parTransId="{30198DAE-6109-4C7C-80D0-F44439583284}" sibTransId="{E2B8C17B-B9C2-4A73-9BEC-2D297249E5E0}"/>
@@ -5563,13 +5853,17 @@
     <dgm:cxn modelId="{8945F14F-828F-49F6-BD66-5A429FE98890}" type="presOf" srcId="{6F606AEB-B757-4B84-93CF-ECFE81D2D946}" destId="{F93BAEE4-1DB3-4AF4-8281-13F220986631}" srcOrd="1" destOrd="0" presId="urn:microsoft.com/office/officeart/2005/8/layout/orgChart1"/>
     <dgm:cxn modelId="{6A9CC170-3C8F-4A7B-A1E5-9EBF7292067D}" type="presOf" srcId="{6F606AEB-B757-4B84-93CF-ECFE81D2D946}" destId="{2FA62901-D3A4-43CF-9A80-9109F3DE40FC}" srcOrd="0" destOrd="0" presId="urn:microsoft.com/office/officeart/2005/8/layout/orgChart1"/>
     <dgm:cxn modelId="{21DCDA51-B190-4779-BDBB-1CA5804E3AA8}" type="presOf" srcId="{089282B8-ED3C-46A1-88C2-052D7052E2DF}" destId="{ADD07795-723A-43D6-A7D1-CB288573DB8A}" srcOrd="1" destOrd="0" presId="urn:microsoft.com/office/officeart/2005/8/layout/orgChart1"/>
+    <dgm:cxn modelId="{E7112652-E929-4F48-93BE-FDF2FF4B69E4}" type="presOf" srcId="{C9F50604-6FEB-4149-8397-A5E6C2930BBA}" destId="{B4F0CD5F-077D-48AC-A55A-4FAA5D5F96D3}" srcOrd="0" destOrd="0" presId="urn:microsoft.com/office/officeart/2005/8/layout/orgChart1"/>
     <dgm:cxn modelId="{61EC5752-73C2-44A3-9302-F5EA1BAD2EBD}" type="presOf" srcId="{DFBCD708-F42B-4763-BFA9-DE443AB3BC87}" destId="{72F6B98E-ABE9-406E-A212-1BA35FB18D25}" srcOrd="0" destOrd="0" presId="urn:microsoft.com/office/officeart/2005/8/layout/orgChart1"/>
-    <dgm:cxn modelId="{0677A272-3D73-4E6A-9DA8-1963B55B1DA8}" type="presOf" srcId="{C9F50604-6FEB-4149-8397-A5E6C2930BBA}" destId="{B4F0CD5F-077D-48AC-A55A-4FAA5D5F96D3}" srcOrd="0" destOrd="0" presId="urn:microsoft.com/office/officeart/2005/8/layout/orgChart1"/>
+    <dgm:cxn modelId="{B7835453-60A8-41FD-9ABE-C2F3B27F33AB}" type="presOf" srcId="{30CE6BB3-27F0-4552-8A3A-F9253865FBED}" destId="{EA8C2075-D39D-4247-AF4E-C643713A6A0C}" srcOrd="1" destOrd="0" presId="urn:microsoft.com/office/officeart/2005/8/layout/orgChart1"/>
     <dgm:cxn modelId="{09BB7274-6195-4090-B01F-90283ADC8B42}" type="presOf" srcId="{43A3F90F-076E-4534-94A9-1B1FD4A8444A}" destId="{8899B9B9-0368-4ECE-B85A-1D5365473652}" srcOrd="0" destOrd="0" presId="urn:microsoft.com/office/officeart/2005/8/layout/orgChart1"/>
     <dgm:cxn modelId="{88D51D75-E554-469D-85E4-0DBBB5B75C2A}" type="presOf" srcId="{DA50BE67-ABBB-4822-A5DB-19BFD6081053}" destId="{8CEEA0CD-BE9A-40AA-B451-5841F0851F5A}" srcOrd="1" destOrd="0" presId="urn:microsoft.com/office/officeart/2005/8/layout/orgChart1"/>
     <dgm:cxn modelId="{27E84155-7EC2-4C73-85D2-38731A8D0BE9}" srcId="{1B7AD776-4325-4AE1-91A9-6BAFA501D78C}" destId="{B001F118-062A-48C9-8689-1721F1D967ED}" srcOrd="0" destOrd="0" parTransId="{D0E55C69-6EFE-484E-85FD-93747FA3DA57}" sibTransId="{19C24CD0-9446-4945-B2D1-82600D12CFE4}"/>
     <dgm:cxn modelId="{699A2B56-301A-4CD2-AAB9-653477A0EC4C}" srcId="{2460BFB7-722C-438B-B415-042331A40AF2}" destId="{DA50BE67-ABBB-4822-A5DB-19BFD6081053}" srcOrd="3" destOrd="0" parTransId="{8F8B88B2-6C2A-4379-8F39-1565D7971673}" sibTransId="{A74F874C-F2A4-4C2B-B671-CE194BF5D8E8}"/>
+    <dgm:cxn modelId="{29CEF256-5239-450B-955C-04E3E81D6573}" type="presOf" srcId="{2B488B0A-878B-4B56-947A-3B957223CF9E}" destId="{E2A5D7BE-D226-4294-8994-0E665FE415A2}" srcOrd="0" destOrd="0" presId="urn:microsoft.com/office/officeart/2005/8/layout/orgChart1"/>
+    <dgm:cxn modelId="{C335AD59-5004-4BE7-B4D7-C12EB636D659}" type="presOf" srcId="{C9F50604-6FEB-4149-8397-A5E6C2930BBA}" destId="{97591091-422D-4C99-85D8-36C471335993}" srcOrd="1" destOrd="0" presId="urn:microsoft.com/office/officeart/2005/8/layout/orgChart1"/>
     <dgm:cxn modelId="{5172B57A-1A41-410C-8F7F-E74DA38B71F2}" type="presOf" srcId="{F994FB41-4095-4863-A25E-E6BFB9BBC3A7}" destId="{D27CFE97-B4CD-49BA-BC86-F466550B9ACA}" srcOrd="0" destOrd="0" presId="urn:microsoft.com/office/officeart/2005/8/layout/orgChart1"/>
+    <dgm:cxn modelId="{EAB8C05A-C425-4562-8171-8AE673C764AE}" srcId="{C504C141-AD11-4252-83E8-33F1FA6D48AD}" destId="{54F1F333-9DE9-4983-B2A1-1B38F1B52727}" srcOrd="2" destOrd="0" parTransId="{A400EF8E-2088-456D-AABE-251E6ABEAE16}" sibTransId="{6A2FAF7C-ECF7-4346-B855-0DA3E828E1A3}"/>
     <dgm:cxn modelId="{EFEE327E-ECC2-4D04-A0B9-750D2B82EC9F}" type="presOf" srcId="{1B7AD776-4325-4AE1-91A9-6BAFA501D78C}" destId="{A3B64FB0-AF26-4277-BA2B-F97858AFDC1A}" srcOrd="1" destOrd="0" presId="urn:microsoft.com/office/officeart/2005/8/layout/orgChart1"/>
     <dgm:cxn modelId="{5DC23C7E-7623-4BA4-82A7-31AD57BF9A71}" type="presOf" srcId="{42E3B156-09FC-466E-8B22-43B0DD895C61}" destId="{D11EE2B2-CAB7-4907-BB89-73997302189B}" srcOrd="0" destOrd="0" presId="urn:microsoft.com/office/officeart/2005/8/layout/orgChart1"/>
     <dgm:cxn modelId="{D05ABD7E-E51D-4FD7-986F-861023A593ED}" type="presOf" srcId="{65E89657-B73B-472A-87F5-5A0E4DC92C83}" destId="{D0A0E7D0-E750-4D24-BC27-F61D21AD908F}" srcOrd="0" destOrd="0" presId="urn:microsoft.com/office/officeart/2005/8/layout/orgChart1"/>
@@ -5584,13 +5878,16 @@
     <dgm:cxn modelId="{15878A8E-AD83-4C3D-974A-3E9966746AB2}" type="presOf" srcId="{5ED9331B-F040-4A3E-BF23-D7051FB954EE}" destId="{BC409F24-6C1F-4158-B05B-C92D208DDC74}" srcOrd="0" destOrd="0" presId="urn:microsoft.com/office/officeart/2005/8/layout/orgChart1"/>
     <dgm:cxn modelId="{51EBF18F-03E8-41C5-95BE-44B92CF418F5}" type="presOf" srcId="{2B1759CA-81D3-4203-AEE1-2E30EBD2D540}" destId="{7A722623-18CC-4792-A2FB-96B0593AFBA8}" srcOrd="0" destOrd="0" presId="urn:microsoft.com/office/officeart/2005/8/layout/orgChart1"/>
     <dgm:cxn modelId="{81EA6691-2107-4C91-B58B-CE4FC4DAC451}" type="presOf" srcId="{4C395CE2-48FB-48C5-BBEF-7F7E66585F00}" destId="{9E453EC3-5562-4EEA-8303-AEE7A26F7E17}" srcOrd="0" destOrd="0" presId="urn:microsoft.com/office/officeart/2005/8/layout/orgChart1"/>
-    <dgm:cxn modelId="{477A0993-7622-4A9D-A79B-26B7A234D93D}" srcId="{5D6162DD-1A9A-4F72-B84F-A987AEA471FC}" destId="{C9F50604-6FEB-4149-8397-A5E6C2930BBA}" srcOrd="2" destOrd="0" parTransId="{76CB18D2-5FFB-4381-BBE2-F8646E6F03BA}" sibTransId="{F0596DD7-0317-48CF-AB52-F1C4B47AA56E}"/>
+    <dgm:cxn modelId="{477A0993-7622-4A9D-A79B-26B7A234D93D}" srcId="{5D6162DD-1A9A-4F72-B84F-A987AEA471FC}" destId="{C9F50604-6FEB-4149-8397-A5E6C2930BBA}" srcOrd="3" destOrd="0" parTransId="{76CB18D2-5FFB-4381-BBE2-F8646E6F03BA}" sibTransId="{F0596DD7-0317-48CF-AB52-F1C4B47AA56E}"/>
     <dgm:cxn modelId="{392BEB95-35D2-4E1A-942B-6F65836FF657}" type="presOf" srcId="{E871918B-F659-4948-B81E-906B88580F19}" destId="{2A3C25A8-3A61-4E5C-8117-2C86DF65D1A4}" srcOrd="0" destOrd="0" presId="urn:microsoft.com/office/officeart/2005/8/layout/orgChart1"/>
     <dgm:cxn modelId="{A7296596-AE89-45B7-B52C-3A3343D293CA}" srcId="{089282B8-ED3C-46A1-88C2-052D7052E2DF}" destId="{43A3F90F-076E-4534-94A9-1B1FD4A8444A}" srcOrd="0" destOrd="0" parTransId="{42E3B156-09FC-466E-8B22-43B0DD895C61}" sibTransId="{AFEBF0D8-733A-43A6-90F4-1D8A3DE973CF}"/>
+    <dgm:cxn modelId="{63D7F597-41F7-44C1-95B2-FF42B6952196}" type="presOf" srcId="{CB754465-25F8-473C-92C2-0E0A12108FB0}" destId="{28317ED0-1ABB-49E7-9092-66B1E61E9304}" srcOrd="1" destOrd="0" presId="urn:microsoft.com/office/officeart/2005/8/layout/orgChart1"/>
     <dgm:cxn modelId="{885A4198-BBF9-4488-AEB9-4529F66E274F}" type="presOf" srcId="{348CBD95-B7FD-409E-A0AA-7431C7B5D4E2}" destId="{2838C9F0-A918-48B3-AC78-4F34B1077F37}" srcOrd="1" destOrd="0" presId="urn:microsoft.com/office/officeart/2005/8/layout/orgChart1"/>
+    <dgm:cxn modelId="{5F361E99-0E82-488F-AAC6-529C27FD5C71}" type="presOf" srcId="{2AF73DC3-CBBF-468B-A348-6E57C8541CF4}" destId="{A10CC9FE-CAE1-40FA-8BF6-88BEFDD15946}" srcOrd="0" destOrd="0" presId="urn:microsoft.com/office/officeart/2005/8/layout/orgChart1"/>
     <dgm:cxn modelId="{94E8119A-D503-4EA0-8371-10F0B346AC8C}" srcId="{348CBD95-B7FD-409E-A0AA-7431C7B5D4E2}" destId="{4AB22498-9B45-4A26-8217-617BDAF7834F}" srcOrd="0" destOrd="0" parTransId="{0FB665DA-FCFA-4352-9FDE-5E859D5E43F0}" sibTransId="{820358F9-922B-4CFE-920B-47C1F8E212C9}"/>
     <dgm:cxn modelId="{D93D4A9C-AC65-4629-A47D-2FDBCF53D66B}" srcId="{E22F0503-C4A0-453C-82CB-8779888F4EA0}" destId="{F994FB41-4095-4863-A25E-E6BFB9BBC3A7}" srcOrd="1" destOrd="0" parTransId="{DFBCD708-F42B-4763-BFA9-DE443AB3BC87}" sibTransId="{278927A7-799A-4B76-BE20-F4E736D514A7}"/>
     <dgm:cxn modelId="{9EA0B89D-FC49-478F-A0D8-3A7CFA975479}" srcId="{D1935371-0E29-4829-A632-FAEB2F44BE64}" destId="{2B1759CA-81D3-4203-AEE1-2E30EBD2D540}" srcOrd="2" destOrd="0" parTransId="{6781A919-E20D-4891-9B72-CD240574BD32}" sibTransId="{A2C77064-472A-40A1-B97B-4C8BD2EECB8F}"/>
+    <dgm:cxn modelId="{9F3B019E-C8A1-44E8-A62B-E247088A73ED}" srcId="{C504C141-AD11-4252-83E8-33F1FA6D48AD}" destId="{30CE6BB3-27F0-4552-8A3A-F9253865FBED}" srcOrd="1" destOrd="0" parTransId="{1DA41876-E3A5-4752-88CC-B5D9328F6187}" sibTransId="{97B80884-57F5-4E25-A83B-71AF23EE3906}"/>
     <dgm:cxn modelId="{977C64A0-A72D-42E4-BF50-295A1926C255}" type="presOf" srcId="{069A1717-42C5-4678-90D6-67DB92549027}" destId="{AE0923D8-6F34-4E08-9D1D-80B9892C8B39}" srcOrd="0" destOrd="0" presId="urn:microsoft.com/office/officeart/2005/8/layout/orgChart1"/>
     <dgm:cxn modelId="{823F66A1-C291-4B91-A40C-6605E07B8511}" srcId="{A459C26D-9077-4450-B640-3F8F4CD5B444}" destId="{1B7AD776-4325-4AE1-91A9-6BAFA501D78C}" srcOrd="0" destOrd="0" parTransId="{C5777639-AC43-498D-A563-01329B5F73E9}" sibTransId="{97026531-D20B-4BDA-B665-C1EF7B04CD04}"/>
     <dgm:cxn modelId="{EB9F4FA1-F67E-4AA9-8109-41ABAB73EE9D}" srcId="{E24BB2E4-3D38-4C41-BE63-A23328913C12}" destId="{5D6162DD-1A9A-4F72-B84F-A987AEA471FC}" srcOrd="1" destOrd="0" parTransId="{23AB2502-B6D9-43FC-B2EF-6009BE9838CC}" sibTransId="{556E04AC-751C-41C7-BD65-CD78E4B3E857}"/>
@@ -5600,6 +5897,7 @@
     <dgm:cxn modelId="{6D2AAFA6-0362-487E-81AF-D431F9FF7A5B}" type="presOf" srcId="{EDEE53D5-71A3-46B9-97A9-467EDB3775DC}" destId="{17A46959-5224-4FF4-878D-EAB4BCA4AAD1}" srcOrd="1" destOrd="0" presId="urn:microsoft.com/office/officeart/2005/8/layout/orgChart1"/>
     <dgm:cxn modelId="{63E160A7-48E2-4B65-B544-4947A38ACD4B}" type="presOf" srcId="{D079A56B-8CFB-4EED-9DB8-67EDDAC0B3E2}" destId="{A2918898-6FC0-4859-80BE-3B26A3B92910}" srcOrd="0" destOrd="0" presId="urn:microsoft.com/office/officeart/2005/8/layout/orgChart1"/>
     <dgm:cxn modelId="{5E583BA8-051D-42BC-8D11-D7E1BBB49F70}" srcId="{2460BFB7-722C-438B-B415-042331A40AF2}" destId="{EDEE53D5-71A3-46B9-97A9-467EDB3775DC}" srcOrd="2" destOrd="0" parTransId="{9C23874E-82E6-4A2D-8A8A-3B08931926E5}" sibTransId="{61822C99-35DF-4A94-B761-E6D459F3C647}"/>
+    <dgm:cxn modelId="{05316CA8-C817-4B4A-A833-C6E97A5C5911}" type="presOf" srcId="{76CB18D2-5FFB-4381-BBE2-F8646E6F03BA}" destId="{16F80DCD-5AF6-4465-B80A-E34762ABEE8D}" srcOrd="0" destOrd="0" presId="urn:microsoft.com/office/officeart/2005/8/layout/orgChart1"/>
     <dgm:cxn modelId="{8821A2A8-64AD-4CD6-974A-403E0E67B792}" srcId="{2A520DCA-BCD1-43BF-9937-3FB0F0B269D3}" destId="{E69D8413-5949-4F45-89B3-15099A9F1C37}" srcOrd="1" destOrd="0" parTransId="{2E54B73C-B796-4297-832A-3D8DDB67BA02}" sibTransId="{CA524A8E-B8C0-4503-8F92-D3C6CD8F6DD0}"/>
     <dgm:cxn modelId="{5D3DE9A8-0F9E-4BD6-9304-2510A86A2CED}" type="presOf" srcId="{30198DAE-6109-4C7C-80D0-F44439583284}" destId="{97E798F1-AEE4-406C-9196-2CBE2E16414B}" srcOrd="0" destOrd="0" presId="urn:microsoft.com/office/officeart/2005/8/layout/orgChart1"/>
     <dgm:cxn modelId="{93F3F7A9-8640-4510-9DF2-0D73FA0579D2}" type="presOf" srcId="{65E89657-B73B-472A-87F5-5A0E4DC92C83}" destId="{96B693BC-F59D-40A7-85BC-1F4860B1D21C}" srcOrd="1" destOrd="0" presId="urn:microsoft.com/office/officeart/2005/8/layout/orgChart1"/>
@@ -5611,6 +5909,7 @@
     <dgm:cxn modelId="{B95A6BB2-E27C-4E20-A7FC-6F444636CE88}" srcId="{2A520DCA-BCD1-43BF-9937-3FB0F0B269D3}" destId="{65E89657-B73B-472A-87F5-5A0E4DC92C83}" srcOrd="3" destOrd="0" parTransId="{40D716D5-A6BB-4352-9598-0B21D3DEE778}" sibTransId="{C4D25D5A-2B97-4437-B54E-E5E45838D509}"/>
     <dgm:cxn modelId="{4EA79CB3-C723-4713-BAA2-7762C401A840}" type="presOf" srcId="{9F2E1C51-D7A5-4132-81FB-D8AB2FD3467B}" destId="{A8B02302-C302-49FE-83E3-FA9DA5D5BA28}" srcOrd="0" destOrd="0" presId="urn:microsoft.com/office/officeart/2005/8/layout/orgChart1"/>
     <dgm:cxn modelId="{1E50E3B6-08BE-4EA6-85FB-385E1045DE5C}" srcId="{1B7AD776-4325-4AE1-91A9-6BAFA501D78C}" destId="{348CBD95-B7FD-409E-A0AA-7431C7B5D4E2}" srcOrd="1" destOrd="0" parTransId="{B3B63FB8-0550-4CA6-BB60-E6C8951C404B}" sibTransId="{9DEA7922-80E8-460B-B9AA-AA3623467861}"/>
+    <dgm:cxn modelId="{1A4C70B7-A7F6-4E62-9087-187FF02110C8}" type="presOf" srcId="{2AF73DC3-CBBF-468B-A348-6E57C8541CF4}" destId="{6ABE901B-5B15-499E-8172-A7D4C4B2AE96}" srcOrd="1" destOrd="0" presId="urn:microsoft.com/office/officeart/2005/8/layout/orgChart1"/>
     <dgm:cxn modelId="{811230B8-C881-4D74-8E0D-E441918FA9DC}" type="presOf" srcId="{EDEE53D5-71A3-46B9-97A9-467EDB3775DC}" destId="{C346AC1F-2F36-429F-A3EA-0E9489CE387F}" srcOrd="0" destOrd="0" presId="urn:microsoft.com/office/officeart/2005/8/layout/orgChart1"/>
     <dgm:cxn modelId="{4D785CB8-140E-4B07-AEF1-CDE8BF248BA0}" type="presOf" srcId="{FADC2930-EABF-4AFC-8B05-CF590CCD383D}" destId="{31AAC313-56B1-4281-B6C5-1D9AC0E00EEE}" srcOrd="0" destOrd="0" presId="urn:microsoft.com/office/officeart/2005/8/layout/orgChart1"/>
     <dgm:cxn modelId="{00E46DB8-217B-46B9-AED0-FA8A705694C5}" type="presOf" srcId="{B3B63FB8-0550-4CA6-BB60-E6C8951C404B}" destId="{60C28067-BC28-4713-A85D-D11188B20BA6}" srcOrd="0" destOrd="0" presId="urn:microsoft.com/office/officeart/2005/8/layout/orgChart1"/>
@@ -5619,30 +5918,33 @@
     <dgm:cxn modelId="{2E9004C1-3142-4240-82E4-DF46BA26DC73}" type="presOf" srcId="{D592EB25-BA73-4D56-B882-1C9C683A999F}" destId="{B6D98368-74AC-4517-ACCA-9DBBF234668F}" srcOrd="1" destOrd="0" presId="urn:microsoft.com/office/officeart/2005/8/layout/orgChart1"/>
     <dgm:cxn modelId="{45F1D7C1-A093-4999-8126-A837059F9BD0}" type="presOf" srcId="{2A520DCA-BCD1-43BF-9937-3FB0F0B269D3}" destId="{68ACA18F-D098-4313-8430-B1D2B7EBC8AD}" srcOrd="1" destOrd="0" presId="urn:microsoft.com/office/officeart/2005/8/layout/orgChart1"/>
     <dgm:cxn modelId="{0F3C37C2-57A2-40E3-B3CC-2062652630F9}" type="presOf" srcId="{3749B360-7C76-422D-BC52-23929CDE06E0}" destId="{48FF8BEE-A1CD-4FAA-AA4F-AA5B75F976E3}" srcOrd="0" destOrd="0" presId="urn:microsoft.com/office/officeart/2005/8/layout/orgChart1"/>
-    <dgm:cxn modelId="{4D8EA4C4-94EE-4A02-B33E-6FCFE226D149}" type="presOf" srcId="{6DA34DD5-021A-449D-89DD-BFBF337E5B62}" destId="{4DEE6FCD-2DBE-4D2D-8C94-00AAE214066C}" srcOrd="0" destOrd="0" presId="urn:microsoft.com/office/officeart/2005/8/layout/orgChart1"/>
     <dgm:cxn modelId="{CCB8EEC9-3C0F-4027-A584-B48EF41F8F15}" type="presOf" srcId="{5D6162DD-1A9A-4F72-B84F-A987AEA471FC}" destId="{E784262F-9629-4309-8486-4FCACFBDCD22}" srcOrd="0" destOrd="0" presId="urn:microsoft.com/office/officeart/2005/8/layout/orgChart1"/>
     <dgm:cxn modelId="{BC5114CB-0097-474F-90B9-EDAB82429B7C}" type="presOf" srcId="{18AE4581-F75C-43B3-BDC0-6E0D116ACC4F}" destId="{902313DC-38DC-4D56-B3B7-122F0B31ADD8}" srcOrd="0" destOrd="0" presId="urn:microsoft.com/office/officeart/2005/8/layout/orgChart1"/>
-    <dgm:cxn modelId="{0F34D6CB-795D-41E6-9955-474CC2FD02CB}" srcId="{5D6162DD-1A9A-4F72-B84F-A987AEA471FC}" destId="{1818BD13-0ECC-4A7C-A57D-59CB2A26AC64}" srcOrd="1" destOrd="0" parTransId="{6DA34DD5-021A-449D-89DD-BFBF337E5B62}" sibTransId="{4F16527D-FF37-4851-A310-9FB9A198A326}"/>
+    <dgm:cxn modelId="{0F34D6CB-795D-41E6-9955-474CC2FD02CB}" srcId="{5D6162DD-1A9A-4F72-B84F-A987AEA471FC}" destId="{1818BD13-0ECC-4A7C-A57D-59CB2A26AC64}" srcOrd="2" destOrd="0" parTransId="{6DA34DD5-021A-449D-89DD-BFBF337E5B62}" sibTransId="{4F16527D-FF37-4851-A310-9FB9A198A326}"/>
     <dgm:cxn modelId="{A05D8ECC-9B25-4B7C-B55A-DEBFB0B1D6E1}" type="presOf" srcId="{8A8F0D0A-DE6E-487E-87A3-0EC6C26992C8}" destId="{4106A96C-7D4A-42F1-A507-D433AD9D75EF}" srcOrd="0" destOrd="0" presId="urn:microsoft.com/office/officeart/2005/8/layout/orgChart1"/>
     <dgm:cxn modelId="{031DCDCC-D548-4C80-B62A-CED227ACD555}" type="presOf" srcId="{8AD71A13-2253-4269-AD26-F97101E194DA}" destId="{FE6A171B-0F50-488A-B6EF-F88A4AE188A3}" srcOrd="0" destOrd="0" presId="urn:microsoft.com/office/officeart/2005/8/layout/orgChart1"/>
+    <dgm:cxn modelId="{316581D0-B63F-4957-AE59-DE455E2D83E8}" type="presOf" srcId="{ABDCF4AA-9519-4901-B2B7-749B7F42022A}" destId="{DDB21FC0-63EF-4354-A1C7-4B0458183CC7}" srcOrd="1" destOrd="0" presId="urn:microsoft.com/office/officeart/2005/8/layout/orgChart1"/>
     <dgm:cxn modelId="{4C8A6ED1-1A71-43F1-A845-2EB4146A1A69}" type="presOf" srcId="{D1935371-0E29-4829-A632-FAEB2F44BE64}" destId="{C5BFBAD6-0B5D-4D12-B111-83ABF23A6544}" srcOrd="1" destOrd="0" presId="urn:microsoft.com/office/officeart/2005/8/layout/orgChart1"/>
     <dgm:cxn modelId="{1F9E4FD1-8BF1-4A5D-827C-69C1B7B047CD}" type="presOf" srcId="{B001F118-062A-48C9-8689-1721F1D967ED}" destId="{C796A136-D618-4394-8DB6-87B0A97B16B9}" srcOrd="1" destOrd="0" presId="urn:microsoft.com/office/officeart/2005/8/layout/orgChart1"/>
+    <dgm:cxn modelId="{0DF3ECD2-0061-489A-AA3B-447350275443}" type="presOf" srcId="{07A2CA89-1CCA-406D-B24C-B42D15843EDF}" destId="{78E20D79-0B2C-4C80-9327-D6F73306F7CC}" srcOrd="0" destOrd="0" presId="urn:microsoft.com/office/officeart/2005/8/layout/orgChart1"/>
     <dgm:cxn modelId="{D7FE29D3-AC56-4ED2-B4D3-E3B488E2E700}" type="presOf" srcId="{73E90B60-B018-4E6B-A685-469E0B3A9CE0}" destId="{38E2C54E-A764-4134-B2FD-5B9546B0FA47}" srcOrd="0" destOrd="0" presId="urn:microsoft.com/office/officeart/2005/8/layout/orgChart1"/>
+    <dgm:cxn modelId="{61091ED4-CC06-4AB8-894F-22ED26CFE08E}" type="presOf" srcId="{CB754465-25F8-473C-92C2-0E0A12108FB0}" destId="{E5D1B315-193D-4BF4-BD95-041200664081}" srcOrd="0" destOrd="0" presId="urn:microsoft.com/office/officeart/2005/8/layout/orgChart1"/>
     <dgm:cxn modelId="{4E1E78DA-2E96-4652-B026-E0AAB05FC2F9}" type="presOf" srcId="{D389177D-368F-445F-8348-DADD51F25355}" destId="{CD7D73E0-9290-435B-9A95-E05917AFF2FD}" srcOrd="1" destOrd="0" presId="urn:microsoft.com/office/officeart/2005/8/layout/orgChart1"/>
     <dgm:cxn modelId="{30A1DBDD-A60E-4C4E-A80F-FF7517E8FDFE}" type="presOf" srcId="{92E940C0-F67E-4C41-9C90-2DF5F5919B55}" destId="{BBCEB017-B3ED-4CA6-9352-85FF4CA6D9B1}" srcOrd="0" destOrd="0" presId="urn:microsoft.com/office/officeart/2005/8/layout/orgChart1"/>
     <dgm:cxn modelId="{233406DE-0803-407F-B23E-5BD126085BF0}" type="presOf" srcId="{FADC2930-EABF-4AFC-8B05-CF590CCD383D}" destId="{337ACF65-9D25-4E56-AFD1-126942308794}" srcOrd="1" destOrd="0" presId="urn:microsoft.com/office/officeart/2005/8/layout/orgChart1"/>
     <dgm:cxn modelId="{D7DC43DF-6524-45D7-9584-5DDA11817953}" type="presOf" srcId="{C2187B59-1855-4BF6-9F66-ED69EEA27D61}" destId="{4141D623-AB2E-4220-817C-EF4B5E4D997E}" srcOrd="0" destOrd="0" presId="urn:microsoft.com/office/officeart/2005/8/layout/orgChart1"/>
+    <dgm:cxn modelId="{D3F532E1-CE7C-4E63-86E3-E98776AAE223}" type="presOf" srcId="{ABDCF4AA-9519-4901-B2B7-749B7F42022A}" destId="{044231FB-B582-4716-B1A1-2790B533F448}" srcOrd="0" destOrd="0" presId="urn:microsoft.com/office/officeart/2005/8/layout/orgChart1"/>
     <dgm:cxn modelId="{95848CE1-1296-40BC-969E-0F24CE7FBA41}" type="presOf" srcId="{070C51AE-2F61-4399-9723-0030007291F2}" destId="{147CB0AA-358D-4FF0-9699-505B8547B8BB}" srcOrd="0" destOrd="0" presId="urn:microsoft.com/office/officeart/2005/8/layout/orgChart1"/>
     <dgm:cxn modelId="{BA9BCFE1-720A-41B8-97B8-9AA23BBBADA7}" type="presOf" srcId="{92E940C0-F67E-4C41-9C90-2DF5F5919B55}" destId="{F37ABEC1-A3BA-4225-9551-F03C1B7F5446}" srcOrd="1" destOrd="0" presId="urn:microsoft.com/office/officeart/2005/8/layout/orgChart1"/>
-    <dgm:cxn modelId="{DFFE3EE4-6BB7-4A1D-8EBE-5649FE2A8AD4}" type="presOf" srcId="{1818BD13-0ECC-4A7C-A57D-59CB2A26AC64}" destId="{7A75E0DD-8DC7-4BEC-8EAB-51BD1D7BB31B}" srcOrd="1" destOrd="0" presId="urn:microsoft.com/office/officeart/2005/8/layout/orgChart1"/>
+    <dgm:cxn modelId="{662AAFE3-E30C-4021-8E2E-C1FA3D8DB1C2}" type="presOf" srcId="{54F1F333-9DE9-4983-B2A1-1B38F1B52727}" destId="{5B166E42-C0BC-40BE-9B98-720BF34119F4}" srcOrd="1" destOrd="0" presId="urn:microsoft.com/office/officeart/2005/8/layout/orgChart1"/>
     <dgm:cxn modelId="{4E2976E5-6D56-4A6B-9172-6D8E867BE953}" type="presOf" srcId="{3EAD63C0-5758-4BC0-BC95-66EA389393CB}" destId="{89A7BAAF-BD1D-4FEE-97D1-0A0D6FFF9B2E}" srcOrd="0" destOrd="0" presId="urn:microsoft.com/office/officeart/2005/8/layout/orgChart1"/>
     <dgm:cxn modelId="{4DED83E5-D5B5-4B96-93ED-F13629406DC1}" type="presOf" srcId="{0DA25EEB-D093-455E-86A7-8A4D05562AC6}" destId="{AD8BC3CF-C057-42A9-80F2-25C51D35C146}" srcOrd="0" destOrd="0" presId="urn:microsoft.com/office/officeart/2005/8/layout/orgChart1"/>
     <dgm:cxn modelId="{ABD00AE6-E629-4ED5-B37B-7F3EE033E2E1}" srcId="{E24BB2E4-3D38-4C41-BE63-A23328913C12}" destId="{92E940C0-F67E-4C41-9C90-2DF5F5919B55}" srcOrd="5" destOrd="0" parTransId="{07D6B8B6-E221-4FD8-B032-C43DACD7A3E9}" sibTransId="{98E70FC6-F700-45D0-9BA1-90580C3CB584}"/>
     <dgm:cxn modelId="{E2B40DE6-B4BF-49A5-A190-A0F333F745B0}" type="presOf" srcId="{A2F23379-0708-4329-B33C-03854D12E5CA}" destId="{CC7CD8A9-0585-450F-984A-772B47825683}" srcOrd="1" destOrd="0" presId="urn:microsoft.com/office/officeart/2005/8/layout/orgChart1"/>
-    <dgm:cxn modelId="{073285E6-8CB8-4817-BEDC-087A517D3558}" type="presOf" srcId="{CB754465-25F8-473C-92C2-0E0A12108FB0}" destId="{28317ED0-1ABB-49E7-9092-66B1E61E9304}" srcOrd="1" destOrd="0" presId="urn:microsoft.com/office/officeart/2005/8/layout/orgChart1"/>
     <dgm:cxn modelId="{985A7BE7-D322-46CD-A307-21F3BE4428AC}" type="presOf" srcId="{089282B8-ED3C-46A1-88C2-052D7052E2DF}" destId="{672F341C-2B61-4B5A-9154-09A3CA1013F9}" srcOrd="0" destOrd="0" presId="urn:microsoft.com/office/officeart/2005/8/layout/orgChart1"/>
     <dgm:cxn modelId="{86C550E8-54AF-4A36-8554-B0194FBA1A82}" type="presOf" srcId="{9C23874E-82E6-4A2D-8A8A-3B08931926E5}" destId="{06A262FE-717F-4FD3-8C12-CF3AFB710B83}" srcOrd="0" destOrd="0" presId="urn:microsoft.com/office/officeart/2005/8/layout/orgChart1"/>
-    <dgm:cxn modelId="{2F93A9E8-40C0-4C92-BBA4-D9906AC452DC}" srcId="{5D6162DD-1A9A-4F72-B84F-A987AEA471FC}" destId="{CB754465-25F8-473C-92C2-0E0A12108FB0}" srcOrd="0" destOrd="0" parTransId="{2B488B0A-878B-4B56-947A-3B957223CF9E}" sibTransId="{64C690E7-3EF1-4BCA-B99E-463783F4B1BC}"/>
+    <dgm:cxn modelId="{2F93A9E8-40C0-4C92-BBA4-D9906AC452DC}" srcId="{5D6162DD-1A9A-4F72-B84F-A987AEA471FC}" destId="{CB754465-25F8-473C-92C2-0E0A12108FB0}" srcOrd="1" destOrd="0" parTransId="{2B488B0A-878B-4B56-947A-3B957223CF9E}" sibTransId="{64C690E7-3EF1-4BCA-B99E-463783F4B1BC}"/>
+    <dgm:cxn modelId="{7218D0E8-9DE7-4C3A-8944-F97DF4BD4721}" type="presOf" srcId="{1818BD13-0ECC-4A7C-A57D-59CB2A26AC64}" destId="{BA4E6E08-36E3-4F01-BF4C-DDFB79F9EC1D}" srcOrd="0" destOrd="0" presId="urn:microsoft.com/office/officeart/2005/8/layout/orgChart1"/>
     <dgm:cxn modelId="{950723EA-D2DE-4D64-A217-3912E02E51B7}" type="presOf" srcId="{E22F0503-C4A0-453C-82CB-8779888F4EA0}" destId="{676F55E8-CECF-4B9C-8A6D-D23C5CF5C9D1}" srcOrd="1" destOrd="0" presId="urn:microsoft.com/office/officeart/2005/8/layout/orgChart1"/>
     <dgm:cxn modelId="{C38E54EC-5C3D-4DF1-8A9E-6AF7521B738A}" type="presOf" srcId="{348CBD95-B7FD-409E-A0AA-7431C7B5D4E2}" destId="{98CD120B-645F-4AD7-87A1-DFC729C99B10}" srcOrd="0" destOrd="0" presId="urn:microsoft.com/office/officeart/2005/8/layout/orgChart1"/>
     <dgm:cxn modelId="{D1EC53EE-0190-42F2-A126-9B60297A2B1A}" type="presOf" srcId="{FCB32B12-859F-4A12-926F-A011E25495E5}" destId="{6D3A183E-342E-44E7-B5C0-43F073113F0A}" srcOrd="1" destOrd="0" presId="urn:microsoft.com/office/officeart/2005/8/layout/orgChart1"/>
@@ -5651,6 +5953,8 @@
     <dgm:cxn modelId="{559EECF6-847B-40DB-9A8F-9827224C5BD8}" srcId="{E24BB2E4-3D38-4C41-BE63-A23328913C12}" destId="{D1935371-0E29-4829-A632-FAEB2F44BE64}" srcOrd="3" destOrd="0" parTransId="{746A2C7B-36BC-4346-84A5-207C73C06547}" sibTransId="{F06347BE-FD1A-4905-A908-0BA6F520A2D4}"/>
     <dgm:cxn modelId="{423C16F8-88DF-46A7-B200-CDC45B8C2F28}" type="presOf" srcId="{9998B31B-59C7-4EEC-BDBD-3877963A52B2}" destId="{698EA435-E017-450D-B741-D77246EEB22F}" srcOrd="0" destOrd="0" presId="urn:microsoft.com/office/officeart/2005/8/layout/orgChart1"/>
     <dgm:cxn modelId="{358A7DF8-7015-45DD-AA6C-EA760CD2B717}" type="presOf" srcId="{5ACDBF96-23EB-4E60-9CA9-A1EC58BD9647}" destId="{21527323-2AB3-4FA9-AF47-9F26EFA46972}" srcOrd="1" destOrd="0" presId="urn:microsoft.com/office/officeart/2005/8/layout/orgChart1"/>
+    <dgm:cxn modelId="{0285D1F9-2F64-4D77-ACE1-C061B6DFFF2F}" srcId="{C504C141-AD11-4252-83E8-33F1FA6D48AD}" destId="{2AF73DC3-CBBF-468B-A348-6E57C8541CF4}" srcOrd="0" destOrd="0" parTransId="{DFCABC8C-BA57-49AD-846D-2DBB05D652F8}" sibTransId="{0DE11B2D-83B9-4300-BCF0-DE2BE7330510}"/>
+    <dgm:cxn modelId="{3DE7E7F9-976B-47C9-93FD-056BA63BE604}" type="presOf" srcId="{54F1F333-9DE9-4983-B2A1-1B38F1B52727}" destId="{D3657630-CED7-41FF-B169-07F062BC0CE9}" srcOrd="0" destOrd="0" presId="urn:microsoft.com/office/officeart/2005/8/layout/orgChart1"/>
     <dgm:cxn modelId="{073143FB-77BB-4827-9704-E4EA9601312D}" type="presOf" srcId="{C504C141-AD11-4252-83E8-33F1FA6D48AD}" destId="{AE38E18D-745D-4D9B-ABBD-D0C5B911FD7A}" srcOrd="0" destOrd="0" presId="urn:microsoft.com/office/officeart/2005/8/layout/orgChart1"/>
     <dgm:cxn modelId="{6FC77FFC-2B33-492B-B190-B3E073C0D446}" type="presOf" srcId="{1F98A315-026C-4431-83C2-5E5C870EEE53}" destId="{56CC7145-4BB2-4554-BE8D-8DDA77005712}" srcOrd="0" destOrd="0" presId="urn:microsoft.com/office/officeart/2005/8/layout/orgChart1"/>
     <dgm:cxn modelId="{D04019FD-9ECE-4A81-9182-4F9B96B6C174}" srcId="{FADC2930-EABF-4AFC-8B05-CF590CCD383D}" destId="{1F98A315-026C-4431-83C2-5E5C870EEE53}" srcOrd="2" destOrd="0" parTransId="{C2187B59-1855-4BF6-9F66-ED69EEA27D61}" sibTransId="{86FB3719-E1A0-45D8-A845-56D08C67F981}"/>
@@ -5805,27 +6109,34 @@
     <dgm:cxn modelId="{79211197-1333-4F0A-9F3C-E9A13410FF76}" type="presParOf" srcId="{C8A5D372-8D78-43E3-B9C8-CB9F258937B8}" destId="{E784262F-9629-4309-8486-4FCACFBDCD22}" srcOrd="0" destOrd="0" presId="urn:microsoft.com/office/officeart/2005/8/layout/orgChart1"/>
     <dgm:cxn modelId="{A2B62BC1-0C90-425F-BC10-B9CDD1BD1877}" type="presParOf" srcId="{C8A5D372-8D78-43E3-B9C8-CB9F258937B8}" destId="{1A7F80D8-8CDA-4E5D-BEC2-83918691AC92}" srcOrd="1" destOrd="0" presId="urn:microsoft.com/office/officeart/2005/8/layout/orgChart1"/>
     <dgm:cxn modelId="{F8B59292-17A6-4621-A7BC-9640C18C2D73}" type="presParOf" srcId="{3CDBA718-C097-49E7-93D8-BF69F1BE5BE6}" destId="{8BB74A71-E9C5-448A-A4E4-63C37C8DE2CA}" srcOrd="1" destOrd="0" presId="urn:microsoft.com/office/officeart/2005/8/layout/orgChart1"/>
-    <dgm:cxn modelId="{771219B3-CC6D-41AF-A746-AF85972D3C9E}" type="presParOf" srcId="{8BB74A71-E9C5-448A-A4E4-63C37C8DE2CA}" destId="{E2A5D7BE-D226-4294-8994-0E665FE415A2}" srcOrd="0" destOrd="0" presId="urn:microsoft.com/office/officeart/2005/8/layout/orgChart1"/>
-    <dgm:cxn modelId="{11FB9F55-9570-431D-A316-0F8331721CE6}" type="presParOf" srcId="{8BB74A71-E9C5-448A-A4E4-63C37C8DE2CA}" destId="{FB447BD1-E935-4F7E-91FD-BE68B3F0D9B7}" srcOrd="1" destOrd="0" presId="urn:microsoft.com/office/officeart/2005/8/layout/orgChart1"/>
-    <dgm:cxn modelId="{8CB43672-DDEF-4DBD-84BB-BDE61B875DCF}" type="presParOf" srcId="{FB447BD1-E935-4F7E-91FD-BE68B3F0D9B7}" destId="{1E50B365-E5E0-44BB-A0F1-75CF65A7697E}" srcOrd="0" destOrd="0" presId="urn:microsoft.com/office/officeart/2005/8/layout/orgChart1"/>
-    <dgm:cxn modelId="{3D27C4A1-558B-4E56-9868-EA944D32D22E}" type="presParOf" srcId="{1E50B365-E5E0-44BB-A0F1-75CF65A7697E}" destId="{E5D1B315-193D-4BF4-BD95-041200664081}" srcOrd="0" destOrd="0" presId="urn:microsoft.com/office/officeart/2005/8/layout/orgChart1"/>
-    <dgm:cxn modelId="{B183933C-C4B5-4876-A6C2-C5BDF409F00E}" type="presParOf" srcId="{1E50B365-E5E0-44BB-A0F1-75CF65A7697E}" destId="{28317ED0-1ABB-49E7-9092-66B1E61E9304}" srcOrd="1" destOrd="0" presId="urn:microsoft.com/office/officeart/2005/8/layout/orgChart1"/>
-    <dgm:cxn modelId="{9A5A779E-F639-418F-A39D-2672F36D2097}" type="presParOf" srcId="{FB447BD1-E935-4F7E-91FD-BE68B3F0D9B7}" destId="{CD4682B0-6CDA-45AE-8D61-C844230F098A}" srcOrd="1" destOrd="0" presId="urn:microsoft.com/office/officeart/2005/8/layout/orgChart1"/>
-    <dgm:cxn modelId="{24C069B4-4913-4CBF-BB3A-DE30E62B4B3A}" type="presParOf" srcId="{FB447BD1-E935-4F7E-91FD-BE68B3F0D9B7}" destId="{E00D0D77-2B28-4AD5-9846-CDCF786E7AD2}" srcOrd="2" destOrd="0" presId="urn:microsoft.com/office/officeart/2005/8/layout/orgChart1"/>
-    <dgm:cxn modelId="{5AB96BFF-E9D6-4EEF-A6EF-2D2B8CE026EC}" type="presParOf" srcId="{8BB74A71-E9C5-448A-A4E4-63C37C8DE2CA}" destId="{4DEE6FCD-2DBE-4D2D-8C94-00AAE214066C}" srcOrd="2" destOrd="0" presId="urn:microsoft.com/office/officeart/2005/8/layout/orgChart1"/>
-    <dgm:cxn modelId="{9376A937-0765-443A-A128-53EF1C18978A}" type="presParOf" srcId="{8BB74A71-E9C5-448A-A4E4-63C37C8DE2CA}" destId="{823FB3BB-5556-4DA5-B9CE-CA37DD17AE0B}" srcOrd="3" destOrd="0" presId="urn:microsoft.com/office/officeart/2005/8/layout/orgChart1"/>
-    <dgm:cxn modelId="{F4F7BE94-C0CF-4855-9108-66C6C78EA1E4}" type="presParOf" srcId="{823FB3BB-5556-4DA5-B9CE-CA37DD17AE0B}" destId="{45B086CC-4C5E-451C-BE6E-1457543E0BEC}" srcOrd="0" destOrd="0" presId="urn:microsoft.com/office/officeart/2005/8/layout/orgChart1"/>
-    <dgm:cxn modelId="{64DCB5E4-D626-439E-AFA7-951790974F02}" type="presParOf" srcId="{45B086CC-4C5E-451C-BE6E-1457543E0BEC}" destId="{BA4E6E08-36E3-4F01-BF4C-DDFB79F9EC1D}" srcOrd="0" destOrd="0" presId="urn:microsoft.com/office/officeart/2005/8/layout/orgChart1"/>
-    <dgm:cxn modelId="{D0A1E4AB-E709-462D-852B-F3CC50B21E6C}" type="presParOf" srcId="{45B086CC-4C5E-451C-BE6E-1457543E0BEC}" destId="{7A75E0DD-8DC7-4BEC-8EAB-51BD1D7BB31B}" srcOrd="1" destOrd="0" presId="urn:microsoft.com/office/officeart/2005/8/layout/orgChart1"/>
-    <dgm:cxn modelId="{6C8B2871-CF13-4786-9119-1229597002DB}" type="presParOf" srcId="{823FB3BB-5556-4DA5-B9CE-CA37DD17AE0B}" destId="{83B73937-4B1D-413E-B9A5-5B42665CE0DC}" srcOrd="1" destOrd="0" presId="urn:microsoft.com/office/officeart/2005/8/layout/orgChart1"/>
-    <dgm:cxn modelId="{17D9867D-935D-4022-9265-4157E42D0B88}" type="presParOf" srcId="{823FB3BB-5556-4DA5-B9CE-CA37DD17AE0B}" destId="{9440CD81-00A2-400F-B36A-362B400F33CE}" srcOrd="2" destOrd="0" presId="urn:microsoft.com/office/officeart/2005/8/layout/orgChart1"/>
-    <dgm:cxn modelId="{6BF5FD3D-5BC3-4693-9A24-73955760CC0C}" type="presParOf" srcId="{8BB74A71-E9C5-448A-A4E4-63C37C8DE2CA}" destId="{16F80DCD-5AF6-4465-B80A-E34762ABEE8D}" srcOrd="4" destOrd="0" presId="urn:microsoft.com/office/officeart/2005/8/layout/orgChart1"/>
-    <dgm:cxn modelId="{C14B4CFE-9FE4-40C4-B001-90B5C11432DE}" type="presParOf" srcId="{8BB74A71-E9C5-448A-A4E4-63C37C8DE2CA}" destId="{370817C3-1E0A-4CD5-87B7-BCE2308894E9}" srcOrd="5" destOrd="0" presId="urn:microsoft.com/office/officeart/2005/8/layout/orgChart1"/>
-    <dgm:cxn modelId="{99D1F535-BD82-433E-948E-D226320C86A1}" type="presParOf" srcId="{370817C3-1E0A-4CD5-87B7-BCE2308894E9}" destId="{05EE545C-EC55-412F-BB6E-E23E392C2062}" srcOrd="0" destOrd="0" presId="urn:microsoft.com/office/officeart/2005/8/layout/orgChart1"/>
-    <dgm:cxn modelId="{11CA6974-031C-4721-9D78-564AF7208E20}" type="presParOf" srcId="{05EE545C-EC55-412F-BB6E-E23E392C2062}" destId="{B4F0CD5F-077D-48AC-A55A-4FAA5D5F96D3}" srcOrd="0" destOrd="0" presId="urn:microsoft.com/office/officeart/2005/8/layout/orgChart1"/>
-    <dgm:cxn modelId="{5472F950-7828-4CDA-893D-E6D44938C128}" type="presParOf" srcId="{05EE545C-EC55-412F-BB6E-E23E392C2062}" destId="{97591091-422D-4C99-85D8-36C471335993}" srcOrd="1" destOrd="0" presId="urn:microsoft.com/office/officeart/2005/8/layout/orgChart1"/>
-    <dgm:cxn modelId="{1B45F2A8-4CE2-4375-B44C-634E9791A153}" type="presParOf" srcId="{370817C3-1E0A-4CD5-87B7-BCE2308894E9}" destId="{3E5AC188-1B8E-4BF0-8751-DF9ACA73C8B7}" srcOrd="1" destOrd="0" presId="urn:microsoft.com/office/officeart/2005/8/layout/orgChart1"/>
-    <dgm:cxn modelId="{ACE7331D-D3E3-4903-9C8A-10F91BE28B8E}" type="presParOf" srcId="{370817C3-1E0A-4CD5-87B7-BCE2308894E9}" destId="{6A23AEE9-9C9F-4D0B-A236-8F13AE4F9B12}" srcOrd="2" destOrd="0" presId="urn:microsoft.com/office/officeart/2005/8/layout/orgChart1"/>
+    <dgm:cxn modelId="{EC74E79A-63DA-41D1-8935-04A83E0ACDAE}" type="presParOf" srcId="{8BB74A71-E9C5-448A-A4E4-63C37C8DE2CA}" destId="{78E20D79-0B2C-4C80-9327-D6F73306F7CC}" srcOrd="0" destOrd="0" presId="urn:microsoft.com/office/officeart/2005/8/layout/orgChart1"/>
+    <dgm:cxn modelId="{C19C48C0-3782-4242-8E7C-8C32842BA1E0}" type="presParOf" srcId="{8BB74A71-E9C5-448A-A4E4-63C37C8DE2CA}" destId="{4D21B684-DB9C-415D-B771-4A8AAB0F89A9}" srcOrd="1" destOrd="0" presId="urn:microsoft.com/office/officeart/2005/8/layout/orgChart1"/>
+    <dgm:cxn modelId="{8D25A676-E7B2-42F5-B723-4334F162F059}" type="presParOf" srcId="{4D21B684-DB9C-415D-B771-4A8AAB0F89A9}" destId="{BF77F145-B73D-4583-97A0-62D64E1425EB}" srcOrd="0" destOrd="0" presId="urn:microsoft.com/office/officeart/2005/8/layout/orgChart1"/>
+    <dgm:cxn modelId="{233D03B1-AC62-4EB3-9D69-9344E053FB75}" type="presParOf" srcId="{BF77F145-B73D-4583-97A0-62D64E1425EB}" destId="{044231FB-B582-4716-B1A1-2790B533F448}" srcOrd="0" destOrd="0" presId="urn:microsoft.com/office/officeart/2005/8/layout/orgChart1"/>
+    <dgm:cxn modelId="{A658853D-AFB2-4988-B388-62DAEE5BB790}" type="presParOf" srcId="{BF77F145-B73D-4583-97A0-62D64E1425EB}" destId="{DDB21FC0-63EF-4354-A1C7-4B0458183CC7}" srcOrd="1" destOrd="0" presId="urn:microsoft.com/office/officeart/2005/8/layout/orgChart1"/>
+    <dgm:cxn modelId="{2F497EF8-775D-43BC-8B5F-81CCB6E1FDA2}" type="presParOf" srcId="{4D21B684-DB9C-415D-B771-4A8AAB0F89A9}" destId="{128E1E65-35B8-4124-B1CD-4B7A4E618A4D}" srcOrd="1" destOrd="0" presId="urn:microsoft.com/office/officeart/2005/8/layout/orgChart1"/>
+    <dgm:cxn modelId="{A1C67AB4-475A-4895-8D98-1FE859B0007E}" type="presParOf" srcId="{4D21B684-DB9C-415D-B771-4A8AAB0F89A9}" destId="{9EBAA7DF-BEBE-478E-8282-C76DB271EDA8}" srcOrd="2" destOrd="0" presId="urn:microsoft.com/office/officeart/2005/8/layout/orgChart1"/>
+    <dgm:cxn modelId="{486D5DBE-0BCF-4C64-A84B-912523C746C4}" type="presParOf" srcId="{8BB74A71-E9C5-448A-A4E4-63C37C8DE2CA}" destId="{E2A5D7BE-D226-4294-8994-0E665FE415A2}" srcOrd="2" destOrd="0" presId="urn:microsoft.com/office/officeart/2005/8/layout/orgChart1"/>
+    <dgm:cxn modelId="{C87453D3-942F-4542-89ED-7543D41E7759}" type="presParOf" srcId="{8BB74A71-E9C5-448A-A4E4-63C37C8DE2CA}" destId="{FB447BD1-E935-4F7E-91FD-BE68B3F0D9B7}" srcOrd="3" destOrd="0" presId="urn:microsoft.com/office/officeart/2005/8/layout/orgChart1"/>
+    <dgm:cxn modelId="{013E8F18-FB13-40BD-80D1-870C53E82960}" type="presParOf" srcId="{FB447BD1-E935-4F7E-91FD-BE68B3F0D9B7}" destId="{1E50B365-E5E0-44BB-A0F1-75CF65A7697E}" srcOrd="0" destOrd="0" presId="urn:microsoft.com/office/officeart/2005/8/layout/orgChart1"/>
+    <dgm:cxn modelId="{EF4172FF-33E1-4670-BD9A-58B0437A451B}" type="presParOf" srcId="{1E50B365-E5E0-44BB-A0F1-75CF65A7697E}" destId="{E5D1B315-193D-4BF4-BD95-041200664081}" srcOrd="0" destOrd="0" presId="urn:microsoft.com/office/officeart/2005/8/layout/orgChart1"/>
+    <dgm:cxn modelId="{CCCEB3A7-6016-4441-9BC4-370350A2BF80}" type="presParOf" srcId="{1E50B365-E5E0-44BB-A0F1-75CF65A7697E}" destId="{28317ED0-1ABB-49E7-9092-66B1E61E9304}" srcOrd="1" destOrd="0" presId="urn:microsoft.com/office/officeart/2005/8/layout/orgChart1"/>
+    <dgm:cxn modelId="{07E23750-8B5E-4056-9741-C2150D297B64}" type="presParOf" srcId="{FB447BD1-E935-4F7E-91FD-BE68B3F0D9B7}" destId="{CD4682B0-6CDA-45AE-8D61-C844230F098A}" srcOrd="1" destOrd="0" presId="urn:microsoft.com/office/officeart/2005/8/layout/orgChart1"/>
+    <dgm:cxn modelId="{86406762-E039-42A4-A5E5-DEDEE66501FD}" type="presParOf" srcId="{FB447BD1-E935-4F7E-91FD-BE68B3F0D9B7}" destId="{E00D0D77-2B28-4AD5-9846-CDCF786E7AD2}" srcOrd="2" destOrd="0" presId="urn:microsoft.com/office/officeart/2005/8/layout/orgChart1"/>
+    <dgm:cxn modelId="{1E9F0450-EA89-41F1-AF5D-18D5AB4716D0}" type="presParOf" srcId="{8BB74A71-E9C5-448A-A4E4-63C37C8DE2CA}" destId="{4DEE6FCD-2DBE-4D2D-8C94-00AAE214066C}" srcOrd="4" destOrd="0" presId="urn:microsoft.com/office/officeart/2005/8/layout/orgChart1"/>
+    <dgm:cxn modelId="{784DB4CD-9A85-4D4D-9FE7-DB467603D7B4}" type="presParOf" srcId="{8BB74A71-E9C5-448A-A4E4-63C37C8DE2CA}" destId="{823FB3BB-5556-4DA5-B9CE-CA37DD17AE0B}" srcOrd="5" destOrd="0" presId="urn:microsoft.com/office/officeart/2005/8/layout/orgChart1"/>
+    <dgm:cxn modelId="{AA0112B4-2D36-44E6-B21E-1FE33C580C2A}" type="presParOf" srcId="{823FB3BB-5556-4DA5-B9CE-CA37DD17AE0B}" destId="{45B086CC-4C5E-451C-BE6E-1457543E0BEC}" srcOrd="0" destOrd="0" presId="urn:microsoft.com/office/officeart/2005/8/layout/orgChart1"/>
+    <dgm:cxn modelId="{88F6ACA5-860D-4B2F-9293-94035254AD11}" type="presParOf" srcId="{45B086CC-4C5E-451C-BE6E-1457543E0BEC}" destId="{BA4E6E08-36E3-4F01-BF4C-DDFB79F9EC1D}" srcOrd="0" destOrd="0" presId="urn:microsoft.com/office/officeart/2005/8/layout/orgChart1"/>
+    <dgm:cxn modelId="{237EE944-2C40-49C2-8D85-1869CFCD458D}" type="presParOf" srcId="{45B086CC-4C5E-451C-BE6E-1457543E0BEC}" destId="{7A75E0DD-8DC7-4BEC-8EAB-51BD1D7BB31B}" srcOrd="1" destOrd="0" presId="urn:microsoft.com/office/officeart/2005/8/layout/orgChart1"/>
+    <dgm:cxn modelId="{DE384228-9A97-4518-A0F6-1F9DAC7EA2A3}" type="presParOf" srcId="{823FB3BB-5556-4DA5-B9CE-CA37DD17AE0B}" destId="{83B73937-4B1D-413E-B9A5-5B42665CE0DC}" srcOrd="1" destOrd="0" presId="urn:microsoft.com/office/officeart/2005/8/layout/orgChart1"/>
+    <dgm:cxn modelId="{EFCB2CFB-AC29-4395-AC81-A4E17D9723A6}" type="presParOf" srcId="{823FB3BB-5556-4DA5-B9CE-CA37DD17AE0B}" destId="{9440CD81-00A2-400F-B36A-362B400F33CE}" srcOrd="2" destOrd="0" presId="urn:microsoft.com/office/officeart/2005/8/layout/orgChart1"/>
+    <dgm:cxn modelId="{18CF3722-4BE1-4206-93E2-94D9D7ACD758}" type="presParOf" srcId="{8BB74A71-E9C5-448A-A4E4-63C37C8DE2CA}" destId="{16F80DCD-5AF6-4465-B80A-E34762ABEE8D}" srcOrd="6" destOrd="0" presId="urn:microsoft.com/office/officeart/2005/8/layout/orgChart1"/>
+    <dgm:cxn modelId="{8D39735F-C28A-49C8-B16C-23C0746C8570}" type="presParOf" srcId="{8BB74A71-E9C5-448A-A4E4-63C37C8DE2CA}" destId="{370817C3-1E0A-4CD5-87B7-BCE2308894E9}" srcOrd="7" destOrd="0" presId="urn:microsoft.com/office/officeart/2005/8/layout/orgChart1"/>
+    <dgm:cxn modelId="{4369A87B-B535-417F-A656-BDA18A8AE1B0}" type="presParOf" srcId="{370817C3-1E0A-4CD5-87B7-BCE2308894E9}" destId="{05EE545C-EC55-412F-BB6E-E23E392C2062}" srcOrd="0" destOrd="0" presId="urn:microsoft.com/office/officeart/2005/8/layout/orgChart1"/>
+    <dgm:cxn modelId="{82BC8F55-2594-4938-AE8C-988C929B20AB}" type="presParOf" srcId="{05EE545C-EC55-412F-BB6E-E23E392C2062}" destId="{B4F0CD5F-077D-48AC-A55A-4FAA5D5F96D3}" srcOrd="0" destOrd="0" presId="urn:microsoft.com/office/officeart/2005/8/layout/orgChart1"/>
+    <dgm:cxn modelId="{7D303F8C-D161-4E69-A859-E1CC0A1A5230}" type="presParOf" srcId="{05EE545C-EC55-412F-BB6E-E23E392C2062}" destId="{97591091-422D-4C99-85D8-36C471335993}" srcOrd="1" destOrd="0" presId="urn:microsoft.com/office/officeart/2005/8/layout/orgChart1"/>
+    <dgm:cxn modelId="{1E0ABE77-0DD0-474B-A1C3-F56229176F00}" type="presParOf" srcId="{370817C3-1E0A-4CD5-87B7-BCE2308894E9}" destId="{3E5AC188-1B8E-4BF0-8751-DF9ACA73C8B7}" srcOrd="1" destOrd="0" presId="urn:microsoft.com/office/officeart/2005/8/layout/orgChart1"/>
+    <dgm:cxn modelId="{DB6F0183-44AE-4438-9EA5-B4EB6628F06D}" type="presParOf" srcId="{370817C3-1E0A-4CD5-87B7-BCE2308894E9}" destId="{6A23AEE9-9C9F-4D0B-A236-8F13AE4F9B12}" srcOrd="2" destOrd="0" presId="urn:microsoft.com/office/officeart/2005/8/layout/orgChart1"/>
     <dgm:cxn modelId="{E9C14394-56C6-40E5-8E01-DD8469412758}" type="presParOf" srcId="{3CDBA718-C097-49E7-93D8-BF69F1BE5BE6}" destId="{3778AC8B-8CAA-45E5-BD27-D687FA0CB9C7}" srcOrd="2" destOrd="0" presId="urn:microsoft.com/office/officeart/2005/8/layout/orgChart1"/>
     <dgm:cxn modelId="{92A06B79-FAE4-460A-88B4-E5D45D0526FF}" type="presParOf" srcId="{488CF4A6-5653-4675-B8CC-5AA915146186}" destId="{A2918898-6FC0-4859-80BE-3B26A3B92910}" srcOrd="4" destOrd="0" presId="urn:microsoft.com/office/officeart/2005/8/layout/orgChart1"/>
     <dgm:cxn modelId="{0C223599-C71E-4ED6-82B5-644E48E567B0}" type="presParOf" srcId="{488CF4A6-5653-4675-B8CC-5AA915146186}" destId="{12FEB15F-D53A-497D-A810-575762DAD4BA}" srcOrd="5" destOrd="0" presId="urn:microsoft.com/office/officeart/2005/8/layout/orgChart1"/>
@@ -5833,6 +6144,27 @@
     <dgm:cxn modelId="{02AA562F-6CCE-4466-AF15-68812B2F4D15}" type="presParOf" srcId="{3B841B83-49FC-41F0-B51A-74320D905432}" destId="{AE38E18D-745D-4D9B-ABBD-D0C5B911FD7A}" srcOrd="0" destOrd="0" presId="urn:microsoft.com/office/officeart/2005/8/layout/orgChart1"/>
     <dgm:cxn modelId="{9C59E97F-5FEC-4CBB-A775-09E66224DCF4}" type="presParOf" srcId="{3B841B83-49FC-41F0-B51A-74320D905432}" destId="{A4600D36-5D99-4A64-927C-C6B761150CFB}" srcOrd="1" destOrd="0" presId="urn:microsoft.com/office/officeart/2005/8/layout/orgChart1"/>
     <dgm:cxn modelId="{F6241DE8-7401-4D82-A5CF-DAB85D955E82}" type="presParOf" srcId="{12FEB15F-D53A-497D-A810-575762DAD4BA}" destId="{E73B45D3-96F6-4FA6-9C48-79DBFDE522E3}" srcOrd="1" destOrd="0" presId="urn:microsoft.com/office/officeart/2005/8/layout/orgChart1"/>
+    <dgm:cxn modelId="{8DEE1E0E-8224-4CB4-B701-7C441298985C}" type="presParOf" srcId="{E73B45D3-96F6-4FA6-9C48-79DBFDE522E3}" destId="{0DF66D45-5157-427E-A865-220A572C5329}" srcOrd="0" destOrd="0" presId="urn:microsoft.com/office/officeart/2005/8/layout/orgChart1"/>
+    <dgm:cxn modelId="{0CBC3ED3-11E0-49A4-8339-7096367610F5}" type="presParOf" srcId="{E73B45D3-96F6-4FA6-9C48-79DBFDE522E3}" destId="{8A9AF0D8-64CC-434A-932A-172BBE15D1A8}" srcOrd="1" destOrd="0" presId="urn:microsoft.com/office/officeart/2005/8/layout/orgChart1"/>
+    <dgm:cxn modelId="{6AE7DAFC-5D39-4764-810B-9D07ED24DD0E}" type="presParOf" srcId="{8A9AF0D8-64CC-434A-932A-172BBE15D1A8}" destId="{11C727CE-259B-46D6-A6CA-F33D308DC44E}" srcOrd="0" destOrd="0" presId="urn:microsoft.com/office/officeart/2005/8/layout/orgChart1"/>
+    <dgm:cxn modelId="{254806FE-9C48-4C92-A186-9ACFDAE06D64}" type="presParOf" srcId="{11C727CE-259B-46D6-A6CA-F33D308DC44E}" destId="{A10CC9FE-CAE1-40FA-8BF6-88BEFDD15946}" srcOrd="0" destOrd="0" presId="urn:microsoft.com/office/officeart/2005/8/layout/orgChart1"/>
+    <dgm:cxn modelId="{AE78F2B4-1F9C-4A3C-85AC-EC5CF86203ED}" type="presParOf" srcId="{11C727CE-259B-46D6-A6CA-F33D308DC44E}" destId="{6ABE901B-5B15-499E-8172-A7D4C4B2AE96}" srcOrd="1" destOrd="0" presId="urn:microsoft.com/office/officeart/2005/8/layout/orgChart1"/>
+    <dgm:cxn modelId="{8C2D6914-2475-492C-A932-56FBC18D26A2}" type="presParOf" srcId="{8A9AF0D8-64CC-434A-932A-172BBE15D1A8}" destId="{2118E08A-1FF8-47C3-9EA6-5B25509646CC}" srcOrd="1" destOrd="0" presId="urn:microsoft.com/office/officeart/2005/8/layout/orgChart1"/>
+    <dgm:cxn modelId="{BD72033C-E805-4E98-9CFA-74E77BDFEF87}" type="presParOf" srcId="{8A9AF0D8-64CC-434A-932A-172BBE15D1A8}" destId="{804CD0D1-C140-4C9F-929A-A78FB0B8C351}" srcOrd="2" destOrd="0" presId="urn:microsoft.com/office/officeart/2005/8/layout/orgChart1"/>
+    <dgm:cxn modelId="{04D6A4C4-7B19-4AB5-AC79-DCE99524AAB4}" type="presParOf" srcId="{E73B45D3-96F6-4FA6-9C48-79DBFDE522E3}" destId="{258216D1-74CB-4649-9B3B-327668A78D3D}" srcOrd="2" destOrd="0" presId="urn:microsoft.com/office/officeart/2005/8/layout/orgChart1"/>
+    <dgm:cxn modelId="{426BE384-A0C9-470B-8F11-CD4ECB03AD6E}" type="presParOf" srcId="{E73B45D3-96F6-4FA6-9C48-79DBFDE522E3}" destId="{C53AEDC5-4EE0-4821-8515-4083962A49AF}" srcOrd="3" destOrd="0" presId="urn:microsoft.com/office/officeart/2005/8/layout/orgChart1"/>
+    <dgm:cxn modelId="{45F12A52-B2EC-40E2-B655-47084EF7436C}" type="presParOf" srcId="{C53AEDC5-4EE0-4821-8515-4083962A49AF}" destId="{92E81799-A66B-45EE-BC1D-966E581CD511}" srcOrd="0" destOrd="0" presId="urn:microsoft.com/office/officeart/2005/8/layout/orgChart1"/>
+    <dgm:cxn modelId="{326BF987-9E1D-40A7-B09B-7B8B78ADC7C4}" type="presParOf" srcId="{92E81799-A66B-45EE-BC1D-966E581CD511}" destId="{3CF2ED99-4F77-46A6-961B-83A2D88F58C3}" srcOrd="0" destOrd="0" presId="urn:microsoft.com/office/officeart/2005/8/layout/orgChart1"/>
+    <dgm:cxn modelId="{82CA4B0F-C446-4A9F-8C62-1363376B1E92}" type="presParOf" srcId="{92E81799-A66B-45EE-BC1D-966E581CD511}" destId="{EA8C2075-D39D-4247-AF4E-C643713A6A0C}" srcOrd="1" destOrd="0" presId="urn:microsoft.com/office/officeart/2005/8/layout/orgChart1"/>
+    <dgm:cxn modelId="{BD32B8F7-144C-4923-A67B-267DC73EC82D}" type="presParOf" srcId="{C53AEDC5-4EE0-4821-8515-4083962A49AF}" destId="{BD71E2EB-1F17-46FA-A52E-BDDF55FF0223}" srcOrd="1" destOrd="0" presId="urn:microsoft.com/office/officeart/2005/8/layout/orgChart1"/>
+    <dgm:cxn modelId="{FDEA93BF-0B83-4B7B-90A7-7332DA5F50AB}" type="presParOf" srcId="{C53AEDC5-4EE0-4821-8515-4083962A49AF}" destId="{7E7503CF-06CA-48F8-8949-A5E4F52D7F0F}" srcOrd="2" destOrd="0" presId="urn:microsoft.com/office/officeart/2005/8/layout/orgChart1"/>
+    <dgm:cxn modelId="{51285F64-4D68-4D3F-BAC3-ADF1606387F5}" type="presParOf" srcId="{E73B45D3-96F6-4FA6-9C48-79DBFDE522E3}" destId="{AAB6DAA8-C1DD-40A3-80AB-0607C1334A20}" srcOrd="4" destOrd="0" presId="urn:microsoft.com/office/officeart/2005/8/layout/orgChart1"/>
+    <dgm:cxn modelId="{DBC6D9B5-19AA-4F75-B75D-DD9D152C41B2}" type="presParOf" srcId="{E73B45D3-96F6-4FA6-9C48-79DBFDE522E3}" destId="{E9B91256-B017-4858-8659-F9EF9E7AD764}" srcOrd="5" destOrd="0" presId="urn:microsoft.com/office/officeart/2005/8/layout/orgChart1"/>
+    <dgm:cxn modelId="{E60B8CC3-D82F-43D0-AE2E-33E64206598C}" type="presParOf" srcId="{E9B91256-B017-4858-8659-F9EF9E7AD764}" destId="{890451CC-02B0-4A31-AA88-EA6DCF766794}" srcOrd="0" destOrd="0" presId="urn:microsoft.com/office/officeart/2005/8/layout/orgChart1"/>
+    <dgm:cxn modelId="{B03BF2DF-B411-4004-A4F2-971D69DF89A1}" type="presParOf" srcId="{890451CC-02B0-4A31-AA88-EA6DCF766794}" destId="{D3657630-CED7-41FF-B169-07F062BC0CE9}" srcOrd="0" destOrd="0" presId="urn:microsoft.com/office/officeart/2005/8/layout/orgChart1"/>
+    <dgm:cxn modelId="{7BED2D54-5A6E-4538-8B16-73A08EC400B5}" type="presParOf" srcId="{890451CC-02B0-4A31-AA88-EA6DCF766794}" destId="{5B166E42-C0BC-40BE-9B98-720BF34119F4}" srcOrd="1" destOrd="0" presId="urn:microsoft.com/office/officeart/2005/8/layout/orgChart1"/>
+    <dgm:cxn modelId="{D3291208-12DB-4F95-AD06-CEE8FA461AB8}" type="presParOf" srcId="{E9B91256-B017-4858-8659-F9EF9E7AD764}" destId="{FE702CBA-641B-473E-BFC9-5AE5E063D8FF}" srcOrd="1" destOrd="0" presId="urn:microsoft.com/office/officeart/2005/8/layout/orgChart1"/>
+    <dgm:cxn modelId="{A3A87D34-D2CF-47EB-BBEE-9502035EEEE0}" type="presParOf" srcId="{E9B91256-B017-4858-8659-F9EF9E7AD764}" destId="{FD6AA0E2-D4EF-47D8-95B3-484F96E7F6C5}" srcOrd="2" destOrd="0" presId="urn:microsoft.com/office/officeart/2005/8/layout/orgChart1"/>
     <dgm:cxn modelId="{3E1FB2F3-5FAC-4E3C-AA5B-786CA3AF157C}" type="presParOf" srcId="{12FEB15F-D53A-497D-A810-575762DAD4BA}" destId="{BFE5DEA0-2BA2-4EA1-B8CA-85E8CE980A4B}" srcOrd="2" destOrd="0" presId="urn:microsoft.com/office/officeart/2005/8/layout/orgChart1"/>
     <dgm:cxn modelId="{184F0EC3-674B-49CC-8252-079C1B6C9875}" type="presParOf" srcId="{488CF4A6-5653-4675-B8CC-5AA915146186}" destId="{4C076AC7-84AA-4B86-AD90-3AE6063D83C5}" srcOrd="6" destOrd="0" presId="urn:microsoft.com/office/officeart/2005/8/layout/orgChart1"/>
     <dgm:cxn modelId="{FFDF0713-6D3F-4B58-9607-224F6832B1BF}" type="presParOf" srcId="{488CF4A6-5653-4675-B8CC-5AA915146186}" destId="{E1C753EF-0761-459C-AFFE-19B5B85808C6}" srcOrd="7" destOrd="0" presId="urn:microsoft.com/office/officeart/2005/8/layout/orgChart1"/>
@@ -6982,7 +7314,7 @@
         </a:p>
       </dgm:t>
     </dgm:pt>
-    <dgm:pt modelId="{3C2B3DB4-B5A6-4612-AC15-339BB75FF195}">
+    <dgm:pt modelId="{827BE246-D062-4ADF-89AA-906004290895}">
       <dgm:prSet phldrT="[Texte]"/>
       <dgm:spPr/>
       <dgm:t>
@@ -6991,43 +7323,7 @@
         <a:p>
           <a:r>
             <a:rPr lang="fr-FR" dirty="0"/>
-            <a:t>Scripts Equipement</a:t>
-          </a:r>
-        </a:p>
-      </dgm:t>
-    </dgm:pt>
-    <dgm:pt modelId="{A8B0E134-CF2C-47A5-9438-5A4CD7CF106D}" type="parTrans" cxnId="{0B6DCAB8-157D-48EE-9527-34529FB19B25}">
-      <dgm:prSet/>
-      <dgm:spPr/>
-      <dgm:t>
-        <a:bodyPr/>
-        <a:lstStyle/>
-        <a:p>
-          <a:endParaRPr lang="fr-FR"/>
-        </a:p>
-      </dgm:t>
-    </dgm:pt>
-    <dgm:pt modelId="{60DC626E-2E4A-4D92-918D-6DE5E6687F1A}" type="sibTrans" cxnId="{0B6DCAB8-157D-48EE-9527-34529FB19B25}">
-      <dgm:prSet/>
-      <dgm:spPr/>
-      <dgm:t>
-        <a:bodyPr/>
-        <a:lstStyle/>
-        <a:p>
-          <a:endParaRPr lang="fr-FR"/>
-        </a:p>
-      </dgm:t>
-    </dgm:pt>
-    <dgm:pt modelId="{827BE246-D062-4ADF-89AA-906004290895}">
-      <dgm:prSet phldrT="[Texte]"/>
-      <dgm:spPr/>
-      <dgm:t>
-        <a:bodyPr/>
-        <a:lstStyle/>
-        <a:p>
-          <a:r>
-            <a:rPr lang="fr-FR" dirty="0"/>
-            <a:t>Scripts Inventaire</a:t>
+            <a:t>Scripts de gestion des objets/inventaire</a:t>
           </a:r>
         </a:p>
       </dgm:t>
@@ -7473,6 +7769,151 @@
         </a:p>
       </dgm:t>
     </dgm:pt>
+    <dgm:pt modelId="{BFA828E1-96E1-474E-9516-08114FF60910}">
+      <dgm:prSet phldrT="[Texte]"/>
+      <dgm:spPr/>
+      <dgm:t>
+        <a:bodyPr/>
+        <a:lstStyle/>
+        <a:p>
+          <a:r>
+            <a:rPr lang="fr-FR"/>
+            <a:t>Collectables</a:t>
+          </a:r>
+          <a:endParaRPr lang="fr-FR" dirty="0"/>
+        </a:p>
+      </dgm:t>
+    </dgm:pt>
+    <dgm:pt modelId="{01A92456-CF2A-446E-9A51-B120E77DD8E1}" type="parTrans" cxnId="{C43BC4FF-E4CD-4D97-BCB8-EF605FB2A528}">
+      <dgm:prSet/>
+      <dgm:spPr/>
+      <dgm:t>
+        <a:bodyPr/>
+        <a:lstStyle/>
+        <a:p>
+          <a:endParaRPr lang="fr-FR"/>
+        </a:p>
+      </dgm:t>
+    </dgm:pt>
+    <dgm:pt modelId="{26111A62-2C2E-4C1B-86E7-6E31A8659A48}" type="sibTrans" cxnId="{C43BC4FF-E4CD-4D97-BCB8-EF605FB2A528}">
+      <dgm:prSet/>
+      <dgm:spPr/>
+      <dgm:t>
+        <a:bodyPr/>
+        <a:lstStyle/>
+        <a:p>
+          <a:endParaRPr lang="fr-FR"/>
+        </a:p>
+      </dgm:t>
+    </dgm:pt>
+    <dgm:pt modelId="{48ED9427-8296-439D-BAFE-B05B79263786}">
+      <dgm:prSet phldrT="[Texte]"/>
+      <dgm:spPr/>
+      <dgm:t>
+        <a:bodyPr/>
+        <a:lstStyle/>
+        <a:p>
+          <a:r>
+            <a:rPr lang="fr-FR" dirty="0"/>
+            <a:t>Script équipement</a:t>
+          </a:r>
+        </a:p>
+      </dgm:t>
+    </dgm:pt>
+    <dgm:pt modelId="{5BF48C04-98BE-4CFF-AC35-FBEB7F6B57CE}" type="parTrans" cxnId="{624EE04D-0DAF-4DAF-B91F-7B3C560BE2BD}">
+      <dgm:prSet/>
+      <dgm:spPr/>
+      <dgm:t>
+        <a:bodyPr/>
+        <a:lstStyle/>
+        <a:p>
+          <a:endParaRPr lang="fr-FR"/>
+        </a:p>
+      </dgm:t>
+    </dgm:pt>
+    <dgm:pt modelId="{B40879FD-A7CD-48D9-B878-CB360C4ADDA3}" type="sibTrans" cxnId="{624EE04D-0DAF-4DAF-B91F-7B3C560BE2BD}">
+      <dgm:prSet/>
+      <dgm:spPr/>
+      <dgm:t>
+        <a:bodyPr/>
+        <a:lstStyle/>
+        <a:p>
+          <a:endParaRPr lang="fr-FR"/>
+        </a:p>
+      </dgm:t>
+    </dgm:pt>
+    <dgm:pt modelId="{D1E9A986-26AB-4C1E-BC3A-8CB77AC1AF39}">
+      <dgm:prSet phldrT="[Texte]"/>
+      <dgm:spPr/>
+      <dgm:t>
+        <a:bodyPr/>
+        <a:lstStyle/>
+        <a:p>
+          <a:r>
+            <a:rPr lang="fr-FR" dirty="0"/>
+            <a:t>Script consommables</a:t>
+          </a:r>
+        </a:p>
+      </dgm:t>
+    </dgm:pt>
+    <dgm:pt modelId="{68B1ACB7-1EDF-4B03-A739-8088632C1A5C}" type="parTrans" cxnId="{9D1FC131-E6EA-4B2B-B4EB-35AEF3FA9A3B}">
+      <dgm:prSet/>
+      <dgm:spPr/>
+      <dgm:t>
+        <a:bodyPr/>
+        <a:lstStyle/>
+        <a:p>
+          <a:endParaRPr lang="fr-FR"/>
+        </a:p>
+      </dgm:t>
+    </dgm:pt>
+    <dgm:pt modelId="{98C505B7-2910-4301-A06E-F728A618CEF6}" type="sibTrans" cxnId="{9D1FC131-E6EA-4B2B-B4EB-35AEF3FA9A3B}">
+      <dgm:prSet/>
+      <dgm:spPr/>
+      <dgm:t>
+        <a:bodyPr/>
+        <a:lstStyle/>
+        <a:p>
+          <a:endParaRPr lang="fr-FR"/>
+        </a:p>
+      </dgm:t>
+    </dgm:pt>
+    <dgm:pt modelId="{F870B77C-683A-454D-A6D9-10EBFBFA32FD}">
+      <dgm:prSet phldrT="[Texte]"/>
+      <dgm:spPr/>
+      <dgm:t>
+        <a:bodyPr/>
+        <a:lstStyle/>
+        <a:p>
+          <a:r>
+            <a:rPr lang="fr-FR" dirty="0"/>
+            <a:t>Script ferraille</a:t>
+          </a:r>
+        </a:p>
+      </dgm:t>
+    </dgm:pt>
+    <dgm:pt modelId="{2AD63988-1BC1-4FD2-A0A9-E6C01E835064}" type="parTrans" cxnId="{636FE191-58F6-424E-900C-87BA4E4A795B}">
+      <dgm:prSet/>
+      <dgm:spPr/>
+      <dgm:t>
+        <a:bodyPr/>
+        <a:lstStyle/>
+        <a:p>
+          <a:endParaRPr lang="fr-FR"/>
+        </a:p>
+      </dgm:t>
+    </dgm:pt>
+    <dgm:pt modelId="{8FF9213A-5022-4D73-BF5E-C72B7CCC26D4}" type="sibTrans" cxnId="{636FE191-58F6-424E-900C-87BA4E4A795B}">
+      <dgm:prSet/>
+      <dgm:spPr/>
+      <dgm:t>
+        <a:bodyPr/>
+        <a:lstStyle/>
+        <a:p>
+          <a:endParaRPr lang="fr-FR"/>
+        </a:p>
+      </dgm:t>
+    </dgm:pt>
     <dgm:pt modelId="{C820771B-9B0F-4493-BF10-C593623B60AC}" type="pres">
       <dgm:prSet presAssocID="{91A19D2E-7DE4-4F89-959C-B67FAD5E3707}" presName="hierChild1" presStyleCnt="0">
         <dgm:presLayoutVars>
@@ -7547,7 +7988,7 @@
       <dgm:spPr/>
     </dgm:pt>
     <dgm:pt modelId="{5DD78F78-92C6-4875-B564-9710510B53D0}" type="pres">
-      <dgm:prSet presAssocID="{2637244C-30C6-4599-99CA-D5BD1BB064F3}" presName="Name37" presStyleLbl="parChTrans1D3" presStyleIdx="0" presStyleCnt="14"/>
+      <dgm:prSet presAssocID="{2637244C-30C6-4599-99CA-D5BD1BB064F3}" presName="Name37" presStyleLbl="parChTrans1D3" presStyleIdx="0" presStyleCnt="15"/>
       <dgm:spPr/>
     </dgm:pt>
     <dgm:pt modelId="{6AC10682-E8A7-4EC6-973D-DC654F652C68}" type="pres">
@@ -7563,7 +8004,7 @@
       <dgm:spPr/>
     </dgm:pt>
     <dgm:pt modelId="{C1AC98A2-EFAA-4528-9161-76FB6A7A6A09}" type="pres">
-      <dgm:prSet presAssocID="{9066FE75-5CBE-403D-86A8-17BCC45966E9}" presName="rootText" presStyleLbl="node3" presStyleIdx="0" presStyleCnt="14">
+      <dgm:prSet presAssocID="{9066FE75-5CBE-403D-86A8-17BCC45966E9}" presName="rootText" presStyleLbl="node3" presStyleIdx="0" presStyleCnt="15">
         <dgm:presLayoutVars>
           <dgm:chPref val="3"/>
         </dgm:presLayoutVars>
@@ -7571,7 +8012,7 @@
       <dgm:spPr/>
     </dgm:pt>
     <dgm:pt modelId="{11C96DFD-7131-4722-B4C3-45B8C8EE4AAE}" type="pres">
-      <dgm:prSet presAssocID="{9066FE75-5CBE-403D-86A8-17BCC45966E9}" presName="rootConnector" presStyleLbl="node3" presStyleIdx="0" presStyleCnt="14"/>
+      <dgm:prSet presAssocID="{9066FE75-5CBE-403D-86A8-17BCC45966E9}" presName="rootConnector" presStyleLbl="node3" presStyleIdx="0" presStyleCnt="15"/>
       <dgm:spPr/>
     </dgm:pt>
     <dgm:pt modelId="{5DBE5474-A8E4-4475-8F0F-91778A61BBF2}" type="pres">
@@ -7583,7 +8024,7 @@
       <dgm:spPr/>
     </dgm:pt>
     <dgm:pt modelId="{8DBD895C-E162-4EF0-BB9F-18CBC4722152}" type="pres">
-      <dgm:prSet presAssocID="{DA95E149-994E-41E3-9E36-5EFE8B7BED8A}" presName="Name37" presStyleLbl="parChTrans1D3" presStyleIdx="1" presStyleCnt="14"/>
+      <dgm:prSet presAssocID="{DA95E149-994E-41E3-9E36-5EFE8B7BED8A}" presName="Name37" presStyleLbl="parChTrans1D3" presStyleIdx="1" presStyleCnt="15"/>
       <dgm:spPr/>
     </dgm:pt>
     <dgm:pt modelId="{09B282E0-7348-49DE-9EBE-450B572C76CE}" type="pres">
@@ -7599,7 +8040,7 @@
       <dgm:spPr/>
     </dgm:pt>
     <dgm:pt modelId="{B891F430-06B8-4ADC-B72B-C4ECB72F9F13}" type="pres">
-      <dgm:prSet presAssocID="{F7B81022-8347-47A6-B44F-735753C68B56}" presName="rootText" presStyleLbl="node3" presStyleIdx="1" presStyleCnt="14">
+      <dgm:prSet presAssocID="{F7B81022-8347-47A6-B44F-735753C68B56}" presName="rootText" presStyleLbl="node3" presStyleIdx="1" presStyleCnt="15">
         <dgm:presLayoutVars>
           <dgm:chPref val="3"/>
         </dgm:presLayoutVars>
@@ -7607,7 +8048,7 @@
       <dgm:spPr/>
     </dgm:pt>
     <dgm:pt modelId="{1A28339E-762C-4E41-9E8F-9C570A3EFBBD}" type="pres">
-      <dgm:prSet presAssocID="{F7B81022-8347-47A6-B44F-735753C68B56}" presName="rootConnector" presStyleLbl="node3" presStyleIdx="1" presStyleCnt="14"/>
+      <dgm:prSet presAssocID="{F7B81022-8347-47A6-B44F-735753C68B56}" presName="rootConnector" presStyleLbl="node3" presStyleIdx="1" presStyleCnt="15"/>
       <dgm:spPr/>
     </dgm:pt>
     <dgm:pt modelId="{602D9979-EC76-4DC6-9AC2-65869FA4B53B}" type="pres">
@@ -7619,7 +8060,7 @@
       <dgm:spPr/>
     </dgm:pt>
     <dgm:pt modelId="{D14B9CEB-A434-46D9-B072-83E5B543B618}" type="pres">
-      <dgm:prSet presAssocID="{D63850CD-D285-4B8B-A041-A30663045B54}" presName="Name37" presStyleLbl="parChTrans1D3" presStyleIdx="2" presStyleCnt="14"/>
+      <dgm:prSet presAssocID="{D63850CD-D285-4B8B-A041-A30663045B54}" presName="Name37" presStyleLbl="parChTrans1D3" presStyleIdx="2" presStyleCnt="15"/>
       <dgm:spPr/>
     </dgm:pt>
     <dgm:pt modelId="{01114E7B-9BF7-4789-B70B-A1C3615C3555}" type="pres">
@@ -7635,7 +8076,7 @@
       <dgm:spPr/>
     </dgm:pt>
     <dgm:pt modelId="{CD678167-6470-4F43-9C2D-37952995E67B}" type="pres">
-      <dgm:prSet presAssocID="{29E92A18-2006-4A5B-B56B-57D9AD90937F}" presName="rootText" presStyleLbl="node3" presStyleIdx="2" presStyleCnt="14">
+      <dgm:prSet presAssocID="{29E92A18-2006-4A5B-B56B-57D9AD90937F}" presName="rootText" presStyleLbl="node3" presStyleIdx="2" presStyleCnt="15">
         <dgm:presLayoutVars>
           <dgm:chPref val="3"/>
         </dgm:presLayoutVars>
@@ -7643,7 +8084,7 @@
       <dgm:spPr/>
     </dgm:pt>
     <dgm:pt modelId="{426BD53D-FE1A-49EB-B483-ADE7DC35908F}" type="pres">
-      <dgm:prSet presAssocID="{29E92A18-2006-4A5B-B56B-57D9AD90937F}" presName="rootConnector" presStyleLbl="node3" presStyleIdx="2" presStyleCnt="14"/>
+      <dgm:prSet presAssocID="{29E92A18-2006-4A5B-B56B-57D9AD90937F}" presName="rootConnector" presStyleLbl="node3" presStyleIdx="2" presStyleCnt="15"/>
       <dgm:spPr/>
     </dgm:pt>
     <dgm:pt modelId="{19AFDAAC-88FF-4386-B9E0-1B663363D1E7}" type="pres">
@@ -7655,7 +8096,7 @@
       <dgm:spPr/>
     </dgm:pt>
     <dgm:pt modelId="{A1E70799-BB78-4D44-A1BB-75D6DB69D76A}" type="pres">
-      <dgm:prSet presAssocID="{4572B3EB-5E2E-40C5-B9F4-3C5036E00216}" presName="Name37" presStyleLbl="parChTrans1D3" presStyleIdx="3" presStyleCnt="14"/>
+      <dgm:prSet presAssocID="{4572B3EB-5E2E-40C5-B9F4-3C5036E00216}" presName="Name37" presStyleLbl="parChTrans1D3" presStyleIdx="3" presStyleCnt="15"/>
       <dgm:spPr/>
     </dgm:pt>
     <dgm:pt modelId="{119A580C-F515-41F8-A852-E70500FCD1AD}" type="pres">
@@ -7671,7 +8112,7 @@
       <dgm:spPr/>
     </dgm:pt>
     <dgm:pt modelId="{720ED4F4-5AEE-4B8B-BCB4-B3610F212AE7}" type="pres">
-      <dgm:prSet presAssocID="{F0BE88BC-C6B6-4435-BED7-473EF9E985C1}" presName="rootText" presStyleLbl="node3" presStyleIdx="3" presStyleCnt="14">
+      <dgm:prSet presAssocID="{F0BE88BC-C6B6-4435-BED7-473EF9E985C1}" presName="rootText" presStyleLbl="node3" presStyleIdx="3" presStyleCnt="15">
         <dgm:presLayoutVars>
           <dgm:chPref val="3"/>
         </dgm:presLayoutVars>
@@ -7679,7 +8120,7 @@
       <dgm:spPr/>
     </dgm:pt>
     <dgm:pt modelId="{D38CA74C-67F8-42E3-A3A8-C04EAC90E4D3}" type="pres">
-      <dgm:prSet presAssocID="{F0BE88BC-C6B6-4435-BED7-473EF9E985C1}" presName="rootConnector" presStyleLbl="node3" presStyleIdx="3" presStyleCnt="14"/>
+      <dgm:prSet presAssocID="{F0BE88BC-C6B6-4435-BED7-473EF9E985C1}" presName="rootConnector" presStyleLbl="node3" presStyleIdx="3" presStyleCnt="15"/>
       <dgm:spPr/>
     </dgm:pt>
     <dgm:pt modelId="{C6E6D9B7-53A9-4EE7-A088-0BD8C5B08921}" type="pres">
@@ -7691,7 +8132,7 @@
       <dgm:spPr/>
     </dgm:pt>
     <dgm:pt modelId="{DD52474C-4982-4AF8-AF52-14336EAB4AD5}" type="pres">
-      <dgm:prSet presAssocID="{E47503DD-6147-4C75-9CFF-067611C0A4B3}" presName="Name37" presStyleLbl="parChTrans1D3" presStyleIdx="4" presStyleCnt="14"/>
+      <dgm:prSet presAssocID="{E47503DD-6147-4C75-9CFF-067611C0A4B3}" presName="Name37" presStyleLbl="parChTrans1D3" presStyleIdx="4" presStyleCnt="15"/>
       <dgm:spPr/>
     </dgm:pt>
     <dgm:pt modelId="{5F7335D1-7716-4823-A4DC-D8B69A127EF3}" type="pres">
@@ -7707,7 +8148,7 @@
       <dgm:spPr/>
     </dgm:pt>
     <dgm:pt modelId="{34308C2D-BDAB-4A34-8E20-5334A64E0E62}" type="pres">
-      <dgm:prSet presAssocID="{370C8520-C4A5-434F-99AA-E863697B46BE}" presName="rootText" presStyleLbl="node3" presStyleIdx="4" presStyleCnt="14">
+      <dgm:prSet presAssocID="{370C8520-C4A5-434F-99AA-E863697B46BE}" presName="rootText" presStyleLbl="node3" presStyleIdx="4" presStyleCnt="15">
         <dgm:presLayoutVars>
           <dgm:chPref val="3"/>
         </dgm:presLayoutVars>
@@ -7715,7 +8156,7 @@
       <dgm:spPr/>
     </dgm:pt>
     <dgm:pt modelId="{616F0504-2867-4053-9C8B-B8D9C1A47630}" type="pres">
-      <dgm:prSet presAssocID="{370C8520-C4A5-434F-99AA-E863697B46BE}" presName="rootConnector" presStyleLbl="node3" presStyleIdx="4" presStyleCnt="14"/>
+      <dgm:prSet presAssocID="{370C8520-C4A5-434F-99AA-E863697B46BE}" presName="rootConnector" presStyleLbl="node3" presStyleIdx="4" presStyleCnt="15"/>
       <dgm:spPr/>
     </dgm:pt>
     <dgm:pt modelId="{9174C83A-7DCB-47E5-A8F5-F3E83CEDD9AF}" type="pres">
@@ -7763,7 +8204,7 @@
       <dgm:spPr/>
     </dgm:pt>
     <dgm:pt modelId="{F58EFF6D-0F76-4118-84ED-B123A00049FB}" type="pres">
-      <dgm:prSet presAssocID="{B4F80AA8-DCAB-480A-9432-A5B2230BF2EB}" presName="Name37" presStyleLbl="parChTrans1D3" presStyleIdx="5" presStyleCnt="14"/>
+      <dgm:prSet presAssocID="{B4F80AA8-DCAB-480A-9432-A5B2230BF2EB}" presName="Name37" presStyleLbl="parChTrans1D3" presStyleIdx="5" presStyleCnt="15"/>
       <dgm:spPr/>
     </dgm:pt>
     <dgm:pt modelId="{7F5CA3EA-FB3E-4A81-9468-FAD03C25CA50}" type="pres">
@@ -7779,7 +8220,7 @@
       <dgm:spPr/>
     </dgm:pt>
     <dgm:pt modelId="{223526FF-CCBF-4717-B165-BD13A71C4659}" type="pres">
-      <dgm:prSet presAssocID="{0FE60EA5-F27B-4D66-A310-805839B4A2B8}" presName="rootText" presStyleLbl="node3" presStyleIdx="5" presStyleCnt="14">
+      <dgm:prSet presAssocID="{0FE60EA5-F27B-4D66-A310-805839B4A2B8}" presName="rootText" presStyleLbl="node3" presStyleIdx="5" presStyleCnt="15">
         <dgm:presLayoutVars>
           <dgm:chPref val="3"/>
         </dgm:presLayoutVars>
@@ -7787,7 +8228,7 @@
       <dgm:spPr/>
     </dgm:pt>
     <dgm:pt modelId="{76D142CF-F56B-4AC7-AB29-78C140CAE1D6}" type="pres">
-      <dgm:prSet presAssocID="{0FE60EA5-F27B-4D66-A310-805839B4A2B8}" presName="rootConnector" presStyleLbl="node3" presStyleIdx="5" presStyleCnt="14"/>
+      <dgm:prSet presAssocID="{0FE60EA5-F27B-4D66-A310-805839B4A2B8}" presName="rootConnector" presStyleLbl="node3" presStyleIdx="5" presStyleCnt="15"/>
       <dgm:spPr/>
     </dgm:pt>
     <dgm:pt modelId="{D95D5AAF-574E-476A-A32F-5BB7C9E23A4A}" type="pres">
@@ -7795,7 +8236,7 @@
       <dgm:spPr/>
     </dgm:pt>
     <dgm:pt modelId="{1604BE3C-9BE0-4837-9BE0-0F9775225EB3}" type="pres">
-      <dgm:prSet presAssocID="{81FB47F7-4AA4-4E54-B834-FBD8A967287D}" presName="Name37" presStyleLbl="parChTrans1D4" presStyleIdx="0" presStyleCnt="15"/>
+      <dgm:prSet presAssocID="{81FB47F7-4AA4-4E54-B834-FBD8A967287D}" presName="Name37" presStyleLbl="parChTrans1D4" presStyleIdx="0" presStyleCnt="17"/>
       <dgm:spPr/>
     </dgm:pt>
     <dgm:pt modelId="{F8263A24-D541-4E93-BAA2-4F28A87778CF}" type="pres">
@@ -7811,7 +8252,7 @@
       <dgm:spPr/>
     </dgm:pt>
     <dgm:pt modelId="{52D44F9C-FAFC-4ABD-82C3-AAFBA4DDC4F7}" type="pres">
-      <dgm:prSet presAssocID="{AB85A76F-D506-4F99-BEAE-EAB9205F08AE}" presName="rootText" presStyleLbl="node4" presStyleIdx="0" presStyleCnt="15">
+      <dgm:prSet presAssocID="{AB85A76F-D506-4F99-BEAE-EAB9205F08AE}" presName="rootText" presStyleLbl="node4" presStyleIdx="0" presStyleCnt="17">
         <dgm:presLayoutVars>
           <dgm:chPref val="3"/>
         </dgm:presLayoutVars>
@@ -7819,7 +8260,7 @@
       <dgm:spPr/>
     </dgm:pt>
     <dgm:pt modelId="{298C3800-0517-409A-B356-7E5ACD2CEA6B}" type="pres">
-      <dgm:prSet presAssocID="{AB85A76F-D506-4F99-BEAE-EAB9205F08AE}" presName="rootConnector" presStyleLbl="node4" presStyleIdx="0" presStyleCnt="15"/>
+      <dgm:prSet presAssocID="{AB85A76F-D506-4F99-BEAE-EAB9205F08AE}" presName="rootConnector" presStyleLbl="node4" presStyleIdx="0" presStyleCnt="17"/>
       <dgm:spPr/>
     </dgm:pt>
     <dgm:pt modelId="{B63CF770-AD4E-4907-B251-0D429BF5B503}" type="pres">
@@ -7831,7 +8272,7 @@
       <dgm:spPr/>
     </dgm:pt>
     <dgm:pt modelId="{360A2FED-3196-4594-A721-E2350DDDD2D4}" type="pres">
-      <dgm:prSet presAssocID="{CB61135D-A773-42C0-9719-B6857743F9A1}" presName="Name37" presStyleLbl="parChTrans1D4" presStyleIdx="1" presStyleCnt="15"/>
+      <dgm:prSet presAssocID="{CB61135D-A773-42C0-9719-B6857743F9A1}" presName="Name37" presStyleLbl="parChTrans1D4" presStyleIdx="1" presStyleCnt="17"/>
       <dgm:spPr/>
     </dgm:pt>
     <dgm:pt modelId="{F62D4C66-4886-4508-B901-1FCA75005EB2}" type="pres">
@@ -7847,7 +8288,7 @@
       <dgm:spPr/>
     </dgm:pt>
     <dgm:pt modelId="{C8AEAED8-53A8-440C-9E3D-D4F17758067D}" type="pres">
-      <dgm:prSet presAssocID="{4CE1D37D-E3D9-46CE-9F15-73E035EBB292}" presName="rootText" presStyleLbl="node4" presStyleIdx="1" presStyleCnt="15">
+      <dgm:prSet presAssocID="{4CE1D37D-E3D9-46CE-9F15-73E035EBB292}" presName="rootText" presStyleLbl="node4" presStyleIdx="1" presStyleCnt="17">
         <dgm:presLayoutVars>
           <dgm:chPref val="3"/>
         </dgm:presLayoutVars>
@@ -7855,7 +8296,7 @@
       <dgm:spPr/>
     </dgm:pt>
     <dgm:pt modelId="{4F553EE1-6777-49D7-9947-59425B08BF7F}" type="pres">
-      <dgm:prSet presAssocID="{4CE1D37D-E3D9-46CE-9F15-73E035EBB292}" presName="rootConnector" presStyleLbl="node4" presStyleIdx="1" presStyleCnt="15"/>
+      <dgm:prSet presAssocID="{4CE1D37D-E3D9-46CE-9F15-73E035EBB292}" presName="rootConnector" presStyleLbl="node4" presStyleIdx="1" presStyleCnt="17"/>
       <dgm:spPr/>
     </dgm:pt>
     <dgm:pt modelId="{4E10A75D-C5C3-4DF8-9933-5EAAEE72BBC1}" type="pres">
@@ -7867,7 +8308,7 @@
       <dgm:spPr/>
     </dgm:pt>
     <dgm:pt modelId="{52FFE7C5-BFB3-463A-A03C-6A8421C6E16F}" type="pres">
-      <dgm:prSet presAssocID="{AEAD1AF6-2DA3-432E-BFB0-29E59E7318BA}" presName="Name37" presStyleLbl="parChTrans1D4" presStyleIdx="2" presStyleCnt="15"/>
+      <dgm:prSet presAssocID="{AEAD1AF6-2DA3-432E-BFB0-29E59E7318BA}" presName="Name37" presStyleLbl="parChTrans1D4" presStyleIdx="2" presStyleCnt="17"/>
       <dgm:spPr/>
     </dgm:pt>
     <dgm:pt modelId="{1A7C2A83-D47C-45C1-8916-ADDBBDC1FC71}" type="pres">
@@ -7883,7 +8324,7 @@
       <dgm:spPr/>
     </dgm:pt>
     <dgm:pt modelId="{05DB9995-C51A-49CF-ACB2-C88AA7DFF567}" type="pres">
-      <dgm:prSet presAssocID="{037CEC80-329F-4DF3-9244-CB9D6ACE4BBF}" presName="rootText" presStyleLbl="node4" presStyleIdx="2" presStyleCnt="15">
+      <dgm:prSet presAssocID="{037CEC80-329F-4DF3-9244-CB9D6ACE4BBF}" presName="rootText" presStyleLbl="node4" presStyleIdx="2" presStyleCnt="17">
         <dgm:presLayoutVars>
           <dgm:chPref val="3"/>
         </dgm:presLayoutVars>
@@ -7891,7 +8332,7 @@
       <dgm:spPr/>
     </dgm:pt>
     <dgm:pt modelId="{6B4474D4-470C-4855-9B40-82852CC6E1CB}" type="pres">
-      <dgm:prSet presAssocID="{037CEC80-329F-4DF3-9244-CB9D6ACE4BBF}" presName="rootConnector" presStyleLbl="node4" presStyleIdx="2" presStyleCnt="15"/>
+      <dgm:prSet presAssocID="{037CEC80-329F-4DF3-9244-CB9D6ACE4BBF}" presName="rootConnector" presStyleLbl="node4" presStyleIdx="2" presStyleCnt="17"/>
       <dgm:spPr/>
     </dgm:pt>
     <dgm:pt modelId="{CF8EF916-D260-41BD-9B83-F49AC4C71A2B}" type="pres">
@@ -7907,7 +8348,7 @@
       <dgm:spPr/>
     </dgm:pt>
     <dgm:pt modelId="{969888B5-B731-4578-9FAF-15CAA7A68751}" type="pres">
-      <dgm:prSet presAssocID="{43C7D618-BC86-42B0-9AED-A3129E234885}" presName="Name37" presStyleLbl="parChTrans1D3" presStyleIdx="6" presStyleCnt="14"/>
+      <dgm:prSet presAssocID="{43C7D618-BC86-42B0-9AED-A3129E234885}" presName="Name37" presStyleLbl="parChTrans1D3" presStyleIdx="6" presStyleCnt="15"/>
       <dgm:spPr/>
     </dgm:pt>
     <dgm:pt modelId="{546C072A-B1A8-4B82-BDFD-858A219044B9}" type="pres">
@@ -7923,7 +8364,7 @@
       <dgm:spPr/>
     </dgm:pt>
     <dgm:pt modelId="{57148644-F7BC-4D57-B7CF-BB5AD22D230F}" type="pres">
-      <dgm:prSet presAssocID="{D58C7432-1B3C-4FB1-8475-C26464EF9732}" presName="rootText" presStyleLbl="node3" presStyleIdx="6" presStyleCnt="14">
+      <dgm:prSet presAssocID="{D58C7432-1B3C-4FB1-8475-C26464EF9732}" presName="rootText" presStyleLbl="node3" presStyleIdx="6" presStyleCnt="15">
         <dgm:presLayoutVars>
           <dgm:chPref val="3"/>
         </dgm:presLayoutVars>
@@ -7931,7 +8372,7 @@
       <dgm:spPr/>
     </dgm:pt>
     <dgm:pt modelId="{45316B33-FF0B-4423-B6E3-9A834794602B}" type="pres">
-      <dgm:prSet presAssocID="{D58C7432-1B3C-4FB1-8475-C26464EF9732}" presName="rootConnector" presStyleLbl="node3" presStyleIdx="6" presStyleCnt="14"/>
+      <dgm:prSet presAssocID="{D58C7432-1B3C-4FB1-8475-C26464EF9732}" presName="rootConnector" presStyleLbl="node3" presStyleIdx="6" presStyleCnt="15"/>
       <dgm:spPr/>
     </dgm:pt>
     <dgm:pt modelId="{2AC9B400-A4CA-4879-9F79-70B9600B2A1E}" type="pres">
@@ -7939,7 +8380,7 @@
       <dgm:spPr/>
     </dgm:pt>
     <dgm:pt modelId="{46A3F505-B568-4C2E-8297-8CFF130D4924}" type="pres">
-      <dgm:prSet presAssocID="{39F95ACE-4929-45BD-8CE1-5553F0AEE964}" presName="Name37" presStyleLbl="parChTrans1D4" presStyleIdx="3" presStyleCnt="15"/>
+      <dgm:prSet presAssocID="{39F95ACE-4929-45BD-8CE1-5553F0AEE964}" presName="Name37" presStyleLbl="parChTrans1D4" presStyleIdx="3" presStyleCnt="17"/>
       <dgm:spPr/>
     </dgm:pt>
     <dgm:pt modelId="{37F30177-F526-49E8-9FD5-60B49F515005}" type="pres">
@@ -7955,7 +8396,7 @@
       <dgm:spPr/>
     </dgm:pt>
     <dgm:pt modelId="{4653A9DE-FAFC-47DA-AE37-7DBC0631E1D0}" type="pres">
-      <dgm:prSet presAssocID="{5D3CA10F-476E-4B69-8403-B4BEFC56F59D}" presName="rootText" presStyleLbl="node4" presStyleIdx="3" presStyleCnt="15">
+      <dgm:prSet presAssocID="{5D3CA10F-476E-4B69-8403-B4BEFC56F59D}" presName="rootText" presStyleLbl="node4" presStyleIdx="3" presStyleCnt="17">
         <dgm:presLayoutVars>
           <dgm:chPref val="3"/>
         </dgm:presLayoutVars>
@@ -7963,7 +8404,7 @@
       <dgm:spPr/>
     </dgm:pt>
     <dgm:pt modelId="{E699E00E-9339-4138-9D4F-731B5E4F39EC}" type="pres">
-      <dgm:prSet presAssocID="{5D3CA10F-476E-4B69-8403-B4BEFC56F59D}" presName="rootConnector" presStyleLbl="node4" presStyleIdx="3" presStyleCnt="15"/>
+      <dgm:prSet presAssocID="{5D3CA10F-476E-4B69-8403-B4BEFC56F59D}" presName="rootConnector" presStyleLbl="node4" presStyleIdx="3" presStyleCnt="17"/>
       <dgm:spPr/>
     </dgm:pt>
     <dgm:pt modelId="{458BA150-EE33-44AF-A25F-9475AC07CB88}" type="pres">
@@ -7975,7 +8416,7 @@
       <dgm:spPr/>
     </dgm:pt>
     <dgm:pt modelId="{C0FA82FC-E633-4D81-8475-765BBA6B5483}" type="pres">
-      <dgm:prSet presAssocID="{F4F59C07-BD85-420D-A4FD-7BD6742237B9}" presName="Name37" presStyleLbl="parChTrans1D4" presStyleIdx="4" presStyleCnt="15"/>
+      <dgm:prSet presAssocID="{F4F59C07-BD85-420D-A4FD-7BD6742237B9}" presName="Name37" presStyleLbl="parChTrans1D4" presStyleIdx="4" presStyleCnt="17"/>
       <dgm:spPr/>
     </dgm:pt>
     <dgm:pt modelId="{60D54D01-2CFB-4A41-BC7D-8A3C1FB68677}" type="pres">
@@ -7991,7 +8432,7 @@
       <dgm:spPr/>
     </dgm:pt>
     <dgm:pt modelId="{B684F656-3ACD-42F4-8D95-4A36561CB45A}" type="pres">
-      <dgm:prSet presAssocID="{2BFEE2CB-5F22-4FDF-BD57-062947820CC0}" presName="rootText" presStyleLbl="node4" presStyleIdx="4" presStyleCnt="15">
+      <dgm:prSet presAssocID="{2BFEE2CB-5F22-4FDF-BD57-062947820CC0}" presName="rootText" presStyleLbl="node4" presStyleIdx="4" presStyleCnt="17">
         <dgm:presLayoutVars>
           <dgm:chPref val="3"/>
         </dgm:presLayoutVars>
@@ -7999,7 +8440,7 @@
       <dgm:spPr/>
     </dgm:pt>
     <dgm:pt modelId="{E464E29E-5E3A-41E0-8833-679AB60538BA}" type="pres">
-      <dgm:prSet presAssocID="{2BFEE2CB-5F22-4FDF-BD57-062947820CC0}" presName="rootConnector" presStyleLbl="node4" presStyleIdx="4" presStyleCnt="15"/>
+      <dgm:prSet presAssocID="{2BFEE2CB-5F22-4FDF-BD57-062947820CC0}" presName="rootConnector" presStyleLbl="node4" presStyleIdx="4" presStyleCnt="17"/>
       <dgm:spPr/>
     </dgm:pt>
     <dgm:pt modelId="{245B7C62-D148-4BCB-9A0D-00CD241BA88B}" type="pres">
@@ -8011,7 +8452,7 @@
       <dgm:spPr/>
     </dgm:pt>
     <dgm:pt modelId="{DA9D4BAA-3C91-4628-838F-2D5F3693A535}" type="pres">
-      <dgm:prSet presAssocID="{0EF6A092-CA57-4A6F-9500-07B8E86B1E0E}" presName="Name37" presStyleLbl="parChTrans1D4" presStyleIdx="5" presStyleCnt="15"/>
+      <dgm:prSet presAssocID="{0EF6A092-CA57-4A6F-9500-07B8E86B1E0E}" presName="Name37" presStyleLbl="parChTrans1D4" presStyleIdx="5" presStyleCnt="17"/>
       <dgm:spPr/>
     </dgm:pt>
     <dgm:pt modelId="{99D3FDC2-8778-4FF3-B7CD-ED81FB590E43}" type="pres">
@@ -8027,7 +8468,7 @@
       <dgm:spPr/>
     </dgm:pt>
     <dgm:pt modelId="{2DA468E7-4C21-40EC-A76D-903E52944D67}" type="pres">
-      <dgm:prSet presAssocID="{49D4CFFA-EA9B-41DC-A86A-F6653CA460F3}" presName="rootText" presStyleLbl="node4" presStyleIdx="5" presStyleCnt="15">
+      <dgm:prSet presAssocID="{49D4CFFA-EA9B-41DC-A86A-F6653CA460F3}" presName="rootText" presStyleLbl="node4" presStyleIdx="5" presStyleCnt="17">
         <dgm:presLayoutVars>
           <dgm:chPref val="3"/>
         </dgm:presLayoutVars>
@@ -8035,7 +8476,7 @@
       <dgm:spPr/>
     </dgm:pt>
     <dgm:pt modelId="{0DFE323E-AF11-4CD6-AE10-BBFCBF8A6BC9}" type="pres">
-      <dgm:prSet presAssocID="{49D4CFFA-EA9B-41DC-A86A-F6653CA460F3}" presName="rootConnector" presStyleLbl="node4" presStyleIdx="5" presStyleCnt="15"/>
+      <dgm:prSet presAssocID="{49D4CFFA-EA9B-41DC-A86A-F6653CA460F3}" presName="rootConnector" presStyleLbl="node4" presStyleIdx="5" presStyleCnt="17"/>
       <dgm:spPr/>
     </dgm:pt>
     <dgm:pt modelId="{1E58CD29-BD92-41A9-98F2-99E3FF51358C}" type="pres">
@@ -8087,7 +8528,7 @@
       <dgm:spPr/>
     </dgm:pt>
     <dgm:pt modelId="{07DD8F83-B6C0-45E8-8E55-03C76DA468AE}" type="pres">
-      <dgm:prSet presAssocID="{200CC11B-2AC7-47DF-8D89-55E560F99CE0}" presName="Name37" presStyleLbl="parChTrans1D3" presStyleIdx="7" presStyleCnt="14"/>
+      <dgm:prSet presAssocID="{200CC11B-2AC7-47DF-8D89-55E560F99CE0}" presName="Name37" presStyleLbl="parChTrans1D3" presStyleIdx="7" presStyleCnt="15"/>
       <dgm:spPr/>
     </dgm:pt>
     <dgm:pt modelId="{94D79674-7AB6-4269-AB31-597DD779484A}" type="pres">
@@ -8103,7 +8544,7 @@
       <dgm:spPr/>
     </dgm:pt>
     <dgm:pt modelId="{91FABC38-FB4A-406F-90AD-4E9CD03EA98E}" type="pres">
-      <dgm:prSet presAssocID="{7838B42C-75FE-447E-915D-E0928AC6F382}" presName="rootText" presStyleLbl="node3" presStyleIdx="7" presStyleCnt="14">
+      <dgm:prSet presAssocID="{7838B42C-75FE-447E-915D-E0928AC6F382}" presName="rootText" presStyleLbl="node3" presStyleIdx="7" presStyleCnt="15">
         <dgm:presLayoutVars>
           <dgm:chPref val="3"/>
         </dgm:presLayoutVars>
@@ -8111,7 +8552,7 @@
       <dgm:spPr/>
     </dgm:pt>
     <dgm:pt modelId="{44F284EE-1B42-422E-B0DA-2D4B6E6FBB68}" type="pres">
-      <dgm:prSet presAssocID="{7838B42C-75FE-447E-915D-E0928AC6F382}" presName="rootConnector" presStyleLbl="node3" presStyleIdx="7" presStyleCnt="14"/>
+      <dgm:prSet presAssocID="{7838B42C-75FE-447E-915D-E0928AC6F382}" presName="rootConnector" presStyleLbl="node3" presStyleIdx="7" presStyleCnt="15"/>
       <dgm:spPr/>
     </dgm:pt>
     <dgm:pt modelId="{6F07A2C0-F51D-449C-A824-0BFF965F9590}" type="pres">
@@ -8119,7 +8560,7 @@
       <dgm:spPr/>
     </dgm:pt>
     <dgm:pt modelId="{E6688126-9553-4585-BD31-651C17E54ADF}" type="pres">
-      <dgm:prSet presAssocID="{BD53AF67-A35A-4699-9676-0839CA0F67B5}" presName="Name37" presStyleLbl="parChTrans1D4" presStyleIdx="6" presStyleCnt="15"/>
+      <dgm:prSet presAssocID="{BD53AF67-A35A-4699-9676-0839CA0F67B5}" presName="Name37" presStyleLbl="parChTrans1D4" presStyleIdx="6" presStyleCnt="17"/>
       <dgm:spPr/>
     </dgm:pt>
     <dgm:pt modelId="{A95A2CA2-51F7-454C-8AD7-A37E8D948581}" type="pres">
@@ -8135,7 +8576,7 @@
       <dgm:spPr/>
     </dgm:pt>
     <dgm:pt modelId="{F80E2F2E-C22A-4570-BF97-D25812DCD364}" type="pres">
-      <dgm:prSet presAssocID="{D0F0D0D2-1531-4D92-84D5-F153F358D999}" presName="rootText" presStyleLbl="node4" presStyleIdx="6" presStyleCnt="15">
+      <dgm:prSet presAssocID="{D0F0D0D2-1531-4D92-84D5-F153F358D999}" presName="rootText" presStyleLbl="node4" presStyleIdx="6" presStyleCnt="17">
         <dgm:presLayoutVars>
           <dgm:chPref val="3"/>
         </dgm:presLayoutVars>
@@ -8143,7 +8584,7 @@
       <dgm:spPr/>
     </dgm:pt>
     <dgm:pt modelId="{3A72A390-656F-4FB5-A2CA-7F0F9F9F1ED2}" type="pres">
-      <dgm:prSet presAssocID="{D0F0D0D2-1531-4D92-84D5-F153F358D999}" presName="rootConnector" presStyleLbl="node4" presStyleIdx="6" presStyleCnt="15"/>
+      <dgm:prSet presAssocID="{D0F0D0D2-1531-4D92-84D5-F153F358D999}" presName="rootConnector" presStyleLbl="node4" presStyleIdx="6" presStyleCnt="17"/>
       <dgm:spPr/>
     </dgm:pt>
     <dgm:pt modelId="{2503CF53-A974-4F5D-B933-EB0E1059DBC6}" type="pres">
@@ -8159,7 +8600,7 @@
       <dgm:spPr/>
     </dgm:pt>
     <dgm:pt modelId="{099F8471-01AF-4501-9390-232C1655A9B5}" type="pres">
-      <dgm:prSet presAssocID="{A2F96340-25A1-4B27-B742-88D15560F07A}" presName="Name37" presStyleLbl="parChTrans1D3" presStyleIdx="8" presStyleCnt="14"/>
+      <dgm:prSet presAssocID="{A2F96340-25A1-4B27-B742-88D15560F07A}" presName="Name37" presStyleLbl="parChTrans1D3" presStyleIdx="8" presStyleCnt="15"/>
       <dgm:spPr/>
     </dgm:pt>
     <dgm:pt modelId="{6AECD028-674E-4C07-BAC8-C8AE93FD2D1C}" type="pres">
@@ -8175,7 +8616,7 @@
       <dgm:spPr/>
     </dgm:pt>
     <dgm:pt modelId="{FEE279DF-ECA0-41C8-97F6-05A6A28DB205}" type="pres">
-      <dgm:prSet presAssocID="{229F53CA-CE2F-4B27-993B-7860C240BE42}" presName="rootText" presStyleLbl="node3" presStyleIdx="8" presStyleCnt="14">
+      <dgm:prSet presAssocID="{229F53CA-CE2F-4B27-993B-7860C240BE42}" presName="rootText" presStyleLbl="node3" presStyleIdx="8" presStyleCnt="15">
         <dgm:presLayoutVars>
           <dgm:chPref val="3"/>
         </dgm:presLayoutVars>
@@ -8183,7 +8624,7 @@
       <dgm:spPr/>
     </dgm:pt>
     <dgm:pt modelId="{30AFD974-A125-4020-B7AF-F6637694BFBD}" type="pres">
-      <dgm:prSet presAssocID="{229F53CA-CE2F-4B27-993B-7860C240BE42}" presName="rootConnector" presStyleLbl="node3" presStyleIdx="8" presStyleCnt="14"/>
+      <dgm:prSet presAssocID="{229F53CA-CE2F-4B27-993B-7860C240BE42}" presName="rootConnector" presStyleLbl="node3" presStyleIdx="8" presStyleCnt="15"/>
       <dgm:spPr/>
     </dgm:pt>
     <dgm:pt modelId="{214D9A98-484C-4B0F-A092-8985D4D525DE}" type="pres">
@@ -8191,7 +8632,7 @@
       <dgm:spPr/>
     </dgm:pt>
     <dgm:pt modelId="{47D8E537-CC64-4009-A25A-FF5640E3B6F1}" type="pres">
-      <dgm:prSet presAssocID="{3D6CAC12-1A4E-4B1E-A36D-C66968059834}" presName="Name37" presStyleLbl="parChTrans1D4" presStyleIdx="7" presStyleCnt="15"/>
+      <dgm:prSet presAssocID="{3D6CAC12-1A4E-4B1E-A36D-C66968059834}" presName="Name37" presStyleLbl="parChTrans1D4" presStyleIdx="7" presStyleCnt="17"/>
       <dgm:spPr/>
     </dgm:pt>
     <dgm:pt modelId="{EBD2F4C2-EE92-462F-B22E-28D7F53FEE48}" type="pres">
@@ -8207,7 +8648,7 @@
       <dgm:spPr/>
     </dgm:pt>
     <dgm:pt modelId="{7CB443AB-71DB-4233-B77E-FDD90192D12E}" type="pres">
-      <dgm:prSet presAssocID="{3C477E65-C440-49E0-A840-EA8767BEF98A}" presName="rootText" presStyleLbl="node4" presStyleIdx="7" presStyleCnt="15">
+      <dgm:prSet presAssocID="{3C477E65-C440-49E0-A840-EA8767BEF98A}" presName="rootText" presStyleLbl="node4" presStyleIdx="7" presStyleCnt="17">
         <dgm:presLayoutVars>
           <dgm:chPref val="3"/>
         </dgm:presLayoutVars>
@@ -8215,7 +8656,7 @@
       <dgm:spPr/>
     </dgm:pt>
     <dgm:pt modelId="{32436158-765D-46F1-B1E3-CAC95ACF5D46}" type="pres">
-      <dgm:prSet presAssocID="{3C477E65-C440-49E0-A840-EA8767BEF98A}" presName="rootConnector" presStyleLbl="node4" presStyleIdx="7" presStyleCnt="15"/>
+      <dgm:prSet presAssocID="{3C477E65-C440-49E0-A840-EA8767BEF98A}" presName="rootConnector" presStyleLbl="node4" presStyleIdx="7" presStyleCnt="17"/>
       <dgm:spPr/>
     </dgm:pt>
     <dgm:pt modelId="{D8B2BFB0-51DF-423D-B5C0-007EC46F3DB6}" type="pres">
@@ -8226,44 +8667,8 @@
       <dgm:prSet presAssocID="{3C477E65-C440-49E0-A840-EA8767BEF98A}" presName="hierChild5" presStyleCnt="0"/>
       <dgm:spPr/>
     </dgm:pt>
-    <dgm:pt modelId="{16E31BB5-BFDD-4AFE-844A-F299814D4AEB}" type="pres">
-      <dgm:prSet presAssocID="{A8B0E134-CF2C-47A5-9438-5A4CD7CF106D}" presName="Name37" presStyleLbl="parChTrans1D4" presStyleIdx="8" presStyleCnt="15"/>
-      <dgm:spPr/>
-    </dgm:pt>
-    <dgm:pt modelId="{CBD4E736-F13E-4F8B-BDAB-E659BE153844}" type="pres">
-      <dgm:prSet presAssocID="{3C2B3DB4-B5A6-4612-AC15-339BB75FF195}" presName="hierRoot2" presStyleCnt="0">
-        <dgm:presLayoutVars>
-          <dgm:hierBranch val="init"/>
-        </dgm:presLayoutVars>
-      </dgm:prSet>
-      <dgm:spPr/>
-    </dgm:pt>
-    <dgm:pt modelId="{421E877D-AEB2-451A-B1EE-3137A09FE8EC}" type="pres">
-      <dgm:prSet presAssocID="{3C2B3DB4-B5A6-4612-AC15-339BB75FF195}" presName="rootComposite" presStyleCnt="0"/>
-      <dgm:spPr/>
-    </dgm:pt>
-    <dgm:pt modelId="{423A34ED-FA61-4A5B-8933-0426407DD4F6}" type="pres">
-      <dgm:prSet presAssocID="{3C2B3DB4-B5A6-4612-AC15-339BB75FF195}" presName="rootText" presStyleLbl="node4" presStyleIdx="8" presStyleCnt="15">
-        <dgm:presLayoutVars>
-          <dgm:chPref val="3"/>
-        </dgm:presLayoutVars>
-      </dgm:prSet>
-      <dgm:spPr/>
-    </dgm:pt>
-    <dgm:pt modelId="{7ABE8729-1DE3-4E8A-8D61-F5B3C547D721}" type="pres">
-      <dgm:prSet presAssocID="{3C2B3DB4-B5A6-4612-AC15-339BB75FF195}" presName="rootConnector" presStyleLbl="node4" presStyleIdx="8" presStyleCnt="15"/>
-      <dgm:spPr/>
-    </dgm:pt>
-    <dgm:pt modelId="{776E84C4-BB9F-4F89-9681-199FE583BA1C}" type="pres">
-      <dgm:prSet presAssocID="{3C2B3DB4-B5A6-4612-AC15-339BB75FF195}" presName="hierChild4" presStyleCnt="0"/>
-      <dgm:spPr/>
-    </dgm:pt>
-    <dgm:pt modelId="{896E28D3-3A10-40A5-AFDE-BCFEB6388742}" type="pres">
-      <dgm:prSet presAssocID="{3C2B3DB4-B5A6-4612-AC15-339BB75FF195}" presName="hierChild5" presStyleCnt="0"/>
-      <dgm:spPr/>
-    </dgm:pt>
     <dgm:pt modelId="{0963B401-F43D-4C83-8AE8-04D4B44FDF55}" type="pres">
-      <dgm:prSet presAssocID="{41D09789-C4A9-49D7-9F0E-47F378274320}" presName="Name37" presStyleLbl="parChTrans1D4" presStyleIdx="9" presStyleCnt="15"/>
+      <dgm:prSet presAssocID="{41D09789-C4A9-49D7-9F0E-47F378274320}" presName="Name37" presStyleLbl="parChTrans1D4" presStyleIdx="8" presStyleCnt="17"/>
       <dgm:spPr/>
     </dgm:pt>
     <dgm:pt modelId="{E84B6426-A572-4CB0-B74F-A52CA51C7A59}" type="pres">
@@ -8279,7 +8684,7 @@
       <dgm:spPr/>
     </dgm:pt>
     <dgm:pt modelId="{6F0BA756-41FE-4AE0-BDCB-8592043CAC32}" type="pres">
-      <dgm:prSet presAssocID="{827BE246-D062-4ADF-89AA-906004290895}" presName="rootText" presStyleLbl="node4" presStyleIdx="9" presStyleCnt="15">
+      <dgm:prSet presAssocID="{827BE246-D062-4ADF-89AA-906004290895}" presName="rootText" presStyleLbl="node4" presStyleIdx="8" presStyleCnt="17">
         <dgm:presLayoutVars>
           <dgm:chPref val="3"/>
         </dgm:presLayoutVars>
@@ -8287,7 +8692,7 @@
       <dgm:spPr/>
     </dgm:pt>
     <dgm:pt modelId="{4243E2B2-3D53-442B-90C5-1C5AA6E20211}" type="pres">
-      <dgm:prSet presAssocID="{827BE246-D062-4ADF-89AA-906004290895}" presName="rootConnector" presStyleLbl="node4" presStyleIdx="9" presStyleCnt="15"/>
+      <dgm:prSet presAssocID="{827BE246-D062-4ADF-89AA-906004290895}" presName="rootConnector" presStyleLbl="node4" presStyleIdx="8" presStyleCnt="17"/>
       <dgm:spPr/>
     </dgm:pt>
     <dgm:pt modelId="{6CF8F7F2-AA00-4BC4-A4E5-41EEB9EF1BE3}" type="pres">
@@ -8299,7 +8704,7 @@
       <dgm:spPr/>
     </dgm:pt>
     <dgm:pt modelId="{A58DF403-F687-4101-9AF9-E5F501EA76F9}" type="pres">
-      <dgm:prSet presAssocID="{DC76F711-DCBF-4F7E-B8AA-D06086FD8174}" presName="Name37" presStyleLbl="parChTrans1D4" presStyleIdx="10" presStyleCnt="15"/>
+      <dgm:prSet presAssocID="{DC76F711-DCBF-4F7E-B8AA-D06086FD8174}" presName="Name37" presStyleLbl="parChTrans1D4" presStyleIdx="9" presStyleCnt="17"/>
       <dgm:spPr/>
     </dgm:pt>
     <dgm:pt modelId="{6FCE469C-2973-43E4-8397-1F64B4FCF3AB}" type="pres">
@@ -8315,7 +8720,7 @@
       <dgm:spPr/>
     </dgm:pt>
     <dgm:pt modelId="{C4236513-AE90-4DFC-AE46-E74B0CBA9F71}" type="pres">
-      <dgm:prSet presAssocID="{0CB7CC32-12CB-425B-ACD2-D094524CC089}" presName="rootText" presStyleLbl="node4" presStyleIdx="10" presStyleCnt="15">
+      <dgm:prSet presAssocID="{0CB7CC32-12CB-425B-ACD2-D094524CC089}" presName="rootText" presStyleLbl="node4" presStyleIdx="9" presStyleCnt="17">
         <dgm:presLayoutVars>
           <dgm:chPref val="3"/>
         </dgm:presLayoutVars>
@@ -8323,7 +8728,7 @@
       <dgm:spPr/>
     </dgm:pt>
     <dgm:pt modelId="{FDCD10A4-F1F2-4E01-8CAA-7B5A1D6594B2}" type="pres">
-      <dgm:prSet presAssocID="{0CB7CC32-12CB-425B-ACD2-D094524CC089}" presName="rootConnector" presStyleLbl="node4" presStyleIdx="10" presStyleCnt="15"/>
+      <dgm:prSet presAssocID="{0CB7CC32-12CB-425B-ACD2-D094524CC089}" presName="rootConnector" presStyleLbl="node4" presStyleIdx="9" presStyleCnt="17"/>
       <dgm:spPr/>
     </dgm:pt>
     <dgm:pt modelId="{0C43CD92-36B0-4D41-9364-754A80D02EFB}" type="pres">
@@ -8335,7 +8740,7 @@
       <dgm:spPr/>
     </dgm:pt>
     <dgm:pt modelId="{2C765269-E4F2-4548-9DFB-3647DFFF21C7}" type="pres">
-      <dgm:prSet presAssocID="{3C729996-EE0D-4593-B271-EE42AF1ABAAF}" presName="Name37" presStyleLbl="parChTrans1D4" presStyleIdx="11" presStyleCnt="15"/>
+      <dgm:prSet presAssocID="{3C729996-EE0D-4593-B271-EE42AF1ABAAF}" presName="Name37" presStyleLbl="parChTrans1D4" presStyleIdx="10" presStyleCnt="17"/>
       <dgm:spPr/>
     </dgm:pt>
     <dgm:pt modelId="{954E80BD-4058-4D8E-9B20-9BECB90DE5A8}" type="pres">
@@ -8351,7 +8756,7 @@
       <dgm:spPr/>
     </dgm:pt>
     <dgm:pt modelId="{D8D471AF-B1D5-48E8-AEDE-9AB039BD12C0}" type="pres">
-      <dgm:prSet presAssocID="{6AF30A0D-9CBB-430F-A9F7-FD59D53C0B1D}" presName="rootText" presStyleLbl="node4" presStyleIdx="11" presStyleCnt="15">
+      <dgm:prSet presAssocID="{6AF30A0D-9CBB-430F-A9F7-FD59D53C0B1D}" presName="rootText" presStyleLbl="node4" presStyleIdx="10" presStyleCnt="17">
         <dgm:presLayoutVars>
           <dgm:chPref val="3"/>
         </dgm:presLayoutVars>
@@ -8359,7 +8764,7 @@
       <dgm:spPr/>
     </dgm:pt>
     <dgm:pt modelId="{1501F4DD-B223-4BEC-AA0A-1141C17BC5F1}" type="pres">
-      <dgm:prSet presAssocID="{6AF30A0D-9CBB-430F-A9F7-FD59D53C0B1D}" presName="rootConnector" presStyleLbl="node4" presStyleIdx="11" presStyleCnt="15"/>
+      <dgm:prSet presAssocID="{6AF30A0D-9CBB-430F-A9F7-FD59D53C0B1D}" presName="rootConnector" presStyleLbl="node4" presStyleIdx="10" presStyleCnt="17"/>
       <dgm:spPr/>
     </dgm:pt>
     <dgm:pt modelId="{72520B04-654F-48E5-A691-61A6631914A2}" type="pres">
@@ -8374,8 +8779,152 @@
       <dgm:prSet presAssocID="{229F53CA-CE2F-4B27-993B-7860C240BE42}" presName="hierChild5" presStyleCnt="0"/>
       <dgm:spPr/>
     </dgm:pt>
+    <dgm:pt modelId="{871B5B7A-97CB-4AD2-B724-6ADC95A3CDFA}" type="pres">
+      <dgm:prSet presAssocID="{01A92456-CF2A-446E-9A51-B120E77DD8E1}" presName="Name37" presStyleLbl="parChTrans1D3" presStyleIdx="9" presStyleCnt="15"/>
+      <dgm:spPr/>
+    </dgm:pt>
+    <dgm:pt modelId="{310CA97E-1FE5-4B02-B427-948D444B4EE5}" type="pres">
+      <dgm:prSet presAssocID="{BFA828E1-96E1-474E-9516-08114FF60910}" presName="hierRoot2" presStyleCnt="0">
+        <dgm:presLayoutVars>
+          <dgm:hierBranch val="init"/>
+        </dgm:presLayoutVars>
+      </dgm:prSet>
+      <dgm:spPr/>
+    </dgm:pt>
+    <dgm:pt modelId="{B6438023-2A53-4CF4-A5DB-78430B2BBA2A}" type="pres">
+      <dgm:prSet presAssocID="{BFA828E1-96E1-474E-9516-08114FF60910}" presName="rootComposite" presStyleCnt="0"/>
+      <dgm:spPr/>
+    </dgm:pt>
+    <dgm:pt modelId="{3AA1AFAA-9B84-47D6-8C1E-D2B6D3824AC3}" type="pres">
+      <dgm:prSet presAssocID="{BFA828E1-96E1-474E-9516-08114FF60910}" presName="rootText" presStyleLbl="node3" presStyleIdx="9" presStyleCnt="15">
+        <dgm:presLayoutVars>
+          <dgm:chPref val="3"/>
+        </dgm:presLayoutVars>
+      </dgm:prSet>
+      <dgm:spPr/>
+    </dgm:pt>
+    <dgm:pt modelId="{53697145-58FB-431A-8637-F0D9378C85B3}" type="pres">
+      <dgm:prSet presAssocID="{BFA828E1-96E1-474E-9516-08114FF60910}" presName="rootConnector" presStyleLbl="node3" presStyleIdx="9" presStyleCnt="15"/>
+      <dgm:spPr/>
+    </dgm:pt>
+    <dgm:pt modelId="{2A20F956-53AA-4907-A760-2B5CA01E8DC1}" type="pres">
+      <dgm:prSet presAssocID="{BFA828E1-96E1-474E-9516-08114FF60910}" presName="hierChild4" presStyleCnt="0"/>
+      <dgm:spPr/>
+    </dgm:pt>
+    <dgm:pt modelId="{3D199254-6945-44BA-A49C-D5F8E7C52839}" type="pres">
+      <dgm:prSet presAssocID="{5BF48C04-98BE-4CFF-AC35-FBEB7F6B57CE}" presName="Name37" presStyleLbl="parChTrans1D4" presStyleIdx="11" presStyleCnt="17"/>
+      <dgm:spPr/>
+    </dgm:pt>
+    <dgm:pt modelId="{5893B7C9-E564-4850-987E-50D9E8BBD8D8}" type="pres">
+      <dgm:prSet presAssocID="{48ED9427-8296-439D-BAFE-B05B79263786}" presName="hierRoot2" presStyleCnt="0">
+        <dgm:presLayoutVars>
+          <dgm:hierBranch val="init"/>
+        </dgm:presLayoutVars>
+      </dgm:prSet>
+      <dgm:spPr/>
+    </dgm:pt>
+    <dgm:pt modelId="{07612B66-D3B7-4686-B5E5-B7F0E38ECCEF}" type="pres">
+      <dgm:prSet presAssocID="{48ED9427-8296-439D-BAFE-B05B79263786}" presName="rootComposite" presStyleCnt="0"/>
+      <dgm:spPr/>
+    </dgm:pt>
+    <dgm:pt modelId="{6E28D30B-D0B3-4DB2-97DD-DB637782A77C}" type="pres">
+      <dgm:prSet presAssocID="{48ED9427-8296-439D-BAFE-B05B79263786}" presName="rootText" presStyleLbl="node4" presStyleIdx="11" presStyleCnt="17">
+        <dgm:presLayoutVars>
+          <dgm:chPref val="3"/>
+        </dgm:presLayoutVars>
+      </dgm:prSet>
+      <dgm:spPr/>
+    </dgm:pt>
+    <dgm:pt modelId="{8A0DE7B7-F021-49EE-AF99-C6B131977E15}" type="pres">
+      <dgm:prSet presAssocID="{48ED9427-8296-439D-BAFE-B05B79263786}" presName="rootConnector" presStyleLbl="node4" presStyleIdx="11" presStyleCnt="17"/>
+      <dgm:spPr/>
+    </dgm:pt>
+    <dgm:pt modelId="{72E7E498-1023-4FE8-A5FC-D1115A067DEC}" type="pres">
+      <dgm:prSet presAssocID="{48ED9427-8296-439D-BAFE-B05B79263786}" presName="hierChild4" presStyleCnt="0"/>
+      <dgm:spPr/>
+    </dgm:pt>
+    <dgm:pt modelId="{3F3A559C-1C04-47C4-A44D-423EBAE35E6D}" type="pres">
+      <dgm:prSet presAssocID="{48ED9427-8296-439D-BAFE-B05B79263786}" presName="hierChild5" presStyleCnt="0"/>
+      <dgm:spPr/>
+    </dgm:pt>
+    <dgm:pt modelId="{349F4192-013B-4301-B2AA-FEAAA3C9F9C6}" type="pres">
+      <dgm:prSet presAssocID="{68B1ACB7-1EDF-4B03-A739-8088632C1A5C}" presName="Name37" presStyleLbl="parChTrans1D4" presStyleIdx="12" presStyleCnt="17"/>
+      <dgm:spPr/>
+    </dgm:pt>
+    <dgm:pt modelId="{676E43A1-2A64-4C0F-9F9C-509A072C1992}" type="pres">
+      <dgm:prSet presAssocID="{D1E9A986-26AB-4C1E-BC3A-8CB77AC1AF39}" presName="hierRoot2" presStyleCnt="0">
+        <dgm:presLayoutVars>
+          <dgm:hierBranch val="init"/>
+        </dgm:presLayoutVars>
+      </dgm:prSet>
+      <dgm:spPr/>
+    </dgm:pt>
+    <dgm:pt modelId="{D67076A1-6196-4FB5-9B9A-AD8443E72B0D}" type="pres">
+      <dgm:prSet presAssocID="{D1E9A986-26AB-4C1E-BC3A-8CB77AC1AF39}" presName="rootComposite" presStyleCnt="0"/>
+      <dgm:spPr/>
+    </dgm:pt>
+    <dgm:pt modelId="{800D632A-7C9C-4C5A-A529-9F1B3162EB3F}" type="pres">
+      <dgm:prSet presAssocID="{D1E9A986-26AB-4C1E-BC3A-8CB77AC1AF39}" presName="rootText" presStyleLbl="node4" presStyleIdx="12" presStyleCnt="17">
+        <dgm:presLayoutVars>
+          <dgm:chPref val="3"/>
+        </dgm:presLayoutVars>
+      </dgm:prSet>
+      <dgm:spPr/>
+    </dgm:pt>
+    <dgm:pt modelId="{9D1488FC-1461-4E65-AC47-8FC444FA5E56}" type="pres">
+      <dgm:prSet presAssocID="{D1E9A986-26AB-4C1E-BC3A-8CB77AC1AF39}" presName="rootConnector" presStyleLbl="node4" presStyleIdx="12" presStyleCnt="17"/>
+      <dgm:spPr/>
+    </dgm:pt>
+    <dgm:pt modelId="{C8368144-A6F2-44ED-A449-B499AB75AA78}" type="pres">
+      <dgm:prSet presAssocID="{D1E9A986-26AB-4C1E-BC3A-8CB77AC1AF39}" presName="hierChild4" presStyleCnt="0"/>
+      <dgm:spPr/>
+    </dgm:pt>
+    <dgm:pt modelId="{67440FA3-89BF-4203-B4ED-9C21950E2C83}" type="pres">
+      <dgm:prSet presAssocID="{D1E9A986-26AB-4C1E-BC3A-8CB77AC1AF39}" presName="hierChild5" presStyleCnt="0"/>
+      <dgm:spPr/>
+    </dgm:pt>
+    <dgm:pt modelId="{0D389016-0444-4496-B867-AF03FB15CCED}" type="pres">
+      <dgm:prSet presAssocID="{2AD63988-1BC1-4FD2-A0A9-E6C01E835064}" presName="Name37" presStyleLbl="parChTrans1D4" presStyleIdx="13" presStyleCnt="17"/>
+      <dgm:spPr/>
+    </dgm:pt>
+    <dgm:pt modelId="{D70937A8-715E-4070-91ED-287910DDD04B}" type="pres">
+      <dgm:prSet presAssocID="{F870B77C-683A-454D-A6D9-10EBFBFA32FD}" presName="hierRoot2" presStyleCnt="0">
+        <dgm:presLayoutVars>
+          <dgm:hierBranch val="init"/>
+        </dgm:presLayoutVars>
+      </dgm:prSet>
+      <dgm:spPr/>
+    </dgm:pt>
+    <dgm:pt modelId="{955C9ACD-51AB-41DF-AA65-F3EF631333BE}" type="pres">
+      <dgm:prSet presAssocID="{F870B77C-683A-454D-A6D9-10EBFBFA32FD}" presName="rootComposite" presStyleCnt="0"/>
+      <dgm:spPr/>
+    </dgm:pt>
+    <dgm:pt modelId="{5BF0A133-316D-4E43-97FB-38A34BB2056E}" type="pres">
+      <dgm:prSet presAssocID="{F870B77C-683A-454D-A6D9-10EBFBFA32FD}" presName="rootText" presStyleLbl="node4" presStyleIdx="13" presStyleCnt="17">
+        <dgm:presLayoutVars>
+          <dgm:chPref val="3"/>
+        </dgm:presLayoutVars>
+      </dgm:prSet>
+      <dgm:spPr/>
+    </dgm:pt>
+    <dgm:pt modelId="{48AACFB6-4FFE-498D-A7A8-E74D622CF44F}" type="pres">
+      <dgm:prSet presAssocID="{F870B77C-683A-454D-A6D9-10EBFBFA32FD}" presName="rootConnector" presStyleLbl="node4" presStyleIdx="13" presStyleCnt="17"/>
+      <dgm:spPr/>
+    </dgm:pt>
+    <dgm:pt modelId="{B4E1B52E-8D51-4219-8DEB-BD08924E43A4}" type="pres">
+      <dgm:prSet presAssocID="{F870B77C-683A-454D-A6D9-10EBFBFA32FD}" presName="hierChild4" presStyleCnt="0"/>
+      <dgm:spPr/>
+    </dgm:pt>
+    <dgm:pt modelId="{8C8F8B5F-D353-4977-B722-6079320BFA09}" type="pres">
+      <dgm:prSet presAssocID="{F870B77C-683A-454D-A6D9-10EBFBFA32FD}" presName="hierChild5" presStyleCnt="0"/>
+      <dgm:spPr/>
+    </dgm:pt>
+    <dgm:pt modelId="{5D226C07-58A2-474B-88FA-8ED33CE96568}" type="pres">
+      <dgm:prSet presAssocID="{BFA828E1-96E1-474E-9516-08114FF60910}" presName="hierChild5" presStyleCnt="0"/>
+      <dgm:spPr/>
+    </dgm:pt>
     <dgm:pt modelId="{2E376884-00F2-4861-8FA6-A28892D522A6}" type="pres">
-      <dgm:prSet presAssocID="{4A1BF5A8-09F2-468E-B8CA-810B0A4C81AF}" presName="Name37" presStyleLbl="parChTrans1D3" presStyleIdx="9" presStyleCnt="14"/>
+      <dgm:prSet presAssocID="{4A1BF5A8-09F2-468E-B8CA-810B0A4C81AF}" presName="Name37" presStyleLbl="parChTrans1D3" presStyleIdx="10" presStyleCnt="15"/>
       <dgm:spPr/>
     </dgm:pt>
     <dgm:pt modelId="{DCA68EFD-3747-46BB-91AD-2D5A189196B5}" type="pres">
@@ -8391,7 +8940,7 @@
       <dgm:spPr/>
     </dgm:pt>
     <dgm:pt modelId="{E31ADA3A-B4DE-433E-8574-34DFB22D2676}" type="pres">
-      <dgm:prSet presAssocID="{6EFEF1C0-91F6-4365-8860-BEC0B3E6B778}" presName="rootText" presStyleLbl="node3" presStyleIdx="9" presStyleCnt="14">
+      <dgm:prSet presAssocID="{6EFEF1C0-91F6-4365-8860-BEC0B3E6B778}" presName="rootText" presStyleLbl="node3" presStyleIdx="10" presStyleCnt="15">
         <dgm:presLayoutVars>
           <dgm:chPref val="3"/>
         </dgm:presLayoutVars>
@@ -8399,7 +8948,7 @@
       <dgm:spPr/>
     </dgm:pt>
     <dgm:pt modelId="{C914D51E-8FF1-4EE3-9259-68394D1F2436}" type="pres">
-      <dgm:prSet presAssocID="{6EFEF1C0-91F6-4365-8860-BEC0B3E6B778}" presName="rootConnector" presStyleLbl="node3" presStyleIdx="9" presStyleCnt="14"/>
+      <dgm:prSet presAssocID="{6EFEF1C0-91F6-4365-8860-BEC0B3E6B778}" presName="rootConnector" presStyleLbl="node3" presStyleIdx="10" presStyleCnt="15"/>
       <dgm:spPr/>
     </dgm:pt>
     <dgm:pt modelId="{482490B0-4A9A-4B87-8822-AE042C26F1BF}" type="pres">
@@ -8407,7 +8956,7 @@
       <dgm:spPr/>
     </dgm:pt>
     <dgm:pt modelId="{83EC27AC-5822-41D5-BBA1-342C2C7ABF63}" type="pres">
-      <dgm:prSet presAssocID="{0DCFCF09-CF5C-4DCA-B7A0-4A2621A7E248}" presName="Name37" presStyleLbl="parChTrans1D4" presStyleIdx="12" presStyleCnt="15"/>
+      <dgm:prSet presAssocID="{0DCFCF09-CF5C-4DCA-B7A0-4A2621A7E248}" presName="Name37" presStyleLbl="parChTrans1D4" presStyleIdx="14" presStyleCnt="17"/>
       <dgm:spPr/>
     </dgm:pt>
     <dgm:pt modelId="{9A9976F3-B4C4-492C-9654-0471C77B656C}" type="pres">
@@ -8423,7 +8972,7 @@
       <dgm:spPr/>
     </dgm:pt>
     <dgm:pt modelId="{C9E4FA1C-4869-4B9E-865C-03E5F64B3C7C}" type="pres">
-      <dgm:prSet presAssocID="{CAB7F643-EC64-4E1D-ABAC-AC19FC511F04}" presName="rootText" presStyleLbl="node4" presStyleIdx="12" presStyleCnt="15">
+      <dgm:prSet presAssocID="{CAB7F643-EC64-4E1D-ABAC-AC19FC511F04}" presName="rootText" presStyleLbl="node4" presStyleIdx="14" presStyleCnt="17">
         <dgm:presLayoutVars>
           <dgm:chPref val="3"/>
         </dgm:presLayoutVars>
@@ -8431,7 +8980,7 @@
       <dgm:spPr/>
     </dgm:pt>
     <dgm:pt modelId="{12D4890D-9E71-4499-98F1-4B128C7CEB7D}" type="pres">
-      <dgm:prSet presAssocID="{CAB7F643-EC64-4E1D-ABAC-AC19FC511F04}" presName="rootConnector" presStyleLbl="node4" presStyleIdx="12" presStyleCnt="15"/>
+      <dgm:prSet presAssocID="{CAB7F643-EC64-4E1D-ABAC-AC19FC511F04}" presName="rootConnector" presStyleLbl="node4" presStyleIdx="14" presStyleCnt="17"/>
       <dgm:spPr/>
     </dgm:pt>
     <dgm:pt modelId="{BAD84489-AAE9-4C2B-BEDF-09D3E04804FF}" type="pres">
@@ -8447,7 +8996,7 @@
       <dgm:spPr/>
     </dgm:pt>
     <dgm:pt modelId="{B09AF9A2-BE76-4ED6-845F-BCBB528DD536}" type="pres">
-      <dgm:prSet presAssocID="{0F8DEDD2-70B3-47B0-A0E2-AB182325882E}" presName="Name37" presStyleLbl="parChTrans1D3" presStyleIdx="10" presStyleCnt="14"/>
+      <dgm:prSet presAssocID="{0F8DEDD2-70B3-47B0-A0E2-AB182325882E}" presName="Name37" presStyleLbl="parChTrans1D3" presStyleIdx="11" presStyleCnt="15"/>
       <dgm:spPr/>
     </dgm:pt>
     <dgm:pt modelId="{0691C907-22D3-4358-A14E-A3B01AD177C7}" type="pres">
@@ -8463,7 +9012,7 @@
       <dgm:spPr/>
     </dgm:pt>
     <dgm:pt modelId="{C25FD1FD-609E-4ECC-AFB1-301A529B9529}" type="pres">
-      <dgm:prSet presAssocID="{7585FE78-FCDA-4796-B840-E0BE5D67EED2}" presName="rootText" presStyleLbl="node3" presStyleIdx="10" presStyleCnt="14">
+      <dgm:prSet presAssocID="{7585FE78-FCDA-4796-B840-E0BE5D67EED2}" presName="rootText" presStyleLbl="node3" presStyleIdx="11" presStyleCnt="15">
         <dgm:presLayoutVars>
           <dgm:chPref val="3"/>
         </dgm:presLayoutVars>
@@ -8471,7 +9020,7 @@
       <dgm:spPr/>
     </dgm:pt>
     <dgm:pt modelId="{11F07573-4FBE-43D1-81ED-DF43701635CB}" type="pres">
-      <dgm:prSet presAssocID="{7585FE78-FCDA-4796-B840-E0BE5D67EED2}" presName="rootConnector" presStyleLbl="node3" presStyleIdx="10" presStyleCnt="14"/>
+      <dgm:prSet presAssocID="{7585FE78-FCDA-4796-B840-E0BE5D67EED2}" presName="rootConnector" presStyleLbl="node3" presStyleIdx="11" presStyleCnt="15"/>
       <dgm:spPr/>
     </dgm:pt>
     <dgm:pt modelId="{60727E7B-9404-4AE5-A2EA-90372AC51452}" type="pres">
@@ -8479,7 +9028,7 @@
       <dgm:spPr/>
     </dgm:pt>
     <dgm:pt modelId="{856DDE7D-4D3E-41A5-952A-582351B53F0A}" type="pres">
-      <dgm:prSet presAssocID="{6F8DADB6-4501-4E19-9AD0-2D9348F2D58A}" presName="Name37" presStyleLbl="parChTrans1D4" presStyleIdx="13" presStyleCnt="15"/>
+      <dgm:prSet presAssocID="{6F8DADB6-4501-4E19-9AD0-2D9348F2D58A}" presName="Name37" presStyleLbl="parChTrans1D4" presStyleIdx="15" presStyleCnt="17"/>
       <dgm:spPr/>
     </dgm:pt>
     <dgm:pt modelId="{4925BA44-D062-4622-8C34-00C3BE8AA82F}" type="pres">
@@ -8495,7 +9044,7 @@
       <dgm:spPr/>
     </dgm:pt>
     <dgm:pt modelId="{0C411FE4-55D1-4BFF-9809-0850BDDC3921}" type="pres">
-      <dgm:prSet presAssocID="{C66F088F-3ED6-4440-B25F-05CAFFEF8099}" presName="rootText" presStyleLbl="node4" presStyleIdx="13" presStyleCnt="15">
+      <dgm:prSet presAssocID="{C66F088F-3ED6-4440-B25F-05CAFFEF8099}" presName="rootText" presStyleLbl="node4" presStyleIdx="15" presStyleCnt="17">
         <dgm:presLayoutVars>
           <dgm:chPref val="3"/>
         </dgm:presLayoutVars>
@@ -8503,7 +9052,7 @@
       <dgm:spPr/>
     </dgm:pt>
     <dgm:pt modelId="{937D1D20-A65B-4AB2-B954-22902CA87865}" type="pres">
-      <dgm:prSet presAssocID="{C66F088F-3ED6-4440-B25F-05CAFFEF8099}" presName="rootConnector" presStyleLbl="node4" presStyleIdx="13" presStyleCnt="15"/>
+      <dgm:prSet presAssocID="{C66F088F-3ED6-4440-B25F-05CAFFEF8099}" presName="rootConnector" presStyleLbl="node4" presStyleIdx="15" presStyleCnt="17"/>
       <dgm:spPr/>
     </dgm:pt>
     <dgm:pt modelId="{56CBCFFB-7CC6-4D69-9E5E-1992E7E1332C}" type="pres">
@@ -8519,7 +9068,7 @@
       <dgm:spPr/>
     </dgm:pt>
     <dgm:pt modelId="{579AC306-0AF3-4635-8A96-A5C5FD4A0A34}" type="pres">
-      <dgm:prSet presAssocID="{99A21E44-63BF-4B50-BC57-41BA959C218F}" presName="Name37" presStyleLbl="parChTrans1D3" presStyleIdx="11" presStyleCnt="14"/>
+      <dgm:prSet presAssocID="{99A21E44-63BF-4B50-BC57-41BA959C218F}" presName="Name37" presStyleLbl="parChTrans1D3" presStyleIdx="12" presStyleCnt="15"/>
       <dgm:spPr/>
     </dgm:pt>
     <dgm:pt modelId="{B7AFCA6B-042C-4C43-A2AF-B42C8E3E460B}" type="pres">
@@ -8535,7 +9084,7 @@
       <dgm:spPr/>
     </dgm:pt>
     <dgm:pt modelId="{7E07E0ED-F013-4727-8FF3-4357D53EE1C6}" type="pres">
-      <dgm:prSet presAssocID="{B6F94948-EC84-46A6-96F7-E99033BFA262}" presName="rootText" presStyleLbl="node3" presStyleIdx="11" presStyleCnt="14">
+      <dgm:prSet presAssocID="{B6F94948-EC84-46A6-96F7-E99033BFA262}" presName="rootText" presStyleLbl="node3" presStyleIdx="12" presStyleCnt="15">
         <dgm:presLayoutVars>
           <dgm:chPref val="3"/>
         </dgm:presLayoutVars>
@@ -8543,7 +9092,7 @@
       <dgm:spPr/>
     </dgm:pt>
     <dgm:pt modelId="{9FAC1EB9-4B66-4966-B751-B294C5F5EB01}" type="pres">
-      <dgm:prSet presAssocID="{B6F94948-EC84-46A6-96F7-E99033BFA262}" presName="rootConnector" presStyleLbl="node3" presStyleIdx="11" presStyleCnt="14"/>
+      <dgm:prSet presAssocID="{B6F94948-EC84-46A6-96F7-E99033BFA262}" presName="rootConnector" presStyleLbl="node3" presStyleIdx="12" presStyleCnt="15"/>
       <dgm:spPr/>
     </dgm:pt>
     <dgm:pt modelId="{3BE33CC8-F2D4-4B43-8941-978220FAD2C6}" type="pres">
@@ -8551,7 +9100,7 @@
       <dgm:spPr/>
     </dgm:pt>
     <dgm:pt modelId="{B3C8628C-92E1-4A5D-B7AF-0DD6175077C7}" type="pres">
-      <dgm:prSet presAssocID="{DF8AC1BE-7200-4D86-BD5C-5B73E430CCD8}" presName="Name37" presStyleLbl="parChTrans1D4" presStyleIdx="14" presStyleCnt="15"/>
+      <dgm:prSet presAssocID="{DF8AC1BE-7200-4D86-BD5C-5B73E430CCD8}" presName="Name37" presStyleLbl="parChTrans1D4" presStyleIdx="16" presStyleCnt="17"/>
       <dgm:spPr/>
     </dgm:pt>
     <dgm:pt modelId="{9CC61A63-F814-4010-B42F-0D5164F78374}" type="pres">
@@ -8567,7 +9116,7 @@
       <dgm:spPr/>
     </dgm:pt>
     <dgm:pt modelId="{CB41D364-3E5F-497E-8819-B9993CC6E15A}" type="pres">
-      <dgm:prSet presAssocID="{607B5390-D1D4-4C8E-877D-41DB87C6ECB8}" presName="rootText" presStyleLbl="node4" presStyleIdx="14" presStyleCnt="15">
+      <dgm:prSet presAssocID="{607B5390-D1D4-4C8E-877D-41DB87C6ECB8}" presName="rootText" presStyleLbl="node4" presStyleIdx="16" presStyleCnt="17">
         <dgm:presLayoutVars>
           <dgm:chPref val="3"/>
         </dgm:presLayoutVars>
@@ -8575,7 +9124,7 @@
       <dgm:spPr/>
     </dgm:pt>
     <dgm:pt modelId="{2E266598-1396-4AC1-8269-D9507E05FCE5}" type="pres">
-      <dgm:prSet presAssocID="{607B5390-D1D4-4C8E-877D-41DB87C6ECB8}" presName="rootConnector" presStyleLbl="node4" presStyleIdx="14" presStyleCnt="15"/>
+      <dgm:prSet presAssocID="{607B5390-D1D4-4C8E-877D-41DB87C6ECB8}" presName="rootConnector" presStyleLbl="node4" presStyleIdx="16" presStyleCnt="17"/>
       <dgm:spPr/>
     </dgm:pt>
     <dgm:pt modelId="{E73A406C-6709-472D-8E3E-80A43919EEC8}" type="pres">
@@ -8627,7 +9176,7 @@
       <dgm:spPr/>
     </dgm:pt>
     <dgm:pt modelId="{48D45FE3-25E3-49CE-97B1-4F90D0F0D591}" type="pres">
-      <dgm:prSet presAssocID="{2CD079D0-EE0E-4B5C-B658-F1C2AAC311E5}" presName="Name37" presStyleLbl="parChTrans1D3" presStyleIdx="12" presStyleCnt="14"/>
+      <dgm:prSet presAssocID="{2CD079D0-EE0E-4B5C-B658-F1C2AAC311E5}" presName="Name37" presStyleLbl="parChTrans1D3" presStyleIdx="13" presStyleCnt="15"/>
       <dgm:spPr/>
     </dgm:pt>
     <dgm:pt modelId="{69DFA492-DC04-4020-9CAF-FD7F37061586}" type="pres">
@@ -8643,7 +9192,7 @@
       <dgm:spPr/>
     </dgm:pt>
     <dgm:pt modelId="{0D60E8B7-81CE-4334-BD72-CB667F102F93}" type="pres">
-      <dgm:prSet presAssocID="{2BFA1704-BCBE-42F4-95C5-369552D12ED4}" presName="rootText" presStyleLbl="node3" presStyleIdx="12" presStyleCnt="14">
+      <dgm:prSet presAssocID="{2BFA1704-BCBE-42F4-95C5-369552D12ED4}" presName="rootText" presStyleLbl="node3" presStyleIdx="13" presStyleCnt="15">
         <dgm:presLayoutVars>
           <dgm:chPref val="3"/>
         </dgm:presLayoutVars>
@@ -8651,7 +9200,7 @@
       <dgm:spPr/>
     </dgm:pt>
     <dgm:pt modelId="{B7D1B93A-A753-4AB7-B285-13A40D2EB05E}" type="pres">
-      <dgm:prSet presAssocID="{2BFA1704-BCBE-42F4-95C5-369552D12ED4}" presName="rootConnector" presStyleLbl="node3" presStyleIdx="12" presStyleCnt="14"/>
+      <dgm:prSet presAssocID="{2BFA1704-BCBE-42F4-95C5-369552D12ED4}" presName="rootConnector" presStyleLbl="node3" presStyleIdx="13" presStyleCnt="15"/>
       <dgm:spPr/>
     </dgm:pt>
     <dgm:pt modelId="{E5BD59C3-22E0-4025-AF2E-A60E6A3747FB}" type="pres">
@@ -8663,7 +9212,7 @@
       <dgm:spPr/>
     </dgm:pt>
     <dgm:pt modelId="{75601AF9-6E63-4397-870F-6CFE925F9796}" type="pres">
-      <dgm:prSet presAssocID="{5E038329-95F8-4BD9-B10C-B59A6CE3F634}" presName="Name37" presStyleLbl="parChTrans1D3" presStyleIdx="13" presStyleCnt="14"/>
+      <dgm:prSet presAssocID="{5E038329-95F8-4BD9-B10C-B59A6CE3F634}" presName="Name37" presStyleLbl="parChTrans1D3" presStyleIdx="14" presStyleCnt="15"/>
       <dgm:spPr/>
     </dgm:pt>
     <dgm:pt modelId="{16462636-8A30-4025-963E-509840A75EEE}" type="pres">
@@ -8679,7 +9228,7 @@
       <dgm:spPr/>
     </dgm:pt>
     <dgm:pt modelId="{31983083-8136-468C-81D8-193C0F971EE1}" type="pres">
-      <dgm:prSet presAssocID="{A9C98763-6DA1-4311-BA22-B9415E3917FF}" presName="rootText" presStyleLbl="node3" presStyleIdx="13" presStyleCnt="14">
+      <dgm:prSet presAssocID="{A9C98763-6DA1-4311-BA22-B9415E3917FF}" presName="rootText" presStyleLbl="node3" presStyleIdx="14" presStyleCnt="15">
         <dgm:presLayoutVars>
           <dgm:chPref val="3"/>
         </dgm:presLayoutVars>
@@ -8687,7 +9236,7 @@
       <dgm:spPr/>
     </dgm:pt>
     <dgm:pt modelId="{5F7826B5-4BA7-4928-BE95-9EAECB941CEB}" type="pres">
-      <dgm:prSet presAssocID="{A9C98763-6DA1-4311-BA22-B9415E3917FF}" presName="rootConnector" presStyleLbl="node3" presStyleIdx="13" presStyleCnt="14"/>
+      <dgm:prSet presAssocID="{A9C98763-6DA1-4311-BA22-B9415E3917FF}" presName="rootConnector" presStyleLbl="node3" presStyleIdx="14" presStyleCnt="15"/>
       <dgm:spPr/>
     </dgm:pt>
     <dgm:pt modelId="{4C1BE1BD-635F-42D3-8B4D-E9FA88017761}" type="pres">
@@ -8748,12 +9297,13 @@
     <dgm:cxn modelId="{F6A2D205-B872-4141-A07C-76D814280841}" type="presOf" srcId="{7585FE78-FCDA-4796-B840-E0BE5D67EED2}" destId="{11F07573-4FBE-43D1-81ED-DF43701635CB}" srcOrd="1" destOrd="0" presId="urn:microsoft.com/office/officeart/2005/8/layout/orgChart1"/>
     <dgm:cxn modelId="{A7F82406-770A-4FC4-BA7E-263537B518AD}" type="presOf" srcId="{7585FE78-FCDA-4796-B840-E0BE5D67EED2}" destId="{C25FD1FD-609E-4ECC-AFB1-301A529B9529}" srcOrd="0" destOrd="0" presId="urn:microsoft.com/office/officeart/2005/8/layout/orgChart1"/>
     <dgm:cxn modelId="{6B1CAD08-E0A1-4368-9DCB-06E261C33A95}" type="presOf" srcId="{C022684E-82AD-4CF7-B040-657FA4E91877}" destId="{1BF147A2-5605-48B8-902D-DD666AB0FA60}" srcOrd="0" destOrd="0" presId="urn:microsoft.com/office/officeart/2005/8/layout/orgChart1"/>
+    <dgm:cxn modelId="{E4DB1F0A-CF9B-456F-893B-DA1F05480902}" type="presOf" srcId="{F870B77C-683A-454D-A6D9-10EBFBFA32FD}" destId="{5BF0A133-316D-4E43-97FB-38A34BB2056E}" srcOrd="0" destOrd="0" presId="urn:microsoft.com/office/officeart/2005/8/layout/orgChart1"/>
     <dgm:cxn modelId="{E4E1AE13-1CA1-42A6-80B4-50529058C266}" type="presOf" srcId="{9066FE75-5CBE-403D-86A8-17BCC45966E9}" destId="{11C96DFD-7131-4722-B4C3-45B8C8EE4AAE}" srcOrd="1" destOrd="0" presId="urn:microsoft.com/office/officeart/2005/8/layout/orgChart1"/>
     <dgm:cxn modelId="{41430215-6965-4990-8C93-0281020804C6}" type="presOf" srcId="{A9C98763-6DA1-4311-BA22-B9415E3917FF}" destId="{5F7826B5-4BA7-4928-BE95-9EAECB941CEB}" srcOrd="1" destOrd="0" presId="urn:microsoft.com/office/officeart/2005/8/layout/orgChart1"/>
     <dgm:cxn modelId="{FCAAC415-ABAC-400B-92F3-78E736C6227D}" type="presOf" srcId="{200CC11B-2AC7-47DF-8D89-55E560F99CE0}" destId="{07DD8F83-B6C0-45E8-8E55-03C76DA468AE}" srcOrd="0" destOrd="0" presId="urn:microsoft.com/office/officeart/2005/8/layout/orgChart1"/>
     <dgm:cxn modelId="{EC9BE216-AB58-4D72-B046-A34FB9069EF9}" type="presOf" srcId="{CB61135D-A773-42C0-9719-B6857743F9A1}" destId="{360A2FED-3196-4594-A721-E2350DDDD2D4}" srcOrd="0" destOrd="0" presId="urn:microsoft.com/office/officeart/2005/8/layout/orgChart1"/>
     <dgm:cxn modelId="{E7C8F516-2760-4FF0-B2AF-478749F7A908}" type="presOf" srcId="{F7B81022-8347-47A6-B44F-735753C68B56}" destId="{B891F430-06B8-4ADC-B72B-C4ECB72F9F13}" srcOrd="0" destOrd="0" presId="urn:microsoft.com/office/officeart/2005/8/layout/orgChart1"/>
-    <dgm:cxn modelId="{C3C03C17-1FD0-424D-A911-6C10400066CF}" srcId="{08AA737A-AC1A-42B7-B21A-F1D23399927B}" destId="{6EFEF1C0-91F6-4365-8860-BEC0B3E6B778}" srcOrd="2" destOrd="0" parTransId="{4A1BF5A8-09F2-468E-B8CA-810B0A4C81AF}" sibTransId="{313648E4-34C6-4448-97E2-AA5A278E9F97}"/>
+    <dgm:cxn modelId="{C3C03C17-1FD0-424D-A911-6C10400066CF}" srcId="{08AA737A-AC1A-42B7-B21A-F1D23399927B}" destId="{6EFEF1C0-91F6-4365-8860-BEC0B3E6B778}" srcOrd="3" destOrd="0" parTransId="{4A1BF5A8-09F2-468E-B8CA-810B0A4C81AF}" sibTransId="{313648E4-34C6-4448-97E2-AA5A278E9F97}"/>
     <dgm:cxn modelId="{4C132218-9405-4570-A8AB-3B86438826FD}" srcId="{14C54D07-6BE3-46ED-A8CE-BD4AC01741E7}" destId="{AC70A55C-4248-47F6-AE18-CE329765F88F}" srcOrd="3" destOrd="0" parTransId="{041D731B-9B4C-4CD6-8AC8-D202FED3AEA2}" sibTransId="{2258DBF1-0015-4245-AA16-5739215C71FE}"/>
     <dgm:cxn modelId="{AEA0FA18-54F0-4E30-84A1-75791400F555}" type="presOf" srcId="{29E92A18-2006-4A5B-B56B-57D9AD90937F}" destId="{426BD53D-FE1A-49EB-B483-ADE7DC35908F}" srcOrd="1" destOrd="0" presId="urn:microsoft.com/office/officeart/2005/8/layout/orgChart1"/>
     <dgm:cxn modelId="{61DD931A-CDEC-4DAE-99E6-0C72B156D407}" type="presOf" srcId="{5D3CA10F-476E-4B69-8403-B4BEFC56F59D}" destId="{E699E00E-9339-4138-9D4F-731B5E4F39EC}" srcOrd="1" destOrd="0" presId="urn:microsoft.com/office/officeart/2005/8/layout/orgChart1"/>
@@ -8761,10 +9311,13 @@
     <dgm:cxn modelId="{832D161C-25D0-448B-9BC0-BFE0B57BAF42}" type="presOf" srcId="{DA95E149-994E-41E3-9E36-5EFE8B7BED8A}" destId="{8DBD895C-E162-4EF0-BB9F-18CBC4722152}" srcOrd="0" destOrd="0" presId="urn:microsoft.com/office/officeart/2005/8/layout/orgChart1"/>
     <dgm:cxn modelId="{BDD89C1C-3CF8-46A3-954E-DDEDC218A914}" type="presOf" srcId="{7838B42C-75FE-447E-915D-E0928AC6F382}" destId="{44F284EE-1B42-422E-B0DA-2D4B6E6FBB68}" srcOrd="1" destOrd="0" presId="urn:microsoft.com/office/officeart/2005/8/layout/orgChart1"/>
     <dgm:cxn modelId="{CC85C01D-2198-4B3E-BCB5-3B1D0D47DA48}" type="presOf" srcId="{D58C7432-1B3C-4FB1-8475-C26464EF9732}" destId="{57148644-F7BC-4D57-B7CF-BB5AD22D230F}" srcOrd="0" destOrd="0" presId="urn:microsoft.com/office/officeart/2005/8/layout/orgChart1"/>
+    <dgm:cxn modelId="{B6192C1F-1C28-4926-9A0D-0E4FE206C7F7}" type="presOf" srcId="{F870B77C-683A-454D-A6D9-10EBFBFA32FD}" destId="{48AACFB6-4FFE-498D-A7A8-E74D622CF44F}" srcOrd="1" destOrd="0" presId="urn:microsoft.com/office/officeart/2005/8/layout/orgChart1"/>
     <dgm:cxn modelId="{8AD09720-1EC6-4B53-A731-AB7B6ECE3C18}" srcId="{30D8CFC2-0A55-403B-97D0-40669A2DE377}" destId="{D58C7432-1B3C-4FB1-8475-C26464EF9732}" srcOrd="1" destOrd="0" parTransId="{43C7D618-BC86-42B0-9AED-A3129E234885}" sibTransId="{6E3E4284-ECF5-417F-9973-7B997B8A28EB}"/>
     <dgm:cxn modelId="{771AB422-75B4-4C47-8FD0-FE31B307D2C0}" type="presOf" srcId="{3D6CAC12-1A4E-4B1E-A36D-C66968059834}" destId="{47D8E537-CC64-4009-A25A-FF5640E3B6F1}" srcOrd="0" destOrd="0" presId="urn:microsoft.com/office/officeart/2005/8/layout/orgChart1"/>
     <dgm:cxn modelId="{CF729D23-278E-4734-9AEC-5CB672AB4DD6}" type="presOf" srcId="{24687E23-5753-44AD-8E41-708A7C85E7E0}" destId="{19A8C035-D90D-414F-856C-8A033906E9E1}" srcOrd="0" destOrd="0" presId="urn:microsoft.com/office/officeart/2005/8/layout/orgChart1"/>
+    <dgm:cxn modelId="{04EE2824-9FAF-429F-BE4A-67DA9B5494B0}" type="presOf" srcId="{BFA828E1-96E1-474E-9516-08114FF60910}" destId="{53697145-58FB-431A-8637-F0D9378C85B3}" srcOrd="1" destOrd="0" presId="urn:microsoft.com/office/officeart/2005/8/layout/orgChart1"/>
     <dgm:cxn modelId="{21AF5F28-FB0E-47B0-B7CF-448F018BDF79}" type="presOf" srcId="{5D3CA10F-476E-4B69-8403-B4BEFC56F59D}" destId="{4653A9DE-FAFC-47DA-AE37-7DBC0631E1D0}" srcOrd="0" destOrd="0" presId="urn:microsoft.com/office/officeart/2005/8/layout/orgChart1"/>
+    <dgm:cxn modelId="{9D1FC131-E6EA-4B2B-B4EB-35AEF3FA9A3B}" srcId="{BFA828E1-96E1-474E-9516-08114FF60910}" destId="{D1E9A986-26AB-4C1E-BC3A-8CB77AC1AF39}" srcOrd="1" destOrd="0" parTransId="{68B1ACB7-1EDF-4B03-A739-8088632C1A5C}" sibTransId="{98C505B7-2910-4301-A06E-F728A618CEF6}"/>
     <dgm:cxn modelId="{663E7236-008E-484C-8191-73840C828AD3}" srcId="{0DF183E1-F599-46C3-8959-FFE9D5A5DD0F}" destId="{F0BE88BC-C6B6-4435-BED7-473EF9E985C1}" srcOrd="3" destOrd="0" parTransId="{4572B3EB-5E2E-40C5-B9F4-3C5036E00216}" sibTransId="{8F70078C-9245-4867-B242-B7F7DE208494}"/>
     <dgm:cxn modelId="{D851EC36-D769-474C-B4A3-E62069B20A58}" srcId="{AC70A55C-4248-47F6-AE18-CE329765F88F}" destId="{A9C98763-6DA1-4311-BA22-B9415E3917FF}" srcOrd="1" destOrd="0" parTransId="{5E038329-95F8-4BD9-B10C-B59A6CE3F634}" sibTransId="{7C1D0881-5385-40AB-81C5-35732128B0CB}"/>
     <dgm:cxn modelId="{ADF2A137-A48E-4789-A16B-D41E36CAAF4F}" srcId="{0DF183E1-F599-46C3-8959-FFE9D5A5DD0F}" destId="{F7B81022-8347-47A6-B44F-735753C68B56}" srcOrd="1" destOrd="0" parTransId="{DA95E149-994E-41E3-9E36-5EFE8B7BED8A}" sibTransId="{17F2E2BC-CB6C-49E6-85C1-B86FE1B2282C}"/>
@@ -8776,22 +9329,22 @@
     <dgm:cxn modelId="{D0348B3E-384D-4410-ACDC-F26964B13BE8}" type="presOf" srcId="{81FB47F7-4AA4-4E54-B834-FBD8A967287D}" destId="{1604BE3C-9BE0-4837-9BE0-0F9775225EB3}" srcOrd="0" destOrd="0" presId="urn:microsoft.com/office/officeart/2005/8/layout/orgChart1"/>
     <dgm:cxn modelId="{F7381E5C-EE65-4024-BAFB-6E22E60330E0}" type="presOf" srcId="{BD53AF67-A35A-4699-9676-0839CA0F67B5}" destId="{E6688126-9553-4585-BD31-651C17E54ADF}" srcOrd="0" destOrd="0" presId="urn:microsoft.com/office/officeart/2005/8/layout/orgChart1"/>
     <dgm:cxn modelId="{B6F0255C-0851-4B0A-9B09-D7F691864642}" type="presOf" srcId="{4572B3EB-5E2E-40C5-B9F4-3C5036E00216}" destId="{A1E70799-BB78-4D44-A1BB-75D6DB69D76A}" srcOrd="0" destOrd="0" presId="urn:microsoft.com/office/officeart/2005/8/layout/orgChart1"/>
-    <dgm:cxn modelId="{CC33765D-D61B-4D38-9A38-9085AB8F5ABE}" srcId="{229F53CA-CE2F-4B27-993B-7860C240BE42}" destId="{6AF30A0D-9CBB-430F-A9F7-FD59D53C0B1D}" srcOrd="4" destOrd="0" parTransId="{3C729996-EE0D-4593-B271-EE42AF1ABAAF}" sibTransId="{91A1EA10-E268-41A2-ADD5-5BFB975EDD55}"/>
+    <dgm:cxn modelId="{CC33765D-D61B-4D38-9A38-9085AB8F5ABE}" srcId="{229F53CA-CE2F-4B27-993B-7860C240BE42}" destId="{6AF30A0D-9CBB-430F-A9F7-FD59D53C0B1D}" srcOrd="3" destOrd="0" parTransId="{3C729996-EE0D-4593-B271-EE42AF1ABAAF}" sibTransId="{91A1EA10-E268-41A2-ADD5-5BFB975EDD55}"/>
     <dgm:cxn modelId="{04CAC15D-760E-40FD-B161-547E96BD72B7}" type="presOf" srcId="{0FE60EA5-F27B-4D66-A310-805839B4A2B8}" destId="{76D142CF-F56B-4AC7-AB29-78C140CAE1D6}" srcOrd="1" destOrd="0" presId="urn:microsoft.com/office/officeart/2005/8/layout/orgChart1"/>
-    <dgm:cxn modelId="{07F15F5E-99BE-4764-8C98-0FAA00CC7697}" type="presOf" srcId="{A8B0E134-CF2C-47A5-9438-5A4CD7CF106D}" destId="{16E31BB5-BFDD-4AFE-844A-F299814D4AEB}" srcOrd="0" destOrd="0" presId="urn:microsoft.com/office/officeart/2005/8/layout/orgChart1"/>
     <dgm:cxn modelId="{46411241-85E2-4611-ACBF-B4BB3004AB90}" type="presOf" srcId="{49D4CFFA-EA9B-41DC-A86A-F6653CA460F3}" destId="{0DFE323E-AF11-4CD6-AE10-BBFCBF8A6BC9}" srcOrd="1" destOrd="0" presId="urn:microsoft.com/office/officeart/2005/8/layout/orgChart1"/>
     <dgm:cxn modelId="{3C214061-CD56-43D1-A4F8-87093E73D609}" srcId="{7838B42C-75FE-447E-915D-E0928AC6F382}" destId="{D0F0D0D2-1531-4D92-84D5-F153F358D999}" srcOrd="0" destOrd="0" parTransId="{BD53AF67-A35A-4699-9676-0839CA0F67B5}" sibTransId="{14A9FFB0-34A8-441C-91DB-EA730CCBB4FD}"/>
     <dgm:cxn modelId="{BA16E661-DBFB-486D-8E13-F717DC49DA6C}" type="presOf" srcId="{0CB7CC32-12CB-425B-ACD2-D094524CC089}" destId="{FDCD10A4-F1F2-4E01-8CAA-7B5A1D6594B2}" srcOrd="1" destOrd="0" presId="urn:microsoft.com/office/officeart/2005/8/layout/orgChart1"/>
     <dgm:cxn modelId="{DE29EE61-30E1-4A5F-8027-0E590B0AAB7E}" type="presOf" srcId="{6AF30A0D-9CBB-430F-A9F7-FD59D53C0B1D}" destId="{D8D471AF-B1D5-48E8-AEDE-9AB039BD12C0}" srcOrd="0" destOrd="0" presId="urn:microsoft.com/office/officeart/2005/8/layout/orgChart1"/>
+    <dgm:cxn modelId="{FDBD8D42-7297-453E-B10A-B5B149C16F9A}" type="presOf" srcId="{01A92456-CF2A-446E-9A51-B120E77DD8E1}" destId="{871B5B7A-97CB-4AD2-B724-6ADC95A3CDFA}" srcOrd="0" destOrd="0" presId="urn:microsoft.com/office/officeart/2005/8/layout/orgChart1"/>
     <dgm:cxn modelId="{25CEA943-2F99-4582-A7AE-9839A25587EE}" type="presOf" srcId="{4CE1D37D-E3D9-46CE-9F15-73E035EBB292}" destId="{C8AEAED8-53A8-440C-9E3D-D4F17758067D}" srcOrd="0" destOrd="0" presId="urn:microsoft.com/office/officeart/2005/8/layout/orgChart1"/>
     <dgm:cxn modelId="{C843F263-8589-4C5F-87E1-4D48853767B2}" type="presOf" srcId="{14C54D07-6BE3-46ED-A8CE-BD4AC01741E7}" destId="{284467A8-D85A-4A71-BB5D-1D096A8BE6A7}" srcOrd="1" destOrd="0" presId="urn:microsoft.com/office/officeart/2005/8/layout/orgChart1"/>
     <dgm:cxn modelId="{EB113B44-3E5B-4B59-9C23-1A564A9393DD}" type="presOf" srcId="{D63850CD-D285-4B8B-A041-A30663045B54}" destId="{D14B9CEB-A434-46D9-B072-83E5B543B618}" srcOrd="0" destOrd="0" presId="urn:microsoft.com/office/officeart/2005/8/layout/orgChart1"/>
     <dgm:cxn modelId="{85ABAB44-6826-48D3-B2FA-7A24CB6553C7}" srcId="{D58C7432-1B3C-4FB1-8475-C26464EF9732}" destId="{49D4CFFA-EA9B-41DC-A86A-F6653CA460F3}" srcOrd="2" destOrd="0" parTransId="{0EF6A092-CA57-4A6F-9500-07B8E86B1E0E}" sibTransId="{3AA4EAC6-EF30-488D-89A9-E220775E8EA1}"/>
     <dgm:cxn modelId="{146CA165-2C0D-490F-A31E-C6CB8D982C32}" type="presOf" srcId="{370C8520-C4A5-434F-99AA-E863697B46BE}" destId="{34308C2D-BDAB-4A34-8E20-5334A64E0E62}" srcOrd="0" destOrd="0" presId="urn:microsoft.com/office/officeart/2005/8/layout/orgChart1"/>
     <dgm:cxn modelId="{DAA63149-AB28-4CA6-BEA7-F6AC6B8A8447}" type="presOf" srcId="{99A21E44-63BF-4B50-BC57-41BA959C218F}" destId="{579AC306-0AF3-4635-8A96-A5C5FD4A0A34}" srcOrd="0" destOrd="0" presId="urn:microsoft.com/office/officeart/2005/8/layout/orgChart1"/>
-    <dgm:cxn modelId="{F11B8869-366C-4F3D-A80A-5A0B4A3A34D9}" type="presOf" srcId="{3C2B3DB4-B5A6-4612-AC15-339BB75FF195}" destId="{423A34ED-FA61-4A5B-8933-0426407DD4F6}" srcOrd="0" destOrd="0" presId="urn:microsoft.com/office/officeart/2005/8/layout/orgChart1"/>
     <dgm:cxn modelId="{A349EC4A-175C-494B-B9C6-7B0BDFE914B6}" srcId="{0FE60EA5-F27B-4D66-A310-805839B4A2B8}" destId="{4CE1D37D-E3D9-46CE-9F15-73E035EBB292}" srcOrd="1" destOrd="0" parTransId="{CB61135D-A773-42C0-9719-B6857743F9A1}" sibTransId="{FD581785-BC51-44F6-BBFE-DB61BB606691}"/>
     <dgm:cxn modelId="{C2AB9E4C-BAA3-4E1C-9426-CC2ACF3EA416}" type="presOf" srcId="{0F8DEDD2-70B3-47B0-A0E2-AB182325882E}" destId="{B09AF9A2-BE76-4ED6-845F-BCBB528DD536}" srcOrd="0" destOrd="0" presId="urn:microsoft.com/office/officeart/2005/8/layout/orgChart1"/>
+    <dgm:cxn modelId="{624EE04D-0DAF-4DAF-B91F-7B3C560BE2BD}" srcId="{BFA828E1-96E1-474E-9516-08114FF60910}" destId="{48ED9427-8296-439D-BAFE-B05B79263786}" srcOrd="0" destOrd="0" parTransId="{5BF48C04-98BE-4CFF-AC35-FBEB7F6B57CE}" sibTransId="{B40879FD-A7CD-48D9-B878-CB360C4ADDA3}"/>
     <dgm:cxn modelId="{A7BC954F-0409-45D1-A3EC-FB18030529F7}" type="presOf" srcId="{9066FE75-5CBE-403D-86A8-17BCC45966E9}" destId="{C1AC98A2-EFAA-4528-9161-76FB6A7A6A09}" srcOrd="0" destOrd="0" presId="urn:microsoft.com/office/officeart/2005/8/layout/orgChart1"/>
     <dgm:cxn modelId="{72A56971-450D-4544-9179-55E8F2FF4D68}" type="presOf" srcId="{3C477E65-C440-49E0-A840-EA8767BEF98A}" destId="{32436158-765D-46F1-B1E3-CAC95ACF5D46}" srcOrd="1" destOrd="0" presId="urn:microsoft.com/office/officeart/2005/8/layout/orgChart1"/>
     <dgm:cxn modelId="{49E28C51-F1B3-4952-AFDB-22D229C84E26}" srcId="{0FE60EA5-F27B-4D66-A310-805839B4A2B8}" destId="{037CEC80-329F-4DF3-9244-CB9D6ACE4BBF}" srcOrd="2" destOrd="0" parTransId="{AEAD1AF6-2DA3-432E-BFB0-29E59E7318BA}" sibTransId="{6C19E18F-20FD-480B-B68A-AFE6B3B9489E}"/>
@@ -8804,10 +9357,12 @@
     <dgm:cxn modelId="{DE5E5C77-4752-468B-BEDD-B5012ABF871C}" srcId="{0FE60EA5-F27B-4D66-A310-805839B4A2B8}" destId="{AB85A76F-D506-4F99-BEAE-EAB9205F08AE}" srcOrd="0" destOrd="0" parTransId="{81FB47F7-4AA4-4E54-B834-FBD8A967287D}" sibTransId="{5A7235A5-6C8D-43B9-852B-8203E1B9CDD9}"/>
     <dgm:cxn modelId="{71C4717C-054A-4599-83A8-95656A4BB35A}" type="presOf" srcId="{D0F0D0D2-1531-4D92-84D5-F153F358D999}" destId="{3A72A390-656F-4FB5-A2CA-7F0F9F9F1ED2}" srcOrd="1" destOrd="0" presId="urn:microsoft.com/office/officeart/2005/8/layout/orgChart1"/>
     <dgm:cxn modelId="{9355347D-65A0-4DCA-928D-67051FCF8202}" type="presOf" srcId="{A2F96340-25A1-4B27-B742-88D15560F07A}" destId="{099F8471-01AF-4501-9390-232C1655A9B5}" srcOrd="0" destOrd="0" presId="urn:microsoft.com/office/officeart/2005/8/layout/orgChart1"/>
+    <dgm:cxn modelId="{A1A1557D-8A62-4D52-99A8-4A886FF26683}" type="presOf" srcId="{D1E9A986-26AB-4C1E-BC3A-8CB77AC1AF39}" destId="{9D1488FC-1461-4E65-AC47-8FC444FA5E56}" srcOrd="1" destOrd="0" presId="urn:microsoft.com/office/officeart/2005/8/layout/orgChart1"/>
     <dgm:cxn modelId="{0F08DC7D-AB30-4BBA-ADE0-DC342E3489BC}" type="presOf" srcId="{229F53CA-CE2F-4B27-993B-7860C240BE42}" destId="{30AFD974-A125-4020-B7AF-F6637694BFBD}" srcOrd="1" destOrd="0" presId="urn:microsoft.com/office/officeart/2005/8/layout/orgChart1"/>
     <dgm:cxn modelId="{0C6E477E-8A92-440A-A8FE-48ECAAE78D18}" type="presOf" srcId="{41D09789-C4A9-49D7-9F0E-47F378274320}" destId="{0963B401-F43D-4C83-8AE8-04D4B44FDF55}" srcOrd="0" destOrd="0" presId="urn:microsoft.com/office/officeart/2005/8/layout/orgChart1"/>
     <dgm:cxn modelId="{A1A04182-B5C5-4F0E-ABBE-D519A60D306D}" type="presOf" srcId="{43C7D618-BC86-42B0-9AED-A3129E234885}" destId="{969888B5-B731-4578-9FAF-15CAA7A68751}" srcOrd="0" destOrd="0" presId="urn:microsoft.com/office/officeart/2005/8/layout/orgChart1"/>
     <dgm:cxn modelId="{5F40B483-1881-4714-9B75-7CCAFFB60A48}" type="presOf" srcId="{B6F94948-EC84-46A6-96F7-E99033BFA262}" destId="{7E07E0ED-F013-4727-8FF3-4357D53EE1C6}" srcOrd="0" destOrd="0" presId="urn:microsoft.com/office/officeart/2005/8/layout/orgChart1"/>
+    <dgm:cxn modelId="{CFDCCB84-C153-47FE-BE50-DD1D8213C7A8}" type="presOf" srcId="{48ED9427-8296-439D-BAFE-B05B79263786}" destId="{8A0DE7B7-F021-49EE-AF99-C6B131977E15}" srcOrd="1" destOrd="0" presId="urn:microsoft.com/office/officeart/2005/8/layout/orgChart1"/>
     <dgm:cxn modelId="{908ECA85-FD3A-4973-9DA5-D457515C7CE1}" type="presOf" srcId="{2BFEE2CB-5F22-4FDF-BD57-062947820CC0}" destId="{E464E29E-5E3A-41E0-8833-679AB60538BA}" srcOrd="1" destOrd="0" presId="urn:microsoft.com/office/officeart/2005/8/layout/orgChart1"/>
     <dgm:cxn modelId="{A481B18B-04D4-49FA-B9A7-1A5F9B4A08CC}" type="presOf" srcId="{C66F088F-3ED6-4440-B25F-05CAFFEF8099}" destId="{937D1D20-A65B-4AB2-B954-22902CA87865}" srcOrd="1" destOrd="0" presId="urn:microsoft.com/office/officeart/2005/8/layout/orgChart1"/>
     <dgm:cxn modelId="{EB88B18B-84B1-44A4-B059-EF39B832D298}" type="presOf" srcId="{2BFA1704-BCBE-42F4-95C5-369552D12ED4}" destId="{B7D1B93A-A753-4AB7-B285-13A40D2EB05E}" srcOrd="1" destOrd="0" presId="urn:microsoft.com/office/officeart/2005/8/layout/orgChart1"/>
@@ -8817,7 +9372,8 @@
     <dgm:cxn modelId="{305D2890-2FCE-412A-906F-71E142B02C7C}" type="presOf" srcId="{B6F94948-EC84-46A6-96F7-E99033BFA262}" destId="{9FAC1EB9-4B66-4966-B751-B294C5F5EB01}" srcOrd="1" destOrd="0" presId="urn:microsoft.com/office/officeart/2005/8/layout/orgChart1"/>
     <dgm:cxn modelId="{79BC8E90-7F2A-40B1-BA83-B6B460AAB428}" type="presOf" srcId="{827BE246-D062-4ADF-89AA-906004290895}" destId="{4243E2B2-3D53-442B-90C5-1C5AA6E20211}" srcOrd="1" destOrd="0" presId="urn:microsoft.com/office/officeart/2005/8/layout/orgChart1"/>
     <dgm:cxn modelId="{5BDBA190-C2B8-4047-98F5-786FD03DD8FA}" type="presOf" srcId="{F7B81022-8347-47A6-B44F-735753C68B56}" destId="{1A28339E-762C-4E41-9E8F-9C570A3EFBBD}" srcOrd="1" destOrd="0" presId="urn:microsoft.com/office/officeart/2005/8/layout/orgChart1"/>
-    <dgm:cxn modelId="{FCC4D191-3D84-4BE9-8005-3D21A5B706BE}" srcId="{08AA737A-AC1A-42B7-B21A-F1D23399927B}" destId="{B6F94948-EC84-46A6-96F7-E99033BFA262}" srcOrd="4" destOrd="0" parTransId="{99A21E44-63BF-4B50-BC57-41BA959C218F}" sibTransId="{F0777F1B-EB23-464C-81AC-AB2E9795D0C5}"/>
+    <dgm:cxn modelId="{FCC4D191-3D84-4BE9-8005-3D21A5B706BE}" srcId="{08AA737A-AC1A-42B7-B21A-F1D23399927B}" destId="{B6F94948-EC84-46A6-96F7-E99033BFA262}" srcOrd="5" destOrd="0" parTransId="{99A21E44-63BF-4B50-BC57-41BA959C218F}" sibTransId="{F0777F1B-EB23-464C-81AC-AB2E9795D0C5}"/>
+    <dgm:cxn modelId="{636FE191-58F6-424E-900C-87BA4E4A795B}" srcId="{BFA828E1-96E1-474E-9516-08114FF60910}" destId="{F870B77C-683A-454D-A6D9-10EBFBFA32FD}" srcOrd="2" destOrd="0" parTransId="{2AD63988-1BC1-4FD2-A0A9-E6C01E835064}" sibTransId="{8FF9213A-5022-4D73-BF5E-C72B7CCC26D4}"/>
     <dgm:cxn modelId="{B524D996-A9DD-49C5-88B0-9E95405BC791}" srcId="{6EFEF1C0-91F6-4365-8860-BEC0B3E6B778}" destId="{CAB7F643-EC64-4E1D-ABAC-AC19FC511F04}" srcOrd="0" destOrd="0" parTransId="{0DCFCF09-CF5C-4DCA-B7A0-4A2621A7E248}" sibTransId="{7D9F5AA5-9D3C-46B5-9ED1-67AD8959895B}"/>
     <dgm:cxn modelId="{8FB0A49A-1930-4274-9FEA-8DABF4C64903}" type="presOf" srcId="{2BFA1704-BCBE-42F4-95C5-369552D12ED4}" destId="{0D60E8B7-81CE-4334-BD72-CB667F102F93}" srcOrd="0" destOrd="0" presId="urn:microsoft.com/office/officeart/2005/8/layout/orgChart1"/>
     <dgm:cxn modelId="{154C509B-D545-4F2A-8151-1E3D7E097920}" type="presOf" srcId="{24687E23-5753-44AD-8E41-708A7C85E7E0}" destId="{701A9190-1F3D-4777-ABF5-033337BD5E2D}" srcOrd="1" destOrd="0" presId="urn:microsoft.com/office/officeart/2005/8/layout/orgChart1"/>
@@ -8833,28 +9389,30 @@
     <dgm:cxn modelId="{CE3FFFA5-7065-4C32-BFB6-9762267EA6D4}" type="presOf" srcId="{229F53CA-CE2F-4B27-993B-7860C240BE42}" destId="{FEE279DF-ECA0-41C8-97F6-05A6A28DB205}" srcOrd="0" destOrd="0" presId="urn:microsoft.com/office/officeart/2005/8/layout/orgChart1"/>
     <dgm:cxn modelId="{9F3B29A6-7ABE-443D-BE78-56B49B7906A7}" type="presOf" srcId="{0EF6A092-CA57-4A6F-9500-07B8E86B1E0E}" destId="{DA9D4BAA-3C91-4628-838F-2D5F3693A535}" srcOrd="0" destOrd="0" presId="urn:microsoft.com/office/officeart/2005/8/layout/orgChart1"/>
     <dgm:cxn modelId="{621C68A6-7672-431F-9B35-5150D2AD5DEF}" type="presOf" srcId="{E47503DD-6147-4C75-9CFF-067611C0A4B3}" destId="{DD52474C-4982-4AF8-AF52-14336EAB4AD5}" srcOrd="0" destOrd="0" presId="urn:microsoft.com/office/officeart/2005/8/layout/orgChart1"/>
-    <dgm:cxn modelId="{91F66EA6-6D8A-4AFB-A2BB-D4A2C582B5A1}" type="presOf" srcId="{3C2B3DB4-B5A6-4612-AC15-339BB75FF195}" destId="{7ABE8729-1DE3-4E8A-8D61-F5B3C547D721}" srcOrd="1" destOrd="0" presId="urn:microsoft.com/office/officeart/2005/8/layout/orgChart1"/>
     <dgm:cxn modelId="{030E7DA7-D19F-4D48-AA3D-2FE91513DAA4}" type="presOf" srcId="{2CD079D0-EE0E-4B5C-B658-F1C2AAC311E5}" destId="{48D45FE3-25E3-49CE-97B1-4F90D0F0D591}" srcOrd="0" destOrd="0" presId="urn:microsoft.com/office/officeart/2005/8/layout/orgChart1"/>
     <dgm:cxn modelId="{66D21EA8-68C0-4F38-BD45-EA256DF7C46B}" type="presOf" srcId="{D0F0D0D2-1531-4D92-84D5-F153F358D999}" destId="{F80E2F2E-C22A-4570-BF97-D25812DCD364}" srcOrd="0" destOrd="0" presId="urn:microsoft.com/office/officeart/2005/8/layout/orgChart1"/>
     <dgm:cxn modelId="{8E5C9AAA-5284-49FB-88C4-5B9AEA268901}" srcId="{14C54D07-6BE3-46ED-A8CE-BD4AC01741E7}" destId="{30D8CFC2-0A55-403B-97D0-40669A2DE377}" srcOrd="1" destOrd="0" parTransId="{2AA9120B-2A12-4DD4-B448-8F32F1045F7E}" sibTransId="{257BBC58-0A7D-4EA2-879C-1E34CBDD602D}"/>
     <dgm:cxn modelId="{1015FCAA-59C5-4264-BFAA-C60CC8A2066B}" type="presOf" srcId="{3C477E65-C440-49E0-A840-EA8767BEF98A}" destId="{7CB443AB-71DB-4233-B77E-FDD90192D12E}" srcOrd="0" destOrd="0" presId="urn:microsoft.com/office/officeart/2005/8/layout/orgChart1"/>
     <dgm:cxn modelId="{3B6A00AB-38B6-40EE-B07C-AE0E069A6DB2}" type="presOf" srcId="{D58C7432-1B3C-4FB1-8475-C26464EF9732}" destId="{45316B33-FF0B-4423-B6E3-9A834794602B}" srcOrd="1" destOrd="0" presId="urn:microsoft.com/office/officeart/2005/8/layout/orgChart1"/>
+    <dgm:cxn modelId="{3AE265AB-3D7D-4D7B-8EC0-1011FB415B25}" type="presOf" srcId="{48ED9427-8296-439D-BAFE-B05B79263786}" destId="{6E28D30B-D0B3-4DB2-97DD-DB637782A77C}" srcOrd="0" destOrd="0" presId="urn:microsoft.com/office/officeart/2005/8/layout/orgChart1"/>
     <dgm:cxn modelId="{792D1DAD-1B02-4CB5-96F8-0C2A95608ECA}" type="presOf" srcId="{3C729996-EE0D-4593-B271-EE42AF1ABAAF}" destId="{2C765269-E4F2-4548-9DFB-3647DFFF21C7}" srcOrd="0" destOrd="0" presId="urn:microsoft.com/office/officeart/2005/8/layout/orgChart1"/>
     <dgm:cxn modelId="{5CBD66AF-EAB2-4DDB-9A90-4009CB648868}" type="presOf" srcId="{30D8CFC2-0A55-403B-97D0-40669A2DE377}" destId="{F04FD56A-93DE-44B4-9094-6DED80169386}" srcOrd="0" destOrd="0" presId="urn:microsoft.com/office/officeart/2005/8/layout/orgChart1"/>
     <dgm:cxn modelId="{B87F85AF-7ECC-4475-8C44-E9924E613BCC}" type="presOf" srcId="{39F95ACE-4929-45BD-8CE1-5553F0AEE964}" destId="{46A3F505-B568-4C2E-8297-8CFF130D4924}" srcOrd="0" destOrd="0" presId="urn:microsoft.com/office/officeart/2005/8/layout/orgChart1"/>
+    <dgm:cxn modelId="{755E9FB1-BD31-4E15-9A36-006B55EFDE83}" type="presOf" srcId="{68B1ACB7-1EDF-4B03-A739-8088632C1A5C}" destId="{349F4192-013B-4301-B2AA-FEAAA3C9F9C6}" srcOrd="0" destOrd="0" presId="urn:microsoft.com/office/officeart/2005/8/layout/orgChart1"/>
     <dgm:cxn modelId="{761E1BB2-C1BF-4EA0-AAFA-1E5B143033B8}" srcId="{14C54D07-6BE3-46ED-A8CE-BD4AC01741E7}" destId="{08AA737A-AC1A-42B7-B21A-F1D23399927B}" srcOrd="2" destOrd="0" parTransId="{F649FBA5-5222-4E22-9127-E55A087A8319}" sibTransId="{13414993-015A-4178-AB9A-C343657B6F70}"/>
     <dgm:cxn modelId="{375670B2-F5AE-4E6A-805F-0087E1CB9ECC}" srcId="{AC70A55C-4248-47F6-AE18-CE329765F88F}" destId="{2BFA1704-BCBE-42F4-95C5-369552D12ED4}" srcOrd="0" destOrd="0" parTransId="{2CD079D0-EE0E-4B5C-B658-F1C2AAC311E5}" sibTransId="{18060589-6D61-45C0-9B3C-F491DBB3D8B0}"/>
     <dgm:cxn modelId="{F219E5B3-00C4-46B7-B00A-1C2111DB11E9}" type="presOf" srcId="{2AA9120B-2A12-4DD4-B448-8F32F1045F7E}" destId="{89CED1F6-B6DD-42CA-9A0C-9C286BBA047D}" srcOrd="0" destOrd="0" presId="urn:microsoft.com/office/officeart/2005/8/layout/orgChart1"/>
     <dgm:cxn modelId="{6C3013B4-04AD-4AAA-83B5-E36CDAE36D85}" type="presOf" srcId="{CAB7F643-EC64-4E1D-ABAC-AC19FC511F04}" destId="{12D4890D-9E71-4499-98F1-4B128C7CEB7D}" srcOrd="1" destOrd="0" presId="urn:microsoft.com/office/officeart/2005/8/layout/orgChart1"/>
     <dgm:cxn modelId="{D545A6B6-B2A8-4E58-A5A7-C4C4A52EAE9C}" type="presOf" srcId="{6F8DADB6-4501-4E19-9AD0-2D9348F2D58A}" destId="{856DDE7D-4D3E-41A5-952A-582351B53F0A}" srcOrd="0" destOrd="0" presId="urn:microsoft.com/office/officeart/2005/8/layout/orgChart1"/>
-    <dgm:cxn modelId="{0B6DCAB8-157D-48EE-9527-34529FB19B25}" srcId="{229F53CA-CE2F-4B27-993B-7860C240BE42}" destId="{3C2B3DB4-B5A6-4612-AC15-339BB75FF195}" srcOrd="1" destOrd="0" parTransId="{A8B0E134-CF2C-47A5-9438-5A4CD7CF106D}" sibTransId="{60DC626E-2E4A-4D92-918D-6DE5E6687F1A}"/>
     <dgm:cxn modelId="{21C0F3BC-C273-48AF-AA02-6E930EF4AC48}" type="presOf" srcId="{6EFEF1C0-91F6-4365-8860-BEC0B3E6B778}" destId="{C914D51E-8FF1-4EE3-9259-68394D1F2436}" srcOrd="1" destOrd="0" presId="urn:microsoft.com/office/officeart/2005/8/layout/orgChart1"/>
-    <dgm:cxn modelId="{B51B37BE-BFF7-49A3-9181-7D227A64EF65}" srcId="{229F53CA-CE2F-4B27-993B-7860C240BE42}" destId="{0CB7CC32-12CB-425B-ACD2-D094524CC089}" srcOrd="3" destOrd="0" parTransId="{DC76F711-DCBF-4F7E-B8AA-D06086FD8174}" sibTransId="{6B938542-202E-4D9B-8D89-768708C92113}"/>
+    <dgm:cxn modelId="{B51B37BE-BFF7-49A3-9181-7D227A64EF65}" srcId="{229F53CA-CE2F-4B27-993B-7860C240BE42}" destId="{0CB7CC32-12CB-425B-ACD2-D094524CC089}" srcOrd="2" destOrd="0" parTransId="{DC76F711-DCBF-4F7E-B8AA-D06086FD8174}" sibTransId="{6B938542-202E-4D9B-8D89-768708C92113}"/>
+    <dgm:cxn modelId="{1D7E53C3-4E67-4CCB-9A3F-D309B04C16EB}" type="presOf" srcId="{5BF48C04-98BE-4CFF-AC35-FBEB7F6B57CE}" destId="{3D199254-6945-44BA-A49C-D5F8E7C52839}" srcOrd="0" destOrd="0" presId="urn:microsoft.com/office/officeart/2005/8/layout/orgChart1"/>
     <dgm:cxn modelId="{6F09BBC6-77A3-4AF0-BB2D-611B34CD4B2D}" type="presOf" srcId="{607B5390-D1D4-4C8E-877D-41DB87C6ECB8}" destId="{2E266598-1396-4AC1-8269-D9507E05FCE5}" srcOrd="1" destOrd="0" presId="urn:microsoft.com/office/officeart/2005/8/layout/orgChart1"/>
     <dgm:cxn modelId="{1C15CBC6-AEF8-4B96-AACB-07697C2D0C11}" type="presOf" srcId="{08AA737A-AC1A-42B7-B21A-F1D23399927B}" destId="{7F970893-A537-41F4-A7D6-0B6E89BCBC64}" srcOrd="0" destOrd="0" presId="urn:microsoft.com/office/officeart/2005/8/layout/orgChart1"/>
     <dgm:cxn modelId="{378270C7-D0DE-4000-B59E-A4D8E462BB07}" type="presOf" srcId="{0FE60EA5-F27B-4D66-A310-805839B4A2B8}" destId="{223526FF-CCBF-4717-B165-BD13A71C4659}" srcOrd="0" destOrd="0" presId="urn:microsoft.com/office/officeart/2005/8/layout/orgChart1"/>
     <dgm:cxn modelId="{27253CC8-19BD-4546-9213-8FD9C3D43F23}" type="presOf" srcId="{0DCFCF09-CF5C-4DCA-B7A0-4A2621A7E248}" destId="{83EC27AC-5822-41D5-BBA1-342C2C7ABF63}" srcOrd="0" destOrd="0" presId="urn:microsoft.com/office/officeart/2005/8/layout/orgChart1"/>
     <dgm:cxn modelId="{306AAFCB-D6D5-4D48-A34A-EFD6F47A105E}" type="presOf" srcId="{F4F59C07-BD85-420D-A4FD-7BD6742237B9}" destId="{C0FA82FC-E633-4D81-8475-765BBA6B5483}" srcOrd="0" destOrd="0" presId="urn:microsoft.com/office/officeart/2005/8/layout/orgChart1"/>
+    <dgm:cxn modelId="{8DF6C2CC-2691-4644-B654-11C4FF9BF0A1}" type="presOf" srcId="{BFA828E1-96E1-474E-9516-08114FF60910}" destId="{3AA1AFAA-9B84-47D6-8C1E-D2B6D3824AC3}" srcOrd="0" destOrd="0" presId="urn:microsoft.com/office/officeart/2005/8/layout/orgChart1"/>
     <dgm:cxn modelId="{6B528FCE-8EE1-4D9F-8A7E-B57EE736F4D4}" type="presOf" srcId="{F649FBA5-5222-4E22-9127-E55A087A8319}" destId="{841364AE-F0AC-49D2-BF7F-A1D34CAB17EA}" srcOrd="0" destOrd="0" presId="urn:microsoft.com/office/officeart/2005/8/layout/orgChart1"/>
     <dgm:cxn modelId="{DA5F07D0-6723-446E-8F33-F4A05AEDDD03}" type="presOf" srcId="{C66F088F-3ED6-4440-B25F-05CAFFEF8099}" destId="{0C411FE4-55D1-4BFF-9809-0850BDDC3921}" srcOrd="0" destOrd="0" presId="urn:microsoft.com/office/officeart/2005/8/layout/orgChart1"/>
     <dgm:cxn modelId="{7648D8D0-D903-4028-81B4-77B5EB574AAE}" type="presOf" srcId="{F0BE88BC-C6B6-4435-BED7-473EF9E985C1}" destId="{720ED4F4-5AEE-4B8B-BCB4-B3610F212AE7}" srcOrd="0" destOrd="0" presId="urn:microsoft.com/office/officeart/2005/8/layout/orgChart1"/>
@@ -8875,15 +9433,18 @@
     <dgm:cxn modelId="{84175CEF-EFDA-4B19-BBC7-0C43BE645FDE}" srcId="{229F53CA-CE2F-4B27-993B-7860C240BE42}" destId="{3C477E65-C440-49E0-A840-EA8767BEF98A}" srcOrd="0" destOrd="0" parTransId="{3D6CAC12-1A4E-4B1E-A36D-C66968059834}" sibTransId="{AA053673-41FB-49B3-9EEE-0A9CD26FD97B}"/>
     <dgm:cxn modelId="{9C379EEF-B5A5-4803-AF16-01D996C95F14}" srcId="{0DF183E1-F599-46C3-8959-FFE9D5A5DD0F}" destId="{9066FE75-5CBE-403D-86A8-17BCC45966E9}" srcOrd="0" destOrd="0" parTransId="{2637244C-30C6-4599-99CA-D5BD1BB064F3}" sibTransId="{00E10D41-1622-4EC6-B678-6777CC8133B5}"/>
     <dgm:cxn modelId="{9C553DF1-D7D2-43D6-A113-ADD909F6EC44}" srcId="{91A19D2E-7DE4-4F89-959C-B67FAD5E3707}" destId="{14C54D07-6BE3-46ED-A8CE-BD4AC01741E7}" srcOrd="0" destOrd="0" parTransId="{25205B7D-DBFE-485A-A328-38A8521893C0}" sibTransId="{B245693F-1F5E-48F6-BD81-C6A6BBFA55FC}"/>
-    <dgm:cxn modelId="{F03BB3F1-8EC0-45ED-8E8F-B1EC914FC999}" srcId="{229F53CA-CE2F-4B27-993B-7860C240BE42}" destId="{827BE246-D062-4ADF-89AA-906004290895}" srcOrd="2" destOrd="0" parTransId="{41D09789-C4A9-49D7-9F0E-47F378274320}" sibTransId="{ADA9D5B6-DDDC-4AC7-876E-4C4FE69329F4}"/>
+    <dgm:cxn modelId="{F03BB3F1-8EC0-45ED-8E8F-B1EC914FC999}" srcId="{229F53CA-CE2F-4B27-993B-7860C240BE42}" destId="{827BE246-D062-4ADF-89AA-906004290895}" srcOrd="1" destOrd="0" parTransId="{41D09789-C4A9-49D7-9F0E-47F378274320}" sibTransId="{ADA9D5B6-DDDC-4AC7-876E-4C4FE69329F4}"/>
     <dgm:cxn modelId="{2BBF4CF2-F7C6-4892-924C-1BF7265C27B7}" type="presOf" srcId="{2637244C-30C6-4599-99CA-D5BD1BB064F3}" destId="{5DD78F78-92C6-4875-B564-9710510B53D0}" srcOrd="0" destOrd="0" presId="urn:microsoft.com/office/officeart/2005/8/layout/orgChart1"/>
     <dgm:cxn modelId="{EE8B18F7-3070-4DFC-9E7F-78BE98F2848E}" srcId="{D58C7432-1B3C-4FB1-8475-C26464EF9732}" destId="{5D3CA10F-476E-4B69-8403-B4BEFC56F59D}" srcOrd="0" destOrd="0" parTransId="{39F95ACE-4929-45BD-8CE1-5553F0AEE964}" sibTransId="{F8561420-EFB6-45F0-9AB5-386985A7CD57}"/>
     <dgm:cxn modelId="{DF5359F7-D79F-4086-8306-108D703C7B91}" type="presOf" srcId="{14C54D07-6BE3-46ED-A8CE-BD4AC01741E7}" destId="{DD18004B-7CF5-4F58-986C-CC75F9413449}" srcOrd="0" destOrd="0" presId="urn:microsoft.com/office/officeart/2005/8/layout/orgChart1"/>
+    <dgm:cxn modelId="{82C822F8-0352-471A-9FC5-FF599C99C624}" type="presOf" srcId="{2AD63988-1BC1-4FD2-A0A9-E6C01E835064}" destId="{0D389016-0444-4496-B867-AF03FB15CCED}" srcOrd="0" destOrd="0" presId="urn:microsoft.com/office/officeart/2005/8/layout/orgChart1"/>
     <dgm:cxn modelId="{FFBBCAF8-DEAD-4355-8C79-B8A207AD1B78}" type="presOf" srcId="{29E92A18-2006-4A5B-B56B-57D9AD90937F}" destId="{CD678167-6470-4F43-9C2D-37952995E67B}" srcOrd="0" destOrd="0" presId="urn:microsoft.com/office/officeart/2005/8/layout/orgChart1"/>
     <dgm:cxn modelId="{75581BFA-125A-4259-92C5-89B30E8328D1}" type="presOf" srcId="{827BE246-D062-4ADF-89AA-906004290895}" destId="{6F0BA756-41FE-4AE0-BDCB-8592043CAC32}" srcOrd="0" destOrd="0" presId="urn:microsoft.com/office/officeart/2005/8/layout/orgChart1"/>
     <dgm:cxn modelId="{256856FC-DD67-43A3-88C1-9C737BE93757}" srcId="{0DF183E1-F599-46C3-8959-FFE9D5A5DD0F}" destId="{370C8520-C4A5-434F-99AA-E863697B46BE}" srcOrd="4" destOrd="0" parTransId="{E47503DD-6147-4C75-9CFF-067611C0A4B3}" sibTransId="{11FF0565-D7A3-4384-BEE8-AD0D2FA296FB}"/>
-    <dgm:cxn modelId="{CD8B84FC-CFD3-46E8-94DC-761B249BD0D4}" srcId="{08AA737A-AC1A-42B7-B21A-F1D23399927B}" destId="{7585FE78-FCDA-4796-B840-E0BE5D67EED2}" srcOrd="3" destOrd="0" parTransId="{0F8DEDD2-70B3-47B0-A0E2-AB182325882E}" sibTransId="{DC9EE11B-57AC-423B-9591-AA418F16A86D}"/>
+    <dgm:cxn modelId="{CD8B84FC-CFD3-46E8-94DC-761B249BD0D4}" srcId="{08AA737A-AC1A-42B7-B21A-F1D23399927B}" destId="{7585FE78-FCDA-4796-B840-E0BE5D67EED2}" srcOrd="4" destOrd="0" parTransId="{0F8DEDD2-70B3-47B0-A0E2-AB182325882E}" sibTransId="{DC9EE11B-57AC-423B-9591-AA418F16A86D}"/>
+    <dgm:cxn modelId="{DD2C40FD-A1D7-44E2-998A-DEB276B03651}" type="presOf" srcId="{D1E9A986-26AB-4C1E-BC3A-8CB77AC1AF39}" destId="{800D632A-7C9C-4C5A-A529-9F1B3162EB3F}" srcOrd="0" destOrd="0" presId="urn:microsoft.com/office/officeart/2005/8/layout/orgChart1"/>
     <dgm:cxn modelId="{967C5CFE-CCD9-45A4-8C72-3B895EA12271}" type="presOf" srcId="{DC76F711-DCBF-4F7E-B8AA-D06086FD8174}" destId="{A58DF403-F687-4101-9AF9-E5F501EA76F9}" srcOrd="0" destOrd="0" presId="urn:microsoft.com/office/officeart/2005/8/layout/orgChart1"/>
+    <dgm:cxn modelId="{C43BC4FF-E4CD-4D97-BCB8-EF605FB2A528}" srcId="{08AA737A-AC1A-42B7-B21A-F1D23399927B}" destId="{BFA828E1-96E1-474E-9516-08114FF60910}" srcOrd="2" destOrd="0" parTransId="{01A92456-CF2A-446E-9A51-B120E77DD8E1}" sibTransId="{26111A62-2C2E-4C1B-86E7-6E31A8659A48}"/>
     <dgm:cxn modelId="{CA7E4C35-534A-4CBC-A998-3595E4055A51}" type="presParOf" srcId="{C820771B-9B0F-4493-BF10-C593623B60AC}" destId="{2D3B0851-6C3B-4BC3-92A2-D4B8B8479143}" srcOrd="0" destOrd="0" presId="urn:microsoft.com/office/officeart/2005/8/layout/orgChart1"/>
     <dgm:cxn modelId="{2ABA20FA-DBC5-4D1E-8975-9A051F0A39FD}" type="presParOf" srcId="{2D3B0851-6C3B-4BC3-92A2-D4B8B8479143}" destId="{506B3EC4-EFE6-4BF3-AEE0-6C5B5CD4464E}" srcOrd="0" destOrd="0" presId="urn:microsoft.com/office/officeart/2005/8/layout/orgChart1"/>
     <dgm:cxn modelId="{FE1BA507-0719-4F4D-8DBE-356D8F0C3ABD}" type="presParOf" srcId="{506B3EC4-EFE6-4BF3-AEE0-6C5B5CD4464E}" destId="{DD18004B-7CF5-4F58-986C-CC75F9413449}" srcOrd="0" destOrd="0" presId="urn:microsoft.com/office/officeart/2005/8/layout/orgChart1"/>
@@ -9027,37 +9588,58 @@
     <dgm:cxn modelId="{92439F77-B4F7-435F-B9B8-EC5CA4E68B90}" type="presParOf" srcId="{4C7EE1F2-205A-4D4D-8286-63E45C1D8C39}" destId="{32436158-765D-46F1-B1E3-CAC95ACF5D46}" srcOrd="1" destOrd="0" presId="urn:microsoft.com/office/officeart/2005/8/layout/orgChart1"/>
     <dgm:cxn modelId="{80E82EC7-2505-44B8-AD21-7358B4D8C438}" type="presParOf" srcId="{EBD2F4C2-EE92-462F-B22E-28D7F53FEE48}" destId="{D8B2BFB0-51DF-423D-B5C0-007EC46F3DB6}" srcOrd="1" destOrd="0" presId="urn:microsoft.com/office/officeart/2005/8/layout/orgChart1"/>
     <dgm:cxn modelId="{65F4DBB4-DDF2-4287-B489-E586367ED25F}" type="presParOf" srcId="{EBD2F4C2-EE92-462F-B22E-28D7F53FEE48}" destId="{0BF76799-9E85-474B-9713-013DA1E7D667}" srcOrd="2" destOrd="0" presId="urn:microsoft.com/office/officeart/2005/8/layout/orgChart1"/>
-    <dgm:cxn modelId="{011C9C85-FAED-4EB8-9CC5-C107A4E76A64}" type="presParOf" srcId="{214D9A98-484C-4B0F-A092-8985D4D525DE}" destId="{16E31BB5-BFDD-4AFE-844A-F299814D4AEB}" srcOrd="2" destOrd="0" presId="urn:microsoft.com/office/officeart/2005/8/layout/orgChart1"/>
-    <dgm:cxn modelId="{BDBF3F9B-998E-4CD1-8389-06CE64BEAED5}" type="presParOf" srcId="{214D9A98-484C-4B0F-A092-8985D4D525DE}" destId="{CBD4E736-F13E-4F8B-BDAB-E659BE153844}" srcOrd="3" destOrd="0" presId="urn:microsoft.com/office/officeart/2005/8/layout/orgChart1"/>
-    <dgm:cxn modelId="{1F5CEF50-B025-478E-8540-0251DC83A0FB}" type="presParOf" srcId="{CBD4E736-F13E-4F8B-BDAB-E659BE153844}" destId="{421E877D-AEB2-451A-B1EE-3137A09FE8EC}" srcOrd="0" destOrd="0" presId="urn:microsoft.com/office/officeart/2005/8/layout/orgChart1"/>
-    <dgm:cxn modelId="{D839BCD5-E217-47AA-8206-864C42B83097}" type="presParOf" srcId="{421E877D-AEB2-451A-B1EE-3137A09FE8EC}" destId="{423A34ED-FA61-4A5B-8933-0426407DD4F6}" srcOrd="0" destOrd="0" presId="urn:microsoft.com/office/officeart/2005/8/layout/orgChart1"/>
-    <dgm:cxn modelId="{1A54F1BD-A89F-4093-965B-A296DC8A930A}" type="presParOf" srcId="{421E877D-AEB2-451A-B1EE-3137A09FE8EC}" destId="{7ABE8729-1DE3-4E8A-8D61-F5B3C547D721}" srcOrd="1" destOrd="0" presId="urn:microsoft.com/office/officeart/2005/8/layout/orgChart1"/>
-    <dgm:cxn modelId="{98B36CEA-45CA-4CB6-A994-8FD07D9FE481}" type="presParOf" srcId="{CBD4E736-F13E-4F8B-BDAB-E659BE153844}" destId="{776E84C4-BB9F-4F89-9681-199FE583BA1C}" srcOrd="1" destOrd="0" presId="urn:microsoft.com/office/officeart/2005/8/layout/orgChart1"/>
-    <dgm:cxn modelId="{50472653-3C24-4BE4-8F5D-48B755A6C81D}" type="presParOf" srcId="{CBD4E736-F13E-4F8B-BDAB-E659BE153844}" destId="{896E28D3-3A10-40A5-AFDE-BCFEB6388742}" srcOrd="2" destOrd="0" presId="urn:microsoft.com/office/officeart/2005/8/layout/orgChart1"/>
-    <dgm:cxn modelId="{DBCA1459-090D-4D42-9B6A-E8A1D238A7D3}" type="presParOf" srcId="{214D9A98-484C-4B0F-A092-8985D4D525DE}" destId="{0963B401-F43D-4C83-8AE8-04D4B44FDF55}" srcOrd="4" destOrd="0" presId="urn:microsoft.com/office/officeart/2005/8/layout/orgChart1"/>
-    <dgm:cxn modelId="{9A1B4290-C666-4699-9D77-6170C720D7C0}" type="presParOf" srcId="{214D9A98-484C-4B0F-A092-8985D4D525DE}" destId="{E84B6426-A572-4CB0-B74F-A52CA51C7A59}" srcOrd="5" destOrd="0" presId="urn:microsoft.com/office/officeart/2005/8/layout/orgChart1"/>
+    <dgm:cxn modelId="{DBCA1459-090D-4D42-9B6A-E8A1D238A7D3}" type="presParOf" srcId="{214D9A98-484C-4B0F-A092-8985D4D525DE}" destId="{0963B401-F43D-4C83-8AE8-04D4B44FDF55}" srcOrd="2" destOrd="0" presId="urn:microsoft.com/office/officeart/2005/8/layout/orgChart1"/>
+    <dgm:cxn modelId="{9A1B4290-C666-4699-9D77-6170C720D7C0}" type="presParOf" srcId="{214D9A98-484C-4B0F-A092-8985D4D525DE}" destId="{E84B6426-A572-4CB0-B74F-A52CA51C7A59}" srcOrd="3" destOrd="0" presId="urn:microsoft.com/office/officeart/2005/8/layout/orgChart1"/>
     <dgm:cxn modelId="{D175E9E9-1978-4B9D-AA8C-48E0EBA78CF2}" type="presParOf" srcId="{E84B6426-A572-4CB0-B74F-A52CA51C7A59}" destId="{E8BCECCB-CCEC-4C23-91DB-0B7A76983763}" srcOrd="0" destOrd="0" presId="urn:microsoft.com/office/officeart/2005/8/layout/orgChart1"/>
     <dgm:cxn modelId="{760B0B5F-97AA-4FF8-B793-77CF70E9A602}" type="presParOf" srcId="{E8BCECCB-CCEC-4C23-91DB-0B7A76983763}" destId="{6F0BA756-41FE-4AE0-BDCB-8592043CAC32}" srcOrd="0" destOrd="0" presId="urn:microsoft.com/office/officeart/2005/8/layout/orgChart1"/>
     <dgm:cxn modelId="{066CF192-AFCC-4CB0-B164-BD6DECE9799F}" type="presParOf" srcId="{E8BCECCB-CCEC-4C23-91DB-0B7A76983763}" destId="{4243E2B2-3D53-442B-90C5-1C5AA6E20211}" srcOrd="1" destOrd="0" presId="urn:microsoft.com/office/officeart/2005/8/layout/orgChart1"/>
     <dgm:cxn modelId="{F8D42D3F-C277-454D-9E6E-07F38C073CCA}" type="presParOf" srcId="{E84B6426-A572-4CB0-B74F-A52CA51C7A59}" destId="{6CF8F7F2-AA00-4BC4-A4E5-41EEB9EF1BE3}" srcOrd="1" destOrd="0" presId="urn:microsoft.com/office/officeart/2005/8/layout/orgChart1"/>
     <dgm:cxn modelId="{040424B1-5CBD-401E-8D1F-F694DB2856F7}" type="presParOf" srcId="{E84B6426-A572-4CB0-B74F-A52CA51C7A59}" destId="{BE8226D7-6329-45A1-B838-F8F24ED33EFF}" srcOrd="2" destOrd="0" presId="urn:microsoft.com/office/officeart/2005/8/layout/orgChart1"/>
-    <dgm:cxn modelId="{6B6D0261-2869-409D-8EAF-271E1CC45CDF}" type="presParOf" srcId="{214D9A98-484C-4B0F-A092-8985D4D525DE}" destId="{A58DF403-F687-4101-9AF9-E5F501EA76F9}" srcOrd="6" destOrd="0" presId="urn:microsoft.com/office/officeart/2005/8/layout/orgChart1"/>
-    <dgm:cxn modelId="{92A8AFB6-10F8-49C4-AD61-4B19088E9B9E}" type="presParOf" srcId="{214D9A98-484C-4B0F-A092-8985D4D525DE}" destId="{6FCE469C-2973-43E4-8397-1F64B4FCF3AB}" srcOrd="7" destOrd="0" presId="urn:microsoft.com/office/officeart/2005/8/layout/orgChart1"/>
+    <dgm:cxn modelId="{6B6D0261-2869-409D-8EAF-271E1CC45CDF}" type="presParOf" srcId="{214D9A98-484C-4B0F-A092-8985D4D525DE}" destId="{A58DF403-F687-4101-9AF9-E5F501EA76F9}" srcOrd="4" destOrd="0" presId="urn:microsoft.com/office/officeart/2005/8/layout/orgChart1"/>
+    <dgm:cxn modelId="{92A8AFB6-10F8-49C4-AD61-4B19088E9B9E}" type="presParOf" srcId="{214D9A98-484C-4B0F-A092-8985D4D525DE}" destId="{6FCE469C-2973-43E4-8397-1F64B4FCF3AB}" srcOrd="5" destOrd="0" presId="urn:microsoft.com/office/officeart/2005/8/layout/orgChart1"/>
     <dgm:cxn modelId="{42A56973-0D20-42E5-9CFB-A0950D9FD101}" type="presParOf" srcId="{6FCE469C-2973-43E4-8397-1F64B4FCF3AB}" destId="{EC756F3C-E6F8-402E-B206-B890BF9B6416}" srcOrd="0" destOrd="0" presId="urn:microsoft.com/office/officeart/2005/8/layout/orgChart1"/>
     <dgm:cxn modelId="{D388C7E3-7D49-4695-A957-CAB6CDE54447}" type="presParOf" srcId="{EC756F3C-E6F8-402E-B206-B890BF9B6416}" destId="{C4236513-AE90-4DFC-AE46-E74B0CBA9F71}" srcOrd="0" destOrd="0" presId="urn:microsoft.com/office/officeart/2005/8/layout/orgChart1"/>
     <dgm:cxn modelId="{51E5D929-1D1C-49F0-AD9E-3D7AE95BA13E}" type="presParOf" srcId="{EC756F3C-E6F8-402E-B206-B890BF9B6416}" destId="{FDCD10A4-F1F2-4E01-8CAA-7B5A1D6594B2}" srcOrd="1" destOrd="0" presId="urn:microsoft.com/office/officeart/2005/8/layout/orgChart1"/>
     <dgm:cxn modelId="{712711EA-F01E-4BA6-9C51-21A8F62A2682}" type="presParOf" srcId="{6FCE469C-2973-43E4-8397-1F64B4FCF3AB}" destId="{0C43CD92-36B0-4D41-9364-754A80D02EFB}" srcOrd="1" destOrd="0" presId="urn:microsoft.com/office/officeart/2005/8/layout/orgChart1"/>
     <dgm:cxn modelId="{8285E58E-0C7C-4D86-93CE-E95FA8FE025B}" type="presParOf" srcId="{6FCE469C-2973-43E4-8397-1F64B4FCF3AB}" destId="{7ABB933E-6DA1-4707-BF5B-2159CC095E7F}" srcOrd="2" destOrd="0" presId="urn:microsoft.com/office/officeart/2005/8/layout/orgChart1"/>
-    <dgm:cxn modelId="{2507096A-6E9B-4AED-B11D-5C92FB207A70}" type="presParOf" srcId="{214D9A98-484C-4B0F-A092-8985D4D525DE}" destId="{2C765269-E4F2-4548-9DFB-3647DFFF21C7}" srcOrd="8" destOrd="0" presId="urn:microsoft.com/office/officeart/2005/8/layout/orgChart1"/>
-    <dgm:cxn modelId="{BAD970AF-A34F-4915-9BED-822F06FEB8BB}" type="presParOf" srcId="{214D9A98-484C-4B0F-A092-8985D4D525DE}" destId="{954E80BD-4058-4D8E-9B20-9BECB90DE5A8}" srcOrd="9" destOrd="0" presId="urn:microsoft.com/office/officeart/2005/8/layout/orgChart1"/>
+    <dgm:cxn modelId="{2507096A-6E9B-4AED-B11D-5C92FB207A70}" type="presParOf" srcId="{214D9A98-484C-4B0F-A092-8985D4D525DE}" destId="{2C765269-E4F2-4548-9DFB-3647DFFF21C7}" srcOrd="6" destOrd="0" presId="urn:microsoft.com/office/officeart/2005/8/layout/orgChart1"/>
+    <dgm:cxn modelId="{BAD970AF-A34F-4915-9BED-822F06FEB8BB}" type="presParOf" srcId="{214D9A98-484C-4B0F-A092-8985D4D525DE}" destId="{954E80BD-4058-4D8E-9B20-9BECB90DE5A8}" srcOrd="7" destOrd="0" presId="urn:microsoft.com/office/officeart/2005/8/layout/orgChart1"/>
     <dgm:cxn modelId="{970B87E4-BBA8-4A7F-B386-2F399608D643}" type="presParOf" srcId="{954E80BD-4058-4D8E-9B20-9BECB90DE5A8}" destId="{12723099-6281-427C-B846-C2B3F494BEB2}" srcOrd="0" destOrd="0" presId="urn:microsoft.com/office/officeart/2005/8/layout/orgChart1"/>
     <dgm:cxn modelId="{2E7C19AD-4EED-48BC-A9B3-1C0329A3F648}" type="presParOf" srcId="{12723099-6281-427C-B846-C2B3F494BEB2}" destId="{D8D471AF-B1D5-48E8-AEDE-9AB039BD12C0}" srcOrd="0" destOrd="0" presId="urn:microsoft.com/office/officeart/2005/8/layout/orgChart1"/>
     <dgm:cxn modelId="{4EDC4E08-3183-4CFF-8DA9-A6F044F9EC99}" type="presParOf" srcId="{12723099-6281-427C-B846-C2B3F494BEB2}" destId="{1501F4DD-B223-4BEC-AA0A-1141C17BC5F1}" srcOrd="1" destOrd="0" presId="urn:microsoft.com/office/officeart/2005/8/layout/orgChart1"/>
     <dgm:cxn modelId="{71B29ECA-BC55-478F-984D-507ED6448F19}" type="presParOf" srcId="{954E80BD-4058-4D8E-9B20-9BECB90DE5A8}" destId="{72520B04-654F-48E5-A691-61A6631914A2}" srcOrd="1" destOrd="0" presId="urn:microsoft.com/office/officeart/2005/8/layout/orgChart1"/>
     <dgm:cxn modelId="{552F5935-66D4-4ED2-B728-33C8AFF301BC}" type="presParOf" srcId="{954E80BD-4058-4D8E-9B20-9BECB90DE5A8}" destId="{5382C8AE-56E9-4A21-9B95-434979C4B697}" srcOrd="2" destOrd="0" presId="urn:microsoft.com/office/officeart/2005/8/layout/orgChart1"/>
     <dgm:cxn modelId="{EC5E366D-2E8D-49EC-A239-3E838C72A636}" type="presParOf" srcId="{6AECD028-674E-4C07-BAC8-C8AE93FD2D1C}" destId="{57A38A79-F8E4-45E4-B6A2-2B4DE79BA0B3}" srcOrd="2" destOrd="0" presId="urn:microsoft.com/office/officeart/2005/8/layout/orgChart1"/>
-    <dgm:cxn modelId="{B466DE31-43B6-485D-8D2E-236D52CBEC84}" type="presParOf" srcId="{21FE4B5B-ABC1-4E3D-A2E9-23D899A39A07}" destId="{2E376884-00F2-4861-8FA6-A28892D522A6}" srcOrd="4" destOrd="0" presId="urn:microsoft.com/office/officeart/2005/8/layout/orgChart1"/>
-    <dgm:cxn modelId="{454397EE-6268-4265-8E11-27B8353F24D2}" type="presParOf" srcId="{21FE4B5B-ABC1-4E3D-A2E9-23D899A39A07}" destId="{DCA68EFD-3747-46BB-91AD-2D5A189196B5}" srcOrd="5" destOrd="0" presId="urn:microsoft.com/office/officeart/2005/8/layout/orgChart1"/>
+    <dgm:cxn modelId="{D2212BC4-5D1C-44EE-98B9-81651492725F}" type="presParOf" srcId="{21FE4B5B-ABC1-4E3D-A2E9-23D899A39A07}" destId="{871B5B7A-97CB-4AD2-B724-6ADC95A3CDFA}" srcOrd="4" destOrd="0" presId="urn:microsoft.com/office/officeart/2005/8/layout/orgChart1"/>
+    <dgm:cxn modelId="{19EF3CB4-9D55-4E6C-BBC6-530CB9F556EE}" type="presParOf" srcId="{21FE4B5B-ABC1-4E3D-A2E9-23D899A39A07}" destId="{310CA97E-1FE5-4B02-B427-948D444B4EE5}" srcOrd="5" destOrd="0" presId="urn:microsoft.com/office/officeart/2005/8/layout/orgChart1"/>
+    <dgm:cxn modelId="{413D68F4-5F39-42A8-889E-615247EDCF52}" type="presParOf" srcId="{310CA97E-1FE5-4B02-B427-948D444B4EE5}" destId="{B6438023-2A53-4CF4-A5DB-78430B2BBA2A}" srcOrd="0" destOrd="0" presId="urn:microsoft.com/office/officeart/2005/8/layout/orgChart1"/>
+    <dgm:cxn modelId="{C82428DB-4FA6-4634-B99C-E999F6DF61C7}" type="presParOf" srcId="{B6438023-2A53-4CF4-A5DB-78430B2BBA2A}" destId="{3AA1AFAA-9B84-47D6-8C1E-D2B6D3824AC3}" srcOrd="0" destOrd="0" presId="urn:microsoft.com/office/officeart/2005/8/layout/orgChart1"/>
+    <dgm:cxn modelId="{5C4B97B3-784C-47F2-B53B-544F190A945D}" type="presParOf" srcId="{B6438023-2A53-4CF4-A5DB-78430B2BBA2A}" destId="{53697145-58FB-431A-8637-F0D9378C85B3}" srcOrd="1" destOrd="0" presId="urn:microsoft.com/office/officeart/2005/8/layout/orgChart1"/>
+    <dgm:cxn modelId="{8BCF5805-40E3-4CEB-A401-D0CE4E7C7752}" type="presParOf" srcId="{310CA97E-1FE5-4B02-B427-948D444B4EE5}" destId="{2A20F956-53AA-4907-A760-2B5CA01E8DC1}" srcOrd="1" destOrd="0" presId="urn:microsoft.com/office/officeart/2005/8/layout/orgChart1"/>
+    <dgm:cxn modelId="{78A98D70-D1C0-4F5B-9115-4AC79A9C60AE}" type="presParOf" srcId="{2A20F956-53AA-4907-A760-2B5CA01E8DC1}" destId="{3D199254-6945-44BA-A49C-D5F8E7C52839}" srcOrd="0" destOrd="0" presId="urn:microsoft.com/office/officeart/2005/8/layout/orgChart1"/>
+    <dgm:cxn modelId="{E95BADDA-929E-48CC-8C39-61573C0C92AE}" type="presParOf" srcId="{2A20F956-53AA-4907-A760-2B5CA01E8DC1}" destId="{5893B7C9-E564-4850-987E-50D9E8BBD8D8}" srcOrd="1" destOrd="0" presId="urn:microsoft.com/office/officeart/2005/8/layout/orgChart1"/>
+    <dgm:cxn modelId="{B565ED65-8486-44D4-8F9E-DEFEBEBF247C}" type="presParOf" srcId="{5893B7C9-E564-4850-987E-50D9E8BBD8D8}" destId="{07612B66-D3B7-4686-B5E5-B7F0E38ECCEF}" srcOrd="0" destOrd="0" presId="urn:microsoft.com/office/officeart/2005/8/layout/orgChart1"/>
+    <dgm:cxn modelId="{4737E456-6D5B-4C91-9D51-DB9AC66B0CA7}" type="presParOf" srcId="{07612B66-D3B7-4686-B5E5-B7F0E38ECCEF}" destId="{6E28D30B-D0B3-4DB2-97DD-DB637782A77C}" srcOrd="0" destOrd="0" presId="urn:microsoft.com/office/officeart/2005/8/layout/orgChart1"/>
+    <dgm:cxn modelId="{185D3F3D-A55E-47B7-B734-F9EAD66DF06B}" type="presParOf" srcId="{07612B66-D3B7-4686-B5E5-B7F0E38ECCEF}" destId="{8A0DE7B7-F021-49EE-AF99-C6B131977E15}" srcOrd="1" destOrd="0" presId="urn:microsoft.com/office/officeart/2005/8/layout/orgChart1"/>
+    <dgm:cxn modelId="{CE94B2B0-4B25-4234-B3F8-FA4686C5B1A8}" type="presParOf" srcId="{5893B7C9-E564-4850-987E-50D9E8BBD8D8}" destId="{72E7E498-1023-4FE8-A5FC-D1115A067DEC}" srcOrd="1" destOrd="0" presId="urn:microsoft.com/office/officeart/2005/8/layout/orgChart1"/>
+    <dgm:cxn modelId="{6472130C-7FBB-4A60-B57C-2E13EB6A9ABE}" type="presParOf" srcId="{5893B7C9-E564-4850-987E-50D9E8BBD8D8}" destId="{3F3A559C-1C04-47C4-A44D-423EBAE35E6D}" srcOrd="2" destOrd="0" presId="urn:microsoft.com/office/officeart/2005/8/layout/orgChart1"/>
+    <dgm:cxn modelId="{AE1498B1-3754-4D95-A103-21BECB67AB24}" type="presParOf" srcId="{2A20F956-53AA-4907-A760-2B5CA01E8DC1}" destId="{349F4192-013B-4301-B2AA-FEAAA3C9F9C6}" srcOrd="2" destOrd="0" presId="urn:microsoft.com/office/officeart/2005/8/layout/orgChart1"/>
+    <dgm:cxn modelId="{ED404BA2-220F-4350-A989-AC8D4B564097}" type="presParOf" srcId="{2A20F956-53AA-4907-A760-2B5CA01E8DC1}" destId="{676E43A1-2A64-4C0F-9F9C-509A072C1992}" srcOrd="3" destOrd="0" presId="urn:microsoft.com/office/officeart/2005/8/layout/orgChart1"/>
+    <dgm:cxn modelId="{D9F28F4D-42E0-4AC4-B892-3ED86BB4D6A1}" type="presParOf" srcId="{676E43A1-2A64-4C0F-9F9C-509A072C1992}" destId="{D67076A1-6196-4FB5-9B9A-AD8443E72B0D}" srcOrd="0" destOrd="0" presId="urn:microsoft.com/office/officeart/2005/8/layout/orgChart1"/>
+    <dgm:cxn modelId="{88B6D8EF-D136-4FD0-BA95-1B78BE9E05CB}" type="presParOf" srcId="{D67076A1-6196-4FB5-9B9A-AD8443E72B0D}" destId="{800D632A-7C9C-4C5A-A529-9F1B3162EB3F}" srcOrd="0" destOrd="0" presId="urn:microsoft.com/office/officeart/2005/8/layout/orgChart1"/>
+    <dgm:cxn modelId="{5A478B3E-AC4B-477B-9748-8960CCAA0178}" type="presParOf" srcId="{D67076A1-6196-4FB5-9B9A-AD8443E72B0D}" destId="{9D1488FC-1461-4E65-AC47-8FC444FA5E56}" srcOrd="1" destOrd="0" presId="urn:microsoft.com/office/officeart/2005/8/layout/orgChart1"/>
+    <dgm:cxn modelId="{1ED22E7F-68C4-4638-B5D6-A3FC3C0D9D67}" type="presParOf" srcId="{676E43A1-2A64-4C0F-9F9C-509A072C1992}" destId="{C8368144-A6F2-44ED-A449-B499AB75AA78}" srcOrd="1" destOrd="0" presId="urn:microsoft.com/office/officeart/2005/8/layout/orgChart1"/>
+    <dgm:cxn modelId="{48605FB4-BF01-4A26-9E70-E6184515FEC9}" type="presParOf" srcId="{676E43A1-2A64-4C0F-9F9C-509A072C1992}" destId="{67440FA3-89BF-4203-B4ED-9C21950E2C83}" srcOrd="2" destOrd="0" presId="urn:microsoft.com/office/officeart/2005/8/layout/orgChart1"/>
+    <dgm:cxn modelId="{C15710A3-9B9B-4E5D-911B-AFC0E7EE8520}" type="presParOf" srcId="{2A20F956-53AA-4907-A760-2B5CA01E8DC1}" destId="{0D389016-0444-4496-B867-AF03FB15CCED}" srcOrd="4" destOrd="0" presId="urn:microsoft.com/office/officeart/2005/8/layout/orgChart1"/>
+    <dgm:cxn modelId="{B2FEFBB6-61BD-431A-B872-E67CCA28FA0E}" type="presParOf" srcId="{2A20F956-53AA-4907-A760-2B5CA01E8DC1}" destId="{D70937A8-715E-4070-91ED-287910DDD04B}" srcOrd="5" destOrd="0" presId="urn:microsoft.com/office/officeart/2005/8/layout/orgChart1"/>
+    <dgm:cxn modelId="{40D314BE-F0CF-4A37-9D70-B95784DEC009}" type="presParOf" srcId="{D70937A8-715E-4070-91ED-287910DDD04B}" destId="{955C9ACD-51AB-41DF-AA65-F3EF631333BE}" srcOrd="0" destOrd="0" presId="urn:microsoft.com/office/officeart/2005/8/layout/orgChart1"/>
+    <dgm:cxn modelId="{40600FD5-B86C-4E60-B162-845CB224C609}" type="presParOf" srcId="{955C9ACD-51AB-41DF-AA65-F3EF631333BE}" destId="{5BF0A133-316D-4E43-97FB-38A34BB2056E}" srcOrd="0" destOrd="0" presId="urn:microsoft.com/office/officeart/2005/8/layout/orgChart1"/>
+    <dgm:cxn modelId="{118E0753-60E7-4B32-B9F6-154955AE432A}" type="presParOf" srcId="{955C9ACD-51AB-41DF-AA65-F3EF631333BE}" destId="{48AACFB6-4FFE-498D-A7A8-E74D622CF44F}" srcOrd="1" destOrd="0" presId="urn:microsoft.com/office/officeart/2005/8/layout/orgChart1"/>
+    <dgm:cxn modelId="{5888779D-4103-4669-8FD9-7E96757C9CF0}" type="presParOf" srcId="{D70937A8-715E-4070-91ED-287910DDD04B}" destId="{B4E1B52E-8D51-4219-8DEB-BD08924E43A4}" srcOrd="1" destOrd="0" presId="urn:microsoft.com/office/officeart/2005/8/layout/orgChart1"/>
+    <dgm:cxn modelId="{413386E6-6902-4FF4-959E-F27D5213376C}" type="presParOf" srcId="{D70937A8-715E-4070-91ED-287910DDD04B}" destId="{8C8F8B5F-D353-4977-B722-6079320BFA09}" srcOrd="2" destOrd="0" presId="urn:microsoft.com/office/officeart/2005/8/layout/orgChart1"/>
+    <dgm:cxn modelId="{203EC4A4-65D9-4FF6-A298-7CA7A9615A19}" type="presParOf" srcId="{310CA97E-1FE5-4B02-B427-948D444B4EE5}" destId="{5D226C07-58A2-474B-88FA-8ED33CE96568}" srcOrd="2" destOrd="0" presId="urn:microsoft.com/office/officeart/2005/8/layout/orgChart1"/>
+    <dgm:cxn modelId="{B466DE31-43B6-485D-8D2E-236D52CBEC84}" type="presParOf" srcId="{21FE4B5B-ABC1-4E3D-A2E9-23D899A39A07}" destId="{2E376884-00F2-4861-8FA6-A28892D522A6}" srcOrd="6" destOrd="0" presId="urn:microsoft.com/office/officeart/2005/8/layout/orgChart1"/>
+    <dgm:cxn modelId="{454397EE-6268-4265-8E11-27B8353F24D2}" type="presParOf" srcId="{21FE4B5B-ABC1-4E3D-A2E9-23D899A39A07}" destId="{DCA68EFD-3747-46BB-91AD-2D5A189196B5}" srcOrd="7" destOrd="0" presId="urn:microsoft.com/office/officeart/2005/8/layout/orgChart1"/>
     <dgm:cxn modelId="{70FA317B-17BB-41FC-A464-4DB495E9B1C0}" type="presParOf" srcId="{DCA68EFD-3747-46BB-91AD-2D5A189196B5}" destId="{4CEEDC14-9593-4672-8D01-5DDBC5B71533}" srcOrd="0" destOrd="0" presId="urn:microsoft.com/office/officeart/2005/8/layout/orgChart1"/>
     <dgm:cxn modelId="{9CC4EFBE-B1EC-46EF-BDB5-60E9488DB195}" type="presParOf" srcId="{4CEEDC14-9593-4672-8D01-5DDBC5B71533}" destId="{E31ADA3A-B4DE-433E-8574-34DFB22D2676}" srcOrd="0" destOrd="0" presId="urn:microsoft.com/office/officeart/2005/8/layout/orgChart1"/>
     <dgm:cxn modelId="{0C29A3AF-985E-4707-B848-2904E45413C5}" type="presParOf" srcId="{4CEEDC14-9593-4672-8D01-5DDBC5B71533}" destId="{C914D51E-8FF1-4EE3-9259-68394D1F2436}" srcOrd="1" destOrd="0" presId="urn:microsoft.com/office/officeart/2005/8/layout/orgChart1"/>
@@ -9070,8 +9652,8 @@
     <dgm:cxn modelId="{9D1C4AB9-028E-4F0F-9B3E-CCAD18377A85}" type="presParOf" srcId="{9A9976F3-B4C4-492C-9654-0471C77B656C}" destId="{BAD84489-AAE9-4C2B-BEDF-09D3E04804FF}" srcOrd="1" destOrd="0" presId="urn:microsoft.com/office/officeart/2005/8/layout/orgChart1"/>
     <dgm:cxn modelId="{667C9234-E247-44DA-A69E-715B350B7EB8}" type="presParOf" srcId="{9A9976F3-B4C4-492C-9654-0471C77B656C}" destId="{F8AA8908-C904-4F8F-986A-1F3D12AE1E65}" srcOrd="2" destOrd="0" presId="urn:microsoft.com/office/officeart/2005/8/layout/orgChart1"/>
     <dgm:cxn modelId="{12B0AC0D-DC52-45F8-89C5-9A0132F17B9B}" type="presParOf" srcId="{DCA68EFD-3747-46BB-91AD-2D5A189196B5}" destId="{BD9F9580-50FF-4274-A752-7BC130C0BB3D}" srcOrd="2" destOrd="0" presId="urn:microsoft.com/office/officeart/2005/8/layout/orgChart1"/>
-    <dgm:cxn modelId="{925F3701-CDE6-4C4A-B34F-9BD05A3FA3AA}" type="presParOf" srcId="{21FE4B5B-ABC1-4E3D-A2E9-23D899A39A07}" destId="{B09AF9A2-BE76-4ED6-845F-BCBB528DD536}" srcOrd="6" destOrd="0" presId="urn:microsoft.com/office/officeart/2005/8/layout/orgChart1"/>
-    <dgm:cxn modelId="{1E043526-2A6D-4C1A-B4E7-C0AC7B4AD1BA}" type="presParOf" srcId="{21FE4B5B-ABC1-4E3D-A2E9-23D899A39A07}" destId="{0691C907-22D3-4358-A14E-A3B01AD177C7}" srcOrd="7" destOrd="0" presId="urn:microsoft.com/office/officeart/2005/8/layout/orgChart1"/>
+    <dgm:cxn modelId="{925F3701-CDE6-4C4A-B34F-9BD05A3FA3AA}" type="presParOf" srcId="{21FE4B5B-ABC1-4E3D-A2E9-23D899A39A07}" destId="{B09AF9A2-BE76-4ED6-845F-BCBB528DD536}" srcOrd="8" destOrd="0" presId="urn:microsoft.com/office/officeart/2005/8/layout/orgChart1"/>
+    <dgm:cxn modelId="{1E043526-2A6D-4C1A-B4E7-C0AC7B4AD1BA}" type="presParOf" srcId="{21FE4B5B-ABC1-4E3D-A2E9-23D899A39A07}" destId="{0691C907-22D3-4358-A14E-A3B01AD177C7}" srcOrd="9" destOrd="0" presId="urn:microsoft.com/office/officeart/2005/8/layout/orgChart1"/>
     <dgm:cxn modelId="{CF200E9D-F04E-4DAF-8B56-4512097829A5}" type="presParOf" srcId="{0691C907-22D3-4358-A14E-A3B01AD177C7}" destId="{D2FC2E15-8415-4215-8058-A015C0704022}" srcOrd="0" destOrd="0" presId="urn:microsoft.com/office/officeart/2005/8/layout/orgChart1"/>
     <dgm:cxn modelId="{A2F3620D-DE65-4FC7-8C67-C885FC63D1E7}" type="presParOf" srcId="{D2FC2E15-8415-4215-8058-A015C0704022}" destId="{C25FD1FD-609E-4ECC-AFB1-301A529B9529}" srcOrd="0" destOrd="0" presId="urn:microsoft.com/office/officeart/2005/8/layout/orgChart1"/>
     <dgm:cxn modelId="{D137B92B-EFBA-4CF7-A36B-0CF38B4B92A3}" type="presParOf" srcId="{D2FC2E15-8415-4215-8058-A015C0704022}" destId="{11F07573-4FBE-43D1-81ED-DF43701635CB}" srcOrd="1" destOrd="0" presId="urn:microsoft.com/office/officeart/2005/8/layout/orgChart1"/>
@@ -9084,8 +9666,8 @@
     <dgm:cxn modelId="{1CF37A76-24F6-4326-9B41-9FF0C6916728}" type="presParOf" srcId="{4925BA44-D062-4622-8C34-00C3BE8AA82F}" destId="{56CBCFFB-7CC6-4D69-9E5E-1992E7E1332C}" srcOrd="1" destOrd="0" presId="urn:microsoft.com/office/officeart/2005/8/layout/orgChart1"/>
     <dgm:cxn modelId="{8A9B79D9-4F58-4301-924A-05914AE10E6E}" type="presParOf" srcId="{4925BA44-D062-4622-8C34-00C3BE8AA82F}" destId="{33038165-2DA0-49A3-ABA1-FE79D78275F9}" srcOrd="2" destOrd="0" presId="urn:microsoft.com/office/officeart/2005/8/layout/orgChart1"/>
     <dgm:cxn modelId="{A113D38F-3D82-4E50-A18C-8CFB9EA7F52B}" type="presParOf" srcId="{0691C907-22D3-4358-A14E-A3B01AD177C7}" destId="{57F32F69-FC51-4F6C-AABB-F687096D42F3}" srcOrd="2" destOrd="0" presId="urn:microsoft.com/office/officeart/2005/8/layout/orgChart1"/>
-    <dgm:cxn modelId="{D7DF8738-435A-482C-B3B5-3739AE2C6F75}" type="presParOf" srcId="{21FE4B5B-ABC1-4E3D-A2E9-23D899A39A07}" destId="{579AC306-0AF3-4635-8A96-A5C5FD4A0A34}" srcOrd="8" destOrd="0" presId="urn:microsoft.com/office/officeart/2005/8/layout/orgChart1"/>
-    <dgm:cxn modelId="{87BBE64B-D617-4FB8-9CF7-048EA54CB9DE}" type="presParOf" srcId="{21FE4B5B-ABC1-4E3D-A2E9-23D899A39A07}" destId="{B7AFCA6B-042C-4C43-A2AF-B42C8E3E460B}" srcOrd="9" destOrd="0" presId="urn:microsoft.com/office/officeart/2005/8/layout/orgChart1"/>
+    <dgm:cxn modelId="{D7DF8738-435A-482C-B3B5-3739AE2C6F75}" type="presParOf" srcId="{21FE4B5B-ABC1-4E3D-A2E9-23D899A39A07}" destId="{579AC306-0AF3-4635-8A96-A5C5FD4A0A34}" srcOrd="10" destOrd="0" presId="urn:microsoft.com/office/officeart/2005/8/layout/orgChart1"/>
+    <dgm:cxn modelId="{87BBE64B-D617-4FB8-9CF7-048EA54CB9DE}" type="presParOf" srcId="{21FE4B5B-ABC1-4E3D-A2E9-23D899A39A07}" destId="{B7AFCA6B-042C-4C43-A2AF-B42C8E3E460B}" srcOrd="11" destOrd="0" presId="urn:microsoft.com/office/officeart/2005/8/layout/orgChart1"/>
     <dgm:cxn modelId="{BFD0B5F1-3FBB-45DE-B513-407829F8CB20}" type="presParOf" srcId="{B7AFCA6B-042C-4C43-A2AF-B42C8E3E460B}" destId="{84514415-0B8E-4F84-9E25-A77901C65E66}" srcOrd="0" destOrd="0" presId="urn:microsoft.com/office/officeart/2005/8/layout/orgChart1"/>
     <dgm:cxn modelId="{E6EC5E60-F208-4199-A7A2-2BD067D9D20E}" type="presParOf" srcId="{84514415-0B8E-4F84-9E25-A77901C65E66}" destId="{7E07E0ED-F013-4727-8FF3-4357D53EE1C6}" srcOrd="0" destOrd="0" presId="urn:microsoft.com/office/officeart/2005/8/layout/orgChart1"/>
     <dgm:cxn modelId="{974B8693-167D-4D18-A526-27801254FE69}" type="presParOf" srcId="{84514415-0B8E-4F84-9E25-A77901C65E66}" destId="{9FAC1EB9-4B66-4966-B751-B294C5F5EB01}" srcOrd="1" destOrd="0" presId="urn:microsoft.com/office/officeart/2005/8/layout/orgChart1"/>
@@ -9824,10 +10406,24 @@
     <dgm:pt modelId="{957A8504-B380-477B-923F-DBEB3C3693EF}" type="parTrans" cxnId="{2113CA24-ED01-4FFF-BF11-4C22D36178E6}">
       <dgm:prSet/>
       <dgm:spPr/>
+      <dgm:t>
+        <a:bodyPr/>
+        <a:lstStyle/>
+        <a:p>
+          <a:endParaRPr lang="fr-FR"/>
+        </a:p>
+      </dgm:t>
     </dgm:pt>
     <dgm:pt modelId="{56ECA6C3-4FDA-4D54-A53A-A6A7D85F142A}" type="sibTrans" cxnId="{2113CA24-ED01-4FFF-BF11-4C22D36178E6}">
       <dgm:prSet/>
       <dgm:spPr/>
+      <dgm:t>
+        <a:bodyPr/>
+        <a:lstStyle/>
+        <a:p>
+          <a:endParaRPr lang="fr-FR"/>
+        </a:p>
+      </dgm:t>
     </dgm:pt>
     <dgm:pt modelId="{77237F15-BF78-45EB-ADBF-FA555AD4B32C}">
       <dgm:prSet phldrT="[Texte]">
@@ -9858,10 +10454,24 @@
     <dgm:pt modelId="{74A88769-55C1-42C3-9301-3ECDAE62071E}" type="parTrans" cxnId="{674C2852-F234-4FBD-85B9-C5F6A031AFC4}">
       <dgm:prSet/>
       <dgm:spPr/>
+      <dgm:t>
+        <a:bodyPr/>
+        <a:lstStyle/>
+        <a:p>
+          <a:endParaRPr lang="fr-FR"/>
+        </a:p>
+      </dgm:t>
     </dgm:pt>
     <dgm:pt modelId="{B714DA6D-F601-4AC3-8D41-CFB65D8C1135}" type="sibTrans" cxnId="{674C2852-F234-4FBD-85B9-C5F6A031AFC4}">
       <dgm:prSet/>
       <dgm:spPr/>
+      <dgm:t>
+        <a:bodyPr/>
+        <a:lstStyle/>
+        <a:p>
+          <a:endParaRPr lang="fr-FR"/>
+        </a:p>
+      </dgm:t>
     </dgm:pt>
     <dgm:pt modelId="{E6AD4EC2-6F74-477D-A4AB-6CCB67DB0CDE}">
       <dgm:prSet phldrT="[Texte]">
@@ -9892,10 +10502,24 @@
     <dgm:pt modelId="{F636CE19-4146-4F2D-A829-CC26AFA96248}" type="parTrans" cxnId="{10E987F7-B231-4ECC-B091-8FF12F427B88}">
       <dgm:prSet/>
       <dgm:spPr/>
+      <dgm:t>
+        <a:bodyPr/>
+        <a:lstStyle/>
+        <a:p>
+          <a:endParaRPr lang="fr-FR"/>
+        </a:p>
+      </dgm:t>
     </dgm:pt>
     <dgm:pt modelId="{4113BF17-3FEE-486F-9419-CF2F035CA02B}" type="sibTrans" cxnId="{10E987F7-B231-4ECC-B091-8FF12F427B88}">
       <dgm:prSet/>
       <dgm:spPr/>
+      <dgm:t>
+        <a:bodyPr/>
+        <a:lstStyle/>
+        <a:p>
+          <a:endParaRPr lang="fr-FR"/>
+        </a:p>
+      </dgm:t>
     </dgm:pt>
     <dgm:pt modelId="{8D666F4E-C1EA-42E9-B887-EE03FF99B717}">
       <dgm:prSet phldrT="[Texte]">
@@ -9926,10 +10550,24 @@
     <dgm:pt modelId="{5C79C921-B795-429A-B740-AE74D2759A46}" type="parTrans" cxnId="{E543D6DD-3B8B-42AA-90B8-6F035C245D2A}">
       <dgm:prSet/>
       <dgm:spPr/>
+      <dgm:t>
+        <a:bodyPr/>
+        <a:lstStyle/>
+        <a:p>
+          <a:endParaRPr lang="fr-FR"/>
+        </a:p>
+      </dgm:t>
     </dgm:pt>
     <dgm:pt modelId="{94DCD5BA-580A-4BB1-95A9-26296F3140BD}" type="sibTrans" cxnId="{E543D6DD-3B8B-42AA-90B8-6F035C245D2A}">
       <dgm:prSet/>
       <dgm:spPr/>
+      <dgm:t>
+        <a:bodyPr/>
+        <a:lstStyle/>
+        <a:p>
+          <a:endParaRPr lang="fr-FR"/>
+        </a:p>
+      </dgm:t>
     </dgm:pt>
     <dgm:pt modelId="{233C08B9-B41A-440E-A442-63600E724336}">
       <dgm:prSet phldrT="[Texte]">
@@ -9960,10 +10598,24 @@
     <dgm:pt modelId="{F7876C85-8BF3-4053-9E28-4D61425B3C12}" type="parTrans" cxnId="{0661FA7F-25C8-4081-91F5-F59BDB2E13BE}">
       <dgm:prSet/>
       <dgm:spPr/>
+      <dgm:t>
+        <a:bodyPr/>
+        <a:lstStyle/>
+        <a:p>
+          <a:endParaRPr lang="fr-FR"/>
+        </a:p>
+      </dgm:t>
     </dgm:pt>
     <dgm:pt modelId="{515B4E54-7D06-43F3-9C81-AB74A7A467FF}" type="sibTrans" cxnId="{0661FA7F-25C8-4081-91F5-F59BDB2E13BE}">
       <dgm:prSet/>
       <dgm:spPr/>
+      <dgm:t>
+        <a:bodyPr/>
+        <a:lstStyle/>
+        <a:p>
+          <a:endParaRPr lang="fr-FR"/>
+        </a:p>
+      </dgm:t>
     </dgm:pt>
     <dgm:pt modelId="{BC5B6B6C-7E8D-4B80-B5C0-8FFEC58154AA}">
       <dgm:prSet phldrT="[Texte]">
@@ -9994,10 +10646,24 @@
     <dgm:pt modelId="{88AF196F-5197-412D-9387-B03E49A777A3}" type="parTrans" cxnId="{9DF78448-3C03-409D-A94A-3D0D61EC5739}">
       <dgm:prSet/>
       <dgm:spPr/>
+      <dgm:t>
+        <a:bodyPr/>
+        <a:lstStyle/>
+        <a:p>
+          <a:endParaRPr lang="fr-FR"/>
+        </a:p>
+      </dgm:t>
     </dgm:pt>
     <dgm:pt modelId="{5C4011D3-3E8B-4BBF-91E3-66A6E23EE20D}" type="sibTrans" cxnId="{9DF78448-3C03-409D-A94A-3D0D61EC5739}">
       <dgm:prSet/>
       <dgm:spPr/>
+      <dgm:t>
+        <a:bodyPr/>
+        <a:lstStyle/>
+        <a:p>
+          <a:endParaRPr lang="fr-FR"/>
+        </a:p>
+      </dgm:t>
     </dgm:pt>
     <dgm:pt modelId="{E61BDD17-C5C4-4366-9225-80E55ED9B4CC}">
       <dgm:prSet phldrT="[Texte]">
@@ -10028,10 +10694,24 @@
     <dgm:pt modelId="{36E2E9BF-1E6F-4023-A81F-AC504E75D52F}" type="parTrans" cxnId="{998BA919-18B2-4CCB-8ACF-72C54796E224}">
       <dgm:prSet/>
       <dgm:spPr/>
+      <dgm:t>
+        <a:bodyPr/>
+        <a:lstStyle/>
+        <a:p>
+          <a:endParaRPr lang="fr-FR"/>
+        </a:p>
+      </dgm:t>
     </dgm:pt>
     <dgm:pt modelId="{66AADA03-9FE3-44C7-8169-CFFFCE9179DB}" type="sibTrans" cxnId="{998BA919-18B2-4CCB-8ACF-72C54796E224}">
       <dgm:prSet/>
       <dgm:spPr/>
+      <dgm:t>
+        <a:bodyPr/>
+        <a:lstStyle/>
+        <a:p>
+          <a:endParaRPr lang="fr-FR"/>
+        </a:p>
+      </dgm:t>
     </dgm:pt>
     <dgm:pt modelId="{D13305FD-513E-4348-B951-A4D29BC3A64C}">
       <dgm:prSet phldrT="[Texte]">
@@ -10062,10 +10742,24 @@
     <dgm:pt modelId="{16D60836-117E-4FCE-A94E-43A7F7F20CCC}" type="parTrans" cxnId="{B497B1BE-75DB-44E4-9925-602213AA6D7D}">
       <dgm:prSet/>
       <dgm:spPr/>
+      <dgm:t>
+        <a:bodyPr/>
+        <a:lstStyle/>
+        <a:p>
+          <a:endParaRPr lang="fr-FR"/>
+        </a:p>
+      </dgm:t>
     </dgm:pt>
     <dgm:pt modelId="{3A77B67E-E08E-47E2-8291-67F3D21405B7}" type="sibTrans" cxnId="{B497B1BE-75DB-44E4-9925-602213AA6D7D}">
       <dgm:prSet/>
       <dgm:spPr/>
+      <dgm:t>
+        <a:bodyPr/>
+        <a:lstStyle/>
+        <a:p>
+          <a:endParaRPr lang="fr-FR"/>
+        </a:p>
+      </dgm:t>
     </dgm:pt>
     <dgm:pt modelId="{19D24C70-EE3F-49C2-BC29-F71985695A9D}">
       <dgm:prSet phldrT="[Texte]">
@@ -10096,10 +10790,24 @@
     <dgm:pt modelId="{24B9CBCC-414C-4E99-86A4-45ECCC4480E6}" type="parTrans" cxnId="{75A4E4FC-2604-4CB3-9BC5-7D9A46FB2ACC}">
       <dgm:prSet/>
       <dgm:spPr/>
+      <dgm:t>
+        <a:bodyPr/>
+        <a:lstStyle/>
+        <a:p>
+          <a:endParaRPr lang="fr-FR"/>
+        </a:p>
+      </dgm:t>
     </dgm:pt>
     <dgm:pt modelId="{6F731CC4-A638-4E5A-934D-DD8D6429BC5A}" type="sibTrans" cxnId="{75A4E4FC-2604-4CB3-9BC5-7D9A46FB2ACC}">
       <dgm:prSet/>
       <dgm:spPr/>
+      <dgm:t>
+        <a:bodyPr/>
+        <a:lstStyle/>
+        <a:p>
+          <a:endParaRPr lang="fr-FR"/>
+        </a:p>
+      </dgm:t>
     </dgm:pt>
     <dgm:pt modelId="{C820771B-9B0F-4493-BF10-C593623B60AC}" type="pres">
       <dgm:prSet presAssocID="{91A19D2E-7DE4-4F89-959C-B67FAD5E3707}" presName="hierChild1" presStyleCnt="0">
@@ -11943,6 +12651,183 @@
         <a:fontRef idx="minor"/>
       </dsp:style>
     </dsp:sp>
+    <dsp:sp modelId="{AAB6DAA8-C1DD-40A3-80AB-0607C1334A20}">
+      <dsp:nvSpPr>
+        <dsp:cNvPr id="0" name=""/>
+        <dsp:cNvSpPr/>
+      </dsp:nvSpPr>
+      <dsp:spPr>
+        <a:xfrm>
+          <a:off x="6821565" y="3016950"/>
+          <a:ext cx="134363" cy="1684027"/>
+        </a:xfrm>
+        <a:custGeom>
+          <a:avLst/>
+          <a:gdLst/>
+          <a:ahLst/>
+          <a:cxnLst/>
+          <a:rect l="0" t="0" r="0" b="0"/>
+          <a:pathLst>
+            <a:path>
+              <a:moveTo>
+                <a:pt x="0" y="0"/>
+              </a:moveTo>
+              <a:lnTo>
+                <a:pt x="0" y="1684027"/>
+              </a:lnTo>
+              <a:lnTo>
+                <a:pt x="134363" y="1684027"/>
+              </a:lnTo>
+            </a:path>
+          </a:pathLst>
+        </a:custGeom>
+        <a:noFill/>
+        <a:ln w="12700" cap="flat" cmpd="sng" algn="ctr">
+          <a:solidFill>
+            <a:schemeClr val="accent1">
+              <a:shade val="80000"/>
+              <a:hueOff val="0"/>
+              <a:satOff val="0"/>
+              <a:lumOff val="0"/>
+              <a:alphaOff val="0"/>
+            </a:schemeClr>
+          </a:solidFill>
+          <a:prstDash val="solid"/>
+          <a:miter lim="800000"/>
+        </a:ln>
+        <a:effectLst/>
+      </dsp:spPr>
+      <dsp:style>
+        <a:lnRef idx="2">
+          <a:scrgbClr r="0" g="0" b="0"/>
+        </a:lnRef>
+        <a:fillRef idx="0">
+          <a:scrgbClr r="0" g="0" b="0"/>
+        </a:fillRef>
+        <a:effectRef idx="0">
+          <a:scrgbClr r="0" g="0" b="0"/>
+        </a:effectRef>
+        <a:fontRef idx="minor"/>
+      </dsp:style>
+    </dsp:sp>
+    <dsp:sp modelId="{258216D1-74CB-4649-9B3B-327668A78D3D}">
+      <dsp:nvSpPr>
+        <dsp:cNvPr id="0" name=""/>
+        <dsp:cNvSpPr/>
+      </dsp:nvSpPr>
+      <dsp:spPr>
+        <a:xfrm>
+          <a:off x="6821565" y="3016950"/>
+          <a:ext cx="134363" cy="1048038"/>
+        </a:xfrm>
+        <a:custGeom>
+          <a:avLst/>
+          <a:gdLst/>
+          <a:ahLst/>
+          <a:cxnLst/>
+          <a:rect l="0" t="0" r="0" b="0"/>
+          <a:pathLst>
+            <a:path>
+              <a:moveTo>
+                <a:pt x="0" y="0"/>
+              </a:moveTo>
+              <a:lnTo>
+                <a:pt x="0" y="1048038"/>
+              </a:lnTo>
+              <a:lnTo>
+                <a:pt x="134363" y="1048038"/>
+              </a:lnTo>
+            </a:path>
+          </a:pathLst>
+        </a:custGeom>
+        <a:noFill/>
+        <a:ln w="12700" cap="flat" cmpd="sng" algn="ctr">
+          <a:solidFill>
+            <a:schemeClr val="accent1">
+              <a:shade val="80000"/>
+              <a:hueOff val="0"/>
+              <a:satOff val="0"/>
+              <a:lumOff val="0"/>
+              <a:alphaOff val="0"/>
+            </a:schemeClr>
+          </a:solidFill>
+          <a:prstDash val="solid"/>
+          <a:miter lim="800000"/>
+        </a:ln>
+        <a:effectLst/>
+      </dsp:spPr>
+      <dsp:style>
+        <a:lnRef idx="2">
+          <a:scrgbClr r="0" g="0" b="0"/>
+        </a:lnRef>
+        <a:fillRef idx="0">
+          <a:scrgbClr r="0" g="0" b="0"/>
+        </a:fillRef>
+        <a:effectRef idx="0">
+          <a:scrgbClr r="0" g="0" b="0"/>
+        </a:effectRef>
+        <a:fontRef idx="minor"/>
+      </dsp:style>
+    </dsp:sp>
+    <dsp:sp modelId="{0DF66D45-5157-427E-A865-220A572C5329}">
+      <dsp:nvSpPr>
+        <dsp:cNvPr id="0" name=""/>
+        <dsp:cNvSpPr/>
+      </dsp:nvSpPr>
+      <dsp:spPr>
+        <a:xfrm>
+          <a:off x="6821565" y="3016950"/>
+          <a:ext cx="134363" cy="412049"/>
+        </a:xfrm>
+        <a:custGeom>
+          <a:avLst/>
+          <a:gdLst/>
+          <a:ahLst/>
+          <a:cxnLst/>
+          <a:rect l="0" t="0" r="0" b="0"/>
+          <a:pathLst>
+            <a:path>
+              <a:moveTo>
+                <a:pt x="0" y="0"/>
+              </a:moveTo>
+              <a:lnTo>
+                <a:pt x="0" y="412049"/>
+              </a:lnTo>
+              <a:lnTo>
+                <a:pt x="134363" y="412049"/>
+              </a:lnTo>
+            </a:path>
+          </a:pathLst>
+        </a:custGeom>
+        <a:noFill/>
+        <a:ln w="12700" cap="flat" cmpd="sng" algn="ctr">
+          <a:solidFill>
+            <a:schemeClr val="accent1">
+              <a:shade val="80000"/>
+              <a:hueOff val="0"/>
+              <a:satOff val="0"/>
+              <a:lumOff val="0"/>
+              <a:alphaOff val="0"/>
+            </a:schemeClr>
+          </a:solidFill>
+          <a:prstDash val="solid"/>
+          <a:miter lim="800000"/>
+        </a:ln>
+        <a:effectLst/>
+      </dsp:spPr>
+      <dsp:style>
+        <a:lnRef idx="2">
+          <a:scrgbClr r="0" g="0" b="0"/>
+        </a:lnRef>
+        <a:fillRef idx="0">
+          <a:scrgbClr r="0" g="0" b="0"/>
+        </a:fillRef>
+        <a:effectRef idx="0">
+          <a:scrgbClr r="0" g="0" b="0"/>
+        </a:effectRef>
+        <a:fontRef idx="minor"/>
+      </dsp:style>
+    </dsp:sp>
     <dsp:sp modelId="{A2918898-6FC0-4859-80BE-3B26A3B92910}">
       <dsp:nvSpPr>
         <dsp:cNvPr id="0" name=""/>
@@ -12013,6 +12898,65 @@
       <dsp:spPr>
         <a:xfrm>
           <a:off x="5737696" y="3016950"/>
+          <a:ext cx="134363" cy="2320016"/>
+        </a:xfrm>
+        <a:custGeom>
+          <a:avLst/>
+          <a:gdLst/>
+          <a:ahLst/>
+          <a:cxnLst/>
+          <a:rect l="0" t="0" r="0" b="0"/>
+          <a:pathLst>
+            <a:path>
+              <a:moveTo>
+                <a:pt x="0" y="0"/>
+              </a:moveTo>
+              <a:lnTo>
+                <a:pt x="0" y="2320016"/>
+              </a:lnTo>
+              <a:lnTo>
+                <a:pt x="134363" y="2320016"/>
+              </a:lnTo>
+            </a:path>
+          </a:pathLst>
+        </a:custGeom>
+        <a:noFill/>
+        <a:ln w="12700" cap="flat" cmpd="sng" algn="ctr">
+          <a:solidFill>
+            <a:schemeClr val="accent1">
+              <a:shade val="80000"/>
+              <a:hueOff val="0"/>
+              <a:satOff val="0"/>
+              <a:lumOff val="0"/>
+              <a:alphaOff val="0"/>
+            </a:schemeClr>
+          </a:solidFill>
+          <a:prstDash val="solid"/>
+          <a:miter lim="800000"/>
+        </a:ln>
+        <a:effectLst/>
+      </dsp:spPr>
+      <dsp:style>
+        <a:lnRef idx="2">
+          <a:scrgbClr r="0" g="0" b="0"/>
+        </a:lnRef>
+        <a:fillRef idx="0">
+          <a:scrgbClr r="0" g="0" b="0"/>
+        </a:fillRef>
+        <a:effectRef idx="0">
+          <a:scrgbClr r="0" g="0" b="0"/>
+        </a:effectRef>
+        <a:fontRef idx="minor"/>
+      </dsp:style>
+    </dsp:sp>
+    <dsp:sp modelId="{4DEE6FCD-2DBE-4D2D-8C94-00AAE214066C}">
+      <dsp:nvSpPr>
+        <dsp:cNvPr id="0" name=""/>
+        <dsp:cNvSpPr/>
+      </dsp:nvSpPr>
+      <dsp:spPr>
+        <a:xfrm>
+          <a:off x="5737696" y="3016950"/>
           <a:ext cx="134363" cy="1684027"/>
         </a:xfrm>
         <a:custGeom>
@@ -12064,7 +13008,7 @@
         <a:fontRef idx="minor"/>
       </dsp:style>
     </dsp:sp>
-    <dsp:sp modelId="{4DEE6FCD-2DBE-4D2D-8C94-00AAE214066C}">
+    <dsp:sp modelId="{E2A5D7BE-D226-4294-8994-0E665FE415A2}">
       <dsp:nvSpPr>
         <dsp:cNvPr id="0" name=""/>
         <dsp:cNvSpPr/>
@@ -12123,7 +13067,7 @@
         <a:fontRef idx="minor"/>
       </dsp:style>
     </dsp:sp>
-    <dsp:sp modelId="{E2A5D7BE-D226-4294-8994-0E665FE415A2}">
+    <dsp:sp modelId="{78E20D79-0B2C-4C80-9327-D6F73306F7CC}">
       <dsp:nvSpPr>
         <dsp:cNvPr id="0" name=""/>
         <dsp:cNvSpPr/>
@@ -15503,7 +16447,7 @@
         <a:ext cx="895759" cy="447879"/>
       </dsp:txXfrm>
     </dsp:sp>
-    <dsp:sp modelId="{E5D1B315-193D-4BF4-BD95-041200664081}">
+    <dsp:sp modelId="{044231FB-B582-4716-B1A1-2790B533F448}">
       <dsp:nvSpPr>
         <dsp:cNvPr id="0" name=""/>
         <dsp:cNvSpPr/>
@@ -15599,7 +16543,7 @@
           </a:pPr>
           <a:r>
             <a:rPr lang="fr-FR" sz="1100" kern="1200" dirty="0"/>
-            <a:t>Déplacements</a:t>
+            <a:t>Stats</a:t>
           </a:r>
         </a:p>
       </dsp:txBody>
@@ -15608,7 +16552,7 @@
         <a:ext cx="895759" cy="447879"/>
       </dsp:txXfrm>
     </dsp:sp>
-    <dsp:sp modelId="{BA4E6E08-36E3-4F01-BF4C-DDFB79F9EC1D}">
+    <dsp:sp modelId="{E5D1B315-193D-4BF4-BD95-041200664081}">
       <dsp:nvSpPr>
         <dsp:cNvPr id="0" name=""/>
         <dsp:cNvSpPr/>
@@ -15704,7 +16648,7 @@
           </a:pPr>
           <a:r>
             <a:rPr lang="fr-FR" sz="1100" kern="1200" dirty="0"/>
-            <a:t>Inventaire</a:t>
+            <a:t>Déplacements</a:t>
           </a:r>
         </a:p>
       </dsp:txBody>
@@ -15713,7 +16657,7 @@
         <a:ext cx="895759" cy="447879"/>
       </dsp:txXfrm>
     </dsp:sp>
-    <dsp:sp modelId="{B4F0CD5F-077D-48AC-A55A-4FAA5D5F96D3}">
+    <dsp:sp modelId="{BA4E6E08-36E3-4F01-BF4C-DDFB79F9EC1D}">
       <dsp:nvSpPr>
         <dsp:cNvPr id="0" name=""/>
         <dsp:cNvSpPr/>
@@ -15809,12 +16753,117 @@
           </a:pPr>
           <a:r>
             <a:rPr lang="fr-FR" sz="1100" kern="1200" dirty="0"/>
-            <a:t>Interactions</a:t>
+            <a:t>Inventaire</a:t>
           </a:r>
         </a:p>
       </dsp:txBody>
       <dsp:txXfrm>
         <a:off x="5872060" y="4477038"/>
+        <a:ext cx="895759" cy="447879"/>
+      </dsp:txXfrm>
+    </dsp:sp>
+    <dsp:sp modelId="{B4F0CD5F-077D-48AC-A55A-4FAA5D5F96D3}">
+      <dsp:nvSpPr>
+        <dsp:cNvPr id="0" name=""/>
+        <dsp:cNvSpPr/>
+      </dsp:nvSpPr>
+      <dsp:spPr>
+        <a:xfrm>
+          <a:off x="5872060" y="5113027"/>
+          <a:ext cx="895759" cy="447879"/>
+        </a:xfrm>
+        <a:prstGeom prst="rect">
+          <a:avLst/>
+        </a:prstGeom>
+        <a:gradFill rotWithShape="0">
+          <a:gsLst>
+            <a:gs pos="0">
+              <a:schemeClr val="accent1">
+                <a:hueOff val="0"/>
+                <a:satOff val="0"/>
+                <a:lumOff val="0"/>
+                <a:alphaOff val="0"/>
+                <a:satMod val="103000"/>
+                <a:lumMod val="102000"/>
+                <a:tint val="94000"/>
+              </a:schemeClr>
+            </a:gs>
+            <a:gs pos="50000">
+              <a:schemeClr val="accent1">
+                <a:hueOff val="0"/>
+                <a:satOff val="0"/>
+                <a:lumOff val="0"/>
+                <a:alphaOff val="0"/>
+                <a:satMod val="110000"/>
+                <a:lumMod val="100000"/>
+                <a:shade val="100000"/>
+              </a:schemeClr>
+            </a:gs>
+            <a:gs pos="100000">
+              <a:schemeClr val="accent1">
+                <a:hueOff val="0"/>
+                <a:satOff val="0"/>
+                <a:lumOff val="0"/>
+                <a:alphaOff val="0"/>
+                <a:lumMod val="99000"/>
+                <a:satMod val="120000"/>
+                <a:shade val="78000"/>
+              </a:schemeClr>
+            </a:gs>
+          </a:gsLst>
+          <a:lin ang="5400000" scaled="0"/>
+        </a:gradFill>
+        <a:ln>
+          <a:noFill/>
+        </a:ln>
+        <a:effectLst>
+          <a:outerShdw blurRad="57150" dist="19050" dir="5400000" algn="ctr" rotWithShape="0">
+            <a:srgbClr val="000000">
+              <a:alpha val="63000"/>
+            </a:srgbClr>
+          </a:outerShdw>
+        </a:effectLst>
+      </dsp:spPr>
+      <dsp:style>
+        <a:lnRef idx="0">
+          <a:scrgbClr r="0" g="0" b="0"/>
+        </a:lnRef>
+        <a:fillRef idx="3">
+          <a:scrgbClr r="0" g="0" b="0"/>
+        </a:fillRef>
+        <a:effectRef idx="3">
+          <a:scrgbClr r="0" g="0" b="0"/>
+        </a:effectRef>
+        <a:fontRef idx="minor">
+          <a:schemeClr val="lt1"/>
+        </a:fontRef>
+      </dsp:style>
+      <dsp:txBody>
+        <a:bodyPr spcFirstLastPara="0" vert="horz" wrap="square" lIns="6985" tIns="6985" rIns="6985" bIns="6985" numCol="1" spcCol="1270" anchor="ctr" anchorCtr="0">
+          <a:noAutofit/>
+        </a:bodyPr>
+        <a:lstStyle/>
+        <a:p>
+          <a:pPr marL="0" lvl="0" indent="0" algn="ctr" defTabSz="488950">
+            <a:lnSpc>
+              <a:spcPct val="90000"/>
+            </a:lnSpc>
+            <a:spcBef>
+              <a:spcPct val="0"/>
+            </a:spcBef>
+            <a:spcAft>
+              <a:spcPct val="35000"/>
+            </a:spcAft>
+            <a:buNone/>
+          </a:pPr>
+          <a:r>
+            <a:rPr lang="fr-FR" sz="1100" kern="1200" dirty="0"/>
+            <a:t>Interactions</a:t>
+          </a:r>
+        </a:p>
+      </dsp:txBody>
+      <dsp:txXfrm>
+        <a:off x="5872060" y="5113027"/>
         <a:ext cx="895759" cy="447879"/>
       </dsp:txXfrm>
     </dsp:sp>
@@ -15920,6 +16969,321 @@
       </dsp:txBody>
       <dsp:txXfrm>
         <a:off x="6731989" y="2569071"/>
+        <a:ext cx="895759" cy="447879"/>
+      </dsp:txXfrm>
+    </dsp:sp>
+    <dsp:sp modelId="{A10CC9FE-CAE1-40FA-8BF6-88BEFDD15946}">
+      <dsp:nvSpPr>
+        <dsp:cNvPr id="0" name=""/>
+        <dsp:cNvSpPr/>
+      </dsp:nvSpPr>
+      <dsp:spPr>
+        <a:xfrm>
+          <a:off x="6955928" y="3205060"/>
+          <a:ext cx="895759" cy="447879"/>
+        </a:xfrm>
+        <a:prstGeom prst="rect">
+          <a:avLst/>
+        </a:prstGeom>
+        <a:gradFill rotWithShape="0">
+          <a:gsLst>
+            <a:gs pos="0">
+              <a:schemeClr val="accent1">
+                <a:hueOff val="0"/>
+                <a:satOff val="0"/>
+                <a:lumOff val="0"/>
+                <a:alphaOff val="0"/>
+                <a:satMod val="103000"/>
+                <a:lumMod val="102000"/>
+                <a:tint val="94000"/>
+              </a:schemeClr>
+            </a:gs>
+            <a:gs pos="50000">
+              <a:schemeClr val="accent1">
+                <a:hueOff val="0"/>
+                <a:satOff val="0"/>
+                <a:lumOff val="0"/>
+                <a:alphaOff val="0"/>
+                <a:satMod val="110000"/>
+                <a:lumMod val="100000"/>
+                <a:shade val="100000"/>
+              </a:schemeClr>
+            </a:gs>
+            <a:gs pos="100000">
+              <a:schemeClr val="accent1">
+                <a:hueOff val="0"/>
+                <a:satOff val="0"/>
+                <a:lumOff val="0"/>
+                <a:alphaOff val="0"/>
+                <a:lumMod val="99000"/>
+                <a:satMod val="120000"/>
+                <a:shade val="78000"/>
+              </a:schemeClr>
+            </a:gs>
+          </a:gsLst>
+          <a:lin ang="5400000" scaled="0"/>
+        </a:gradFill>
+        <a:ln>
+          <a:noFill/>
+        </a:ln>
+        <a:effectLst>
+          <a:outerShdw blurRad="57150" dist="19050" dir="5400000" algn="ctr" rotWithShape="0">
+            <a:srgbClr val="000000">
+              <a:alpha val="63000"/>
+            </a:srgbClr>
+          </a:outerShdw>
+        </a:effectLst>
+      </dsp:spPr>
+      <dsp:style>
+        <a:lnRef idx="0">
+          <a:scrgbClr r="0" g="0" b="0"/>
+        </a:lnRef>
+        <a:fillRef idx="3">
+          <a:scrgbClr r="0" g="0" b="0"/>
+        </a:fillRef>
+        <a:effectRef idx="3">
+          <a:scrgbClr r="0" g="0" b="0"/>
+        </a:effectRef>
+        <a:fontRef idx="minor">
+          <a:schemeClr val="lt1"/>
+        </a:fontRef>
+      </dsp:style>
+      <dsp:txBody>
+        <a:bodyPr spcFirstLastPara="0" vert="horz" wrap="square" lIns="6985" tIns="6985" rIns="6985" bIns="6985" numCol="1" spcCol="1270" anchor="ctr" anchorCtr="0">
+          <a:noAutofit/>
+        </a:bodyPr>
+        <a:lstStyle/>
+        <a:p>
+          <a:pPr marL="0" lvl="0" indent="0" algn="ctr" defTabSz="488950">
+            <a:lnSpc>
+              <a:spcPct val="90000"/>
+            </a:lnSpc>
+            <a:spcBef>
+              <a:spcPct val="0"/>
+            </a:spcBef>
+            <a:spcAft>
+              <a:spcPct val="35000"/>
+            </a:spcAft>
+            <a:buNone/>
+          </a:pPr>
+          <a:r>
+            <a:rPr lang="fr-FR" sz="1100" kern="1200" dirty="0"/>
+            <a:t>Déplacements</a:t>
+          </a:r>
+        </a:p>
+      </dsp:txBody>
+      <dsp:txXfrm>
+        <a:off x="6955928" y="3205060"/>
+        <a:ext cx="895759" cy="447879"/>
+      </dsp:txXfrm>
+    </dsp:sp>
+    <dsp:sp modelId="{3CF2ED99-4F77-46A6-961B-83A2D88F58C3}">
+      <dsp:nvSpPr>
+        <dsp:cNvPr id="0" name=""/>
+        <dsp:cNvSpPr/>
+      </dsp:nvSpPr>
+      <dsp:spPr>
+        <a:xfrm>
+          <a:off x="6955928" y="3841049"/>
+          <a:ext cx="895759" cy="447879"/>
+        </a:xfrm>
+        <a:prstGeom prst="rect">
+          <a:avLst/>
+        </a:prstGeom>
+        <a:gradFill rotWithShape="0">
+          <a:gsLst>
+            <a:gs pos="0">
+              <a:schemeClr val="accent1">
+                <a:hueOff val="0"/>
+                <a:satOff val="0"/>
+                <a:lumOff val="0"/>
+                <a:alphaOff val="0"/>
+                <a:satMod val="103000"/>
+                <a:lumMod val="102000"/>
+                <a:tint val="94000"/>
+              </a:schemeClr>
+            </a:gs>
+            <a:gs pos="50000">
+              <a:schemeClr val="accent1">
+                <a:hueOff val="0"/>
+                <a:satOff val="0"/>
+                <a:lumOff val="0"/>
+                <a:alphaOff val="0"/>
+                <a:satMod val="110000"/>
+                <a:lumMod val="100000"/>
+                <a:shade val="100000"/>
+              </a:schemeClr>
+            </a:gs>
+            <a:gs pos="100000">
+              <a:schemeClr val="accent1">
+                <a:hueOff val="0"/>
+                <a:satOff val="0"/>
+                <a:lumOff val="0"/>
+                <a:alphaOff val="0"/>
+                <a:lumMod val="99000"/>
+                <a:satMod val="120000"/>
+                <a:shade val="78000"/>
+              </a:schemeClr>
+            </a:gs>
+          </a:gsLst>
+          <a:lin ang="5400000" scaled="0"/>
+        </a:gradFill>
+        <a:ln>
+          <a:noFill/>
+        </a:ln>
+        <a:effectLst>
+          <a:outerShdw blurRad="57150" dist="19050" dir="5400000" algn="ctr" rotWithShape="0">
+            <a:srgbClr val="000000">
+              <a:alpha val="63000"/>
+            </a:srgbClr>
+          </a:outerShdw>
+        </a:effectLst>
+      </dsp:spPr>
+      <dsp:style>
+        <a:lnRef idx="0">
+          <a:scrgbClr r="0" g="0" b="0"/>
+        </a:lnRef>
+        <a:fillRef idx="3">
+          <a:scrgbClr r="0" g="0" b="0"/>
+        </a:fillRef>
+        <a:effectRef idx="3">
+          <a:scrgbClr r="0" g="0" b="0"/>
+        </a:effectRef>
+        <a:fontRef idx="minor">
+          <a:schemeClr val="lt1"/>
+        </a:fontRef>
+      </dsp:style>
+      <dsp:txBody>
+        <a:bodyPr spcFirstLastPara="0" vert="horz" wrap="square" lIns="6985" tIns="6985" rIns="6985" bIns="6985" numCol="1" spcCol="1270" anchor="ctr" anchorCtr="0">
+          <a:noAutofit/>
+        </a:bodyPr>
+        <a:lstStyle/>
+        <a:p>
+          <a:pPr marL="0" lvl="0" indent="0" algn="ctr" defTabSz="488950">
+            <a:lnSpc>
+              <a:spcPct val="90000"/>
+            </a:lnSpc>
+            <a:spcBef>
+              <a:spcPct val="0"/>
+            </a:spcBef>
+            <a:spcAft>
+              <a:spcPct val="35000"/>
+            </a:spcAft>
+            <a:buNone/>
+          </a:pPr>
+          <a:r>
+            <a:rPr lang="fr-FR" sz="1100" kern="1200" dirty="0"/>
+            <a:t>Inventaire</a:t>
+          </a:r>
+        </a:p>
+      </dsp:txBody>
+      <dsp:txXfrm>
+        <a:off x="6955928" y="3841049"/>
+        <a:ext cx="895759" cy="447879"/>
+      </dsp:txXfrm>
+    </dsp:sp>
+    <dsp:sp modelId="{D3657630-CED7-41FF-B169-07F062BC0CE9}">
+      <dsp:nvSpPr>
+        <dsp:cNvPr id="0" name=""/>
+        <dsp:cNvSpPr/>
+      </dsp:nvSpPr>
+      <dsp:spPr>
+        <a:xfrm>
+          <a:off x="6955928" y="4477038"/>
+          <a:ext cx="895759" cy="447879"/>
+        </a:xfrm>
+        <a:prstGeom prst="rect">
+          <a:avLst/>
+        </a:prstGeom>
+        <a:gradFill rotWithShape="0">
+          <a:gsLst>
+            <a:gs pos="0">
+              <a:schemeClr val="accent1">
+                <a:hueOff val="0"/>
+                <a:satOff val="0"/>
+                <a:lumOff val="0"/>
+                <a:alphaOff val="0"/>
+                <a:satMod val="103000"/>
+                <a:lumMod val="102000"/>
+                <a:tint val="94000"/>
+              </a:schemeClr>
+            </a:gs>
+            <a:gs pos="50000">
+              <a:schemeClr val="accent1">
+                <a:hueOff val="0"/>
+                <a:satOff val="0"/>
+                <a:lumOff val="0"/>
+                <a:alphaOff val="0"/>
+                <a:satMod val="110000"/>
+                <a:lumMod val="100000"/>
+                <a:shade val="100000"/>
+              </a:schemeClr>
+            </a:gs>
+            <a:gs pos="100000">
+              <a:schemeClr val="accent1">
+                <a:hueOff val="0"/>
+                <a:satOff val="0"/>
+                <a:lumOff val="0"/>
+                <a:alphaOff val="0"/>
+                <a:lumMod val="99000"/>
+                <a:satMod val="120000"/>
+                <a:shade val="78000"/>
+              </a:schemeClr>
+            </a:gs>
+          </a:gsLst>
+          <a:lin ang="5400000" scaled="0"/>
+        </a:gradFill>
+        <a:ln>
+          <a:noFill/>
+        </a:ln>
+        <a:effectLst>
+          <a:outerShdw blurRad="57150" dist="19050" dir="5400000" algn="ctr" rotWithShape="0">
+            <a:srgbClr val="000000">
+              <a:alpha val="63000"/>
+            </a:srgbClr>
+          </a:outerShdw>
+        </a:effectLst>
+      </dsp:spPr>
+      <dsp:style>
+        <a:lnRef idx="0">
+          <a:scrgbClr r="0" g="0" b="0"/>
+        </a:lnRef>
+        <a:fillRef idx="3">
+          <a:scrgbClr r="0" g="0" b="0"/>
+        </a:fillRef>
+        <a:effectRef idx="3">
+          <a:scrgbClr r="0" g="0" b="0"/>
+        </a:effectRef>
+        <a:fontRef idx="minor">
+          <a:schemeClr val="lt1"/>
+        </a:fontRef>
+      </dsp:style>
+      <dsp:txBody>
+        <a:bodyPr spcFirstLastPara="0" vert="horz" wrap="square" lIns="6985" tIns="6985" rIns="6985" bIns="6985" numCol="1" spcCol="1270" anchor="ctr" anchorCtr="0">
+          <a:noAutofit/>
+        </a:bodyPr>
+        <a:lstStyle/>
+        <a:p>
+          <a:pPr marL="0" lvl="0" indent="0" algn="ctr" defTabSz="488950">
+            <a:lnSpc>
+              <a:spcPct val="90000"/>
+            </a:lnSpc>
+            <a:spcBef>
+              <a:spcPct val="0"/>
+            </a:spcBef>
+            <a:spcAft>
+              <a:spcPct val="35000"/>
+            </a:spcAft>
+            <a:buNone/>
+          </a:pPr>
+          <a:r>
+            <a:rPr lang="fr-FR" sz="1100" kern="1200" dirty="0"/>
+            <a:t>Interactions</a:t>
+          </a:r>
+        </a:p>
+      </dsp:txBody>
+      <dsp:txXfrm>
+        <a:off x="6955928" y="4477038"/>
         <a:ext cx="895759" cy="447879"/>
       </dsp:txXfrm>
     </dsp:sp>
@@ -17167,8 +18531,8 @@
       </dsp:nvSpPr>
       <dsp:spPr>
         <a:xfrm>
-          <a:off x="4064000" y="1215266"/>
-          <a:ext cx="3723468" cy="140382"/>
+          <a:off x="6096000" y="1713495"/>
+          <a:ext cx="5634702" cy="191625"/>
         </a:xfrm>
         <a:custGeom>
           <a:avLst/>
@@ -17182,13 +18546,13 @@
                 <a:pt x="0" y="0"/>
               </a:moveTo>
               <a:lnTo>
-                <a:pt x="0" y="70191"/>
+                <a:pt x="0" y="95812"/>
               </a:lnTo>
               <a:lnTo>
-                <a:pt x="3723468" y="70191"/>
+                <a:pt x="5634702" y="95812"/>
               </a:lnTo>
               <a:lnTo>
-                <a:pt x="3723468" y="140382"/>
+                <a:pt x="5634702" y="191625"/>
               </a:lnTo>
             </a:path>
           </a:pathLst>
@@ -17229,8 +18593,8 @@
       </dsp:nvSpPr>
       <dsp:spPr>
         <a:xfrm>
-          <a:off x="6711205" y="1689891"/>
-          <a:ext cx="100272" cy="782129"/>
+          <a:off x="10261573" y="2361372"/>
+          <a:ext cx="136875" cy="1067627"/>
         </a:xfrm>
         <a:custGeom>
           <a:avLst/>
@@ -17244,10 +18608,10 @@
                 <a:pt x="0" y="0"/>
               </a:moveTo>
               <a:lnTo>
-                <a:pt x="0" y="782129"/>
+                <a:pt x="0" y="1067627"/>
               </a:lnTo>
               <a:lnTo>
-                <a:pt x="100272" y="782129"/>
+                <a:pt x="136875" y="1067627"/>
               </a:lnTo>
             </a:path>
           </a:pathLst>
@@ -17288,8 +18652,8 @@
       </dsp:nvSpPr>
       <dsp:spPr>
         <a:xfrm>
-          <a:off x="6711205" y="1689891"/>
-          <a:ext cx="100272" cy="307503"/>
+          <a:off x="10261573" y="2361372"/>
+          <a:ext cx="136875" cy="419751"/>
         </a:xfrm>
         <a:custGeom>
           <a:avLst/>
@@ -17303,10 +18667,10 @@
                 <a:pt x="0" y="0"/>
               </a:moveTo>
               <a:lnTo>
-                <a:pt x="0" y="307503"/>
+                <a:pt x="0" y="419751"/>
               </a:lnTo>
               <a:lnTo>
-                <a:pt x="100272" y="307503"/>
+                <a:pt x="136875" y="419751"/>
               </a:lnTo>
             </a:path>
           </a:pathLst>
@@ -17347,8 +18711,8 @@
       </dsp:nvSpPr>
       <dsp:spPr>
         <a:xfrm>
-          <a:off x="4064000" y="1215266"/>
-          <a:ext cx="2914600" cy="140382"/>
+          <a:off x="6096000" y="1713495"/>
+          <a:ext cx="4530574" cy="191625"/>
         </a:xfrm>
         <a:custGeom>
           <a:avLst/>
@@ -17362,13 +18726,13 @@
                 <a:pt x="0" y="0"/>
               </a:moveTo>
               <a:lnTo>
-                <a:pt x="0" y="70191"/>
+                <a:pt x="0" y="95812"/>
               </a:lnTo>
               <a:lnTo>
-                <a:pt x="2914600" y="70191"/>
+                <a:pt x="4530574" y="95812"/>
               </a:lnTo>
               <a:lnTo>
-                <a:pt x="2914600" y="140382"/>
+                <a:pt x="4530574" y="191625"/>
               </a:lnTo>
             </a:path>
           </a:pathLst>
@@ -17409,8 +18773,8 @@
       </dsp:nvSpPr>
       <dsp:spPr>
         <a:xfrm>
-          <a:off x="5902337" y="2164517"/>
-          <a:ext cx="100272" cy="307503"/>
+          <a:off x="9157445" y="3009248"/>
+          <a:ext cx="136875" cy="419751"/>
         </a:xfrm>
         <a:custGeom>
           <a:avLst/>
@@ -17424,10 +18788,10 @@
                 <a:pt x="0" y="0"/>
               </a:moveTo>
               <a:lnTo>
-                <a:pt x="0" y="307503"/>
+                <a:pt x="0" y="419751"/>
               </a:lnTo>
               <a:lnTo>
-                <a:pt x="100272" y="307503"/>
+                <a:pt x="136875" y="419751"/>
               </a:lnTo>
             </a:path>
           </a:pathLst>
@@ -17468,8 +18832,8 @@
       </dsp:nvSpPr>
       <dsp:spPr>
         <a:xfrm>
-          <a:off x="4551995" y="1689891"/>
-          <a:ext cx="1617736" cy="140382"/>
+          <a:off x="6762126" y="2361372"/>
+          <a:ext cx="2760319" cy="191625"/>
         </a:xfrm>
         <a:custGeom>
           <a:avLst/>
@@ -17483,13 +18847,13 @@
                 <a:pt x="0" y="0"/>
               </a:moveTo>
               <a:lnTo>
-                <a:pt x="0" y="70191"/>
+                <a:pt x="0" y="95812"/>
               </a:lnTo>
               <a:lnTo>
-                <a:pt x="1617736" y="70191"/>
+                <a:pt x="2760319" y="95812"/>
               </a:lnTo>
               <a:lnTo>
-                <a:pt x="1617736" y="140382"/>
+                <a:pt x="2760319" y="191625"/>
               </a:lnTo>
             </a:path>
           </a:pathLst>
@@ -17530,8 +18894,8 @@
       </dsp:nvSpPr>
       <dsp:spPr>
         <a:xfrm>
-          <a:off x="5093468" y="2164517"/>
-          <a:ext cx="100272" cy="307503"/>
+          <a:off x="8053317" y="3009248"/>
+          <a:ext cx="136875" cy="419751"/>
         </a:xfrm>
         <a:custGeom>
           <a:avLst/>
@@ -17545,10 +18909,10 @@
                 <a:pt x="0" y="0"/>
               </a:moveTo>
               <a:lnTo>
-                <a:pt x="0" y="307503"/>
+                <a:pt x="0" y="419751"/>
               </a:lnTo>
               <a:lnTo>
-                <a:pt x="100272" y="307503"/>
+                <a:pt x="136875" y="419751"/>
               </a:lnTo>
             </a:path>
           </a:pathLst>
@@ -17589,8 +18953,8 @@
       </dsp:nvSpPr>
       <dsp:spPr>
         <a:xfrm>
-          <a:off x="4551995" y="1689891"/>
-          <a:ext cx="808868" cy="140382"/>
+          <a:off x="6762126" y="2361372"/>
+          <a:ext cx="1656191" cy="191625"/>
         </a:xfrm>
         <a:custGeom>
           <a:avLst/>
@@ -17604,13 +18968,13 @@
                 <a:pt x="0" y="0"/>
               </a:moveTo>
               <a:lnTo>
-                <a:pt x="0" y="70191"/>
+                <a:pt x="0" y="95812"/>
               </a:lnTo>
               <a:lnTo>
-                <a:pt x="808868" y="70191"/>
+                <a:pt x="1656191" y="95812"/>
               </a:lnTo>
               <a:lnTo>
-                <a:pt x="808868" y="140382"/>
+                <a:pt x="1656191" y="191625"/>
               </a:lnTo>
             </a:path>
           </a:pathLst>
@@ -17651,8 +19015,8 @@
       </dsp:nvSpPr>
       <dsp:spPr>
         <a:xfrm>
-          <a:off x="4284600" y="2164517"/>
-          <a:ext cx="100272" cy="307503"/>
+          <a:off x="6949189" y="3009248"/>
+          <a:ext cx="136875" cy="419751"/>
         </a:xfrm>
         <a:custGeom>
           <a:avLst/>
@@ -17666,10 +19030,10 @@
                 <a:pt x="0" y="0"/>
               </a:moveTo>
               <a:lnTo>
-                <a:pt x="0" y="307503"/>
+                <a:pt x="0" y="419751"/>
               </a:lnTo>
               <a:lnTo>
-                <a:pt x="100272" y="307503"/>
+                <a:pt x="136875" y="419751"/>
               </a:lnTo>
             </a:path>
           </a:pathLst>
@@ -17710,8 +19074,8 @@
       </dsp:nvSpPr>
       <dsp:spPr>
         <a:xfrm>
-          <a:off x="4506275" y="1689891"/>
-          <a:ext cx="91440" cy="140382"/>
+          <a:off x="6762126" y="2361372"/>
+          <a:ext cx="552063" cy="191625"/>
         </a:xfrm>
         <a:custGeom>
           <a:avLst/>
@@ -17722,10 +19086,16 @@
           <a:pathLst>
             <a:path>
               <a:moveTo>
-                <a:pt x="45720" y="0"/>
+                <a:pt x="0" y="0"/>
               </a:moveTo>
               <a:lnTo>
-                <a:pt x="45720" y="140382"/>
+                <a:pt x="0" y="95812"/>
+              </a:lnTo>
+              <a:lnTo>
+                <a:pt x="552063" y="95812"/>
+              </a:lnTo>
+              <a:lnTo>
+                <a:pt x="552063" y="191625"/>
               </a:lnTo>
             </a:path>
           </a:pathLst>
@@ -17759,15 +19129,15 @@
         <a:fontRef idx="minor"/>
       </dsp:style>
     </dsp:sp>
-    <dsp:sp modelId="{2C765269-E4F2-4548-9DFB-3647DFFF21C7}">
+    <dsp:sp modelId="{0D389016-0444-4496-B867-AF03FB15CCED}">
       <dsp:nvSpPr>
         <dsp:cNvPr id="0" name=""/>
         <dsp:cNvSpPr/>
       </dsp:nvSpPr>
       <dsp:spPr>
         <a:xfrm>
-          <a:off x="3475732" y="2164517"/>
-          <a:ext cx="100272" cy="2206004"/>
+          <a:off x="5845061" y="3009248"/>
+          <a:ext cx="136875" cy="1715504"/>
         </a:xfrm>
         <a:custGeom>
           <a:avLst/>
@@ -17781,10 +19151,10 @@
                 <a:pt x="0" y="0"/>
               </a:moveTo>
               <a:lnTo>
-                <a:pt x="0" y="2206004"/>
+                <a:pt x="0" y="1715504"/>
               </a:lnTo>
               <a:lnTo>
-                <a:pt x="100272" y="2206004"/>
+                <a:pt x="136875" y="1715504"/>
               </a:lnTo>
             </a:path>
           </a:pathLst>
@@ -17818,15 +19188,15 @@
         <a:fontRef idx="minor"/>
       </dsp:style>
     </dsp:sp>
-    <dsp:sp modelId="{A58DF403-F687-4101-9AF9-E5F501EA76F9}">
+    <dsp:sp modelId="{349F4192-013B-4301-B2AA-FEAAA3C9F9C6}">
       <dsp:nvSpPr>
         <dsp:cNvPr id="0" name=""/>
         <dsp:cNvSpPr/>
       </dsp:nvSpPr>
       <dsp:spPr>
         <a:xfrm>
-          <a:off x="3475732" y="2164517"/>
-          <a:ext cx="100272" cy="1731379"/>
+          <a:off x="5845061" y="3009248"/>
+          <a:ext cx="136875" cy="1067627"/>
         </a:xfrm>
         <a:custGeom>
           <a:avLst/>
@@ -17840,10 +19210,10 @@
                 <a:pt x="0" y="0"/>
               </a:moveTo>
               <a:lnTo>
-                <a:pt x="0" y="1731379"/>
+                <a:pt x="0" y="1067627"/>
               </a:lnTo>
               <a:lnTo>
-                <a:pt x="100272" y="1731379"/>
+                <a:pt x="136875" y="1067627"/>
               </a:lnTo>
             </a:path>
           </a:pathLst>
@@ -17877,15 +19247,15 @@
         <a:fontRef idx="minor"/>
       </dsp:style>
     </dsp:sp>
-    <dsp:sp modelId="{0963B401-F43D-4C83-8AE8-04D4B44FDF55}">
+    <dsp:sp modelId="{3D199254-6945-44BA-A49C-D5F8E7C52839}">
       <dsp:nvSpPr>
         <dsp:cNvPr id="0" name=""/>
         <dsp:cNvSpPr/>
       </dsp:nvSpPr>
       <dsp:spPr>
         <a:xfrm>
-          <a:off x="3475732" y="2164517"/>
-          <a:ext cx="100272" cy="1256754"/>
+          <a:off x="5845061" y="3009248"/>
+          <a:ext cx="136875" cy="419751"/>
         </a:xfrm>
         <a:custGeom>
           <a:avLst/>
@@ -17899,10 +19269,10 @@
                 <a:pt x="0" y="0"/>
               </a:moveTo>
               <a:lnTo>
-                <a:pt x="0" y="1256754"/>
+                <a:pt x="0" y="419751"/>
               </a:lnTo>
               <a:lnTo>
-                <a:pt x="100272" y="1256754"/>
+                <a:pt x="136875" y="419751"/>
               </a:lnTo>
             </a:path>
           </a:pathLst>
@@ -17936,15 +19306,15 @@
         <a:fontRef idx="minor"/>
       </dsp:style>
     </dsp:sp>
-    <dsp:sp modelId="{16E31BB5-BFDD-4AFE-844A-F299814D4AEB}">
+    <dsp:sp modelId="{871B5B7A-97CB-4AD2-B724-6ADC95A3CDFA}">
       <dsp:nvSpPr>
         <dsp:cNvPr id="0" name=""/>
         <dsp:cNvSpPr/>
       </dsp:nvSpPr>
       <dsp:spPr>
         <a:xfrm>
-          <a:off x="3475732" y="2164517"/>
-          <a:ext cx="100272" cy="782129"/>
+          <a:off x="6210062" y="2361372"/>
+          <a:ext cx="552063" cy="191625"/>
         </a:xfrm>
         <a:custGeom>
           <a:avLst/>
@@ -17955,13 +19325,16 @@
           <a:pathLst>
             <a:path>
               <a:moveTo>
-                <a:pt x="0" y="0"/>
+                <a:pt x="552063" y="0"/>
               </a:moveTo>
               <a:lnTo>
-                <a:pt x="0" y="782129"/>
+                <a:pt x="552063" y="95812"/>
               </a:lnTo>
               <a:lnTo>
-                <a:pt x="100272" y="782129"/>
+                <a:pt x="0" y="95812"/>
+              </a:lnTo>
+              <a:lnTo>
+                <a:pt x="0" y="191625"/>
               </a:lnTo>
             </a:path>
           </a:pathLst>
@@ -17995,15 +19368,15 @@
         <a:fontRef idx="minor"/>
       </dsp:style>
     </dsp:sp>
-    <dsp:sp modelId="{47D8E537-CC64-4009-A25A-FF5640E3B6F1}">
+    <dsp:sp modelId="{2C765269-E4F2-4548-9DFB-3647DFFF21C7}">
       <dsp:nvSpPr>
         <dsp:cNvPr id="0" name=""/>
         <dsp:cNvSpPr/>
       </dsp:nvSpPr>
       <dsp:spPr>
         <a:xfrm>
-          <a:off x="3475732" y="2164517"/>
-          <a:ext cx="100272" cy="307503"/>
+          <a:off x="4740933" y="3009248"/>
+          <a:ext cx="136875" cy="2363381"/>
         </a:xfrm>
         <a:custGeom>
           <a:avLst/>
@@ -18017,10 +19390,10 @@
                 <a:pt x="0" y="0"/>
               </a:moveTo>
               <a:lnTo>
-                <a:pt x="0" y="307503"/>
+                <a:pt x="0" y="2363381"/>
               </a:lnTo>
               <a:lnTo>
-                <a:pt x="100272" y="307503"/>
+                <a:pt x="136875" y="2363381"/>
               </a:lnTo>
             </a:path>
           </a:pathLst>
@@ -18054,15 +19427,15 @@
         <a:fontRef idx="minor"/>
       </dsp:style>
     </dsp:sp>
-    <dsp:sp modelId="{099F8471-01AF-4501-9390-232C1655A9B5}">
+    <dsp:sp modelId="{A58DF403-F687-4101-9AF9-E5F501EA76F9}">
       <dsp:nvSpPr>
         <dsp:cNvPr id="0" name=""/>
         <dsp:cNvSpPr/>
       </dsp:nvSpPr>
       <dsp:spPr>
         <a:xfrm>
-          <a:off x="3743126" y="1689891"/>
-          <a:ext cx="808868" cy="140382"/>
+          <a:off x="4740933" y="3009248"/>
+          <a:ext cx="136875" cy="1715504"/>
         </a:xfrm>
         <a:custGeom>
           <a:avLst/>
@@ -18073,16 +19446,13 @@
           <a:pathLst>
             <a:path>
               <a:moveTo>
-                <a:pt x="808868" y="0"/>
+                <a:pt x="0" y="0"/>
               </a:moveTo>
               <a:lnTo>
-                <a:pt x="808868" y="70191"/>
+                <a:pt x="0" y="1715504"/>
               </a:lnTo>
               <a:lnTo>
-                <a:pt x="0" y="70191"/>
-              </a:lnTo>
-              <a:lnTo>
-                <a:pt x="0" y="140382"/>
+                <a:pt x="136875" y="1715504"/>
               </a:lnTo>
             </a:path>
           </a:pathLst>
@@ -18116,15 +19486,15 @@
         <a:fontRef idx="minor"/>
       </dsp:style>
     </dsp:sp>
-    <dsp:sp modelId="{E6688126-9553-4585-BD31-651C17E54ADF}">
+    <dsp:sp modelId="{0963B401-F43D-4C83-8AE8-04D4B44FDF55}">
       <dsp:nvSpPr>
         <dsp:cNvPr id="0" name=""/>
         <dsp:cNvSpPr/>
       </dsp:nvSpPr>
       <dsp:spPr>
         <a:xfrm>
-          <a:off x="2666863" y="2164517"/>
-          <a:ext cx="100272" cy="307503"/>
+          <a:off x="4740933" y="3009248"/>
+          <a:ext cx="136875" cy="1067627"/>
         </a:xfrm>
         <a:custGeom>
           <a:avLst/>
@@ -18138,10 +19508,10 @@
                 <a:pt x="0" y="0"/>
               </a:moveTo>
               <a:lnTo>
-                <a:pt x="0" y="307503"/>
+                <a:pt x="0" y="1067627"/>
               </a:lnTo>
               <a:lnTo>
-                <a:pt x="100272" y="307503"/>
+                <a:pt x="136875" y="1067627"/>
               </a:lnTo>
             </a:path>
           </a:pathLst>
@@ -18175,15 +19545,15 @@
         <a:fontRef idx="minor"/>
       </dsp:style>
     </dsp:sp>
-    <dsp:sp modelId="{07DD8F83-B6C0-45E8-8E55-03C76DA468AE}">
+    <dsp:sp modelId="{47D8E537-CC64-4009-A25A-FF5640E3B6F1}">
       <dsp:nvSpPr>
         <dsp:cNvPr id="0" name=""/>
         <dsp:cNvSpPr/>
       </dsp:nvSpPr>
       <dsp:spPr>
         <a:xfrm>
-          <a:off x="2934258" y="1689891"/>
-          <a:ext cx="1617736" cy="140382"/>
+          <a:off x="4740933" y="3009248"/>
+          <a:ext cx="136875" cy="419751"/>
         </a:xfrm>
         <a:custGeom>
           <a:avLst/>
@@ -18194,16 +19564,13 @@
           <a:pathLst>
             <a:path>
               <a:moveTo>
-                <a:pt x="1617736" y="0"/>
+                <a:pt x="0" y="0"/>
               </a:moveTo>
               <a:lnTo>
-                <a:pt x="1617736" y="70191"/>
+                <a:pt x="0" y="419751"/>
               </a:lnTo>
               <a:lnTo>
-                <a:pt x="0" y="70191"/>
-              </a:lnTo>
-              <a:lnTo>
-                <a:pt x="0" y="140382"/>
+                <a:pt x="136875" y="419751"/>
               </a:lnTo>
             </a:path>
           </a:pathLst>
@@ -18237,15 +19604,77 @@
         <a:fontRef idx="minor"/>
       </dsp:style>
     </dsp:sp>
-    <dsp:sp modelId="{841364AE-F0AC-49D2-BF7F-A1D34CAB17EA}">
+    <dsp:sp modelId="{099F8471-01AF-4501-9390-232C1655A9B5}">
       <dsp:nvSpPr>
         <dsp:cNvPr id="0" name=""/>
         <dsp:cNvSpPr/>
       </dsp:nvSpPr>
       <dsp:spPr>
         <a:xfrm>
-          <a:off x="4064000" y="1215266"/>
-          <a:ext cx="487995" cy="140382"/>
+          <a:off x="5105934" y="2361372"/>
+          <a:ext cx="1656191" cy="191625"/>
+        </a:xfrm>
+        <a:custGeom>
+          <a:avLst/>
+          <a:gdLst/>
+          <a:ahLst/>
+          <a:cxnLst/>
+          <a:rect l="0" t="0" r="0" b="0"/>
+          <a:pathLst>
+            <a:path>
+              <a:moveTo>
+                <a:pt x="1656191" y="0"/>
+              </a:moveTo>
+              <a:lnTo>
+                <a:pt x="1656191" y="95812"/>
+              </a:lnTo>
+              <a:lnTo>
+                <a:pt x="0" y="95812"/>
+              </a:lnTo>
+              <a:lnTo>
+                <a:pt x="0" y="191625"/>
+              </a:lnTo>
+            </a:path>
+          </a:pathLst>
+        </a:custGeom>
+        <a:noFill/>
+        <a:ln w="12700" cap="flat" cmpd="sng" algn="ctr">
+          <a:solidFill>
+            <a:schemeClr val="accent1">
+              <a:shade val="80000"/>
+              <a:hueOff val="0"/>
+              <a:satOff val="0"/>
+              <a:lumOff val="0"/>
+              <a:alphaOff val="0"/>
+            </a:schemeClr>
+          </a:solidFill>
+          <a:prstDash val="solid"/>
+          <a:miter lim="800000"/>
+        </a:ln>
+        <a:effectLst/>
+      </dsp:spPr>
+      <dsp:style>
+        <a:lnRef idx="2">
+          <a:scrgbClr r="0" g="0" b="0"/>
+        </a:lnRef>
+        <a:fillRef idx="0">
+          <a:scrgbClr r="0" g="0" b="0"/>
+        </a:fillRef>
+        <a:effectRef idx="0">
+          <a:scrgbClr r="0" g="0" b="0"/>
+        </a:effectRef>
+        <a:fontRef idx="minor"/>
+      </dsp:style>
+    </dsp:sp>
+    <dsp:sp modelId="{E6688126-9553-4585-BD31-651C17E54ADF}">
+      <dsp:nvSpPr>
+        <dsp:cNvPr id="0" name=""/>
+        <dsp:cNvSpPr/>
+      </dsp:nvSpPr>
+      <dsp:spPr>
+        <a:xfrm>
+          <a:off x="3636805" y="3009248"/>
+          <a:ext cx="136875" cy="419751"/>
         </a:xfrm>
         <a:custGeom>
           <a:avLst/>
@@ -18259,13 +19688,134 @@
                 <a:pt x="0" y="0"/>
               </a:moveTo>
               <a:lnTo>
-                <a:pt x="0" y="70191"/>
+                <a:pt x="0" y="419751"/>
               </a:lnTo>
               <a:lnTo>
-                <a:pt x="487995" y="70191"/>
+                <a:pt x="136875" y="419751"/>
+              </a:lnTo>
+            </a:path>
+          </a:pathLst>
+        </a:custGeom>
+        <a:noFill/>
+        <a:ln w="12700" cap="flat" cmpd="sng" algn="ctr">
+          <a:solidFill>
+            <a:schemeClr val="accent1">
+              <a:shade val="80000"/>
+              <a:hueOff val="0"/>
+              <a:satOff val="0"/>
+              <a:lumOff val="0"/>
+              <a:alphaOff val="0"/>
+            </a:schemeClr>
+          </a:solidFill>
+          <a:prstDash val="solid"/>
+          <a:miter lim="800000"/>
+        </a:ln>
+        <a:effectLst/>
+      </dsp:spPr>
+      <dsp:style>
+        <a:lnRef idx="2">
+          <a:scrgbClr r="0" g="0" b="0"/>
+        </a:lnRef>
+        <a:fillRef idx="0">
+          <a:scrgbClr r="0" g="0" b="0"/>
+        </a:fillRef>
+        <a:effectRef idx="0">
+          <a:scrgbClr r="0" g="0" b="0"/>
+        </a:effectRef>
+        <a:fontRef idx="minor"/>
+      </dsp:style>
+    </dsp:sp>
+    <dsp:sp modelId="{07DD8F83-B6C0-45E8-8E55-03C76DA468AE}">
+      <dsp:nvSpPr>
+        <dsp:cNvPr id="0" name=""/>
+        <dsp:cNvSpPr/>
+      </dsp:nvSpPr>
+      <dsp:spPr>
+        <a:xfrm>
+          <a:off x="4001806" y="2361372"/>
+          <a:ext cx="2760319" cy="191625"/>
+        </a:xfrm>
+        <a:custGeom>
+          <a:avLst/>
+          <a:gdLst/>
+          <a:ahLst/>
+          <a:cxnLst/>
+          <a:rect l="0" t="0" r="0" b="0"/>
+          <a:pathLst>
+            <a:path>
+              <a:moveTo>
+                <a:pt x="2760319" y="0"/>
+              </a:moveTo>
+              <a:lnTo>
+                <a:pt x="2760319" y="95812"/>
               </a:lnTo>
               <a:lnTo>
-                <a:pt x="487995" y="140382"/>
+                <a:pt x="0" y="95812"/>
+              </a:lnTo>
+              <a:lnTo>
+                <a:pt x="0" y="191625"/>
+              </a:lnTo>
+            </a:path>
+          </a:pathLst>
+        </a:custGeom>
+        <a:noFill/>
+        <a:ln w="12700" cap="flat" cmpd="sng" algn="ctr">
+          <a:solidFill>
+            <a:schemeClr val="accent1">
+              <a:shade val="80000"/>
+              <a:hueOff val="0"/>
+              <a:satOff val="0"/>
+              <a:lumOff val="0"/>
+              <a:alphaOff val="0"/>
+            </a:schemeClr>
+          </a:solidFill>
+          <a:prstDash val="solid"/>
+          <a:miter lim="800000"/>
+        </a:ln>
+        <a:effectLst/>
+      </dsp:spPr>
+      <dsp:style>
+        <a:lnRef idx="2">
+          <a:scrgbClr r="0" g="0" b="0"/>
+        </a:lnRef>
+        <a:fillRef idx="0">
+          <a:scrgbClr r="0" g="0" b="0"/>
+        </a:fillRef>
+        <a:effectRef idx="0">
+          <a:scrgbClr r="0" g="0" b="0"/>
+        </a:effectRef>
+        <a:fontRef idx="minor"/>
+      </dsp:style>
+    </dsp:sp>
+    <dsp:sp modelId="{841364AE-F0AC-49D2-BF7F-A1D34CAB17EA}">
+      <dsp:nvSpPr>
+        <dsp:cNvPr id="0" name=""/>
+        <dsp:cNvSpPr/>
+      </dsp:nvSpPr>
+      <dsp:spPr>
+        <a:xfrm>
+          <a:off x="6096000" y="1713495"/>
+          <a:ext cx="666126" cy="191625"/>
+        </a:xfrm>
+        <a:custGeom>
+          <a:avLst/>
+          <a:gdLst/>
+          <a:ahLst/>
+          <a:cxnLst/>
+          <a:rect l="0" t="0" r="0" b="0"/>
+          <a:pathLst>
+            <a:path>
+              <a:moveTo>
+                <a:pt x="0" y="0"/>
+              </a:moveTo>
+              <a:lnTo>
+                <a:pt x="0" y="95812"/>
+              </a:lnTo>
+              <a:lnTo>
+                <a:pt x="666126" y="95812"/>
+              </a:lnTo>
+              <a:lnTo>
+                <a:pt x="666126" y="191625"/>
               </a:lnTo>
             </a:path>
           </a:pathLst>
@@ -18306,8 +19856,8 @@
       </dsp:nvSpPr>
       <dsp:spPr>
         <a:xfrm>
-          <a:off x="1857995" y="2164517"/>
-          <a:ext cx="100272" cy="1256754"/>
+          <a:off x="2532677" y="3009248"/>
+          <a:ext cx="136875" cy="1715504"/>
         </a:xfrm>
         <a:custGeom>
           <a:avLst/>
@@ -18321,10 +19871,10 @@
                 <a:pt x="0" y="0"/>
               </a:moveTo>
               <a:lnTo>
-                <a:pt x="0" y="1256754"/>
+                <a:pt x="0" y="1715504"/>
               </a:lnTo>
               <a:lnTo>
-                <a:pt x="100272" y="1256754"/>
+                <a:pt x="136875" y="1715504"/>
               </a:lnTo>
             </a:path>
           </a:pathLst>
@@ -18365,8 +19915,8 @@
       </dsp:nvSpPr>
       <dsp:spPr>
         <a:xfrm>
-          <a:off x="1857995" y="2164517"/>
-          <a:ext cx="100272" cy="782129"/>
+          <a:off x="2532677" y="3009248"/>
+          <a:ext cx="136875" cy="1067627"/>
         </a:xfrm>
         <a:custGeom>
           <a:avLst/>
@@ -18380,10 +19930,10 @@
                 <a:pt x="0" y="0"/>
               </a:moveTo>
               <a:lnTo>
-                <a:pt x="0" y="782129"/>
+                <a:pt x="0" y="1067627"/>
               </a:lnTo>
               <a:lnTo>
-                <a:pt x="100272" y="782129"/>
+                <a:pt x="136875" y="1067627"/>
               </a:lnTo>
             </a:path>
           </a:pathLst>
@@ -18424,8 +19974,8 @@
       </dsp:nvSpPr>
       <dsp:spPr>
         <a:xfrm>
-          <a:off x="1857995" y="2164517"/>
-          <a:ext cx="100272" cy="307503"/>
+          <a:off x="2532677" y="3009248"/>
+          <a:ext cx="136875" cy="419751"/>
         </a:xfrm>
         <a:custGeom>
           <a:avLst/>
@@ -18439,10 +19989,10 @@
                 <a:pt x="0" y="0"/>
               </a:moveTo>
               <a:lnTo>
-                <a:pt x="0" y="307503"/>
+                <a:pt x="0" y="419751"/>
               </a:lnTo>
               <a:lnTo>
-                <a:pt x="100272" y="307503"/>
+                <a:pt x="136875" y="419751"/>
               </a:lnTo>
             </a:path>
           </a:pathLst>
@@ -18483,8 +20033,8 @@
       </dsp:nvSpPr>
       <dsp:spPr>
         <a:xfrm>
-          <a:off x="1720955" y="1689891"/>
-          <a:ext cx="404434" cy="140382"/>
+          <a:off x="2345614" y="2361372"/>
+          <a:ext cx="552063" cy="191625"/>
         </a:xfrm>
         <a:custGeom>
           <a:avLst/>
@@ -18498,13 +20048,13 @@
                 <a:pt x="0" y="0"/>
               </a:moveTo>
               <a:lnTo>
-                <a:pt x="0" y="70191"/>
+                <a:pt x="0" y="95812"/>
               </a:lnTo>
               <a:lnTo>
-                <a:pt x="404434" y="70191"/>
+                <a:pt x="552063" y="95812"/>
               </a:lnTo>
               <a:lnTo>
-                <a:pt x="404434" y="140382"/>
+                <a:pt x="552063" y="191625"/>
               </a:lnTo>
             </a:path>
           </a:pathLst>
@@ -18545,8 +20095,8 @@
       </dsp:nvSpPr>
       <dsp:spPr>
         <a:xfrm>
-          <a:off x="1049126" y="2164517"/>
-          <a:ext cx="100272" cy="1256754"/>
+          <a:off x="1428550" y="3009248"/>
+          <a:ext cx="136875" cy="1715504"/>
         </a:xfrm>
         <a:custGeom>
           <a:avLst/>
@@ -18560,10 +20110,10 @@
                 <a:pt x="0" y="0"/>
               </a:moveTo>
               <a:lnTo>
-                <a:pt x="0" y="1256754"/>
+                <a:pt x="0" y="1715504"/>
               </a:lnTo>
               <a:lnTo>
-                <a:pt x="100272" y="1256754"/>
+                <a:pt x="136875" y="1715504"/>
               </a:lnTo>
             </a:path>
           </a:pathLst>
@@ -18604,8 +20154,8 @@
       </dsp:nvSpPr>
       <dsp:spPr>
         <a:xfrm>
-          <a:off x="1049126" y="2164517"/>
-          <a:ext cx="100272" cy="782129"/>
+          <a:off x="1428550" y="3009248"/>
+          <a:ext cx="136875" cy="1067627"/>
         </a:xfrm>
         <a:custGeom>
           <a:avLst/>
@@ -18619,10 +20169,10 @@
                 <a:pt x="0" y="0"/>
               </a:moveTo>
               <a:lnTo>
-                <a:pt x="0" y="782129"/>
+                <a:pt x="0" y="1067627"/>
               </a:lnTo>
               <a:lnTo>
-                <a:pt x="100272" y="782129"/>
+                <a:pt x="136875" y="1067627"/>
               </a:lnTo>
             </a:path>
           </a:pathLst>
@@ -18663,8 +20213,8 @@
       </dsp:nvSpPr>
       <dsp:spPr>
         <a:xfrm>
-          <a:off x="1049126" y="2164517"/>
-          <a:ext cx="100272" cy="307503"/>
+          <a:off x="1428550" y="3009248"/>
+          <a:ext cx="136875" cy="419751"/>
         </a:xfrm>
         <a:custGeom>
           <a:avLst/>
@@ -18678,10 +20228,10 @@
                 <a:pt x="0" y="0"/>
               </a:moveTo>
               <a:lnTo>
-                <a:pt x="0" y="307503"/>
+                <a:pt x="0" y="419751"/>
               </a:lnTo>
               <a:lnTo>
-                <a:pt x="100272" y="307503"/>
+                <a:pt x="136875" y="419751"/>
               </a:lnTo>
             </a:path>
           </a:pathLst>
@@ -18722,8 +20272,8 @@
       </dsp:nvSpPr>
       <dsp:spPr>
         <a:xfrm>
-          <a:off x="1316521" y="1689891"/>
-          <a:ext cx="404434" cy="140382"/>
+          <a:off x="1793550" y="2361372"/>
+          <a:ext cx="552063" cy="191625"/>
         </a:xfrm>
         <a:custGeom>
           <a:avLst/>
@@ -18734,16 +20284,16 @@
           <a:pathLst>
             <a:path>
               <a:moveTo>
-                <a:pt x="404434" y="0"/>
+                <a:pt x="552063" y="0"/>
               </a:moveTo>
               <a:lnTo>
-                <a:pt x="404434" y="70191"/>
+                <a:pt x="552063" y="95812"/>
               </a:lnTo>
               <a:lnTo>
-                <a:pt x="0" y="70191"/>
+                <a:pt x="0" y="95812"/>
               </a:lnTo>
               <a:lnTo>
-                <a:pt x="0" y="140382"/>
+                <a:pt x="0" y="191625"/>
               </a:lnTo>
             </a:path>
           </a:pathLst>
@@ -18784,8 +20334,8 @@
       </dsp:nvSpPr>
       <dsp:spPr>
         <a:xfrm>
-          <a:off x="1720955" y="1215266"/>
-          <a:ext cx="2343044" cy="140382"/>
+          <a:off x="2345614" y="1713495"/>
+          <a:ext cx="3750385" cy="191625"/>
         </a:xfrm>
         <a:custGeom>
           <a:avLst/>
@@ -18796,16 +20346,16 @@
           <a:pathLst>
             <a:path>
               <a:moveTo>
-                <a:pt x="2343044" y="0"/>
+                <a:pt x="3750385" y="0"/>
               </a:moveTo>
               <a:lnTo>
-                <a:pt x="2343044" y="70191"/>
+                <a:pt x="3750385" y="95812"/>
               </a:lnTo>
               <a:lnTo>
-                <a:pt x="0" y="70191"/>
+                <a:pt x="0" y="95812"/>
               </a:lnTo>
               <a:lnTo>
-                <a:pt x="0" y="140382"/>
+                <a:pt x="0" y="191625"/>
               </a:lnTo>
             </a:path>
           </a:pathLst>
@@ -18846,8 +20396,8 @@
       </dsp:nvSpPr>
       <dsp:spPr>
         <a:xfrm>
-          <a:off x="73136" y="1689891"/>
-          <a:ext cx="100272" cy="2206004"/>
+          <a:off x="96296" y="2361372"/>
+          <a:ext cx="136875" cy="3011258"/>
         </a:xfrm>
         <a:custGeom>
           <a:avLst/>
@@ -18861,10 +20411,10 @@
                 <a:pt x="0" y="0"/>
               </a:moveTo>
               <a:lnTo>
-                <a:pt x="0" y="2206004"/>
+                <a:pt x="0" y="3011258"/>
               </a:lnTo>
               <a:lnTo>
-                <a:pt x="100272" y="2206004"/>
+                <a:pt x="136875" y="3011258"/>
               </a:lnTo>
             </a:path>
           </a:pathLst>
@@ -18905,8 +20455,8 @@
       </dsp:nvSpPr>
       <dsp:spPr>
         <a:xfrm>
-          <a:off x="73136" y="1689891"/>
-          <a:ext cx="100272" cy="1731379"/>
+          <a:off x="96296" y="2361372"/>
+          <a:ext cx="136875" cy="2363381"/>
         </a:xfrm>
         <a:custGeom>
           <a:avLst/>
@@ -18920,10 +20470,10 @@
                 <a:pt x="0" y="0"/>
               </a:moveTo>
               <a:lnTo>
-                <a:pt x="0" y="1731379"/>
+                <a:pt x="0" y="2363381"/>
               </a:lnTo>
               <a:lnTo>
-                <a:pt x="100272" y="1731379"/>
+                <a:pt x="136875" y="2363381"/>
               </a:lnTo>
             </a:path>
           </a:pathLst>
@@ -18964,8 +20514,8 @@
       </dsp:nvSpPr>
       <dsp:spPr>
         <a:xfrm>
-          <a:off x="73136" y="1689891"/>
-          <a:ext cx="100272" cy="1256754"/>
+          <a:off x="96296" y="2361372"/>
+          <a:ext cx="136875" cy="1715504"/>
         </a:xfrm>
         <a:custGeom>
           <a:avLst/>
@@ -18979,10 +20529,10 @@
                 <a:pt x="0" y="0"/>
               </a:moveTo>
               <a:lnTo>
-                <a:pt x="0" y="1256754"/>
+                <a:pt x="0" y="1715504"/>
               </a:lnTo>
               <a:lnTo>
-                <a:pt x="100272" y="1256754"/>
+                <a:pt x="136875" y="1715504"/>
               </a:lnTo>
             </a:path>
           </a:pathLst>
@@ -19023,8 +20573,8 @@
       </dsp:nvSpPr>
       <dsp:spPr>
         <a:xfrm>
-          <a:off x="73136" y="1689891"/>
-          <a:ext cx="100272" cy="782129"/>
+          <a:off x="96296" y="2361372"/>
+          <a:ext cx="136875" cy="1067627"/>
         </a:xfrm>
         <a:custGeom>
           <a:avLst/>
@@ -19038,10 +20588,10 @@
                 <a:pt x="0" y="0"/>
               </a:moveTo>
               <a:lnTo>
-                <a:pt x="0" y="782129"/>
+                <a:pt x="0" y="1067627"/>
               </a:lnTo>
               <a:lnTo>
-                <a:pt x="100272" y="782129"/>
+                <a:pt x="136875" y="1067627"/>
               </a:lnTo>
             </a:path>
           </a:pathLst>
@@ -19082,8 +20632,8 @@
       </dsp:nvSpPr>
       <dsp:spPr>
         <a:xfrm>
-          <a:off x="73136" y="1689891"/>
-          <a:ext cx="100272" cy="307503"/>
+          <a:off x="96296" y="2361372"/>
+          <a:ext cx="136875" cy="419751"/>
         </a:xfrm>
         <a:custGeom>
           <a:avLst/>
@@ -19097,10 +20647,10 @@
                 <a:pt x="0" y="0"/>
               </a:moveTo>
               <a:lnTo>
-                <a:pt x="0" y="307503"/>
+                <a:pt x="0" y="419751"/>
               </a:lnTo>
               <a:lnTo>
-                <a:pt x="100272" y="307503"/>
+                <a:pt x="136875" y="419751"/>
               </a:lnTo>
             </a:path>
           </a:pathLst>
@@ -19141,8 +20691,8 @@
       </dsp:nvSpPr>
       <dsp:spPr>
         <a:xfrm>
-          <a:off x="340531" y="1215266"/>
-          <a:ext cx="3723468" cy="140382"/>
+          <a:off x="461297" y="1713495"/>
+          <a:ext cx="5634702" cy="191625"/>
         </a:xfrm>
         <a:custGeom>
           <a:avLst/>
@@ -19153,16 +20703,16 @@
           <a:pathLst>
             <a:path>
               <a:moveTo>
-                <a:pt x="3723468" y="0"/>
+                <a:pt x="5634702" y="0"/>
               </a:moveTo>
               <a:lnTo>
-                <a:pt x="3723468" y="70191"/>
+                <a:pt x="5634702" y="95812"/>
               </a:lnTo>
               <a:lnTo>
-                <a:pt x="0" y="70191"/>
+                <a:pt x="0" y="95812"/>
               </a:lnTo>
               <a:lnTo>
-                <a:pt x="0" y="140382"/>
+                <a:pt x="0" y="191625"/>
               </a:lnTo>
             </a:path>
           </a:pathLst>
@@ -19203,8 +20753,8 @@
       </dsp:nvSpPr>
       <dsp:spPr>
         <a:xfrm>
-          <a:off x="3729756" y="881023"/>
-          <a:ext cx="668486" cy="334243"/>
+          <a:off x="5639748" y="1257244"/>
+          <a:ext cx="912502" cy="456251"/>
         </a:xfrm>
         <a:prstGeom prst="rect">
           <a:avLst/>
@@ -19238,12 +20788,12 @@
         </a:fontRef>
       </dsp:style>
       <dsp:txBody>
-        <a:bodyPr spcFirstLastPara="0" vert="horz" wrap="square" lIns="4445" tIns="4445" rIns="4445" bIns="4445" numCol="1" spcCol="1270" anchor="ctr" anchorCtr="0">
+        <a:bodyPr spcFirstLastPara="0" vert="horz" wrap="square" lIns="6350" tIns="6350" rIns="6350" bIns="6350" numCol="1" spcCol="1270" anchor="ctr" anchorCtr="0">
           <a:noAutofit/>
         </a:bodyPr>
         <a:lstStyle/>
         <a:p>
-          <a:pPr marL="0" lvl="0" indent="0" algn="ctr" defTabSz="311150">
+          <a:pPr marL="0" lvl="0" indent="0" algn="ctr" defTabSz="444500">
             <a:lnSpc>
               <a:spcPct val="90000"/>
             </a:lnSpc>
@@ -19256,19 +20806,19 @@
             <a:buNone/>
           </a:pPr>
           <a:r>
-            <a:rPr lang="fr-FR" sz="700" kern="1200" dirty="0"/>
+            <a:rPr lang="fr-FR" sz="1000" kern="1200" dirty="0"/>
             <a:t>Drivers </a:t>
           </a:r>
           <a:r>
-            <a:rPr lang="fr-FR" sz="700" kern="1200" dirty="0" err="1"/>
+            <a:rPr lang="fr-FR" sz="1000" kern="1200" dirty="0" err="1"/>
             <a:t>Fight</a:t>
           </a:r>
-          <a:endParaRPr lang="fr-FR" sz="700" kern="1200" dirty="0"/>
+          <a:endParaRPr lang="fr-FR" sz="1000" kern="1200" dirty="0"/>
         </a:p>
       </dsp:txBody>
       <dsp:txXfrm>
-        <a:off x="3729756" y="881023"/>
-        <a:ext cx="668486" cy="334243"/>
+        <a:off x="5639748" y="1257244"/>
+        <a:ext cx="912502" cy="456251"/>
       </dsp:txXfrm>
     </dsp:sp>
     <dsp:sp modelId="{E0D67A5D-F08D-4569-B32A-DCCB31D987AA}">
@@ -19278,8 +20828,8 @@
       </dsp:nvSpPr>
       <dsp:spPr>
         <a:xfrm>
-          <a:off x="6287" y="1355648"/>
-          <a:ext cx="668486" cy="334243"/>
+          <a:off x="5046" y="1905120"/>
+          <a:ext cx="912502" cy="456251"/>
         </a:xfrm>
         <a:prstGeom prst="rect">
           <a:avLst/>
@@ -19336,12 +20886,12 @@
         </a:fontRef>
       </dsp:style>
       <dsp:txBody>
-        <a:bodyPr spcFirstLastPara="0" vert="horz" wrap="square" lIns="4445" tIns="4445" rIns="4445" bIns="4445" numCol="1" spcCol="1270" anchor="ctr" anchorCtr="0">
+        <a:bodyPr spcFirstLastPara="0" vert="horz" wrap="square" lIns="6350" tIns="6350" rIns="6350" bIns="6350" numCol="1" spcCol="1270" anchor="ctr" anchorCtr="0">
           <a:noAutofit/>
         </a:bodyPr>
         <a:lstStyle/>
         <a:p>
-          <a:pPr marL="0" lvl="0" indent="0" algn="ctr" defTabSz="311150">
+          <a:pPr marL="0" lvl="0" indent="0" algn="ctr" defTabSz="444500">
             <a:lnSpc>
               <a:spcPct val="90000"/>
             </a:lnSpc>
@@ -19354,14 +20904,14 @@
             <a:buNone/>
           </a:pPr>
           <a:r>
-            <a:rPr lang="fr-FR" sz="700" kern="1200" dirty="0"/>
+            <a:rPr lang="fr-FR" sz="1000" kern="1200" dirty="0"/>
             <a:t>Menus</a:t>
           </a:r>
         </a:p>
       </dsp:txBody>
       <dsp:txXfrm>
-        <a:off x="6287" y="1355648"/>
-        <a:ext cx="668486" cy="334243"/>
+        <a:off x="5046" y="1905120"/>
+        <a:ext cx="912502" cy="456251"/>
       </dsp:txXfrm>
     </dsp:sp>
     <dsp:sp modelId="{C1AC98A2-EFAA-4528-9161-76FB6A7A6A09}">
@@ -19371,8 +20921,8 @@
       </dsp:nvSpPr>
       <dsp:spPr>
         <a:xfrm>
-          <a:off x="173409" y="1830273"/>
-          <a:ext cx="668486" cy="334243"/>
+          <a:off x="233171" y="2552997"/>
+          <a:ext cx="912502" cy="456251"/>
         </a:xfrm>
         <a:prstGeom prst="rect">
           <a:avLst/>
@@ -19429,12 +20979,12 @@
         </a:fontRef>
       </dsp:style>
       <dsp:txBody>
-        <a:bodyPr spcFirstLastPara="0" vert="horz" wrap="square" lIns="4445" tIns="4445" rIns="4445" bIns="4445" numCol="1" spcCol="1270" anchor="ctr" anchorCtr="0">
+        <a:bodyPr spcFirstLastPara="0" vert="horz" wrap="square" lIns="6350" tIns="6350" rIns="6350" bIns="6350" numCol="1" spcCol="1270" anchor="ctr" anchorCtr="0">
           <a:noAutofit/>
         </a:bodyPr>
         <a:lstStyle/>
         <a:p>
-          <a:pPr marL="0" lvl="0" indent="0" algn="ctr" defTabSz="311150">
+          <a:pPr marL="0" lvl="0" indent="0" algn="ctr" defTabSz="444500">
             <a:lnSpc>
               <a:spcPct val="90000"/>
             </a:lnSpc>
@@ -19447,14 +20997,14 @@
             <a:buNone/>
           </a:pPr>
           <a:r>
-            <a:rPr lang="fr-FR" sz="700" kern="1200" dirty="0"/>
+            <a:rPr lang="fr-FR" sz="1000" kern="1200" dirty="0"/>
             <a:t>Code d’interaction des boutons</a:t>
           </a:r>
         </a:p>
       </dsp:txBody>
       <dsp:txXfrm>
-        <a:off x="173409" y="1830273"/>
-        <a:ext cx="668486" cy="334243"/>
+        <a:off x="233171" y="2552997"/>
+        <a:ext cx="912502" cy="456251"/>
       </dsp:txXfrm>
     </dsp:sp>
     <dsp:sp modelId="{B891F430-06B8-4ADC-B72B-C4ECB72F9F13}">
@@ -19464,8 +21014,8 @@
       </dsp:nvSpPr>
       <dsp:spPr>
         <a:xfrm>
-          <a:off x="173409" y="2304899"/>
-          <a:ext cx="668486" cy="334243"/>
+          <a:off x="233171" y="3200874"/>
+          <a:ext cx="912502" cy="456251"/>
         </a:xfrm>
         <a:prstGeom prst="rect">
           <a:avLst/>
@@ -19522,12 +21072,12 @@
         </a:fontRef>
       </dsp:style>
       <dsp:txBody>
-        <a:bodyPr spcFirstLastPara="0" vert="horz" wrap="square" lIns="4445" tIns="4445" rIns="4445" bIns="4445" numCol="1" spcCol="1270" anchor="ctr" anchorCtr="0">
+        <a:bodyPr spcFirstLastPara="0" vert="horz" wrap="square" lIns="6350" tIns="6350" rIns="6350" bIns="6350" numCol="1" spcCol="1270" anchor="ctr" anchorCtr="0">
           <a:noAutofit/>
         </a:bodyPr>
         <a:lstStyle/>
         <a:p>
-          <a:pPr marL="0" lvl="0" indent="0" algn="ctr" defTabSz="311150">
+          <a:pPr marL="0" lvl="0" indent="0" algn="ctr" defTabSz="444500">
             <a:lnSpc>
               <a:spcPct val="90000"/>
             </a:lnSpc>
@@ -19540,14 +21090,14 @@
             <a:buNone/>
           </a:pPr>
           <a:r>
-            <a:rPr lang="fr-FR" sz="700" kern="1200" dirty="0"/>
+            <a:rPr lang="fr-FR" sz="1000" kern="1200" dirty="0"/>
             <a:t>Graphisme des boutons</a:t>
           </a:r>
         </a:p>
       </dsp:txBody>
       <dsp:txXfrm>
-        <a:off x="173409" y="2304899"/>
-        <a:ext cx="668486" cy="334243"/>
+        <a:off x="233171" y="3200874"/>
+        <a:ext cx="912502" cy="456251"/>
       </dsp:txXfrm>
     </dsp:sp>
     <dsp:sp modelId="{CD678167-6470-4F43-9C2D-37952995E67B}">
@@ -19557,8 +21107,8 @@
       </dsp:nvSpPr>
       <dsp:spPr>
         <a:xfrm>
-          <a:off x="173409" y="2779524"/>
-          <a:ext cx="668486" cy="334243"/>
+          <a:off x="233171" y="3848751"/>
+          <a:ext cx="912502" cy="456251"/>
         </a:xfrm>
         <a:prstGeom prst="rect">
           <a:avLst/>
@@ -19615,12 +21165,12 @@
         </a:fontRef>
       </dsp:style>
       <dsp:txBody>
-        <a:bodyPr spcFirstLastPara="0" vert="horz" wrap="square" lIns="4445" tIns="4445" rIns="4445" bIns="4445" numCol="1" spcCol="1270" anchor="ctr" anchorCtr="0">
+        <a:bodyPr spcFirstLastPara="0" vert="horz" wrap="square" lIns="6350" tIns="6350" rIns="6350" bIns="6350" numCol="1" spcCol="1270" anchor="ctr" anchorCtr="0">
           <a:noAutofit/>
         </a:bodyPr>
         <a:lstStyle/>
         <a:p>
-          <a:pPr marL="0" lvl="0" indent="0" algn="ctr" defTabSz="311150">
+          <a:pPr marL="0" lvl="0" indent="0" algn="ctr" defTabSz="444500">
             <a:lnSpc>
               <a:spcPct val="90000"/>
             </a:lnSpc>
@@ -19633,14 +21183,14 @@
             <a:buNone/>
           </a:pPr>
           <a:r>
-            <a:rPr lang="fr-FR" sz="700" kern="1200" dirty="0"/>
+            <a:rPr lang="fr-FR" sz="1000" kern="1200" dirty="0"/>
             <a:t>Configuration des options</a:t>
           </a:r>
         </a:p>
       </dsp:txBody>
       <dsp:txXfrm>
-        <a:off x="173409" y="2779524"/>
-        <a:ext cx="668486" cy="334243"/>
+        <a:off x="233171" y="3848751"/>
+        <a:ext cx="912502" cy="456251"/>
       </dsp:txXfrm>
     </dsp:sp>
     <dsp:sp modelId="{720ED4F4-5AEE-4B8B-BCB4-B3610F212AE7}">
@@ -19650,8 +21200,8 @@
       </dsp:nvSpPr>
       <dsp:spPr>
         <a:xfrm>
-          <a:off x="173409" y="3254149"/>
-          <a:ext cx="668486" cy="334243"/>
+          <a:off x="233171" y="4496627"/>
+          <a:ext cx="912502" cy="456251"/>
         </a:xfrm>
         <a:prstGeom prst="rect">
           <a:avLst/>
@@ -19708,12 +21258,12 @@
         </a:fontRef>
       </dsp:style>
       <dsp:txBody>
-        <a:bodyPr spcFirstLastPara="0" vert="horz" wrap="square" lIns="4445" tIns="4445" rIns="4445" bIns="4445" numCol="1" spcCol="1270" anchor="ctr" anchorCtr="0">
+        <a:bodyPr spcFirstLastPara="0" vert="horz" wrap="square" lIns="6350" tIns="6350" rIns="6350" bIns="6350" numCol="1" spcCol="1270" anchor="ctr" anchorCtr="0">
           <a:noAutofit/>
         </a:bodyPr>
         <a:lstStyle/>
         <a:p>
-          <a:pPr marL="0" lvl="0" indent="0" algn="ctr" defTabSz="311150">
+          <a:pPr marL="0" lvl="0" indent="0" algn="ctr" defTabSz="444500">
             <a:lnSpc>
               <a:spcPct val="90000"/>
             </a:lnSpc>
@@ -19726,14 +21276,14 @@
             <a:buNone/>
           </a:pPr>
           <a:r>
-            <a:rPr lang="fr-FR" sz="700" kern="1200" dirty="0"/>
+            <a:rPr lang="fr-FR" sz="1000" kern="1200" dirty="0"/>
             <a:t>Pause globale</a:t>
           </a:r>
         </a:p>
       </dsp:txBody>
       <dsp:txXfrm>
-        <a:off x="173409" y="3254149"/>
-        <a:ext cx="668486" cy="334243"/>
+        <a:off x="233171" y="4496627"/>
+        <a:ext cx="912502" cy="456251"/>
       </dsp:txXfrm>
     </dsp:sp>
     <dsp:sp modelId="{34308C2D-BDAB-4A34-8E20-5334A64E0E62}">
@@ -19743,8 +21293,8 @@
       </dsp:nvSpPr>
       <dsp:spPr>
         <a:xfrm>
-          <a:off x="173409" y="3728775"/>
-          <a:ext cx="668486" cy="334243"/>
+          <a:off x="233171" y="5144504"/>
+          <a:ext cx="912502" cy="456251"/>
         </a:xfrm>
         <a:prstGeom prst="rect">
           <a:avLst/>
@@ -19801,12 +21351,12 @@
         </a:fontRef>
       </dsp:style>
       <dsp:txBody>
-        <a:bodyPr spcFirstLastPara="0" vert="horz" wrap="square" lIns="4445" tIns="4445" rIns="4445" bIns="4445" numCol="1" spcCol="1270" anchor="ctr" anchorCtr="0">
+        <a:bodyPr spcFirstLastPara="0" vert="horz" wrap="square" lIns="6350" tIns="6350" rIns="6350" bIns="6350" numCol="1" spcCol="1270" anchor="ctr" anchorCtr="0">
           <a:noAutofit/>
         </a:bodyPr>
         <a:lstStyle/>
         <a:p>
-          <a:pPr marL="0" lvl="0" indent="0" algn="ctr" defTabSz="311150">
+          <a:pPr marL="0" lvl="0" indent="0" algn="ctr" defTabSz="444500">
             <a:lnSpc>
               <a:spcPct val="90000"/>
             </a:lnSpc>
@@ -19819,14 +21369,14 @@
             <a:buNone/>
           </a:pPr>
           <a:r>
-            <a:rPr lang="fr-FR" sz="700" kern="1200" dirty="0"/>
+            <a:rPr lang="fr-FR" sz="1000" kern="1200" dirty="0"/>
             <a:t>Intégration du plugin réseaux sociaux</a:t>
           </a:r>
         </a:p>
       </dsp:txBody>
       <dsp:txXfrm>
-        <a:off x="173409" y="3728775"/>
-        <a:ext cx="668486" cy="334243"/>
+        <a:off x="233171" y="5144504"/>
+        <a:ext cx="912502" cy="456251"/>
       </dsp:txXfrm>
     </dsp:sp>
     <dsp:sp modelId="{F04FD56A-93DE-44B4-9094-6DED80169386}">
@@ -19836,8 +21386,8 @@
       </dsp:nvSpPr>
       <dsp:spPr>
         <a:xfrm>
-          <a:off x="1386712" y="1355648"/>
-          <a:ext cx="668486" cy="334243"/>
+          <a:off x="1889363" y="1905120"/>
+          <a:ext cx="912502" cy="456251"/>
         </a:xfrm>
         <a:prstGeom prst="rect">
           <a:avLst/>
@@ -19894,12 +21444,12 @@
         </a:fontRef>
       </dsp:style>
       <dsp:txBody>
-        <a:bodyPr spcFirstLastPara="0" vert="horz" wrap="square" lIns="4445" tIns="4445" rIns="4445" bIns="4445" numCol="1" spcCol="1270" anchor="ctr" anchorCtr="0">
+        <a:bodyPr spcFirstLastPara="0" vert="horz" wrap="square" lIns="6350" tIns="6350" rIns="6350" bIns="6350" numCol="1" spcCol="1270" anchor="ctr" anchorCtr="0">
           <a:noAutofit/>
         </a:bodyPr>
         <a:lstStyle/>
         <a:p>
-          <a:pPr marL="0" lvl="0" indent="0" algn="ctr" defTabSz="311150">
+          <a:pPr marL="0" lvl="0" indent="0" algn="ctr" defTabSz="444500">
             <a:lnSpc>
               <a:spcPct val="90000"/>
             </a:lnSpc>
@@ -19912,14 +21462,14 @@
             <a:buNone/>
           </a:pPr>
           <a:r>
-            <a:rPr lang="fr-FR" sz="700" kern="1200" dirty="0"/>
+            <a:rPr lang="fr-FR" sz="1000" kern="1200" dirty="0"/>
             <a:t>Graphismes</a:t>
           </a:r>
         </a:p>
       </dsp:txBody>
       <dsp:txXfrm>
-        <a:off x="1386712" y="1355648"/>
-        <a:ext cx="668486" cy="334243"/>
+        <a:off x="1889363" y="1905120"/>
+        <a:ext cx="912502" cy="456251"/>
       </dsp:txXfrm>
     </dsp:sp>
     <dsp:sp modelId="{223526FF-CCBF-4717-B165-BD13A71C4659}">
@@ -19929,8 +21479,8 @@
       </dsp:nvSpPr>
       <dsp:spPr>
         <a:xfrm>
-          <a:off x="982278" y="1830273"/>
-          <a:ext cx="668486" cy="334243"/>
+          <a:off x="1337299" y="2552997"/>
+          <a:ext cx="912502" cy="456251"/>
         </a:xfrm>
         <a:prstGeom prst="rect">
           <a:avLst/>
@@ -19987,12 +21537,12 @@
         </a:fontRef>
       </dsp:style>
       <dsp:txBody>
-        <a:bodyPr spcFirstLastPara="0" vert="horz" wrap="square" lIns="4445" tIns="4445" rIns="4445" bIns="4445" numCol="1" spcCol="1270" anchor="ctr" anchorCtr="0">
+        <a:bodyPr spcFirstLastPara="0" vert="horz" wrap="square" lIns="6350" tIns="6350" rIns="6350" bIns="6350" numCol="1" spcCol="1270" anchor="ctr" anchorCtr="0">
           <a:noAutofit/>
         </a:bodyPr>
         <a:lstStyle/>
         <a:p>
-          <a:pPr marL="0" lvl="0" indent="0" algn="ctr" defTabSz="311150">
+          <a:pPr marL="0" lvl="0" indent="0" algn="ctr" defTabSz="444500">
             <a:lnSpc>
               <a:spcPct val="90000"/>
             </a:lnSpc>
@@ -20005,14 +21555,14 @@
             <a:buNone/>
           </a:pPr>
           <a:r>
-            <a:rPr lang="fr-FR" sz="700" kern="1200" dirty="0"/>
+            <a:rPr lang="fr-FR" sz="1000" kern="1200" dirty="0"/>
             <a:t>Voitures</a:t>
           </a:r>
         </a:p>
       </dsp:txBody>
       <dsp:txXfrm>
-        <a:off x="982278" y="1830273"/>
-        <a:ext cx="668486" cy="334243"/>
+        <a:off x="1337299" y="2552997"/>
+        <a:ext cx="912502" cy="456251"/>
       </dsp:txXfrm>
     </dsp:sp>
     <dsp:sp modelId="{52D44F9C-FAFC-4ABD-82C3-AAFBA4DDC4F7}">
@@ -20022,8 +21572,8 @@
       </dsp:nvSpPr>
       <dsp:spPr>
         <a:xfrm>
-          <a:off x="1149399" y="2304899"/>
-          <a:ext cx="668486" cy="334243"/>
+          <a:off x="1565425" y="3200874"/>
+          <a:ext cx="912502" cy="456251"/>
         </a:xfrm>
         <a:prstGeom prst="rect">
           <a:avLst/>
@@ -20080,12 +21630,12 @@
         </a:fontRef>
       </dsp:style>
       <dsp:txBody>
-        <a:bodyPr spcFirstLastPara="0" vert="horz" wrap="square" lIns="4445" tIns="4445" rIns="4445" bIns="4445" numCol="1" spcCol="1270" anchor="ctr" anchorCtr="0">
+        <a:bodyPr spcFirstLastPara="0" vert="horz" wrap="square" lIns="6350" tIns="6350" rIns="6350" bIns="6350" numCol="1" spcCol="1270" anchor="ctr" anchorCtr="0">
           <a:noAutofit/>
         </a:bodyPr>
         <a:lstStyle/>
         <a:p>
-          <a:pPr marL="0" lvl="0" indent="0" algn="ctr" defTabSz="311150">
+          <a:pPr marL="0" lvl="0" indent="0" algn="ctr" defTabSz="444500">
             <a:lnSpc>
               <a:spcPct val="90000"/>
             </a:lnSpc>
@@ -20098,14 +21648,14 @@
             <a:buNone/>
           </a:pPr>
           <a:r>
-            <a:rPr lang="fr-FR" sz="700" kern="1200" dirty="0"/>
+            <a:rPr lang="fr-FR" sz="1000" kern="1200" dirty="0"/>
             <a:t>Modélisation</a:t>
           </a:r>
         </a:p>
       </dsp:txBody>
       <dsp:txXfrm>
-        <a:off x="1149399" y="2304899"/>
-        <a:ext cx="668486" cy="334243"/>
+        <a:off x="1565425" y="3200874"/>
+        <a:ext cx="912502" cy="456251"/>
       </dsp:txXfrm>
     </dsp:sp>
     <dsp:sp modelId="{C8AEAED8-53A8-440C-9E3D-D4F17758067D}">
@@ -20115,8 +21665,8 @@
       </dsp:nvSpPr>
       <dsp:spPr>
         <a:xfrm>
-          <a:off x="1149399" y="2779524"/>
-          <a:ext cx="668486" cy="334243"/>
+          <a:off x="1565425" y="3848751"/>
+          <a:ext cx="912502" cy="456251"/>
         </a:xfrm>
         <a:prstGeom prst="rect">
           <a:avLst/>
@@ -20173,12 +21723,12 @@
         </a:fontRef>
       </dsp:style>
       <dsp:txBody>
-        <a:bodyPr spcFirstLastPara="0" vert="horz" wrap="square" lIns="4445" tIns="4445" rIns="4445" bIns="4445" numCol="1" spcCol="1270" anchor="ctr" anchorCtr="0">
+        <a:bodyPr spcFirstLastPara="0" vert="horz" wrap="square" lIns="6350" tIns="6350" rIns="6350" bIns="6350" numCol="1" spcCol="1270" anchor="ctr" anchorCtr="0">
           <a:noAutofit/>
         </a:bodyPr>
         <a:lstStyle/>
         <a:p>
-          <a:pPr marL="0" lvl="0" indent="0" algn="ctr" defTabSz="311150">
+          <a:pPr marL="0" lvl="0" indent="0" algn="ctr" defTabSz="444500">
             <a:lnSpc>
               <a:spcPct val="90000"/>
             </a:lnSpc>
@@ -20191,14 +21741,14 @@
             <a:buNone/>
           </a:pPr>
           <a:r>
-            <a:rPr lang="fr-FR" sz="700" kern="1200" dirty="0"/>
+            <a:rPr lang="fr-FR" sz="1000" kern="1200" dirty="0"/>
             <a:t>Texturing</a:t>
           </a:r>
         </a:p>
       </dsp:txBody>
       <dsp:txXfrm>
-        <a:off x="1149399" y="2779524"/>
-        <a:ext cx="668486" cy="334243"/>
+        <a:off x="1565425" y="3848751"/>
+        <a:ext cx="912502" cy="456251"/>
       </dsp:txXfrm>
     </dsp:sp>
     <dsp:sp modelId="{05DB9995-C51A-49CF-ACB2-C88AA7DFF567}">
@@ -20208,8 +21758,8 @@
       </dsp:nvSpPr>
       <dsp:spPr>
         <a:xfrm>
-          <a:off x="1149399" y="3254149"/>
-          <a:ext cx="668486" cy="334243"/>
+          <a:off x="1565425" y="4496627"/>
+          <a:ext cx="912502" cy="456251"/>
         </a:xfrm>
         <a:prstGeom prst="rect">
           <a:avLst/>
@@ -20266,12 +21816,12 @@
         </a:fontRef>
       </dsp:style>
       <dsp:txBody>
-        <a:bodyPr spcFirstLastPara="0" vert="horz" wrap="square" lIns="4445" tIns="4445" rIns="4445" bIns="4445" numCol="1" spcCol="1270" anchor="ctr" anchorCtr="0">
+        <a:bodyPr spcFirstLastPara="0" vert="horz" wrap="square" lIns="6350" tIns="6350" rIns="6350" bIns="6350" numCol="1" spcCol="1270" anchor="ctr" anchorCtr="0">
           <a:noAutofit/>
         </a:bodyPr>
         <a:lstStyle/>
         <a:p>
-          <a:pPr marL="0" lvl="0" indent="0" algn="ctr" defTabSz="311150">
+          <a:pPr marL="0" lvl="0" indent="0" algn="ctr" defTabSz="444500">
             <a:lnSpc>
               <a:spcPct val="90000"/>
             </a:lnSpc>
@@ -20284,14 +21834,14 @@
             <a:buNone/>
           </a:pPr>
           <a:r>
-            <a:rPr lang="fr-FR" sz="700" kern="1200" dirty="0"/>
+            <a:rPr lang="fr-FR" sz="1000" kern="1200" dirty="0"/>
             <a:t>Animation</a:t>
           </a:r>
         </a:p>
       </dsp:txBody>
       <dsp:txXfrm>
-        <a:off x="1149399" y="3254149"/>
-        <a:ext cx="668486" cy="334243"/>
+        <a:off x="1565425" y="4496627"/>
+        <a:ext cx="912502" cy="456251"/>
       </dsp:txXfrm>
     </dsp:sp>
     <dsp:sp modelId="{57148644-F7BC-4D57-B7CF-BB5AD22D230F}">
@@ -20301,8 +21851,8 @@
       </dsp:nvSpPr>
       <dsp:spPr>
         <a:xfrm>
-          <a:off x="1791146" y="1830273"/>
-          <a:ext cx="668486" cy="334243"/>
+          <a:off x="2441427" y="2552997"/>
+          <a:ext cx="912502" cy="456251"/>
         </a:xfrm>
         <a:prstGeom prst="rect">
           <a:avLst/>
@@ -20359,12 +21909,12 @@
         </a:fontRef>
       </dsp:style>
       <dsp:txBody>
-        <a:bodyPr spcFirstLastPara="0" vert="horz" wrap="square" lIns="4445" tIns="4445" rIns="4445" bIns="4445" numCol="1" spcCol="1270" anchor="ctr" anchorCtr="0">
+        <a:bodyPr spcFirstLastPara="0" vert="horz" wrap="square" lIns="6350" tIns="6350" rIns="6350" bIns="6350" numCol="1" spcCol="1270" anchor="ctr" anchorCtr="0">
           <a:noAutofit/>
         </a:bodyPr>
         <a:lstStyle/>
         <a:p>
-          <a:pPr marL="0" lvl="0" indent="0" algn="ctr" defTabSz="311150">
+          <a:pPr marL="0" lvl="0" indent="0" algn="ctr" defTabSz="444500">
             <a:lnSpc>
               <a:spcPct val="90000"/>
             </a:lnSpc>
@@ -20377,14 +21927,14 @@
             <a:buNone/>
           </a:pPr>
           <a:r>
-            <a:rPr lang="fr-FR" sz="700" kern="1200" dirty="0"/>
+            <a:rPr lang="fr-FR" sz="1000" kern="1200" dirty="0"/>
             <a:t>Décors</a:t>
           </a:r>
         </a:p>
       </dsp:txBody>
       <dsp:txXfrm>
-        <a:off x="1791146" y="1830273"/>
-        <a:ext cx="668486" cy="334243"/>
+        <a:off x="2441427" y="2552997"/>
+        <a:ext cx="912502" cy="456251"/>
       </dsp:txXfrm>
     </dsp:sp>
     <dsp:sp modelId="{4653A9DE-FAFC-47DA-AE37-7DBC0631E1D0}">
@@ -20394,8 +21944,8 @@
       </dsp:nvSpPr>
       <dsp:spPr>
         <a:xfrm>
-          <a:off x="1958268" y="2304899"/>
-          <a:ext cx="668486" cy="334243"/>
+          <a:off x="2669553" y="3200874"/>
+          <a:ext cx="912502" cy="456251"/>
         </a:xfrm>
         <a:prstGeom prst="rect">
           <a:avLst/>
@@ -20452,12 +22002,12 @@
         </a:fontRef>
       </dsp:style>
       <dsp:txBody>
-        <a:bodyPr spcFirstLastPara="0" vert="horz" wrap="square" lIns="4445" tIns="4445" rIns="4445" bIns="4445" numCol="1" spcCol="1270" anchor="ctr" anchorCtr="0">
+        <a:bodyPr spcFirstLastPara="0" vert="horz" wrap="square" lIns="6350" tIns="6350" rIns="6350" bIns="6350" numCol="1" spcCol="1270" anchor="ctr" anchorCtr="0">
           <a:noAutofit/>
         </a:bodyPr>
         <a:lstStyle/>
         <a:p>
-          <a:pPr marL="0" lvl="0" indent="0" algn="ctr" defTabSz="311150">
+          <a:pPr marL="0" lvl="0" indent="0" algn="ctr" defTabSz="444500">
             <a:lnSpc>
               <a:spcPct val="90000"/>
             </a:lnSpc>
@@ -20470,14 +22020,14 @@
             <a:buNone/>
           </a:pPr>
           <a:r>
-            <a:rPr lang="fr-FR" sz="700" kern="1200" dirty="0"/>
+            <a:rPr lang="fr-FR" sz="1000" kern="1200" dirty="0"/>
             <a:t>Modélisation</a:t>
           </a:r>
         </a:p>
       </dsp:txBody>
       <dsp:txXfrm>
-        <a:off x="1958268" y="2304899"/>
-        <a:ext cx="668486" cy="334243"/>
+        <a:off x="2669553" y="3200874"/>
+        <a:ext cx="912502" cy="456251"/>
       </dsp:txXfrm>
     </dsp:sp>
     <dsp:sp modelId="{B684F656-3ACD-42F4-8D95-4A36561CB45A}">
@@ -20487,8 +22037,8 @@
       </dsp:nvSpPr>
       <dsp:spPr>
         <a:xfrm>
-          <a:off x="1958268" y="2779524"/>
-          <a:ext cx="668486" cy="334243"/>
+          <a:off x="2669553" y="3848751"/>
+          <a:ext cx="912502" cy="456251"/>
         </a:xfrm>
         <a:prstGeom prst="rect">
           <a:avLst/>
@@ -20545,12 +22095,12 @@
         </a:fontRef>
       </dsp:style>
       <dsp:txBody>
-        <a:bodyPr spcFirstLastPara="0" vert="horz" wrap="square" lIns="4445" tIns="4445" rIns="4445" bIns="4445" numCol="1" spcCol="1270" anchor="ctr" anchorCtr="0">
+        <a:bodyPr spcFirstLastPara="0" vert="horz" wrap="square" lIns="6350" tIns="6350" rIns="6350" bIns="6350" numCol="1" spcCol="1270" anchor="ctr" anchorCtr="0">
           <a:noAutofit/>
         </a:bodyPr>
         <a:lstStyle/>
         <a:p>
-          <a:pPr marL="0" lvl="0" indent="0" algn="ctr" defTabSz="311150">
+          <a:pPr marL="0" lvl="0" indent="0" algn="ctr" defTabSz="444500">
             <a:lnSpc>
               <a:spcPct val="90000"/>
             </a:lnSpc>
@@ -20563,14 +22113,14 @@
             <a:buNone/>
           </a:pPr>
           <a:r>
-            <a:rPr lang="fr-FR" sz="700" kern="1200" dirty="0"/>
+            <a:rPr lang="fr-FR" sz="1000" kern="1200" dirty="0"/>
             <a:t>Texturing</a:t>
           </a:r>
         </a:p>
       </dsp:txBody>
       <dsp:txXfrm>
-        <a:off x="1958268" y="2779524"/>
-        <a:ext cx="668486" cy="334243"/>
+        <a:off x="2669553" y="3848751"/>
+        <a:ext cx="912502" cy="456251"/>
       </dsp:txXfrm>
     </dsp:sp>
     <dsp:sp modelId="{2DA468E7-4C21-40EC-A76D-903E52944D67}">
@@ -20580,8 +22130,8 @@
       </dsp:nvSpPr>
       <dsp:spPr>
         <a:xfrm>
-          <a:off x="1958268" y="3254149"/>
-          <a:ext cx="668486" cy="334243"/>
+          <a:off x="2669553" y="4496627"/>
+          <a:ext cx="912502" cy="456251"/>
         </a:xfrm>
         <a:prstGeom prst="rect">
           <a:avLst/>
@@ -20638,12 +22188,12 @@
         </a:fontRef>
       </dsp:style>
       <dsp:txBody>
-        <a:bodyPr spcFirstLastPara="0" vert="horz" wrap="square" lIns="4445" tIns="4445" rIns="4445" bIns="4445" numCol="1" spcCol="1270" anchor="ctr" anchorCtr="0">
+        <a:bodyPr spcFirstLastPara="0" vert="horz" wrap="square" lIns="6350" tIns="6350" rIns="6350" bIns="6350" numCol="1" spcCol="1270" anchor="ctr" anchorCtr="0">
           <a:noAutofit/>
         </a:bodyPr>
         <a:lstStyle/>
         <a:p>
-          <a:pPr marL="0" lvl="0" indent="0" algn="ctr" defTabSz="311150">
+          <a:pPr marL="0" lvl="0" indent="0" algn="ctr" defTabSz="444500">
             <a:lnSpc>
               <a:spcPct val="90000"/>
             </a:lnSpc>
@@ -20656,14 +22206,14 @@
             <a:buNone/>
           </a:pPr>
           <a:r>
-            <a:rPr lang="fr-FR" sz="700" kern="1200" dirty="0"/>
+            <a:rPr lang="fr-FR" sz="1000" kern="1200" dirty="0"/>
             <a:t>Animation</a:t>
           </a:r>
         </a:p>
       </dsp:txBody>
       <dsp:txXfrm>
-        <a:off x="1958268" y="3254149"/>
-        <a:ext cx="668486" cy="334243"/>
+        <a:off x="2669553" y="4496627"/>
+        <a:ext cx="912502" cy="456251"/>
       </dsp:txXfrm>
     </dsp:sp>
     <dsp:sp modelId="{7F970893-A537-41F4-A7D6-0B6E89BCBC64}">
@@ -20673,8 +22223,8 @@
       </dsp:nvSpPr>
       <dsp:spPr>
         <a:xfrm>
-          <a:off x="4217751" y="1355648"/>
-          <a:ext cx="668486" cy="334243"/>
+          <a:off x="6305875" y="1905120"/>
+          <a:ext cx="912502" cy="456251"/>
         </a:xfrm>
         <a:prstGeom prst="rect">
           <a:avLst/>
@@ -20743,12 +22293,12 @@
         </a:fontRef>
       </dsp:style>
       <dsp:txBody>
-        <a:bodyPr spcFirstLastPara="0" vert="horz" wrap="square" lIns="4445" tIns="4445" rIns="4445" bIns="4445" numCol="1" spcCol="1270" anchor="ctr" anchorCtr="0">
+        <a:bodyPr spcFirstLastPara="0" vert="horz" wrap="square" lIns="6350" tIns="6350" rIns="6350" bIns="6350" numCol="1" spcCol="1270" anchor="ctr" anchorCtr="0">
           <a:noAutofit/>
         </a:bodyPr>
         <a:lstStyle/>
         <a:p>
-          <a:pPr marL="0" lvl="0" indent="0" algn="ctr" defTabSz="311150">
+          <a:pPr marL="0" lvl="0" indent="0" algn="ctr" defTabSz="444500">
             <a:lnSpc>
               <a:spcPct val="90000"/>
             </a:lnSpc>
@@ -20761,14 +22311,14 @@
             <a:buNone/>
           </a:pPr>
           <a:r>
-            <a:rPr lang="fr-FR" sz="700" kern="1200" dirty="0"/>
+            <a:rPr lang="fr-FR" sz="1000" kern="1200" dirty="0"/>
             <a:t>Gameplay</a:t>
           </a:r>
         </a:p>
       </dsp:txBody>
       <dsp:txXfrm>
-        <a:off x="4217751" y="1355648"/>
-        <a:ext cx="668486" cy="334243"/>
+        <a:off x="6305875" y="1905120"/>
+        <a:ext cx="912502" cy="456251"/>
       </dsp:txXfrm>
     </dsp:sp>
     <dsp:sp modelId="{91FABC38-FB4A-406F-90AD-4E9CD03EA98E}">
@@ -20778,8 +22328,8 @@
       </dsp:nvSpPr>
       <dsp:spPr>
         <a:xfrm>
-          <a:off x="2600014" y="1830273"/>
-          <a:ext cx="668486" cy="334243"/>
+          <a:off x="3545555" y="2552997"/>
+          <a:ext cx="912502" cy="456251"/>
         </a:xfrm>
         <a:prstGeom prst="rect">
           <a:avLst/>
@@ -20848,12 +22398,12 @@
         </a:fontRef>
       </dsp:style>
       <dsp:txBody>
-        <a:bodyPr spcFirstLastPara="0" vert="horz" wrap="square" lIns="4445" tIns="4445" rIns="4445" bIns="4445" numCol="1" spcCol="1270" anchor="ctr" anchorCtr="0">
+        <a:bodyPr spcFirstLastPara="0" vert="horz" wrap="square" lIns="6350" tIns="6350" rIns="6350" bIns="6350" numCol="1" spcCol="1270" anchor="ctr" anchorCtr="0">
           <a:noAutofit/>
         </a:bodyPr>
         <a:lstStyle/>
         <a:p>
-          <a:pPr marL="0" lvl="0" indent="0" algn="ctr" defTabSz="311150">
+          <a:pPr marL="0" lvl="0" indent="0" algn="ctr" defTabSz="444500">
             <a:lnSpc>
               <a:spcPct val="90000"/>
             </a:lnSpc>
@@ -20866,14 +22416,14 @@
             <a:buNone/>
           </a:pPr>
           <a:r>
-            <a:rPr lang="fr-FR" sz="700" kern="1200" dirty="0"/>
+            <a:rPr lang="fr-FR" sz="1000" kern="1200" dirty="0"/>
             <a:t>Multijoueur</a:t>
           </a:r>
         </a:p>
       </dsp:txBody>
       <dsp:txXfrm>
-        <a:off x="2600014" y="1830273"/>
-        <a:ext cx="668486" cy="334243"/>
+        <a:off x="3545555" y="2552997"/>
+        <a:ext cx="912502" cy="456251"/>
       </dsp:txXfrm>
     </dsp:sp>
     <dsp:sp modelId="{F80E2F2E-C22A-4570-BF97-D25812DCD364}">
@@ -20883,8 +22433,8 @@
       </dsp:nvSpPr>
       <dsp:spPr>
         <a:xfrm>
-          <a:off x="2767136" y="2304899"/>
-          <a:ext cx="668486" cy="334243"/>
+          <a:off x="3773681" y="3200874"/>
+          <a:ext cx="912502" cy="456251"/>
         </a:xfrm>
         <a:prstGeom prst="rect">
           <a:avLst/>
@@ -20953,12 +22503,12 @@
         </a:fontRef>
       </dsp:style>
       <dsp:txBody>
-        <a:bodyPr spcFirstLastPara="0" vert="horz" wrap="square" lIns="4445" tIns="4445" rIns="4445" bIns="4445" numCol="1" spcCol="1270" anchor="ctr" anchorCtr="0">
+        <a:bodyPr spcFirstLastPara="0" vert="horz" wrap="square" lIns="6350" tIns="6350" rIns="6350" bIns="6350" numCol="1" spcCol="1270" anchor="ctr" anchorCtr="0">
           <a:noAutofit/>
         </a:bodyPr>
         <a:lstStyle/>
         <a:p>
-          <a:pPr marL="0" lvl="0" indent="0" algn="ctr" defTabSz="311150">
+          <a:pPr marL="0" lvl="0" indent="0" algn="ctr" defTabSz="444500">
             <a:lnSpc>
               <a:spcPct val="90000"/>
             </a:lnSpc>
@@ -20971,14 +22521,14 @@
             <a:buNone/>
           </a:pPr>
           <a:r>
-            <a:rPr lang="fr-FR" sz="700" kern="1200" dirty="0"/>
+            <a:rPr lang="fr-FR" sz="1000" kern="1200" dirty="0"/>
             <a:t>Photon</a:t>
           </a:r>
         </a:p>
       </dsp:txBody>
       <dsp:txXfrm>
-        <a:off x="2767136" y="2304899"/>
-        <a:ext cx="668486" cy="334243"/>
+        <a:off x="3773681" y="3200874"/>
+        <a:ext cx="912502" cy="456251"/>
       </dsp:txXfrm>
     </dsp:sp>
     <dsp:sp modelId="{FEE279DF-ECA0-41C8-97F6-05A6A28DB205}">
@@ -20988,8 +22538,8 @@
       </dsp:nvSpPr>
       <dsp:spPr>
         <a:xfrm>
-          <a:off x="3408883" y="1830273"/>
-          <a:ext cx="668486" cy="334243"/>
+          <a:off x="4649683" y="2552997"/>
+          <a:ext cx="912502" cy="456251"/>
         </a:xfrm>
         <a:prstGeom prst="rect">
           <a:avLst/>
@@ -21058,12 +22608,12 @@
         </a:fontRef>
       </dsp:style>
       <dsp:txBody>
-        <a:bodyPr spcFirstLastPara="0" vert="horz" wrap="square" lIns="4445" tIns="4445" rIns="4445" bIns="4445" numCol="1" spcCol="1270" anchor="ctr" anchorCtr="0">
+        <a:bodyPr spcFirstLastPara="0" vert="horz" wrap="square" lIns="6350" tIns="6350" rIns="6350" bIns="6350" numCol="1" spcCol="1270" anchor="ctr" anchorCtr="0">
           <a:noAutofit/>
         </a:bodyPr>
         <a:lstStyle/>
         <a:p>
-          <a:pPr marL="0" lvl="0" indent="0" algn="ctr" defTabSz="311150">
+          <a:pPr marL="0" lvl="0" indent="0" algn="ctr" defTabSz="444500">
             <a:lnSpc>
               <a:spcPct val="90000"/>
             </a:lnSpc>
@@ -21076,14 +22626,14 @@
             <a:buNone/>
           </a:pPr>
           <a:r>
-            <a:rPr lang="fr-FR" sz="700" kern="1200" dirty="0"/>
+            <a:rPr lang="fr-FR" sz="1000" kern="1200" dirty="0"/>
             <a:t>Joueur</a:t>
           </a:r>
         </a:p>
       </dsp:txBody>
       <dsp:txXfrm>
-        <a:off x="3408883" y="1830273"/>
-        <a:ext cx="668486" cy="334243"/>
+        <a:off x="4649683" y="2552997"/>
+        <a:ext cx="912502" cy="456251"/>
       </dsp:txXfrm>
     </dsp:sp>
     <dsp:sp modelId="{7CB443AB-71DB-4233-B77E-FDD90192D12E}">
@@ -21093,8 +22643,8 @@
       </dsp:nvSpPr>
       <dsp:spPr>
         <a:xfrm>
-          <a:off x="3576004" y="2304899"/>
-          <a:ext cx="668486" cy="334243"/>
+          <a:off x="4877809" y="3200874"/>
+          <a:ext cx="912502" cy="456251"/>
         </a:xfrm>
         <a:prstGeom prst="rect">
           <a:avLst/>
@@ -21163,12 +22713,12 @@
         </a:fontRef>
       </dsp:style>
       <dsp:txBody>
-        <a:bodyPr spcFirstLastPara="0" vert="horz" wrap="square" lIns="4445" tIns="4445" rIns="4445" bIns="4445" numCol="1" spcCol="1270" anchor="ctr" anchorCtr="0">
+        <a:bodyPr spcFirstLastPara="0" vert="horz" wrap="square" lIns="6350" tIns="6350" rIns="6350" bIns="6350" numCol="1" spcCol="1270" anchor="ctr" anchorCtr="0">
           <a:noAutofit/>
         </a:bodyPr>
         <a:lstStyle/>
         <a:p>
-          <a:pPr marL="0" lvl="0" indent="0" algn="ctr" defTabSz="311150">
+          <a:pPr marL="0" lvl="0" indent="0" algn="ctr" defTabSz="444500">
             <a:lnSpc>
               <a:spcPct val="90000"/>
             </a:lnSpc>
@@ -21181,25 +22731,25 @@
             <a:buNone/>
           </a:pPr>
           <a:r>
-            <a:rPr lang="fr-FR" sz="700" kern="1200" dirty="0"/>
+            <a:rPr lang="fr-FR" sz="1000" kern="1200" dirty="0"/>
             <a:t>Scripts de déplacement</a:t>
           </a:r>
         </a:p>
       </dsp:txBody>
       <dsp:txXfrm>
-        <a:off x="3576004" y="2304899"/>
-        <a:ext cx="668486" cy="334243"/>
+        <a:off x="4877809" y="3200874"/>
+        <a:ext cx="912502" cy="456251"/>
       </dsp:txXfrm>
     </dsp:sp>
-    <dsp:sp modelId="{423A34ED-FA61-4A5B-8933-0426407DD4F6}">
+    <dsp:sp modelId="{6F0BA756-41FE-4AE0-BDCB-8592043CAC32}">
       <dsp:nvSpPr>
         <dsp:cNvPr id="0" name=""/>
         <dsp:cNvSpPr/>
       </dsp:nvSpPr>
       <dsp:spPr>
         <a:xfrm>
-          <a:off x="3576004" y="2779524"/>
-          <a:ext cx="668486" cy="334243"/>
+          <a:off x="4877809" y="3848751"/>
+          <a:ext cx="912502" cy="456251"/>
         </a:xfrm>
         <a:prstGeom prst="rect">
           <a:avLst/>
@@ -21268,12 +22818,12 @@
         </a:fontRef>
       </dsp:style>
       <dsp:txBody>
-        <a:bodyPr spcFirstLastPara="0" vert="horz" wrap="square" lIns="4445" tIns="4445" rIns="4445" bIns="4445" numCol="1" spcCol="1270" anchor="ctr" anchorCtr="0">
+        <a:bodyPr spcFirstLastPara="0" vert="horz" wrap="square" lIns="6350" tIns="6350" rIns="6350" bIns="6350" numCol="1" spcCol="1270" anchor="ctr" anchorCtr="0">
           <a:noAutofit/>
         </a:bodyPr>
         <a:lstStyle/>
         <a:p>
-          <a:pPr marL="0" lvl="0" indent="0" algn="ctr" defTabSz="311150">
+          <a:pPr marL="0" lvl="0" indent="0" algn="ctr" defTabSz="444500">
             <a:lnSpc>
               <a:spcPct val="90000"/>
             </a:lnSpc>
@@ -21286,25 +22836,25 @@
             <a:buNone/>
           </a:pPr>
           <a:r>
-            <a:rPr lang="fr-FR" sz="700" kern="1200" dirty="0"/>
-            <a:t>Scripts Equipement</a:t>
+            <a:rPr lang="fr-FR" sz="1000" kern="1200" dirty="0"/>
+            <a:t>Scripts de gestion des objets/inventaire</a:t>
           </a:r>
         </a:p>
       </dsp:txBody>
       <dsp:txXfrm>
-        <a:off x="3576004" y="2779524"/>
-        <a:ext cx="668486" cy="334243"/>
+        <a:off x="4877809" y="3848751"/>
+        <a:ext cx="912502" cy="456251"/>
       </dsp:txXfrm>
     </dsp:sp>
-    <dsp:sp modelId="{6F0BA756-41FE-4AE0-BDCB-8592043CAC32}">
+    <dsp:sp modelId="{C4236513-AE90-4DFC-AE46-E74B0CBA9F71}">
       <dsp:nvSpPr>
         <dsp:cNvPr id="0" name=""/>
         <dsp:cNvSpPr/>
       </dsp:nvSpPr>
       <dsp:spPr>
         <a:xfrm>
-          <a:off x="3576004" y="3254149"/>
-          <a:ext cx="668486" cy="334243"/>
+          <a:off x="4877809" y="4496627"/>
+          <a:ext cx="912502" cy="456251"/>
         </a:xfrm>
         <a:prstGeom prst="rect">
           <a:avLst/>
@@ -21373,12 +22923,12 @@
         </a:fontRef>
       </dsp:style>
       <dsp:txBody>
-        <a:bodyPr spcFirstLastPara="0" vert="horz" wrap="square" lIns="4445" tIns="4445" rIns="4445" bIns="4445" numCol="1" spcCol="1270" anchor="ctr" anchorCtr="0">
+        <a:bodyPr spcFirstLastPara="0" vert="horz" wrap="square" lIns="6350" tIns="6350" rIns="6350" bIns="6350" numCol="1" spcCol="1270" anchor="ctr" anchorCtr="0">
           <a:noAutofit/>
         </a:bodyPr>
         <a:lstStyle/>
         <a:p>
-          <a:pPr marL="0" lvl="0" indent="0" algn="ctr" defTabSz="311150">
+          <a:pPr marL="0" lvl="0" indent="0" algn="ctr" defTabSz="444500">
             <a:lnSpc>
               <a:spcPct val="90000"/>
             </a:lnSpc>
@@ -21391,25 +22941,25 @@
             <a:buNone/>
           </a:pPr>
           <a:r>
-            <a:rPr lang="fr-FR" sz="700" kern="1200" dirty="0"/>
-            <a:t>Scripts Inventaire</a:t>
+            <a:rPr lang="fr-FR" sz="1000" kern="1200" dirty="0"/>
+            <a:t>Scripts Interactions</a:t>
           </a:r>
         </a:p>
       </dsp:txBody>
       <dsp:txXfrm>
-        <a:off x="3576004" y="3254149"/>
-        <a:ext cx="668486" cy="334243"/>
+        <a:off x="4877809" y="4496627"/>
+        <a:ext cx="912502" cy="456251"/>
       </dsp:txXfrm>
     </dsp:sp>
-    <dsp:sp modelId="{C4236513-AE90-4DFC-AE46-E74B0CBA9F71}">
+    <dsp:sp modelId="{D8D471AF-B1D5-48E8-AEDE-9AB039BD12C0}">
       <dsp:nvSpPr>
         <dsp:cNvPr id="0" name=""/>
         <dsp:cNvSpPr/>
       </dsp:nvSpPr>
       <dsp:spPr>
         <a:xfrm>
-          <a:off x="3576004" y="3728775"/>
-          <a:ext cx="668486" cy="334243"/>
+          <a:off x="4877809" y="5144504"/>
+          <a:ext cx="912502" cy="456251"/>
         </a:xfrm>
         <a:prstGeom prst="rect">
           <a:avLst/>
@@ -21478,12 +23028,12 @@
         </a:fontRef>
       </dsp:style>
       <dsp:txBody>
-        <a:bodyPr spcFirstLastPara="0" vert="horz" wrap="square" lIns="4445" tIns="4445" rIns="4445" bIns="4445" numCol="1" spcCol="1270" anchor="ctr" anchorCtr="0">
+        <a:bodyPr spcFirstLastPara="0" vert="horz" wrap="square" lIns="6350" tIns="6350" rIns="6350" bIns="6350" numCol="1" spcCol="1270" anchor="ctr" anchorCtr="0">
           <a:noAutofit/>
         </a:bodyPr>
         <a:lstStyle/>
         <a:p>
-          <a:pPr marL="0" lvl="0" indent="0" algn="ctr" defTabSz="311150">
+          <a:pPr marL="0" lvl="0" indent="0" algn="ctr" defTabSz="444500">
             <a:lnSpc>
               <a:spcPct val="90000"/>
             </a:lnSpc>
@@ -21496,25 +23046,25 @@
             <a:buNone/>
           </a:pPr>
           <a:r>
-            <a:rPr lang="fr-FR" sz="700" kern="1200" dirty="0"/>
-            <a:t>Scripts Interactions</a:t>
+            <a:rPr lang="fr-FR" sz="1000" kern="1200" dirty="0"/>
+            <a:t>Scripts stats</a:t>
           </a:r>
         </a:p>
       </dsp:txBody>
       <dsp:txXfrm>
-        <a:off x="3576004" y="3728775"/>
-        <a:ext cx="668486" cy="334243"/>
+        <a:off x="4877809" y="5144504"/>
+        <a:ext cx="912502" cy="456251"/>
       </dsp:txXfrm>
     </dsp:sp>
-    <dsp:sp modelId="{D8D471AF-B1D5-48E8-AEDE-9AB039BD12C0}">
+    <dsp:sp modelId="{3AA1AFAA-9B84-47D6-8C1E-D2B6D3824AC3}">
       <dsp:nvSpPr>
         <dsp:cNvPr id="0" name=""/>
         <dsp:cNvSpPr/>
       </dsp:nvSpPr>
       <dsp:spPr>
         <a:xfrm>
-          <a:off x="3576004" y="4203400"/>
-          <a:ext cx="668486" cy="334243"/>
+          <a:off x="5753811" y="2552997"/>
+          <a:ext cx="912502" cy="456251"/>
         </a:xfrm>
         <a:prstGeom prst="rect">
           <a:avLst/>
@@ -21583,12 +23133,12 @@
         </a:fontRef>
       </dsp:style>
       <dsp:txBody>
-        <a:bodyPr spcFirstLastPara="0" vert="horz" wrap="square" lIns="4445" tIns="4445" rIns="4445" bIns="4445" numCol="1" spcCol="1270" anchor="ctr" anchorCtr="0">
+        <a:bodyPr spcFirstLastPara="0" vert="horz" wrap="square" lIns="6350" tIns="6350" rIns="6350" bIns="6350" numCol="1" spcCol="1270" anchor="ctr" anchorCtr="0">
           <a:noAutofit/>
         </a:bodyPr>
         <a:lstStyle/>
         <a:p>
-          <a:pPr marL="0" lvl="0" indent="0" algn="ctr" defTabSz="311150">
+          <a:pPr marL="0" lvl="0" indent="0" algn="ctr" defTabSz="444500">
             <a:lnSpc>
               <a:spcPct val="90000"/>
             </a:lnSpc>
@@ -21601,25 +23151,26 @@
             <a:buNone/>
           </a:pPr>
           <a:r>
-            <a:rPr lang="fr-FR" sz="700" kern="1200" dirty="0"/>
-            <a:t>Scripts stats</a:t>
+            <a:rPr lang="fr-FR" sz="1000" kern="1200"/>
+            <a:t>Collectables</a:t>
           </a:r>
+          <a:endParaRPr lang="fr-FR" sz="1000" kern="1200" dirty="0"/>
         </a:p>
       </dsp:txBody>
       <dsp:txXfrm>
-        <a:off x="3576004" y="4203400"/>
-        <a:ext cx="668486" cy="334243"/>
+        <a:off x="5753811" y="2552997"/>
+        <a:ext cx="912502" cy="456251"/>
       </dsp:txXfrm>
     </dsp:sp>
-    <dsp:sp modelId="{E31ADA3A-B4DE-433E-8574-34DFB22D2676}">
+    <dsp:sp modelId="{6E28D30B-D0B3-4DB2-97DD-DB637782A77C}">
       <dsp:nvSpPr>
         <dsp:cNvPr id="0" name=""/>
         <dsp:cNvSpPr/>
       </dsp:nvSpPr>
       <dsp:spPr>
         <a:xfrm>
-          <a:off x="4217751" y="1830273"/>
-          <a:ext cx="668486" cy="334243"/>
+          <a:off x="5981937" y="3200874"/>
+          <a:ext cx="912502" cy="456251"/>
         </a:xfrm>
         <a:prstGeom prst="rect">
           <a:avLst/>
@@ -21688,12 +23239,12 @@
         </a:fontRef>
       </dsp:style>
       <dsp:txBody>
-        <a:bodyPr spcFirstLastPara="0" vert="horz" wrap="square" lIns="4445" tIns="4445" rIns="4445" bIns="4445" numCol="1" spcCol="1270" anchor="ctr" anchorCtr="0">
+        <a:bodyPr spcFirstLastPara="0" vert="horz" wrap="square" lIns="6350" tIns="6350" rIns="6350" bIns="6350" numCol="1" spcCol="1270" anchor="ctr" anchorCtr="0">
           <a:noAutofit/>
         </a:bodyPr>
         <a:lstStyle/>
         <a:p>
-          <a:pPr marL="0" lvl="0" indent="0" algn="ctr" defTabSz="311150">
+          <a:pPr marL="0" lvl="0" indent="0" algn="ctr" defTabSz="444500">
             <a:lnSpc>
               <a:spcPct val="90000"/>
             </a:lnSpc>
@@ -21706,25 +23257,25 @@
             <a:buNone/>
           </a:pPr>
           <a:r>
-            <a:rPr lang="fr-FR" sz="700" kern="1200" dirty="0"/>
-            <a:t>Bot</a:t>
+            <a:rPr lang="fr-FR" sz="1000" kern="1200" dirty="0"/>
+            <a:t>Script équipement</a:t>
           </a:r>
         </a:p>
       </dsp:txBody>
       <dsp:txXfrm>
-        <a:off x="4217751" y="1830273"/>
-        <a:ext cx="668486" cy="334243"/>
+        <a:off x="5981937" y="3200874"/>
+        <a:ext cx="912502" cy="456251"/>
       </dsp:txXfrm>
     </dsp:sp>
-    <dsp:sp modelId="{C9E4FA1C-4869-4B9E-865C-03E5F64B3C7C}">
+    <dsp:sp modelId="{800D632A-7C9C-4C5A-A529-9F1B3162EB3F}">
       <dsp:nvSpPr>
         <dsp:cNvPr id="0" name=""/>
         <dsp:cNvSpPr/>
       </dsp:nvSpPr>
       <dsp:spPr>
         <a:xfrm>
-          <a:off x="4384873" y="2304899"/>
-          <a:ext cx="668486" cy="334243"/>
+          <a:off x="5981937" y="3848751"/>
+          <a:ext cx="912502" cy="456251"/>
         </a:xfrm>
         <a:prstGeom prst="rect">
           <a:avLst/>
@@ -21793,12 +23344,12 @@
         </a:fontRef>
       </dsp:style>
       <dsp:txBody>
-        <a:bodyPr spcFirstLastPara="0" vert="horz" wrap="square" lIns="4445" tIns="4445" rIns="4445" bIns="4445" numCol="1" spcCol="1270" anchor="ctr" anchorCtr="0">
+        <a:bodyPr spcFirstLastPara="0" vert="horz" wrap="square" lIns="6350" tIns="6350" rIns="6350" bIns="6350" numCol="1" spcCol="1270" anchor="ctr" anchorCtr="0">
           <a:noAutofit/>
         </a:bodyPr>
         <a:lstStyle/>
         <a:p>
-          <a:pPr marL="0" lvl="0" indent="0" algn="ctr" defTabSz="311150">
+          <a:pPr marL="0" lvl="0" indent="0" algn="ctr" defTabSz="444500">
             <a:lnSpc>
               <a:spcPct val="90000"/>
             </a:lnSpc>
@@ -21811,25 +23362,25 @@
             <a:buNone/>
           </a:pPr>
           <a:r>
-            <a:rPr lang="fr-FR" sz="700" kern="1200" dirty="0"/>
-            <a:t>Scripts IA</a:t>
+            <a:rPr lang="fr-FR" sz="1000" kern="1200" dirty="0"/>
+            <a:t>Script consommables</a:t>
           </a:r>
         </a:p>
       </dsp:txBody>
       <dsp:txXfrm>
-        <a:off x="4384873" y="2304899"/>
-        <a:ext cx="668486" cy="334243"/>
+        <a:off x="5981937" y="3848751"/>
+        <a:ext cx="912502" cy="456251"/>
       </dsp:txXfrm>
     </dsp:sp>
-    <dsp:sp modelId="{C25FD1FD-609E-4ECC-AFB1-301A529B9529}">
+    <dsp:sp modelId="{5BF0A133-316D-4E43-97FB-38A34BB2056E}">
       <dsp:nvSpPr>
         <dsp:cNvPr id="0" name=""/>
         <dsp:cNvSpPr/>
       </dsp:nvSpPr>
       <dsp:spPr>
         <a:xfrm>
-          <a:off x="5026620" y="1830273"/>
-          <a:ext cx="668486" cy="334243"/>
+          <a:off x="5981937" y="4496627"/>
+          <a:ext cx="912502" cy="456251"/>
         </a:xfrm>
         <a:prstGeom prst="rect">
           <a:avLst/>
@@ -21898,12 +23449,12 @@
         </a:fontRef>
       </dsp:style>
       <dsp:txBody>
-        <a:bodyPr spcFirstLastPara="0" vert="horz" wrap="square" lIns="4445" tIns="4445" rIns="4445" bIns="4445" numCol="1" spcCol="1270" anchor="ctr" anchorCtr="0">
+        <a:bodyPr spcFirstLastPara="0" vert="horz" wrap="square" lIns="6350" tIns="6350" rIns="6350" bIns="6350" numCol="1" spcCol="1270" anchor="ctr" anchorCtr="0">
           <a:noAutofit/>
         </a:bodyPr>
         <a:lstStyle/>
         <a:p>
-          <a:pPr marL="0" lvl="0" indent="0" algn="ctr" defTabSz="311150">
+          <a:pPr marL="0" lvl="0" indent="0" algn="ctr" defTabSz="444500">
             <a:lnSpc>
               <a:spcPct val="90000"/>
             </a:lnSpc>
@@ -21916,25 +23467,25 @@
             <a:buNone/>
           </a:pPr>
           <a:r>
-            <a:rPr lang="fr-FR" sz="700" kern="1200" dirty="0"/>
-            <a:t>Bâtiments</a:t>
+            <a:rPr lang="fr-FR" sz="1000" kern="1200" dirty="0"/>
+            <a:t>Script ferraille</a:t>
           </a:r>
         </a:p>
       </dsp:txBody>
       <dsp:txXfrm>
-        <a:off x="5026620" y="1830273"/>
-        <a:ext cx="668486" cy="334243"/>
+        <a:off x="5981937" y="4496627"/>
+        <a:ext cx="912502" cy="456251"/>
       </dsp:txXfrm>
     </dsp:sp>
-    <dsp:sp modelId="{0C411FE4-55D1-4BFF-9809-0850BDDC3921}">
+    <dsp:sp modelId="{E31ADA3A-B4DE-433E-8574-34DFB22D2676}">
       <dsp:nvSpPr>
         <dsp:cNvPr id="0" name=""/>
         <dsp:cNvSpPr/>
       </dsp:nvSpPr>
       <dsp:spPr>
         <a:xfrm>
-          <a:off x="5193741" y="2304899"/>
-          <a:ext cx="668486" cy="334243"/>
+          <a:off x="6857939" y="2552997"/>
+          <a:ext cx="912502" cy="456251"/>
         </a:xfrm>
         <a:prstGeom prst="rect">
           <a:avLst/>
@@ -22003,12 +23554,12 @@
         </a:fontRef>
       </dsp:style>
       <dsp:txBody>
-        <a:bodyPr spcFirstLastPara="0" vert="horz" wrap="square" lIns="4445" tIns="4445" rIns="4445" bIns="4445" numCol="1" spcCol="1270" anchor="ctr" anchorCtr="0">
+        <a:bodyPr spcFirstLastPara="0" vert="horz" wrap="square" lIns="6350" tIns="6350" rIns="6350" bIns="6350" numCol="1" spcCol="1270" anchor="ctr" anchorCtr="0">
           <a:noAutofit/>
         </a:bodyPr>
         <a:lstStyle/>
         <a:p>
-          <a:pPr marL="0" lvl="0" indent="0" algn="ctr" defTabSz="311150">
+          <a:pPr marL="0" lvl="0" indent="0" algn="ctr" defTabSz="444500">
             <a:lnSpc>
               <a:spcPct val="90000"/>
             </a:lnSpc>
@@ -22021,25 +23572,25 @@
             <a:buNone/>
           </a:pPr>
           <a:r>
-            <a:rPr lang="fr-FR" sz="700" kern="1200" dirty="0"/>
-            <a:t>Scripts d’interaction</a:t>
+            <a:rPr lang="fr-FR" sz="1000" kern="1200" dirty="0"/>
+            <a:t>Bot</a:t>
           </a:r>
         </a:p>
       </dsp:txBody>
       <dsp:txXfrm>
-        <a:off x="5193741" y="2304899"/>
-        <a:ext cx="668486" cy="334243"/>
+        <a:off x="6857939" y="2552997"/>
+        <a:ext cx="912502" cy="456251"/>
       </dsp:txXfrm>
     </dsp:sp>
-    <dsp:sp modelId="{7E07E0ED-F013-4727-8FF3-4357D53EE1C6}">
+    <dsp:sp modelId="{C9E4FA1C-4869-4B9E-865C-03E5F64B3C7C}">
       <dsp:nvSpPr>
         <dsp:cNvPr id="0" name=""/>
         <dsp:cNvSpPr/>
       </dsp:nvSpPr>
       <dsp:spPr>
         <a:xfrm>
-          <a:off x="5835488" y="1830273"/>
-          <a:ext cx="668486" cy="334243"/>
+          <a:off x="7086065" y="3200874"/>
+          <a:ext cx="912502" cy="456251"/>
         </a:xfrm>
         <a:prstGeom prst="rect">
           <a:avLst/>
@@ -22108,12 +23659,12 @@
         </a:fontRef>
       </dsp:style>
       <dsp:txBody>
-        <a:bodyPr spcFirstLastPara="0" vert="horz" wrap="square" lIns="4445" tIns="4445" rIns="4445" bIns="4445" numCol="1" spcCol="1270" anchor="ctr" anchorCtr="0">
+        <a:bodyPr spcFirstLastPara="0" vert="horz" wrap="square" lIns="6350" tIns="6350" rIns="6350" bIns="6350" numCol="1" spcCol="1270" anchor="ctr" anchorCtr="0">
           <a:noAutofit/>
         </a:bodyPr>
         <a:lstStyle/>
         <a:p>
-          <a:pPr marL="0" lvl="0" indent="0" algn="ctr" defTabSz="311150">
+          <a:pPr marL="0" lvl="0" indent="0" algn="ctr" defTabSz="444500">
             <a:lnSpc>
               <a:spcPct val="90000"/>
             </a:lnSpc>
@@ -22126,25 +23677,25 @@
             <a:buNone/>
           </a:pPr>
           <a:r>
-            <a:rPr lang="fr-FR" sz="700" kern="1200" dirty="0"/>
-            <a:t>Zone de jeu</a:t>
+            <a:rPr lang="fr-FR" sz="1000" kern="1200" dirty="0"/>
+            <a:t>Scripts IA</a:t>
           </a:r>
         </a:p>
       </dsp:txBody>
       <dsp:txXfrm>
-        <a:off x="5835488" y="1830273"/>
-        <a:ext cx="668486" cy="334243"/>
+        <a:off x="7086065" y="3200874"/>
+        <a:ext cx="912502" cy="456251"/>
       </dsp:txXfrm>
     </dsp:sp>
-    <dsp:sp modelId="{CB41D364-3E5F-497E-8819-B9993CC6E15A}">
+    <dsp:sp modelId="{C25FD1FD-609E-4ECC-AFB1-301A529B9529}">
       <dsp:nvSpPr>
         <dsp:cNvPr id="0" name=""/>
         <dsp:cNvSpPr/>
       </dsp:nvSpPr>
       <dsp:spPr>
         <a:xfrm>
-          <a:off x="6002610" y="2304899"/>
-          <a:ext cx="668486" cy="334243"/>
+          <a:off x="7962067" y="2552997"/>
+          <a:ext cx="912502" cy="456251"/>
         </a:xfrm>
         <a:prstGeom prst="rect">
           <a:avLst/>
@@ -22213,12 +23764,12 @@
         </a:fontRef>
       </dsp:style>
       <dsp:txBody>
-        <a:bodyPr spcFirstLastPara="0" vert="horz" wrap="square" lIns="4445" tIns="4445" rIns="4445" bIns="4445" numCol="1" spcCol="1270" anchor="ctr" anchorCtr="0">
+        <a:bodyPr spcFirstLastPara="0" vert="horz" wrap="square" lIns="6350" tIns="6350" rIns="6350" bIns="6350" numCol="1" spcCol="1270" anchor="ctr" anchorCtr="0">
           <a:noAutofit/>
         </a:bodyPr>
         <a:lstStyle/>
         <a:p>
-          <a:pPr marL="0" lvl="0" indent="0" algn="ctr" defTabSz="311150">
+          <a:pPr marL="0" lvl="0" indent="0" algn="ctr" defTabSz="444500">
             <a:lnSpc>
               <a:spcPct val="90000"/>
             </a:lnSpc>
@@ -22231,14 +23782,329 @@
             <a:buNone/>
           </a:pPr>
           <a:r>
-            <a:rPr lang="fr-FR" sz="700" kern="1200" dirty="0"/>
+            <a:rPr lang="fr-FR" sz="1000" kern="1200" dirty="0"/>
+            <a:t>Bâtiments</a:t>
+          </a:r>
+        </a:p>
+      </dsp:txBody>
+      <dsp:txXfrm>
+        <a:off x="7962067" y="2552997"/>
+        <a:ext cx="912502" cy="456251"/>
+      </dsp:txXfrm>
+    </dsp:sp>
+    <dsp:sp modelId="{0C411FE4-55D1-4BFF-9809-0850BDDC3921}">
+      <dsp:nvSpPr>
+        <dsp:cNvPr id="0" name=""/>
+        <dsp:cNvSpPr/>
+      </dsp:nvSpPr>
+      <dsp:spPr>
+        <a:xfrm>
+          <a:off x="8190193" y="3200874"/>
+          <a:ext cx="912502" cy="456251"/>
+        </a:xfrm>
+        <a:prstGeom prst="rect">
+          <a:avLst/>
+        </a:prstGeom>
+        <a:gradFill rotWithShape="0">
+          <a:gsLst>
+            <a:gs pos="0">
+              <a:schemeClr val="accent1">
+                <a:hueOff val="0"/>
+                <a:satOff val="0"/>
+                <a:lumOff val="0"/>
+                <a:alphaOff val="0"/>
+                <a:satMod val="103000"/>
+                <a:lumMod val="102000"/>
+                <a:tint val="94000"/>
+              </a:schemeClr>
+            </a:gs>
+            <a:gs pos="50000">
+              <a:schemeClr val="accent1">
+                <a:hueOff val="0"/>
+                <a:satOff val="0"/>
+                <a:lumOff val="0"/>
+                <a:alphaOff val="0"/>
+                <a:satMod val="110000"/>
+                <a:lumMod val="100000"/>
+                <a:shade val="100000"/>
+              </a:schemeClr>
+            </a:gs>
+            <a:gs pos="100000">
+              <a:schemeClr val="accent1">
+                <a:hueOff val="0"/>
+                <a:satOff val="0"/>
+                <a:lumOff val="0"/>
+                <a:alphaOff val="0"/>
+                <a:lumMod val="99000"/>
+                <a:satMod val="120000"/>
+                <a:shade val="78000"/>
+              </a:schemeClr>
+            </a:gs>
+          </a:gsLst>
+          <a:lin ang="5400000" scaled="0"/>
+        </a:gradFill>
+        <a:ln>
+          <a:noFill/>
+        </a:ln>
+        <a:effectLst>
+          <a:outerShdw blurRad="57150" dist="19050" dir="5400000" algn="ctr" rotWithShape="0">
+            <a:srgbClr val="000000">
+              <a:alpha val="63000"/>
+            </a:srgbClr>
+          </a:outerShdw>
+        </a:effectLst>
+      </dsp:spPr>
+      <dsp:style>
+        <a:lnRef idx="0">
+          <a:scrgbClr r="0" g="0" b="0"/>
+        </a:lnRef>
+        <a:fillRef idx="3">
+          <a:scrgbClr r="0" g="0" b="0"/>
+        </a:fillRef>
+        <a:effectRef idx="3">
+          <a:scrgbClr r="0" g="0" b="0"/>
+        </a:effectRef>
+        <a:fontRef idx="minor">
+          <a:schemeClr val="lt1"/>
+        </a:fontRef>
+      </dsp:style>
+      <dsp:txBody>
+        <a:bodyPr spcFirstLastPara="0" vert="horz" wrap="square" lIns="6350" tIns="6350" rIns="6350" bIns="6350" numCol="1" spcCol="1270" anchor="ctr" anchorCtr="0">
+          <a:noAutofit/>
+        </a:bodyPr>
+        <a:lstStyle/>
+        <a:p>
+          <a:pPr marL="0" lvl="0" indent="0" algn="ctr" defTabSz="444500">
+            <a:lnSpc>
+              <a:spcPct val="90000"/>
+            </a:lnSpc>
+            <a:spcBef>
+              <a:spcPct val="0"/>
+            </a:spcBef>
+            <a:spcAft>
+              <a:spcPct val="35000"/>
+            </a:spcAft>
+            <a:buNone/>
+          </a:pPr>
+          <a:r>
+            <a:rPr lang="fr-FR" sz="1000" kern="1200" dirty="0"/>
+            <a:t>Scripts d’interaction</a:t>
+          </a:r>
+        </a:p>
+      </dsp:txBody>
+      <dsp:txXfrm>
+        <a:off x="8190193" y="3200874"/>
+        <a:ext cx="912502" cy="456251"/>
+      </dsp:txXfrm>
+    </dsp:sp>
+    <dsp:sp modelId="{7E07E0ED-F013-4727-8FF3-4357D53EE1C6}">
+      <dsp:nvSpPr>
+        <dsp:cNvPr id="0" name=""/>
+        <dsp:cNvSpPr/>
+      </dsp:nvSpPr>
+      <dsp:spPr>
+        <a:xfrm>
+          <a:off x="9066195" y="2552997"/>
+          <a:ext cx="912502" cy="456251"/>
+        </a:xfrm>
+        <a:prstGeom prst="rect">
+          <a:avLst/>
+        </a:prstGeom>
+        <a:gradFill rotWithShape="0">
+          <a:gsLst>
+            <a:gs pos="0">
+              <a:schemeClr val="accent1">
+                <a:hueOff val="0"/>
+                <a:satOff val="0"/>
+                <a:lumOff val="0"/>
+                <a:alphaOff val="0"/>
+                <a:satMod val="103000"/>
+                <a:lumMod val="102000"/>
+                <a:tint val="94000"/>
+              </a:schemeClr>
+            </a:gs>
+            <a:gs pos="50000">
+              <a:schemeClr val="accent1">
+                <a:hueOff val="0"/>
+                <a:satOff val="0"/>
+                <a:lumOff val="0"/>
+                <a:alphaOff val="0"/>
+                <a:satMod val="110000"/>
+                <a:lumMod val="100000"/>
+                <a:shade val="100000"/>
+              </a:schemeClr>
+            </a:gs>
+            <a:gs pos="100000">
+              <a:schemeClr val="accent1">
+                <a:hueOff val="0"/>
+                <a:satOff val="0"/>
+                <a:lumOff val="0"/>
+                <a:alphaOff val="0"/>
+                <a:lumMod val="99000"/>
+                <a:satMod val="120000"/>
+                <a:shade val="78000"/>
+              </a:schemeClr>
+            </a:gs>
+          </a:gsLst>
+          <a:lin ang="5400000" scaled="0"/>
+        </a:gradFill>
+        <a:ln>
+          <a:noFill/>
+        </a:ln>
+        <a:effectLst>
+          <a:outerShdw blurRad="57150" dist="19050" dir="5400000" algn="ctr" rotWithShape="0">
+            <a:srgbClr val="000000">
+              <a:alpha val="63000"/>
+            </a:srgbClr>
+          </a:outerShdw>
+        </a:effectLst>
+      </dsp:spPr>
+      <dsp:style>
+        <a:lnRef idx="0">
+          <a:scrgbClr r="0" g="0" b="0"/>
+        </a:lnRef>
+        <a:fillRef idx="3">
+          <a:scrgbClr r="0" g="0" b="0"/>
+        </a:fillRef>
+        <a:effectRef idx="3">
+          <a:scrgbClr r="0" g="0" b="0"/>
+        </a:effectRef>
+        <a:fontRef idx="minor">
+          <a:schemeClr val="lt1"/>
+        </a:fontRef>
+      </dsp:style>
+      <dsp:txBody>
+        <a:bodyPr spcFirstLastPara="0" vert="horz" wrap="square" lIns="6350" tIns="6350" rIns="6350" bIns="6350" numCol="1" spcCol="1270" anchor="ctr" anchorCtr="0">
+          <a:noAutofit/>
+        </a:bodyPr>
+        <a:lstStyle/>
+        <a:p>
+          <a:pPr marL="0" lvl="0" indent="0" algn="ctr" defTabSz="444500">
+            <a:lnSpc>
+              <a:spcPct val="90000"/>
+            </a:lnSpc>
+            <a:spcBef>
+              <a:spcPct val="0"/>
+            </a:spcBef>
+            <a:spcAft>
+              <a:spcPct val="35000"/>
+            </a:spcAft>
+            <a:buNone/>
+          </a:pPr>
+          <a:r>
+            <a:rPr lang="fr-FR" sz="1000" kern="1200" dirty="0"/>
+            <a:t>Zone de jeu</a:t>
+          </a:r>
+        </a:p>
+      </dsp:txBody>
+      <dsp:txXfrm>
+        <a:off x="9066195" y="2552997"/>
+        <a:ext cx="912502" cy="456251"/>
+      </dsp:txXfrm>
+    </dsp:sp>
+    <dsp:sp modelId="{CB41D364-3E5F-497E-8819-B9993CC6E15A}">
+      <dsp:nvSpPr>
+        <dsp:cNvPr id="0" name=""/>
+        <dsp:cNvSpPr/>
+      </dsp:nvSpPr>
+      <dsp:spPr>
+        <a:xfrm>
+          <a:off x="9294321" y="3200874"/>
+          <a:ext cx="912502" cy="456251"/>
+        </a:xfrm>
+        <a:prstGeom prst="rect">
+          <a:avLst/>
+        </a:prstGeom>
+        <a:gradFill rotWithShape="0">
+          <a:gsLst>
+            <a:gs pos="0">
+              <a:schemeClr val="accent1">
+                <a:hueOff val="0"/>
+                <a:satOff val="0"/>
+                <a:lumOff val="0"/>
+                <a:alphaOff val="0"/>
+                <a:satMod val="103000"/>
+                <a:lumMod val="102000"/>
+                <a:tint val="94000"/>
+              </a:schemeClr>
+            </a:gs>
+            <a:gs pos="50000">
+              <a:schemeClr val="accent1">
+                <a:hueOff val="0"/>
+                <a:satOff val="0"/>
+                <a:lumOff val="0"/>
+                <a:alphaOff val="0"/>
+                <a:satMod val="110000"/>
+                <a:lumMod val="100000"/>
+                <a:shade val="100000"/>
+              </a:schemeClr>
+            </a:gs>
+            <a:gs pos="100000">
+              <a:schemeClr val="accent1">
+                <a:hueOff val="0"/>
+                <a:satOff val="0"/>
+                <a:lumOff val="0"/>
+                <a:alphaOff val="0"/>
+                <a:lumMod val="99000"/>
+                <a:satMod val="120000"/>
+                <a:shade val="78000"/>
+              </a:schemeClr>
+            </a:gs>
+          </a:gsLst>
+          <a:lin ang="5400000" scaled="0"/>
+        </a:gradFill>
+        <a:ln>
+          <a:noFill/>
+        </a:ln>
+        <a:effectLst>
+          <a:outerShdw blurRad="57150" dist="19050" dir="5400000" algn="ctr" rotWithShape="0">
+            <a:srgbClr val="000000">
+              <a:alpha val="63000"/>
+            </a:srgbClr>
+          </a:outerShdw>
+        </a:effectLst>
+      </dsp:spPr>
+      <dsp:style>
+        <a:lnRef idx="0">
+          <a:scrgbClr r="0" g="0" b="0"/>
+        </a:lnRef>
+        <a:fillRef idx="3">
+          <a:scrgbClr r="0" g="0" b="0"/>
+        </a:fillRef>
+        <a:effectRef idx="3">
+          <a:scrgbClr r="0" g="0" b="0"/>
+        </a:effectRef>
+        <a:fontRef idx="minor">
+          <a:schemeClr val="lt1"/>
+        </a:fontRef>
+      </dsp:style>
+      <dsp:txBody>
+        <a:bodyPr spcFirstLastPara="0" vert="horz" wrap="square" lIns="6350" tIns="6350" rIns="6350" bIns="6350" numCol="1" spcCol="1270" anchor="ctr" anchorCtr="0">
+          <a:noAutofit/>
+        </a:bodyPr>
+        <a:lstStyle/>
+        <a:p>
+          <a:pPr marL="0" lvl="0" indent="0" algn="ctr" defTabSz="444500">
+            <a:lnSpc>
+              <a:spcPct val="90000"/>
+            </a:lnSpc>
+            <a:spcBef>
+              <a:spcPct val="0"/>
+            </a:spcBef>
+            <a:spcAft>
+              <a:spcPct val="35000"/>
+            </a:spcAft>
+            <a:buNone/>
+          </a:pPr>
+          <a:r>
+            <a:rPr lang="fr-FR" sz="1000" kern="1200" dirty="0"/>
             <a:t>Script de gestion de la zone</a:t>
           </a:r>
         </a:p>
       </dsp:txBody>
       <dsp:txXfrm>
-        <a:off x="6002610" y="2304899"/>
-        <a:ext cx="668486" cy="334243"/>
+        <a:off x="9294321" y="3200874"/>
+        <a:ext cx="912502" cy="456251"/>
       </dsp:txXfrm>
     </dsp:sp>
     <dsp:sp modelId="{58945E59-B42B-4FD0-A78B-2217DE0FB108}">
@@ -22248,8 +24114,8 @@
       </dsp:nvSpPr>
       <dsp:spPr>
         <a:xfrm>
-          <a:off x="6644357" y="1355648"/>
-          <a:ext cx="668486" cy="334243"/>
+          <a:off x="10170323" y="1905120"/>
+          <a:ext cx="912502" cy="456251"/>
         </a:xfrm>
         <a:prstGeom prst="rect">
           <a:avLst/>
@@ -22283,12 +24149,12 @@
         </a:fontRef>
       </dsp:style>
       <dsp:txBody>
-        <a:bodyPr spcFirstLastPara="0" vert="horz" wrap="square" lIns="4445" tIns="4445" rIns="4445" bIns="4445" numCol="1" spcCol="1270" anchor="ctr" anchorCtr="0">
+        <a:bodyPr spcFirstLastPara="0" vert="horz" wrap="square" lIns="6350" tIns="6350" rIns="6350" bIns="6350" numCol="1" spcCol="1270" anchor="ctr" anchorCtr="0">
           <a:noAutofit/>
         </a:bodyPr>
         <a:lstStyle/>
         <a:p>
-          <a:pPr marL="0" lvl="0" indent="0" algn="ctr" defTabSz="311150">
+          <a:pPr marL="0" lvl="0" indent="0" algn="ctr" defTabSz="444500">
             <a:lnSpc>
               <a:spcPct val="90000"/>
             </a:lnSpc>
@@ -22301,14 +24167,14 @@
             <a:buNone/>
           </a:pPr>
           <a:r>
-            <a:rPr lang="fr-FR" sz="700" kern="1200" dirty="0"/>
+            <a:rPr lang="fr-FR" sz="1000" kern="1200" dirty="0"/>
             <a:t>Audio</a:t>
           </a:r>
         </a:p>
       </dsp:txBody>
       <dsp:txXfrm>
-        <a:off x="6644357" y="1355648"/>
-        <a:ext cx="668486" cy="334243"/>
+        <a:off x="10170323" y="1905120"/>
+        <a:ext cx="912502" cy="456251"/>
       </dsp:txXfrm>
     </dsp:sp>
     <dsp:sp modelId="{0D60E8B7-81CE-4334-BD72-CB667F102F93}">
@@ -22318,8 +24184,8 @@
       </dsp:nvSpPr>
       <dsp:spPr>
         <a:xfrm>
-          <a:off x="6811478" y="1830273"/>
-          <a:ext cx="668486" cy="334243"/>
+          <a:off x="10398449" y="2552997"/>
+          <a:ext cx="912502" cy="456251"/>
         </a:xfrm>
         <a:prstGeom prst="rect">
           <a:avLst/>
@@ -22353,12 +24219,12 @@
         </a:fontRef>
       </dsp:style>
       <dsp:txBody>
-        <a:bodyPr spcFirstLastPara="0" vert="horz" wrap="square" lIns="4445" tIns="4445" rIns="4445" bIns="4445" numCol="1" spcCol="1270" anchor="ctr" anchorCtr="0">
+        <a:bodyPr spcFirstLastPara="0" vert="horz" wrap="square" lIns="6350" tIns="6350" rIns="6350" bIns="6350" numCol="1" spcCol="1270" anchor="ctr" anchorCtr="0">
           <a:noAutofit/>
         </a:bodyPr>
         <a:lstStyle/>
         <a:p>
-          <a:pPr marL="0" lvl="0" indent="0" algn="ctr" defTabSz="311150">
+          <a:pPr marL="0" lvl="0" indent="0" algn="ctr" defTabSz="444500">
             <a:lnSpc>
               <a:spcPct val="90000"/>
             </a:lnSpc>
@@ -22371,14 +24237,14 @@
             <a:buNone/>
           </a:pPr>
           <a:r>
-            <a:rPr lang="fr-FR" sz="700" kern="1200" dirty="0"/>
+            <a:rPr lang="fr-FR" sz="1000" kern="1200" dirty="0"/>
             <a:t>Chercher des sons </a:t>
           </a:r>
         </a:p>
       </dsp:txBody>
       <dsp:txXfrm>
-        <a:off x="6811478" y="1830273"/>
-        <a:ext cx="668486" cy="334243"/>
+        <a:off x="10398449" y="2552997"/>
+        <a:ext cx="912502" cy="456251"/>
       </dsp:txXfrm>
     </dsp:sp>
     <dsp:sp modelId="{31983083-8136-468C-81D8-193C0F971EE1}">
@@ -22388,8 +24254,8 @@
       </dsp:nvSpPr>
       <dsp:spPr>
         <a:xfrm>
-          <a:off x="6811478" y="2304899"/>
-          <a:ext cx="668486" cy="334243"/>
+          <a:off x="10398449" y="3200874"/>
+          <a:ext cx="912502" cy="456251"/>
         </a:xfrm>
         <a:prstGeom prst="rect">
           <a:avLst/>
@@ -22423,12 +24289,12 @@
         </a:fontRef>
       </dsp:style>
       <dsp:txBody>
-        <a:bodyPr spcFirstLastPara="0" vert="horz" wrap="square" lIns="4445" tIns="4445" rIns="4445" bIns="4445" numCol="1" spcCol="1270" anchor="ctr" anchorCtr="0">
+        <a:bodyPr spcFirstLastPara="0" vert="horz" wrap="square" lIns="6350" tIns="6350" rIns="6350" bIns="6350" numCol="1" spcCol="1270" anchor="ctr" anchorCtr="0">
           <a:noAutofit/>
         </a:bodyPr>
         <a:lstStyle/>
         <a:p>
-          <a:pPr marL="0" lvl="0" indent="0" algn="ctr" defTabSz="311150">
+          <a:pPr marL="0" lvl="0" indent="0" algn="ctr" defTabSz="444500">
             <a:lnSpc>
               <a:spcPct val="90000"/>
             </a:lnSpc>
@@ -22441,14 +24307,14 @@
             <a:buNone/>
           </a:pPr>
           <a:r>
-            <a:rPr lang="fr-FR" sz="700" kern="1200" dirty="0"/>
+            <a:rPr lang="fr-FR" sz="1000" kern="1200" dirty="0"/>
             <a:t>Faire les voix</a:t>
           </a:r>
         </a:p>
       </dsp:txBody>
       <dsp:txXfrm>
-        <a:off x="6811478" y="2304899"/>
-        <a:ext cx="668486" cy="334243"/>
+        <a:off x="10398449" y="3200874"/>
+        <a:ext cx="912502" cy="456251"/>
       </dsp:txXfrm>
     </dsp:sp>
     <dsp:sp modelId="{19A8C035-D90D-414F-856C-8A033906E9E1}">
@@ -22458,8 +24324,8 @@
       </dsp:nvSpPr>
       <dsp:spPr>
         <a:xfrm>
-          <a:off x="7453225" y="1355648"/>
-          <a:ext cx="668486" cy="334243"/>
+          <a:off x="11274451" y="1905120"/>
+          <a:ext cx="912502" cy="456251"/>
         </a:xfrm>
         <a:prstGeom prst="rect">
           <a:avLst/>
@@ -22516,12 +24382,12 @@
         </a:fontRef>
       </dsp:style>
       <dsp:txBody>
-        <a:bodyPr spcFirstLastPara="0" vert="horz" wrap="square" lIns="4445" tIns="4445" rIns="4445" bIns="4445" numCol="1" spcCol="1270" anchor="ctr" anchorCtr="0">
+        <a:bodyPr spcFirstLastPara="0" vert="horz" wrap="square" lIns="6350" tIns="6350" rIns="6350" bIns="6350" numCol="1" spcCol="1270" anchor="ctr" anchorCtr="0">
           <a:noAutofit/>
         </a:bodyPr>
         <a:lstStyle/>
         <a:p>
-          <a:pPr marL="0" lvl="0" indent="0" algn="ctr" defTabSz="311150">
+          <a:pPr marL="0" lvl="0" indent="0" algn="ctr" defTabSz="444500">
             <a:lnSpc>
               <a:spcPct val="90000"/>
             </a:lnSpc>
@@ -22534,14 +24400,14 @@
             <a:buNone/>
           </a:pPr>
           <a:r>
-            <a:rPr lang="fr-FR" sz="700" kern="1200" dirty="0"/>
+            <a:rPr lang="fr-FR" sz="1000" kern="1200" dirty="0"/>
             <a:t>Intégration</a:t>
           </a:r>
         </a:p>
       </dsp:txBody>
       <dsp:txXfrm>
-        <a:off x="7453225" y="1355648"/>
-        <a:ext cx="668486" cy="334243"/>
+        <a:off x="11274451" y="1905120"/>
+        <a:ext cx="912502" cy="456251"/>
       </dsp:txXfrm>
     </dsp:sp>
   </dsp:spTree>
@@ -22563,8 +24429,8 @@
       </dsp:nvSpPr>
       <dsp:spPr>
         <a:xfrm>
-          <a:off x="4741949" y="1200030"/>
-          <a:ext cx="148456" cy="3968725"/>
+          <a:off x="5032597" y="1415438"/>
+          <a:ext cx="175157" cy="4682540"/>
         </a:xfrm>
         <a:custGeom>
           <a:avLst/>
@@ -22578,10 +24444,10 @@
                 <a:pt x="0" y="0"/>
               </a:moveTo>
               <a:lnTo>
-                <a:pt x="0" y="3968725"/>
+                <a:pt x="0" y="4682540"/>
               </a:lnTo>
               <a:lnTo>
-                <a:pt x="148456" y="3968725"/>
+                <a:pt x="175157" y="4682540"/>
               </a:lnTo>
             </a:path>
           </a:pathLst>
@@ -22622,8 +24488,8 @@
       </dsp:nvSpPr>
       <dsp:spPr>
         <a:xfrm>
-          <a:off x="4741949" y="1200030"/>
-          <a:ext cx="148456" cy="3266033"/>
+          <a:off x="5032597" y="1415438"/>
+          <a:ext cx="175157" cy="3853462"/>
         </a:xfrm>
         <a:custGeom>
           <a:avLst/>
@@ -22637,10 +24503,10 @@
                 <a:pt x="0" y="0"/>
               </a:moveTo>
               <a:lnTo>
-                <a:pt x="0" y="3266033"/>
+                <a:pt x="0" y="3853462"/>
               </a:lnTo>
               <a:lnTo>
-                <a:pt x="148456" y="3266033"/>
+                <a:pt x="175157" y="3853462"/>
               </a:lnTo>
             </a:path>
           </a:pathLst>
@@ -22681,8 +24547,8 @@
       </dsp:nvSpPr>
       <dsp:spPr>
         <a:xfrm>
-          <a:off x="4741949" y="1200030"/>
-          <a:ext cx="148456" cy="2563341"/>
+          <a:off x="5032597" y="1415438"/>
+          <a:ext cx="175157" cy="3024384"/>
         </a:xfrm>
         <a:custGeom>
           <a:avLst/>
@@ -22696,10 +24562,10 @@
                 <a:pt x="0" y="0"/>
               </a:moveTo>
               <a:lnTo>
-                <a:pt x="0" y="2563341"/>
+                <a:pt x="0" y="3024384"/>
               </a:lnTo>
               <a:lnTo>
-                <a:pt x="148456" y="2563341"/>
+                <a:pt x="175157" y="3024384"/>
               </a:lnTo>
             </a:path>
           </a:pathLst>
@@ -22740,8 +24606,8 @@
       </dsp:nvSpPr>
       <dsp:spPr>
         <a:xfrm>
-          <a:off x="4741949" y="1200030"/>
-          <a:ext cx="148456" cy="1860649"/>
+          <a:off x="5032597" y="1415438"/>
+          <a:ext cx="175157" cy="2195305"/>
         </a:xfrm>
         <a:custGeom>
           <a:avLst/>
@@ -22755,10 +24621,10 @@
                 <a:pt x="0" y="0"/>
               </a:moveTo>
               <a:lnTo>
-                <a:pt x="0" y="1860649"/>
+                <a:pt x="0" y="2195305"/>
               </a:lnTo>
               <a:lnTo>
-                <a:pt x="148456" y="1860649"/>
+                <a:pt x="175157" y="2195305"/>
               </a:lnTo>
             </a:path>
           </a:pathLst>
@@ -22799,8 +24665,8 @@
       </dsp:nvSpPr>
       <dsp:spPr>
         <a:xfrm>
-          <a:off x="4741949" y="1200030"/>
-          <a:ext cx="148456" cy="1157957"/>
+          <a:off x="5032597" y="1415438"/>
+          <a:ext cx="175157" cy="1366227"/>
         </a:xfrm>
         <a:custGeom>
           <a:avLst/>
@@ -22814,10 +24680,10 @@
                 <a:pt x="0" y="0"/>
               </a:moveTo>
               <a:lnTo>
-                <a:pt x="0" y="1157957"/>
+                <a:pt x="0" y="1366227"/>
               </a:lnTo>
               <a:lnTo>
-                <a:pt x="148456" y="1157957"/>
+                <a:pt x="175157" y="1366227"/>
               </a:lnTo>
             </a:path>
           </a:pathLst>
@@ -22858,8 +24724,8 @@
       </dsp:nvSpPr>
       <dsp:spPr>
         <a:xfrm>
-          <a:off x="4741949" y="1200030"/>
-          <a:ext cx="148456" cy="455265"/>
+          <a:off x="5032597" y="1415438"/>
+          <a:ext cx="175157" cy="537149"/>
         </a:xfrm>
         <a:custGeom>
           <a:avLst/>
@@ -22873,10 +24739,10 @@
                 <a:pt x="0" y="0"/>
               </a:moveTo>
               <a:lnTo>
-                <a:pt x="0" y="455265"/>
+                <a:pt x="0" y="537149"/>
               </a:lnTo>
               <a:lnTo>
-                <a:pt x="148456" y="455265"/>
+                <a:pt x="175157" y="537149"/>
               </a:lnTo>
             </a:path>
           </a:pathLst>
@@ -22917,8 +24783,8 @@
       </dsp:nvSpPr>
       <dsp:spPr>
         <a:xfrm>
-          <a:off x="3940286" y="497338"/>
-          <a:ext cx="1197545" cy="207838"/>
+          <a:off x="4086747" y="586360"/>
+          <a:ext cx="1412936" cy="245220"/>
         </a:xfrm>
         <a:custGeom>
           <a:avLst/>
@@ -22932,13 +24798,13 @@
                 <a:pt x="0" y="0"/>
               </a:moveTo>
               <a:lnTo>
-                <a:pt x="0" y="103919"/>
+                <a:pt x="0" y="122610"/>
               </a:lnTo>
               <a:lnTo>
-                <a:pt x="1197545" y="103919"/>
+                <a:pt x="1412936" y="122610"/>
               </a:lnTo>
               <a:lnTo>
-                <a:pt x="1197545" y="207838"/>
+                <a:pt x="1412936" y="245220"/>
               </a:lnTo>
             </a:path>
           </a:pathLst>
@@ -22979,8 +24845,8 @@
       </dsp:nvSpPr>
       <dsp:spPr>
         <a:xfrm>
-          <a:off x="3544403" y="1200030"/>
-          <a:ext cx="148456" cy="3968725"/>
+          <a:off x="3619661" y="1415438"/>
+          <a:ext cx="175157" cy="4682540"/>
         </a:xfrm>
         <a:custGeom>
           <a:avLst/>
@@ -22994,10 +24860,10 @@
                 <a:pt x="0" y="0"/>
               </a:moveTo>
               <a:lnTo>
-                <a:pt x="0" y="3968725"/>
+                <a:pt x="0" y="4682540"/>
               </a:lnTo>
               <a:lnTo>
-                <a:pt x="148456" y="3968725"/>
+                <a:pt x="175157" y="4682540"/>
               </a:lnTo>
             </a:path>
           </a:pathLst>
@@ -23038,8 +24904,8 @@
       </dsp:nvSpPr>
       <dsp:spPr>
         <a:xfrm>
-          <a:off x="3544403" y="1200030"/>
-          <a:ext cx="148456" cy="3266033"/>
+          <a:off x="3619661" y="1415438"/>
+          <a:ext cx="175157" cy="3853462"/>
         </a:xfrm>
         <a:custGeom>
           <a:avLst/>
@@ -23053,10 +24919,10 @@
                 <a:pt x="0" y="0"/>
               </a:moveTo>
               <a:lnTo>
-                <a:pt x="0" y="3266033"/>
+                <a:pt x="0" y="3853462"/>
               </a:lnTo>
               <a:lnTo>
-                <a:pt x="148456" y="3266033"/>
+                <a:pt x="175157" y="3853462"/>
               </a:lnTo>
             </a:path>
           </a:pathLst>
@@ -23097,8 +24963,8 @@
       </dsp:nvSpPr>
       <dsp:spPr>
         <a:xfrm>
-          <a:off x="3544403" y="1200030"/>
-          <a:ext cx="148456" cy="2563341"/>
+          <a:off x="3619661" y="1415438"/>
+          <a:ext cx="175157" cy="3024384"/>
         </a:xfrm>
         <a:custGeom>
           <a:avLst/>
@@ -23112,10 +24978,10 @@
                 <a:pt x="0" y="0"/>
               </a:moveTo>
               <a:lnTo>
-                <a:pt x="0" y="2563341"/>
+                <a:pt x="0" y="3024384"/>
               </a:lnTo>
               <a:lnTo>
-                <a:pt x="148456" y="2563341"/>
+                <a:pt x="175157" y="3024384"/>
               </a:lnTo>
             </a:path>
           </a:pathLst>
@@ -23156,8 +25022,8 @@
       </dsp:nvSpPr>
       <dsp:spPr>
         <a:xfrm>
-          <a:off x="3544403" y="1200030"/>
-          <a:ext cx="148456" cy="1860649"/>
+          <a:off x="3619661" y="1415438"/>
+          <a:ext cx="175157" cy="2195305"/>
         </a:xfrm>
         <a:custGeom>
           <a:avLst/>
@@ -23171,10 +25037,10 @@
                 <a:pt x="0" y="0"/>
               </a:moveTo>
               <a:lnTo>
-                <a:pt x="0" y="1860649"/>
+                <a:pt x="0" y="2195305"/>
               </a:lnTo>
               <a:lnTo>
-                <a:pt x="148456" y="1860649"/>
+                <a:pt x="175157" y="2195305"/>
               </a:lnTo>
             </a:path>
           </a:pathLst>
@@ -23215,8 +25081,8 @@
       </dsp:nvSpPr>
       <dsp:spPr>
         <a:xfrm>
-          <a:off x="3544403" y="1200030"/>
-          <a:ext cx="148456" cy="1157957"/>
+          <a:off x="3619661" y="1415438"/>
+          <a:ext cx="175157" cy="1366227"/>
         </a:xfrm>
         <a:custGeom>
           <a:avLst/>
@@ -23230,10 +25096,10 @@
                 <a:pt x="0" y="0"/>
               </a:moveTo>
               <a:lnTo>
-                <a:pt x="0" y="1157957"/>
+                <a:pt x="0" y="1366227"/>
               </a:lnTo>
               <a:lnTo>
-                <a:pt x="148456" y="1157957"/>
+                <a:pt x="175157" y="1366227"/>
               </a:lnTo>
             </a:path>
           </a:pathLst>
@@ -23274,8 +25140,8 @@
       </dsp:nvSpPr>
       <dsp:spPr>
         <a:xfrm>
-          <a:off x="3544403" y="1200030"/>
-          <a:ext cx="148456" cy="455265"/>
+          <a:off x="3619661" y="1415438"/>
+          <a:ext cx="175157" cy="537149"/>
         </a:xfrm>
         <a:custGeom>
           <a:avLst/>
@@ -23289,10 +25155,10 @@
                 <a:pt x="0" y="0"/>
               </a:moveTo>
               <a:lnTo>
-                <a:pt x="0" y="455265"/>
+                <a:pt x="0" y="537149"/>
               </a:lnTo>
               <a:lnTo>
-                <a:pt x="148456" y="455265"/>
+                <a:pt x="175157" y="537149"/>
               </a:lnTo>
             </a:path>
           </a:pathLst>
@@ -23333,8 +25199,8 @@
       </dsp:nvSpPr>
       <dsp:spPr>
         <a:xfrm>
-          <a:off x="3894566" y="497338"/>
-          <a:ext cx="91440" cy="207838"/>
+          <a:off x="4041027" y="586360"/>
+          <a:ext cx="91440" cy="245220"/>
         </a:xfrm>
         <a:custGeom>
           <a:avLst/>
@@ -23348,7 +25214,7 @@
                 <a:pt x="45720" y="0"/>
               </a:moveTo>
               <a:lnTo>
-                <a:pt x="45720" y="207838"/>
+                <a:pt x="45720" y="245220"/>
               </a:lnTo>
             </a:path>
           </a:pathLst>
@@ -23389,8 +25255,8 @@
       </dsp:nvSpPr>
       <dsp:spPr>
         <a:xfrm>
-          <a:off x="2346858" y="1200030"/>
-          <a:ext cx="148456" cy="3968725"/>
+          <a:off x="2206724" y="1415438"/>
+          <a:ext cx="175157" cy="4682540"/>
         </a:xfrm>
         <a:custGeom>
           <a:avLst/>
@@ -23404,10 +25270,10 @@
                 <a:pt x="0" y="0"/>
               </a:moveTo>
               <a:lnTo>
-                <a:pt x="0" y="3968725"/>
+                <a:pt x="0" y="4682540"/>
               </a:lnTo>
               <a:lnTo>
-                <a:pt x="148456" y="3968725"/>
+                <a:pt x="175157" y="4682540"/>
               </a:lnTo>
             </a:path>
           </a:pathLst>
@@ -23448,8 +25314,8 @@
       </dsp:nvSpPr>
       <dsp:spPr>
         <a:xfrm>
-          <a:off x="2346858" y="1200030"/>
-          <a:ext cx="148456" cy="3266033"/>
+          <a:off x="2206724" y="1415438"/>
+          <a:ext cx="175157" cy="3853462"/>
         </a:xfrm>
         <a:custGeom>
           <a:avLst/>
@@ -23463,10 +25329,10 @@
                 <a:pt x="0" y="0"/>
               </a:moveTo>
               <a:lnTo>
-                <a:pt x="0" y="3266033"/>
+                <a:pt x="0" y="3853462"/>
               </a:lnTo>
               <a:lnTo>
-                <a:pt x="148456" y="3266033"/>
+                <a:pt x="175157" y="3853462"/>
               </a:lnTo>
             </a:path>
           </a:pathLst>
@@ -23507,8 +25373,8 @@
       </dsp:nvSpPr>
       <dsp:spPr>
         <a:xfrm>
-          <a:off x="2346858" y="1200030"/>
-          <a:ext cx="148456" cy="2563341"/>
+          <a:off x="2206724" y="1415438"/>
+          <a:ext cx="175157" cy="3024384"/>
         </a:xfrm>
         <a:custGeom>
           <a:avLst/>
@@ -23522,10 +25388,10 @@
                 <a:pt x="0" y="0"/>
               </a:moveTo>
               <a:lnTo>
-                <a:pt x="0" y="2563341"/>
+                <a:pt x="0" y="3024384"/>
               </a:lnTo>
               <a:lnTo>
-                <a:pt x="148456" y="2563341"/>
+                <a:pt x="175157" y="3024384"/>
               </a:lnTo>
             </a:path>
           </a:pathLst>
@@ -23566,8 +25432,8 @@
       </dsp:nvSpPr>
       <dsp:spPr>
         <a:xfrm>
-          <a:off x="2346858" y="1200030"/>
-          <a:ext cx="148456" cy="1860649"/>
+          <a:off x="2206724" y="1415438"/>
+          <a:ext cx="175157" cy="2195305"/>
         </a:xfrm>
         <a:custGeom>
           <a:avLst/>
@@ -23581,10 +25447,10 @@
                 <a:pt x="0" y="0"/>
               </a:moveTo>
               <a:lnTo>
-                <a:pt x="0" y="1860649"/>
+                <a:pt x="0" y="2195305"/>
               </a:lnTo>
               <a:lnTo>
-                <a:pt x="148456" y="1860649"/>
+                <a:pt x="175157" y="2195305"/>
               </a:lnTo>
             </a:path>
           </a:pathLst>
@@ -23625,8 +25491,8 @@
       </dsp:nvSpPr>
       <dsp:spPr>
         <a:xfrm>
-          <a:off x="2346858" y="1200030"/>
-          <a:ext cx="148456" cy="1157957"/>
+          <a:off x="2206724" y="1415438"/>
+          <a:ext cx="175157" cy="1366227"/>
         </a:xfrm>
         <a:custGeom>
           <a:avLst/>
@@ -23640,10 +25506,10 @@
                 <a:pt x="0" y="0"/>
               </a:moveTo>
               <a:lnTo>
-                <a:pt x="0" y="1157957"/>
+                <a:pt x="0" y="1366227"/>
               </a:lnTo>
               <a:lnTo>
-                <a:pt x="148456" y="1157957"/>
+                <a:pt x="175157" y="1366227"/>
               </a:lnTo>
             </a:path>
           </a:pathLst>
@@ -23684,8 +25550,8 @@
       </dsp:nvSpPr>
       <dsp:spPr>
         <a:xfrm>
-          <a:off x="2346858" y="1200030"/>
-          <a:ext cx="148456" cy="455265"/>
+          <a:off x="2206724" y="1415438"/>
+          <a:ext cx="175157" cy="537149"/>
         </a:xfrm>
         <a:custGeom>
           <a:avLst/>
@@ -23699,10 +25565,10 @@
                 <a:pt x="0" y="0"/>
               </a:moveTo>
               <a:lnTo>
-                <a:pt x="0" y="455265"/>
+                <a:pt x="0" y="537149"/>
               </a:lnTo>
               <a:lnTo>
-                <a:pt x="148456" y="455265"/>
+                <a:pt x="175157" y="537149"/>
               </a:lnTo>
             </a:path>
           </a:pathLst>
@@ -23743,8 +25609,8 @@
       </dsp:nvSpPr>
       <dsp:spPr>
         <a:xfrm>
-          <a:off x="2742741" y="497338"/>
-          <a:ext cx="1197545" cy="207838"/>
+          <a:off x="2673811" y="586360"/>
+          <a:ext cx="1412936" cy="245220"/>
         </a:xfrm>
         <a:custGeom>
           <a:avLst/>
@@ -23755,16 +25621,16 @@
           <a:pathLst>
             <a:path>
               <a:moveTo>
-                <a:pt x="1197545" y="0"/>
+                <a:pt x="1412936" y="0"/>
               </a:moveTo>
               <a:lnTo>
-                <a:pt x="1197545" y="103919"/>
+                <a:pt x="1412936" y="122610"/>
               </a:lnTo>
               <a:lnTo>
-                <a:pt x="0" y="103919"/>
+                <a:pt x="0" y="122610"/>
               </a:lnTo>
               <a:lnTo>
-                <a:pt x="0" y="207838"/>
+                <a:pt x="0" y="245220"/>
               </a:lnTo>
             </a:path>
           </a:pathLst>
@@ -23805,8 +25671,8 @@
       </dsp:nvSpPr>
       <dsp:spPr>
         <a:xfrm>
-          <a:off x="3445433" y="2484"/>
-          <a:ext cx="989707" cy="494853"/>
+          <a:off x="3502889" y="2502"/>
+          <a:ext cx="1167715" cy="583857"/>
         </a:xfrm>
         <a:prstGeom prst="rect">
           <a:avLst/>
@@ -23840,12 +25706,12 @@
         </a:fontRef>
       </dsp:style>
       <dsp:txBody>
-        <a:bodyPr spcFirstLastPara="0" vert="horz" wrap="square" lIns="9525" tIns="9525" rIns="9525" bIns="9525" numCol="1" spcCol="1270" anchor="ctr" anchorCtr="0">
+        <a:bodyPr spcFirstLastPara="0" vert="horz" wrap="square" lIns="11430" tIns="11430" rIns="11430" bIns="11430" numCol="1" spcCol="1270" anchor="ctr" anchorCtr="0">
           <a:noAutofit/>
         </a:bodyPr>
         <a:lstStyle/>
         <a:p>
-          <a:pPr marL="0" lvl="0" indent="0" algn="ctr" defTabSz="666750">
+          <a:pPr marL="0" lvl="0" indent="0" algn="ctr" defTabSz="800100">
             <a:lnSpc>
               <a:spcPct val="90000"/>
             </a:lnSpc>
@@ -23858,19 +25724,19 @@
             <a:buNone/>
           </a:pPr>
           <a:r>
-            <a:rPr lang="fr-FR" sz="1500" kern="1200" dirty="0"/>
+            <a:rPr lang="fr-FR" sz="1800" kern="1200" dirty="0"/>
             <a:t>Drivers </a:t>
           </a:r>
           <a:r>
-            <a:rPr lang="fr-FR" sz="1500" kern="1200" dirty="0" err="1"/>
+            <a:rPr lang="fr-FR" sz="1800" kern="1200" dirty="0" err="1"/>
             <a:t>Fight</a:t>
           </a:r>
-          <a:endParaRPr lang="fr-FR" sz="1500" kern="1200" dirty="0"/>
+          <a:endParaRPr lang="fr-FR" sz="1800" kern="1200" dirty="0"/>
         </a:p>
       </dsp:txBody>
       <dsp:txXfrm>
-        <a:off x="3445433" y="2484"/>
-        <a:ext cx="989707" cy="494853"/>
+        <a:off x="3502889" y="2502"/>
+        <a:ext cx="1167715" cy="583857"/>
       </dsp:txXfrm>
     </dsp:sp>
     <dsp:sp modelId="{4BEDD2CF-6369-46D6-BD33-B5DA93490D71}">
@@ -23880,8 +25746,8 @@
       </dsp:nvSpPr>
       <dsp:spPr>
         <a:xfrm>
-          <a:off x="2247887" y="705176"/>
-          <a:ext cx="989707" cy="494853"/>
+          <a:off x="2089953" y="831580"/>
+          <a:ext cx="1167715" cy="583857"/>
         </a:xfrm>
         <a:prstGeom prst="rect">
           <a:avLst/>
@@ -23938,12 +25804,12 @@
         </a:fontRef>
       </dsp:style>
       <dsp:txBody>
-        <a:bodyPr spcFirstLastPara="0" vert="horz" wrap="square" lIns="9525" tIns="9525" rIns="9525" bIns="9525" numCol="1" spcCol="1270" anchor="ctr" anchorCtr="0">
+        <a:bodyPr spcFirstLastPara="0" vert="horz" wrap="square" lIns="11430" tIns="11430" rIns="11430" bIns="11430" numCol="1" spcCol="1270" anchor="ctr" anchorCtr="0">
           <a:noAutofit/>
         </a:bodyPr>
         <a:lstStyle/>
         <a:p>
-          <a:pPr marL="0" lvl="0" indent="0" algn="ctr" defTabSz="666750">
+          <a:pPr marL="0" lvl="0" indent="0" algn="ctr" defTabSz="800100">
             <a:lnSpc>
               <a:spcPct val="90000"/>
             </a:lnSpc>
@@ -23956,14 +25822,14 @@
             <a:buNone/>
           </a:pPr>
           <a:r>
-            <a:rPr lang="fr-FR" sz="1500" kern="1200" dirty="0"/>
+            <a:rPr lang="fr-FR" sz="1800" kern="1200" dirty="0"/>
             <a:t>Arthur</a:t>
           </a:r>
         </a:p>
       </dsp:txBody>
       <dsp:txXfrm>
-        <a:off x="2247887" y="705176"/>
-        <a:ext cx="989707" cy="494853"/>
+        <a:off x="2089953" y="831580"/>
+        <a:ext cx="1167715" cy="583857"/>
       </dsp:txXfrm>
     </dsp:sp>
     <dsp:sp modelId="{726B288A-5E9E-455A-B724-62092AAF8DA3}">
@@ -23973,8 +25839,8 @@
       </dsp:nvSpPr>
       <dsp:spPr>
         <a:xfrm>
-          <a:off x="2495314" y="1407868"/>
-          <a:ext cx="989707" cy="494853"/>
+          <a:off x="2381882" y="1660659"/>
+          <a:ext cx="1167715" cy="583857"/>
         </a:xfrm>
         <a:prstGeom prst="rect">
           <a:avLst/>
@@ -24031,12 +25897,12 @@
         </a:fontRef>
       </dsp:style>
       <dsp:txBody>
-        <a:bodyPr spcFirstLastPara="0" vert="horz" wrap="square" lIns="9525" tIns="9525" rIns="9525" bIns="9525" numCol="1" spcCol="1270" anchor="ctr" anchorCtr="0">
+        <a:bodyPr spcFirstLastPara="0" vert="horz" wrap="square" lIns="11430" tIns="11430" rIns="11430" bIns="11430" numCol="1" spcCol="1270" anchor="ctr" anchorCtr="0">
           <a:noAutofit/>
         </a:bodyPr>
         <a:lstStyle/>
         <a:p>
-          <a:pPr marL="0" lvl="0" indent="0" algn="ctr" defTabSz="666750">
+          <a:pPr marL="0" lvl="0" indent="0" algn="ctr" defTabSz="800100">
             <a:lnSpc>
               <a:spcPct val="90000"/>
             </a:lnSpc>
@@ -24049,14 +25915,14 @@
             <a:buNone/>
           </a:pPr>
           <a:r>
-            <a:rPr lang="fr-FR" sz="1500" kern="1200" dirty="0"/>
+            <a:rPr lang="fr-FR" sz="1800" kern="1200" dirty="0"/>
             <a:t>Bots</a:t>
           </a:r>
         </a:p>
       </dsp:txBody>
       <dsp:txXfrm>
-        <a:off x="2495314" y="1407868"/>
-        <a:ext cx="989707" cy="494853"/>
+        <a:off x="2381882" y="1660659"/>
+        <a:ext cx="1167715" cy="583857"/>
       </dsp:txXfrm>
     </dsp:sp>
     <dsp:sp modelId="{F0EE7935-214E-48DD-BC9E-A96B05828406}">
@@ -24066,8 +25932,8 @@
       </dsp:nvSpPr>
       <dsp:spPr>
         <a:xfrm>
-          <a:off x="2495314" y="2110560"/>
-          <a:ext cx="989707" cy="494853"/>
+          <a:off x="2381882" y="2489737"/>
+          <a:ext cx="1167715" cy="583857"/>
         </a:xfrm>
         <a:prstGeom prst="rect">
           <a:avLst/>
@@ -24124,12 +25990,12 @@
         </a:fontRef>
       </dsp:style>
       <dsp:txBody>
-        <a:bodyPr spcFirstLastPara="0" vert="horz" wrap="square" lIns="9525" tIns="9525" rIns="9525" bIns="9525" numCol="1" spcCol="1270" anchor="ctr" anchorCtr="0">
+        <a:bodyPr spcFirstLastPara="0" vert="horz" wrap="square" lIns="11430" tIns="11430" rIns="11430" bIns="11430" numCol="1" spcCol="1270" anchor="ctr" anchorCtr="0">
           <a:noAutofit/>
         </a:bodyPr>
         <a:lstStyle/>
         <a:p>
-          <a:pPr marL="0" lvl="0" indent="0" algn="ctr" defTabSz="666750">
+          <a:pPr marL="0" lvl="0" indent="0" algn="ctr" defTabSz="800100">
             <a:lnSpc>
               <a:spcPct val="90000"/>
             </a:lnSpc>
@@ -24142,14 +26008,14 @@
             <a:buNone/>
           </a:pPr>
           <a:r>
-            <a:rPr lang="fr-FR" sz="1500" kern="1200" dirty="0"/>
+            <a:rPr lang="fr-FR" sz="1800" kern="1200" dirty="0"/>
             <a:t>3/4 modèles 3D</a:t>
           </a:r>
         </a:p>
       </dsp:txBody>
       <dsp:txXfrm>
-        <a:off x="2495314" y="2110560"/>
-        <a:ext cx="989707" cy="494853"/>
+        <a:off x="2381882" y="2489737"/>
+        <a:ext cx="1167715" cy="583857"/>
       </dsp:txXfrm>
     </dsp:sp>
     <dsp:sp modelId="{ED2A26E1-2163-440D-996A-6636B92267D0}">
@@ -24159,8 +26025,8 @@
       </dsp:nvSpPr>
       <dsp:spPr>
         <a:xfrm>
-          <a:off x="2495314" y="2813252"/>
-          <a:ext cx="989707" cy="494853"/>
+          <a:off x="2381882" y="3318815"/>
+          <a:ext cx="1167715" cy="583857"/>
         </a:xfrm>
         <a:prstGeom prst="rect">
           <a:avLst/>
@@ -24217,12 +26083,12 @@
         </a:fontRef>
       </dsp:style>
       <dsp:txBody>
-        <a:bodyPr spcFirstLastPara="0" vert="horz" wrap="square" lIns="9525" tIns="9525" rIns="9525" bIns="9525" numCol="1" spcCol="1270" anchor="ctr" anchorCtr="0">
+        <a:bodyPr spcFirstLastPara="0" vert="horz" wrap="square" lIns="11430" tIns="11430" rIns="11430" bIns="11430" numCol="1" spcCol="1270" anchor="ctr" anchorCtr="0">
           <a:noAutofit/>
         </a:bodyPr>
         <a:lstStyle/>
         <a:p>
-          <a:pPr marL="0" lvl="0" indent="0" algn="ctr" defTabSz="666750">
+          <a:pPr marL="0" lvl="0" indent="0" algn="ctr" defTabSz="800100">
             <a:lnSpc>
               <a:spcPct val="90000"/>
             </a:lnSpc>
@@ -24234,12 +26100,12 @@
             </a:spcAft>
             <a:buNone/>
           </a:pPr>
-          <a:endParaRPr lang="fr-FR" sz="1500" kern="1200" dirty="0"/>
+          <a:endParaRPr lang="fr-FR" sz="1800" kern="1200" dirty="0"/>
         </a:p>
       </dsp:txBody>
       <dsp:txXfrm>
-        <a:off x="2495314" y="2813252"/>
-        <a:ext cx="989707" cy="494853"/>
+        <a:off x="2381882" y="3318815"/>
+        <a:ext cx="1167715" cy="583857"/>
       </dsp:txXfrm>
     </dsp:sp>
     <dsp:sp modelId="{C9B19913-42C0-4B63-9373-3231A6DF95DD}">
@@ -24249,8 +26115,8 @@
       </dsp:nvSpPr>
       <dsp:spPr>
         <a:xfrm>
-          <a:off x="2495314" y="3515944"/>
-          <a:ext cx="989707" cy="494853"/>
+          <a:off x="2381882" y="4147894"/>
+          <a:ext cx="1167715" cy="583857"/>
         </a:xfrm>
         <a:prstGeom prst="rect">
           <a:avLst/>
@@ -24307,12 +26173,12 @@
         </a:fontRef>
       </dsp:style>
       <dsp:txBody>
-        <a:bodyPr spcFirstLastPara="0" vert="horz" wrap="square" lIns="9525" tIns="9525" rIns="9525" bIns="9525" numCol="1" spcCol="1270" anchor="ctr" anchorCtr="0">
+        <a:bodyPr spcFirstLastPara="0" vert="horz" wrap="square" lIns="11430" tIns="11430" rIns="11430" bIns="11430" numCol="1" spcCol="1270" anchor="ctr" anchorCtr="0">
           <a:noAutofit/>
         </a:bodyPr>
         <a:lstStyle/>
         <a:p>
-          <a:pPr marL="0" lvl="0" indent="0" algn="ctr" defTabSz="666750">
+          <a:pPr marL="0" lvl="0" indent="0" algn="ctr" defTabSz="800100">
             <a:lnSpc>
               <a:spcPct val="90000"/>
             </a:lnSpc>
@@ -24324,12 +26190,12 @@
             </a:spcAft>
             <a:buNone/>
           </a:pPr>
-          <a:endParaRPr lang="fr-FR" sz="1500" kern="1200" dirty="0"/>
+          <a:endParaRPr lang="fr-FR" sz="1800" kern="1200" dirty="0"/>
         </a:p>
       </dsp:txBody>
       <dsp:txXfrm>
-        <a:off x="2495314" y="3515944"/>
-        <a:ext cx="989707" cy="494853"/>
+        <a:off x="2381882" y="4147894"/>
+        <a:ext cx="1167715" cy="583857"/>
       </dsp:txXfrm>
     </dsp:sp>
     <dsp:sp modelId="{5F6174CF-B0F8-4C5B-A280-F2C860896B16}">
@@ -24339,8 +26205,8 @@
       </dsp:nvSpPr>
       <dsp:spPr>
         <a:xfrm>
-          <a:off x="2495314" y="4218636"/>
-          <a:ext cx="989707" cy="494853"/>
+          <a:off x="2381882" y="4976972"/>
+          <a:ext cx="1167715" cy="583857"/>
         </a:xfrm>
         <a:prstGeom prst="rect">
           <a:avLst/>
@@ -24397,12 +26263,12 @@
         </a:fontRef>
       </dsp:style>
       <dsp:txBody>
-        <a:bodyPr spcFirstLastPara="0" vert="horz" wrap="square" lIns="9525" tIns="9525" rIns="9525" bIns="9525" numCol="1" spcCol="1270" anchor="ctr" anchorCtr="0">
+        <a:bodyPr spcFirstLastPara="0" vert="horz" wrap="square" lIns="11430" tIns="11430" rIns="11430" bIns="11430" numCol="1" spcCol="1270" anchor="ctr" anchorCtr="0">
           <a:noAutofit/>
         </a:bodyPr>
         <a:lstStyle/>
         <a:p>
-          <a:pPr marL="0" lvl="0" indent="0" algn="ctr" defTabSz="666750">
+          <a:pPr marL="0" lvl="0" indent="0" algn="ctr" defTabSz="800100">
             <a:lnSpc>
               <a:spcPct val="90000"/>
             </a:lnSpc>
@@ -24414,12 +26280,12 @@
             </a:spcAft>
             <a:buNone/>
           </a:pPr>
-          <a:endParaRPr lang="fr-FR" sz="1500" kern="1200" dirty="0"/>
+          <a:endParaRPr lang="fr-FR" sz="1800" kern="1200" dirty="0"/>
         </a:p>
       </dsp:txBody>
       <dsp:txXfrm>
-        <a:off x="2495314" y="4218636"/>
-        <a:ext cx="989707" cy="494853"/>
+        <a:off x="2381882" y="4976972"/>
+        <a:ext cx="1167715" cy="583857"/>
       </dsp:txXfrm>
     </dsp:sp>
     <dsp:sp modelId="{0B968E51-1C2B-41E6-8729-7B4AE9A0B42E}">
@@ -24429,8 +26295,8 @@
       </dsp:nvSpPr>
       <dsp:spPr>
         <a:xfrm>
-          <a:off x="2495314" y="4921328"/>
-          <a:ext cx="989707" cy="494853"/>
+          <a:off x="2381882" y="5806050"/>
+          <a:ext cx="1167715" cy="583857"/>
         </a:xfrm>
         <a:prstGeom prst="rect">
           <a:avLst/>
@@ -24487,12 +26353,12 @@
         </a:fontRef>
       </dsp:style>
       <dsp:txBody>
-        <a:bodyPr spcFirstLastPara="0" vert="horz" wrap="square" lIns="9525" tIns="9525" rIns="9525" bIns="9525" numCol="1" spcCol="1270" anchor="ctr" anchorCtr="0">
+        <a:bodyPr spcFirstLastPara="0" vert="horz" wrap="square" lIns="11430" tIns="11430" rIns="11430" bIns="11430" numCol="1" spcCol="1270" anchor="ctr" anchorCtr="0">
           <a:noAutofit/>
         </a:bodyPr>
         <a:lstStyle/>
         <a:p>
-          <a:pPr marL="0" lvl="0" indent="0" algn="ctr" defTabSz="666750">
+          <a:pPr marL="0" lvl="0" indent="0" algn="ctr" defTabSz="800100">
             <a:lnSpc>
               <a:spcPct val="90000"/>
             </a:lnSpc>
@@ -24504,12 +26370,12 @@
             </a:spcAft>
             <a:buNone/>
           </a:pPr>
-          <a:endParaRPr lang="fr-FR" sz="1500" kern="1200" dirty="0"/>
+          <a:endParaRPr lang="fr-FR" sz="1800" kern="1200" dirty="0"/>
         </a:p>
       </dsp:txBody>
       <dsp:txXfrm>
-        <a:off x="2495314" y="4921328"/>
-        <a:ext cx="989707" cy="494853"/>
+        <a:off x="2381882" y="5806050"/>
+        <a:ext cx="1167715" cy="583857"/>
       </dsp:txXfrm>
     </dsp:sp>
     <dsp:sp modelId="{81FCEF48-7CBF-4DFE-A16D-CE844D85F270}">
@@ -24519,8 +26385,8 @@
       </dsp:nvSpPr>
       <dsp:spPr>
         <a:xfrm>
-          <a:off x="3445433" y="705176"/>
-          <a:ext cx="989707" cy="494853"/>
+          <a:off x="3502889" y="831580"/>
+          <a:ext cx="1167715" cy="583857"/>
         </a:xfrm>
         <a:prstGeom prst="rect">
           <a:avLst/>
@@ -24577,12 +26443,12 @@
         </a:fontRef>
       </dsp:style>
       <dsp:txBody>
-        <a:bodyPr spcFirstLastPara="0" vert="horz" wrap="square" lIns="9525" tIns="9525" rIns="9525" bIns="9525" numCol="1" spcCol="1270" anchor="ctr" anchorCtr="0">
+        <a:bodyPr spcFirstLastPara="0" vert="horz" wrap="square" lIns="11430" tIns="11430" rIns="11430" bIns="11430" numCol="1" spcCol="1270" anchor="ctr" anchorCtr="0">
           <a:noAutofit/>
         </a:bodyPr>
         <a:lstStyle/>
         <a:p>
-          <a:pPr marL="0" lvl="0" indent="0" algn="ctr" defTabSz="666750">
+          <a:pPr marL="0" lvl="0" indent="0" algn="ctr" defTabSz="800100">
             <a:lnSpc>
               <a:spcPct val="90000"/>
             </a:lnSpc>
@@ -24595,14 +26461,14 @@
             <a:buNone/>
           </a:pPr>
           <a:r>
-            <a:rPr lang="fr-FR" sz="1500" kern="1200" dirty="0"/>
+            <a:rPr lang="fr-FR" sz="1800" kern="1200" dirty="0"/>
             <a:t>Baptiste</a:t>
           </a:r>
         </a:p>
       </dsp:txBody>
       <dsp:txXfrm>
-        <a:off x="3445433" y="705176"/>
-        <a:ext cx="989707" cy="494853"/>
+        <a:off x="3502889" y="831580"/>
+        <a:ext cx="1167715" cy="583857"/>
       </dsp:txXfrm>
     </dsp:sp>
     <dsp:sp modelId="{C72E49FF-4211-41B6-817A-85776F0EA919}">
@@ -24612,8 +26478,8 @@
       </dsp:nvSpPr>
       <dsp:spPr>
         <a:xfrm>
-          <a:off x="3692859" y="1407868"/>
-          <a:ext cx="989707" cy="494853"/>
+          <a:off x="3794818" y="1660659"/>
+          <a:ext cx="1167715" cy="583857"/>
         </a:xfrm>
         <a:prstGeom prst="rect">
           <a:avLst/>
@@ -24670,12 +26536,12 @@
         </a:fontRef>
       </dsp:style>
       <dsp:txBody>
-        <a:bodyPr spcFirstLastPara="0" vert="horz" wrap="square" lIns="9525" tIns="9525" rIns="9525" bIns="9525" numCol="1" spcCol="1270" anchor="ctr" anchorCtr="0">
+        <a:bodyPr spcFirstLastPara="0" vert="horz" wrap="square" lIns="11430" tIns="11430" rIns="11430" bIns="11430" numCol="1" spcCol="1270" anchor="ctr" anchorCtr="0">
           <a:noAutofit/>
         </a:bodyPr>
         <a:lstStyle/>
         <a:p>
-          <a:pPr marL="0" lvl="0" indent="0" algn="ctr" defTabSz="666750">
+          <a:pPr marL="0" lvl="0" indent="0" algn="ctr" defTabSz="800100">
             <a:lnSpc>
               <a:spcPct val="90000"/>
             </a:lnSpc>
@@ -24688,14 +26554,14 @@
             <a:buNone/>
           </a:pPr>
           <a:r>
-            <a:rPr lang="fr-FR" sz="1500" kern="1200" dirty="0"/>
+            <a:rPr lang="fr-FR" sz="1800" kern="1200" dirty="0"/>
             <a:t>3/4 modèles 3D</a:t>
           </a:r>
         </a:p>
       </dsp:txBody>
       <dsp:txXfrm>
-        <a:off x="3692859" y="1407868"/>
-        <a:ext cx="989707" cy="494853"/>
+        <a:off x="3794818" y="1660659"/>
+        <a:ext cx="1167715" cy="583857"/>
       </dsp:txXfrm>
     </dsp:sp>
     <dsp:sp modelId="{81ED629E-EF39-4527-B513-1EBA330D3E03}">
@@ -24705,8 +26571,8 @@
       </dsp:nvSpPr>
       <dsp:spPr>
         <a:xfrm>
-          <a:off x="3692859" y="2110560"/>
-          <a:ext cx="989707" cy="494853"/>
+          <a:off x="3794818" y="2489737"/>
+          <a:ext cx="1167715" cy="583857"/>
         </a:xfrm>
         <a:prstGeom prst="rect">
           <a:avLst/>
@@ -24763,12 +26629,12 @@
         </a:fontRef>
       </dsp:style>
       <dsp:txBody>
-        <a:bodyPr spcFirstLastPara="0" vert="horz" wrap="square" lIns="9525" tIns="9525" rIns="9525" bIns="9525" numCol="1" spcCol="1270" anchor="ctr" anchorCtr="0">
+        <a:bodyPr spcFirstLastPara="0" vert="horz" wrap="square" lIns="11430" tIns="11430" rIns="11430" bIns="11430" numCol="1" spcCol="1270" anchor="ctr" anchorCtr="0">
           <a:noAutofit/>
         </a:bodyPr>
         <a:lstStyle/>
         <a:p>
-          <a:pPr marL="0" lvl="0" indent="0" algn="ctr" defTabSz="666750">
+          <a:pPr marL="0" lvl="0" indent="0" algn="ctr" defTabSz="800100">
             <a:lnSpc>
               <a:spcPct val="90000"/>
             </a:lnSpc>
@@ -24780,12 +26646,12 @@
             </a:spcAft>
             <a:buNone/>
           </a:pPr>
-          <a:endParaRPr lang="fr-FR" sz="1500" kern="1200" dirty="0"/>
+          <a:endParaRPr lang="fr-FR" sz="1800" kern="1200" dirty="0"/>
         </a:p>
       </dsp:txBody>
       <dsp:txXfrm>
-        <a:off x="3692859" y="2110560"/>
-        <a:ext cx="989707" cy="494853"/>
+        <a:off x="3794818" y="2489737"/>
+        <a:ext cx="1167715" cy="583857"/>
       </dsp:txXfrm>
     </dsp:sp>
     <dsp:sp modelId="{077ADFDC-7F08-4B91-AC0E-320CDCF1D885}">
@@ -24795,8 +26661,8 @@
       </dsp:nvSpPr>
       <dsp:spPr>
         <a:xfrm>
-          <a:off x="3692859" y="2813252"/>
-          <a:ext cx="989707" cy="494853"/>
+          <a:off x="3794818" y="3318815"/>
+          <a:ext cx="1167715" cy="583857"/>
         </a:xfrm>
         <a:prstGeom prst="rect">
           <a:avLst/>
@@ -24853,12 +26719,12 @@
         </a:fontRef>
       </dsp:style>
       <dsp:txBody>
-        <a:bodyPr spcFirstLastPara="0" vert="horz" wrap="square" lIns="9525" tIns="9525" rIns="9525" bIns="9525" numCol="1" spcCol="1270" anchor="ctr" anchorCtr="0">
+        <a:bodyPr spcFirstLastPara="0" vert="horz" wrap="square" lIns="11430" tIns="11430" rIns="11430" bIns="11430" numCol="1" spcCol="1270" anchor="ctr" anchorCtr="0">
           <a:noAutofit/>
         </a:bodyPr>
         <a:lstStyle/>
         <a:p>
-          <a:pPr marL="0" lvl="0" indent="0" algn="ctr" defTabSz="666750">
+          <a:pPr marL="0" lvl="0" indent="0" algn="ctr" defTabSz="800100">
             <a:lnSpc>
               <a:spcPct val="90000"/>
             </a:lnSpc>
@@ -24870,12 +26736,12 @@
             </a:spcAft>
             <a:buNone/>
           </a:pPr>
-          <a:endParaRPr lang="fr-FR" sz="1500" kern="1200" dirty="0"/>
+          <a:endParaRPr lang="fr-FR" sz="1800" kern="1200" dirty="0"/>
         </a:p>
       </dsp:txBody>
       <dsp:txXfrm>
-        <a:off x="3692859" y="2813252"/>
-        <a:ext cx="989707" cy="494853"/>
+        <a:off x="3794818" y="3318815"/>
+        <a:ext cx="1167715" cy="583857"/>
       </dsp:txXfrm>
     </dsp:sp>
     <dsp:sp modelId="{FD3EBA62-F2F8-42DF-8F1F-D03CFA527402}">
@@ -24885,8 +26751,8 @@
       </dsp:nvSpPr>
       <dsp:spPr>
         <a:xfrm>
-          <a:off x="3692859" y="3515944"/>
-          <a:ext cx="989707" cy="494853"/>
+          <a:off x="3794818" y="4147894"/>
+          <a:ext cx="1167715" cy="583857"/>
         </a:xfrm>
         <a:prstGeom prst="rect">
           <a:avLst/>
@@ -24943,12 +26809,12 @@
         </a:fontRef>
       </dsp:style>
       <dsp:txBody>
-        <a:bodyPr spcFirstLastPara="0" vert="horz" wrap="square" lIns="9525" tIns="9525" rIns="9525" bIns="9525" numCol="1" spcCol="1270" anchor="ctr" anchorCtr="0">
+        <a:bodyPr spcFirstLastPara="0" vert="horz" wrap="square" lIns="11430" tIns="11430" rIns="11430" bIns="11430" numCol="1" spcCol="1270" anchor="ctr" anchorCtr="0">
           <a:noAutofit/>
         </a:bodyPr>
         <a:lstStyle/>
         <a:p>
-          <a:pPr marL="0" lvl="0" indent="0" algn="ctr" defTabSz="666750">
+          <a:pPr marL="0" lvl="0" indent="0" algn="ctr" defTabSz="800100">
             <a:lnSpc>
               <a:spcPct val="90000"/>
             </a:lnSpc>
@@ -24960,12 +26826,12 @@
             </a:spcAft>
             <a:buNone/>
           </a:pPr>
-          <a:endParaRPr lang="fr-FR" sz="1500" kern="1200" dirty="0"/>
+          <a:endParaRPr lang="fr-FR" sz="1800" kern="1200" dirty="0"/>
         </a:p>
       </dsp:txBody>
       <dsp:txXfrm>
-        <a:off x="3692859" y="3515944"/>
-        <a:ext cx="989707" cy="494853"/>
+        <a:off x="3794818" y="4147894"/>
+        <a:ext cx="1167715" cy="583857"/>
       </dsp:txXfrm>
     </dsp:sp>
     <dsp:sp modelId="{A9C3BF87-E420-4F76-8869-6D551F527E61}">
@@ -24975,8 +26841,8 @@
       </dsp:nvSpPr>
       <dsp:spPr>
         <a:xfrm>
-          <a:off x="3692859" y="4218636"/>
-          <a:ext cx="989707" cy="494853"/>
+          <a:off x="3794818" y="4976972"/>
+          <a:ext cx="1167715" cy="583857"/>
         </a:xfrm>
         <a:prstGeom prst="rect">
           <a:avLst/>
@@ -25033,12 +26899,12 @@
         </a:fontRef>
       </dsp:style>
       <dsp:txBody>
-        <a:bodyPr spcFirstLastPara="0" vert="horz" wrap="square" lIns="9525" tIns="9525" rIns="9525" bIns="9525" numCol="1" spcCol="1270" anchor="ctr" anchorCtr="0">
+        <a:bodyPr spcFirstLastPara="0" vert="horz" wrap="square" lIns="11430" tIns="11430" rIns="11430" bIns="11430" numCol="1" spcCol="1270" anchor="ctr" anchorCtr="0">
           <a:noAutofit/>
         </a:bodyPr>
         <a:lstStyle/>
         <a:p>
-          <a:pPr marL="0" lvl="0" indent="0" algn="ctr" defTabSz="666750">
+          <a:pPr marL="0" lvl="0" indent="0" algn="ctr" defTabSz="800100">
             <a:lnSpc>
               <a:spcPct val="90000"/>
             </a:lnSpc>
@@ -25050,12 +26916,12 @@
             </a:spcAft>
             <a:buNone/>
           </a:pPr>
-          <a:endParaRPr lang="fr-FR" sz="1500" kern="1200" dirty="0"/>
+          <a:endParaRPr lang="fr-FR" sz="1800" kern="1200" dirty="0"/>
         </a:p>
       </dsp:txBody>
       <dsp:txXfrm>
-        <a:off x="3692859" y="4218636"/>
-        <a:ext cx="989707" cy="494853"/>
+        <a:off x="3794818" y="4976972"/>
+        <a:ext cx="1167715" cy="583857"/>
       </dsp:txXfrm>
     </dsp:sp>
     <dsp:sp modelId="{B0B00126-12E3-456D-8771-808009E69833}">
@@ -25065,8 +26931,8 @@
       </dsp:nvSpPr>
       <dsp:spPr>
         <a:xfrm>
-          <a:off x="3692859" y="4921328"/>
-          <a:ext cx="989707" cy="494853"/>
+          <a:off x="3794818" y="5806050"/>
+          <a:ext cx="1167715" cy="583857"/>
         </a:xfrm>
         <a:prstGeom prst="rect">
           <a:avLst/>
@@ -25123,12 +26989,12 @@
         </a:fontRef>
       </dsp:style>
       <dsp:txBody>
-        <a:bodyPr spcFirstLastPara="0" vert="horz" wrap="square" lIns="9525" tIns="9525" rIns="9525" bIns="9525" numCol="1" spcCol="1270" anchor="ctr" anchorCtr="0">
+        <a:bodyPr spcFirstLastPara="0" vert="horz" wrap="square" lIns="11430" tIns="11430" rIns="11430" bIns="11430" numCol="1" spcCol="1270" anchor="ctr" anchorCtr="0">
           <a:noAutofit/>
         </a:bodyPr>
         <a:lstStyle/>
         <a:p>
-          <a:pPr marL="0" lvl="0" indent="0" algn="ctr" defTabSz="666750">
+          <a:pPr marL="0" lvl="0" indent="0" algn="ctr" defTabSz="800100">
             <a:lnSpc>
               <a:spcPct val="90000"/>
             </a:lnSpc>
@@ -25140,12 +27006,12 @@
             </a:spcAft>
             <a:buNone/>
           </a:pPr>
-          <a:endParaRPr lang="fr-FR" sz="1500" kern="1200" dirty="0"/>
+          <a:endParaRPr lang="fr-FR" sz="1800" kern="1200" dirty="0"/>
         </a:p>
       </dsp:txBody>
       <dsp:txXfrm>
-        <a:off x="3692859" y="4921328"/>
-        <a:ext cx="989707" cy="494853"/>
+        <a:off x="3794818" y="5806050"/>
+        <a:ext cx="1167715" cy="583857"/>
       </dsp:txXfrm>
     </dsp:sp>
     <dsp:sp modelId="{BD7BC386-928E-44A2-943E-924A2A8E5DED}">
@@ -25155,8 +27021,8 @@
       </dsp:nvSpPr>
       <dsp:spPr>
         <a:xfrm>
-          <a:off x="4642978" y="705176"/>
-          <a:ext cx="989707" cy="494853"/>
+          <a:off x="4915825" y="831580"/>
+          <a:ext cx="1167715" cy="583857"/>
         </a:xfrm>
         <a:prstGeom prst="rect">
           <a:avLst/>
@@ -25213,12 +27079,12 @@
         </a:fontRef>
       </dsp:style>
       <dsp:txBody>
-        <a:bodyPr spcFirstLastPara="0" vert="horz" wrap="square" lIns="9525" tIns="9525" rIns="9525" bIns="9525" numCol="1" spcCol="1270" anchor="ctr" anchorCtr="0">
+        <a:bodyPr spcFirstLastPara="0" vert="horz" wrap="square" lIns="11430" tIns="11430" rIns="11430" bIns="11430" numCol="1" spcCol="1270" anchor="ctr" anchorCtr="0">
           <a:noAutofit/>
         </a:bodyPr>
         <a:lstStyle/>
         <a:p>
-          <a:pPr marL="0" lvl="0" indent="0" algn="ctr" defTabSz="666750">
+          <a:pPr marL="0" lvl="0" indent="0" algn="ctr" defTabSz="800100">
             <a:lnSpc>
               <a:spcPct val="90000"/>
             </a:lnSpc>
@@ -25231,14 +27097,14 @@
             <a:buNone/>
           </a:pPr>
           <a:r>
-            <a:rPr lang="fr-FR" sz="1500" kern="1200" dirty="0"/>
+            <a:rPr lang="fr-FR" sz="1800" kern="1200" dirty="0"/>
             <a:t>Benoit</a:t>
           </a:r>
         </a:p>
       </dsp:txBody>
       <dsp:txXfrm>
-        <a:off x="4642978" y="705176"/>
-        <a:ext cx="989707" cy="494853"/>
+        <a:off x="4915825" y="831580"/>
+        <a:ext cx="1167715" cy="583857"/>
       </dsp:txXfrm>
     </dsp:sp>
     <dsp:sp modelId="{FA8D4A51-3B4E-44BD-9FAC-485B90328E56}">
@@ -25248,8 +27114,8 @@
       </dsp:nvSpPr>
       <dsp:spPr>
         <a:xfrm>
-          <a:off x="4890405" y="1407868"/>
-          <a:ext cx="989707" cy="494853"/>
+          <a:off x="5207754" y="1660659"/>
+          <a:ext cx="1167715" cy="583857"/>
         </a:xfrm>
         <a:prstGeom prst="rect">
           <a:avLst/>
@@ -25306,12 +27172,12 @@
         </a:fontRef>
       </dsp:style>
       <dsp:txBody>
-        <a:bodyPr spcFirstLastPara="0" vert="horz" wrap="square" lIns="9525" tIns="9525" rIns="9525" bIns="9525" numCol="1" spcCol="1270" anchor="ctr" anchorCtr="0">
+        <a:bodyPr spcFirstLastPara="0" vert="horz" wrap="square" lIns="11430" tIns="11430" rIns="11430" bIns="11430" numCol="1" spcCol="1270" anchor="ctr" anchorCtr="0">
           <a:noAutofit/>
         </a:bodyPr>
         <a:lstStyle/>
         <a:p>
-          <a:pPr marL="0" lvl="0" indent="0" algn="ctr" defTabSz="666750">
+          <a:pPr marL="0" lvl="0" indent="0" algn="ctr" defTabSz="800100">
             <a:lnSpc>
               <a:spcPct val="90000"/>
             </a:lnSpc>
@@ -25324,14 +27190,14 @@
             <a:buNone/>
           </a:pPr>
           <a:r>
-            <a:rPr lang="fr-FR" sz="1500" kern="1200" dirty="0"/>
+            <a:rPr lang="fr-FR" sz="1800" kern="1200" dirty="0"/>
             <a:t>3/4 modèles 3D</a:t>
           </a:r>
         </a:p>
       </dsp:txBody>
       <dsp:txXfrm>
-        <a:off x="4890405" y="1407868"/>
-        <a:ext cx="989707" cy="494853"/>
+        <a:off x="5207754" y="1660659"/>
+        <a:ext cx="1167715" cy="583857"/>
       </dsp:txXfrm>
     </dsp:sp>
     <dsp:sp modelId="{0B0655EA-32EE-42E2-B994-DCA2DE494B7E}">
@@ -25341,8 +27207,8 @@
       </dsp:nvSpPr>
       <dsp:spPr>
         <a:xfrm>
-          <a:off x="4890405" y="2110560"/>
-          <a:ext cx="989707" cy="494853"/>
+          <a:off x="5207754" y="2489737"/>
+          <a:ext cx="1167715" cy="583857"/>
         </a:xfrm>
         <a:prstGeom prst="rect">
           <a:avLst/>
@@ -25399,12 +27265,12 @@
         </a:fontRef>
       </dsp:style>
       <dsp:txBody>
-        <a:bodyPr spcFirstLastPara="0" vert="horz" wrap="square" lIns="9525" tIns="9525" rIns="9525" bIns="9525" numCol="1" spcCol="1270" anchor="ctr" anchorCtr="0">
+        <a:bodyPr spcFirstLastPara="0" vert="horz" wrap="square" lIns="11430" tIns="11430" rIns="11430" bIns="11430" numCol="1" spcCol="1270" anchor="ctr" anchorCtr="0">
           <a:noAutofit/>
         </a:bodyPr>
         <a:lstStyle/>
         <a:p>
-          <a:pPr marL="0" lvl="0" indent="0" algn="ctr" defTabSz="666750">
+          <a:pPr marL="0" lvl="0" indent="0" algn="ctr" defTabSz="800100">
             <a:lnSpc>
               <a:spcPct val="90000"/>
             </a:lnSpc>
@@ -25416,12 +27282,12 @@
             </a:spcAft>
             <a:buNone/>
           </a:pPr>
-          <a:endParaRPr lang="fr-FR" sz="1500" kern="1200" dirty="0"/>
+          <a:endParaRPr lang="fr-FR" sz="1800" kern="1200" dirty="0"/>
         </a:p>
       </dsp:txBody>
       <dsp:txXfrm>
-        <a:off x="4890405" y="2110560"/>
-        <a:ext cx="989707" cy="494853"/>
+        <a:off x="5207754" y="2489737"/>
+        <a:ext cx="1167715" cy="583857"/>
       </dsp:txXfrm>
     </dsp:sp>
     <dsp:sp modelId="{AAF14D4B-EA60-4616-802D-3CFB259972B4}">
@@ -25431,8 +27297,8 @@
       </dsp:nvSpPr>
       <dsp:spPr>
         <a:xfrm>
-          <a:off x="4890405" y="2813252"/>
-          <a:ext cx="989707" cy="494853"/>
+          <a:off x="5207754" y="3318815"/>
+          <a:ext cx="1167715" cy="583857"/>
         </a:xfrm>
         <a:prstGeom prst="rect">
           <a:avLst/>
@@ -25489,12 +27355,12 @@
         </a:fontRef>
       </dsp:style>
       <dsp:txBody>
-        <a:bodyPr spcFirstLastPara="0" vert="horz" wrap="square" lIns="9525" tIns="9525" rIns="9525" bIns="9525" numCol="1" spcCol="1270" anchor="ctr" anchorCtr="0">
+        <a:bodyPr spcFirstLastPara="0" vert="horz" wrap="square" lIns="11430" tIns="11430" rIns="11430" bIns="11430" numCol="1" spcCol="1270" anchor="ctr" anchorCtr="0">
           <a:noAutofit/>
         </a:bodyPr>
         <a:lstStyle/>
         <a:p>
-          <a:pPr marL="0" lvl="0" indent="0" algn="ctr" defTabSz="666750">
+          <a:pPr marL="0" lvl="0" indent="0" algn="ctr" defTabSz="800100">
             <a:lnSpc>
               <a:spcPct val="90000"/>
             </a:lnSpc>
@@ -25506,12 +27372,12 @@
             </a:spcAft>
             <a:buNone/>
           </a:pPr>
-          <a:endParaRPr lang="fr-FR" sz="1500" kern="1200" dirty="0"/>
+          <a:endParaRPr lang="fr-FR" sz="1800" kern="1200" dirty="0"/>
         </a:p>
       </dsp:txBody>
       <dsp:txXfrm>
-        <a:off x="4890405" y="2813252"/>
-        <a:ext cx="989707" cy="494853"/>
+        <a:off x="5207754" y="3318815"/>
+        <a:ext cx="1167715" cy="583857"/>
       </dsp:txXfrm>
     </dsp:sp>
     <dsp:sp modelId="{BFCA3D51-5581-4971-8FC8-5DB840369A8E}">
@@ -25521,8 +27387,8 @@
       </dsp:nvSpPr>
       <dsp:spPr>
         <a:xfrm>
-          <a:off x="4890405" y="3515944"/>
-          <a:ext cx="989707" cy="494853"/>
+          <a:off x="5207754" y="4147894"/>
+          <a:ext cx="1167715" cy="583857"/>
         </a:xfrm>
         <a:prstGeom prst="rect">
           <a:avLst/>
@@ -25579,12 +27445,12 @@
         </a:fontRef>
       </dsp:style>
       <dsp:txBody>
-        <a:bodyPr spcFirstLastPara="0" vert="horz" wrap="square" lIns="9525" tIns="9525" rIns="9525" bIns="9525" numCol="1" spcCol="1270" anchor="ctr" anchorCtr="0">
+        <a:bodyPr spcFirstLastPara="0" vert="horz" wrap="square" lIns="11430" tIns="11430" rIns="11430" bIns="11430" numCol="1" spcCol="1270" anchor="ctr" anchorCtr="0">
           <a:noAutofit/>
         </a:bodyPr>
         <a:lstStyle/>
         <a:p>
-          <a:pPr marL="0" lvl="0" indent="0" algn="ctr" defTabSz="666750">
+          <a:pPr marL="0" lvl="0" indent="0" algn="ctr" defTabSz="800100">
             <a:lnSpc>
               <a:spcPct val="90000"/>
             </a:lnSpc>
@@ -25596,12 +27462,12 @@
             </a:spcAft>
             <a:buNone/>
           </a:pPr>
-          <a:endParaRPr lang="fr-FR" sz="1500" kern="1200" dirty="0"/>
+          <a:endParaRPr lang="fr-FR" sz="1800" kern="1200" dirty="0"/>
         </a:p>
       </dsp:txBody>
       <dsp:txXfrm>
-        <a:off x="4890405" y="3515944"/>
-        <a:ext cx="989707" cy="494853"/>
+        <a:off x="5207754" y="4147894"/>
+        <a:ext cx="1167715" cy="583857"/>
       </dsp:txXfrm>
     </dsp:sp>
     <dsp:sp modelId="{6A41469F-AD57-4018-A96E-16621129E40C}">
@@ -25611,8 +27477,8 @@
       </dsp:nvSpPr>
       <dsp:spPr>
         <a:xfrm>
-          <a:off x="4890405" y="4218636"/>
-          <a:ext cx="989707" cy="494853"/>
+          <a:off x="5207754" y="4976972"/>
+          <a:ext cx="1167715" cy="583857"/>
         </a:xfrm>
         <a:prstGeom prst="rect">
           <a:avLst/>
@@ -25669,12 +27535,12 @@
         </a:fontRef>
       </dsp:style>
       <dsp:txBody>
-        <a:bodyPr spcFirstLastPara="0" vert="horz" wrap="square" lIns="9525" tIns="9525" rIns="9525" bIns="9525" numCol="1" spcCol="1270" anchor="ctr" anchorCtr="0">
+        <a:bodyPr spcFirstLastPara="0" vert="horz" wrap="square" lIns="11430" tIns="11430" rIns="11430" bIns="11430" numCol="1" spcCol="1270" anchor="ctr" anchorCtr="0">
           <a:noAutofit/>
         </a:bodyPr>
         <a:lstStyle/>
         <a:p>
-          <a:pPr marL="0" lvl="0" indent="0" algn="ctr" defTabSz="666750">
+          <a:pPr marL="0" lvl="0" indent="0" algn="ctr" defTabSz="800100">
             <a:lnSpc>
               <a:spcPct val="90000"/>
             </a:lnSpc>
@@ -25686,12 +27552,12 @@
             </a:spcAft>
             <a:buNone/>
           </a:pPr>
-          <a:endParaRPr lang="fr-FR" sz="1500" kern="1200" dirty="0"/>
+          <a:endParaRPr lang="fr-FR" sz="1800" kern="1200" dirty="0"/>
         </a:p>
       </dsp:txBody>
       <dsp:txXfrm>
-        <a:off x="4890405" y="4218636"/>
-        <a:ext cx="989707" cy="494853"/>
+        <a:off x="5207754" y="4976972"/>
+        <a:ext cx="1167715" cy="583857"/>
       </dsp:txXfrm>
     </dsp:sp>
     <dsp:sp modelId="{FDFBE678-6BFD-40C2-8415-DF93DCF6A28E}">
@@ -25701,8 +27567,8 @@
       </dsp:nvSpPr>
       <dsp:spPr>
         <a:xfrm>
-          <a:off x="4890405" y="4921328"/>
-          <a:ext cx="989707" cy="494853"/>
+          <a:off x="5207754" y="5806050"/>
+          <a:ext cx="1167715" cy="583857"/>
         </a:xfrm>
         <a:prstGeom prst="rect">
           <a:avLst/>
@@ -25759,12 +27625,12 @@
         </a:fontRef>
       </dsp:style>
       <dsp:txBody>
-        <a:bodyPr spcFirstLastPara="0" vert="horz" wrap="square" lIns="9525" tIns="9525" rIns="9525" bIns="9525" numCol="1" spcCol="1270" anchor="ctr" anchorCtr="0">
+        <a:bodyPr spcFirstLastPara="0" vert="horz" wrap="square" lIns="11430" tIns="11430" rIns="11430" bIns="11430" numCol="1" spcCol="1270" anchor="ctr" anchorCtr="0">
           <a:noAutofit/>
         </a:bodyPr>
         <a:lstStyle/>
         <a:p>
-          <a:pPr marL="0" lvl="0" indent="0" algn="ctr" defTabSz="666750">
+          <a:pPr marL="0" lvl="0" indent="0" algn="ctr" defTabSz="800100">
             <a:lnSpc>
               <a:spcPct val="90000"/>
             </a:lnSpc>
@@ -25776,12 +27642,12 @@
             </a:spcAft>
             <a:buNone/>
           </a:pPr>
-          <a:endParaRPr lang="fr-FR" sz="1500" kern="1200" dirty="0"/>
+          <a:endParaRPr lang="fr-FR" sz="1800" kern="1200" dirty="0"/>
         </a:p>
       </dsp:txBody>
       <dsp:txXfrm>
-        <a:off x="4890405" y="4921328"/>
-        <a:ext cx="989707" cy="494853"/>
+        <a:off x="5207754" y="5806050"/>
+        <a:ext cx="1167715" cy="583857"/>
       </dsp:txXfrm>
     </dsp:sp>
   </dsp:spTree>
@@ -35555,7 +37421,7 @@
           <p:nvPr>
             <p:extLst>
               <p:ext uri="{D42A27DB-BD31-4B8C-83A1-F6EECF244321}">
-                <p14:modId xmlns:p14="http://schemas.microsoft.com/office/powerpoint/2010/main" val="3634118940"/>
+                <p14:modId xmlns:p14="http://schemas.microsoft.com/office/powerpoint/2010/main" val="1601941290"/>
               </p:ext>
             </p:extLst>
           </p:nvPr>
@@ -35648,14 +37514,14 @@
           <p:nvPr>
             <p:extLst>
               <p:ext uri="{D42A27DB-BD31-4B8C-83A1-F6EECF244321}">
-                <p14:modId xmlns:p14="http://schemas.microsoft.com/office/powerpoint/2010/main" val="979064382"/>
+                <p14:modId xmlns:p14="http://schemas.microsoft.com/office/powerpoint/2010/main" val="2058540011"/>
               </p:ext>
             </p:extLst>
           </p:nvPr>
         </p:nvGraphicFramePr>
         <p:xfrm>
-          <a:off x="2032000" y="719666"/>
-          <a:ext cx="8128000" cy="5418667"/>
+          <a:off x="0" y="0"/>
+          <a:ext cx="12192000" cy="6858000"/>
         </p:xfrm>
         <a:graphic>
           <a:graphicData uri="http://schemas.openxmlformats.org/drawingml/2006/diagram">
@@ -35741,14 +37607,14 @@
           <p:nvPr>
             <p:extLst>
               <p:ext uri="{D42A27DB-BD31-4B8C-83A1-F6EECF244321}">
-                <p14:modId xmlns:p14="http://schemas.microsoft.com/office/powerpoint/2010/main" val="3108374668"/>
+                <p14:modId xmlns:p14="http://schemas.microsoft.com/office/powerpoint/2010/main" val="4154286380"/>
               </p:ext>
             </p:extLst>
           </p:nvPr>
         </p:nvGraphicFramePr>
         <p:xfrm>
-          <a:off x="2032000" y="719666"/>
-          <a:ext cx="8128000" cy="5418667"/>
+          <a:off x="1694576" y="234892"/>
+          <a:ext cx="8465424" cy="6392411"/>
         </p:xfrm>
         <a:graphic>
           <a:graphicData uri="http://schemas.openxmlformats.org/drawingml/2006/diagram">
